--- a/N65-HappyLunch.pptx
+++ b/N65-HappyLunch.pptx
@@ -5,7 +5,7 @@
     <p:sldMasterId id="2147483659" r:id="rId1"/>
   </p:sldMasterIdLst>
   <p:notesMasterIdLst>
-    <p:notesMasterId r:id="rId14"/>
+    <p:notesMasterId r:id="rId16"/>
   </p:notesMasterIdLst>
   <p:sldIdLst>
     <p:sldId id="258" r:id="rId2"/>
@@ -17,23 +17,25 @@
     <p:sldId id="286" r:id="rId8"/>
     <p:sldId id="287" r:id="rId9"/>
     <p:sldId id="256" r:id="rId10"/>
-    <p:sldId id="288" r:id="rId11"/>
-    <p:sldId id="289" r:id="rId12"/>
-    <p:sldId id="257" r:id="rId13"/>
+    <p:sldId id="290" r:id="rId11"/>
+    <p:sldId id="291" r:id="rId12"/>
+    <p:sldId id="288" r:id="rId13"/>
+    <p:sldId id="289" r:id="rId14"/>
+    <p:sldId id="257" r:id="rId15"/>
   </p:sldIdLst>
   <p:sldSz cx="9144000" cy="5143500" type="screen16x9"/>
   <p:notesSz cx="6858000" cy="9144000"/>
   <p:embeddedFontLst>
     <p:embeddedFont>
       <p:font typeface="Calibri" panose="020F0502020204030204" pitchFamily="34" charset="0"/>
-      <p:regular r:id="rId15"/>
-      <p:bold r:id="rId16"/>
-      <p:italic r:id="rId17"/>
-      <p:boldItalic r:id="rId18"/>
+      <p:regular r:id="rId17"/>
+      <p:bold r:id="rId18"/>
+      <p:italic r:id="rId19"/>
+      <p:boldItalic r:id="rId20"/>
     </p:embeddedFont>
     <p:embeddedFont>
       <p:font typeface="Pontano Sans" panose="020B0604020202020204" charset="0"/>
-      <p:regular r:id="rId19"/>
+      <p:regular r:id="rId21"/>
     </p:embeddedFont>
   </p:embeddedFontLst>
   <p:defaultTextStyle>
@@ -6711,7 +6713,7 @@
               <a:pPr>
                 <a:defRPr/>
               </a:pPr>
-              <a:t>5/4/2019</a:t>
+              <a:t>5/22/2019</a:t>
             </a:fld>
             <a:endParaRPr lang="en-US"/>
           </a:p>
@@ -6937,7 +6939,7 @@
           <a:p>
             <a:fld id="{C3FDDEC0-D219-487F-871F-573A0042689D}" type="datetimeFigureOut">
               <a:rPr lang="en-US" smtClean="0"/>
-              <a:t>5/4/2019</a:t>
+              <a:t>5/22/2019</a:t>
             </a:fld>
             <a:endParaRPr lang="en-US"/>
           </a:p>
@@ -8917,6 +8919,1055 @@
           <a:chExt cx="0" cy="0"/>
         </a:xfrm>
       </p:grpSpPr>
+      <p:sp>
+        <p:nvSpPr>
+          <p:cNvPr id="3" name="Title 2">
+            <a:extLst>
+              <a:ext uri="{FF2B5EF4-FFF2-40B4-BE49-F238E27FC236}">
+                <a16:creationId xmlns:a16="http://schemas.microsoft.com/office/drawing/2014/main" id="{7F1E0316-5DEB-421C-83A3-D93CB3432A0D}"/>
+              </a:ext>
+            </a:extLst>
+          </p:cNvPr>
+          <p:cNvSpPr>
+            <a:spLocks noGrp="1"/>
+          </p:cNvSpPr>
+          <p:nvPr>
+            <p:ph type="title"/>
+          </p:nvPr>
+        </p:nvSpPr>
+        <p:spPr/>
+        <p:txBody>
+          <a:bodyPr/>
+          <a:lstStyle/>
+          <a:p>
+            <a:r>
+              <a:rPr lang="en-SG" dirty="0" err="1"/>
+              <a:t>Các</a:t>
+            </a:r>
+            <a:r>
+              <a:rPr lang="en-SG" dirty="0"/>
+              <a:t> </a:t>
+            </a:r>
+            <a:r>
+              <a:rPr lang="en-SG" dirty="0" err="1"/>
+              <a:t>chức</a:t>
+            </a:r>
+            <a:r>
+              <a:rPr lang="en-SG" dirty="0"/>
+              <a:t> </a:t>
+            </a:r>
+            <a:r>
+              <a:rPr lang="en-SG" dirty="0" err="1"/>
+              <a:t>năng</a:t>
+            </a:r>
+            <a:endParaRPr lang="en-SG" dirty="0"/>
+          </a:p>
+        </p:txBody>
+      </p:sp>
+      <p:sp>
+        <p:nvSpPr>
+          <p:cNvPr id="5" name="Google Shape;151;p18">
+            <a:extLst>
+              <a:ext uri="{FF2B5EF4-FFF2-40B4-BE49-F238E27FC236}">
+                <a16:creationId xmlns:a16="http://schemas.microsoft.com/office/drawing/2014/main" id="{190C38A0-805A-4F9F-9A81-7A1507B8E151}"/>
+              </a:ext>
+            </a:extLst>
+          </p:cNvPr>
+          <p:cNvSpPr txBox="1">
+            <a:spLocks/>
+          </p:cNvSpPr>
+          <p:nvPr/>
+        </p:nvSpPr>
+        <p:spPr>
+          <a:xfrm>
+            <a:off x="457200" y="1406943"/>
+            <a:ext cx="5492496" cy="2445457"/>
+          </a:xfrm>
+          <a:prstGeom prst="rect">
+            <a:avLst/>
+          </a:prstGeom>
+        </p:spPr>
+        <p:txBody>
+          <a:bodyPr spcFirstLastPara="1" wrap="square" lIns="91425" tIns="91425" rIns="91425" bIns="91425" anchor="t" anchorCtr="0">
+            <a:noAutofit/>
+          </a:bodyPr>
+          <a:lstStyle>
+            <a:defPPr marR="0" lvl="0" algn="l" rtl="0">
+              <a:lnSpc>
+                <a:spcPct val="100000"/>
+              </a:lnSpc>
+              <a:spcBef>
+                <a:spcPts val="0"/>
+              </a:spcBef>
+              <a:spcAft>
+                <a:spcPts val="0"/>
+              </a:spcAft>
+            </a:defPPr>
+            <a:lvl1pPr marR="0" lvl="0" algn="l" rtl="0">
+              <a:lnSpc>
+                <a:spcPct val="100000"/>
+              </a:lnSpc>
+              <a:spcBef>
+                <a:spcPts val="0"/>
+              </a:spcBef>
+              <a:spcAft>
+                <a:spcPts val="0"/>
+              </a:spcAft>
+              <a:buClr>
+                <a:srgbClr val="000000"/>
+              </a:buClr>
+              <a:buFont typeface="Arial"/>
+              <a:defRPr sz="1400" b="0" i="0" u="none" strike="noStrike" cap="none">
+                <a:solidFill>
+                  <a:srgbClr val="000000"/>
+                </a:solidFill>
+                <a:latin typeface="Arial" panose="020B0604020202020204" pitchFamily="34" charset="0"/>
+                <a:ea typeface="Arial" panose="020B0604020202020204" pitchFamily="34" charset="0"/>
+                <a:cs typeface="Arial" panose="020B0604020202020204" pitchFamily="34" charset="0"/>
+                <a:sym typeface="Arial"/>
+              </a:defRPr>
+            </a:lvl1pPr>
+            <a:lvl2pPr marR="0" lvl="1" algn="l" rtl="0">
+              <a:lnSpc>
+                <a:spcPct val="100000"/>
+              </a:lnSpc>
+              <a:spcBef>
+                <a:spcPts val="0"/>
+              </a:spcBef>
+              <a:spcAft>
+                <a:spcPts val="0"/>
+              </a:spcAft>
+              <a:buClr>
+                <a:srgbClr val="000000"/>
+              </a:buClr>
+              <a:buFont typeface="Arial"/>
+              <a:defRPr sz="1400" b="0" i="0" u="none" strike="noStrike" cap="none">
+                <a:solidFill>
+                  <a:srgbClr val="000000"/>
+                </a:solidFill>
+                <a:latin typeface="Arial"/>
+                <a:ea typeface="Arial"/>
+                <a:cs typeface="Arial"/>
+                <a:sym typeface="Arial"/>
+              </a:defRPr>
+            </a:lvl2pPr>
+            <a:lvl3pPr marR="0" lvl="2" algn="l" rtl="0">
+              <a:lnSpc>
+                <a:spcPct val="100000"/>
+              </a:lnSpc>
+              <a:spcBef>
+                <a:spcPts val="0"/>
+              </a:spcBef>
+              <a:spcAft>
+                <a:spcPts val="0"/>
+              </a:spcAft>
+              <a:buClr>
+                <a:srgbClr val="000000"/>
+              </a:buClr>
+              <a:buFont typeface="Arial"/>
+              <a:defRPr sz="1400" b="0" i="0" u="none" strike="noStrike" cap="none">
+                <a:solidFill>
+                  <a:srgbClr val="000000"/>
+                </a:solidFill>
+                <a:latin typeface="Arial"/>
+                <a:ea typeface="Arial"/>
+                <a:cs typeface="Arial"/>
+                <a:sym typeface="Arial"/>
+              </a:defRPr>
+            </a:lvl3pPr>
+            <a:lvl4pPr marR="0" lvl="3" algn="l" rtl="0">
+              <a:lnSpc>
+                <a:spcPct val="100000"/>
+              </a:lnSpc>
+              <a:spcBef>
+                <a:spcPts val="0"/>
+              </a:spcBef>
+              <a:spcAft>
+                <a:spcPts val="0"/>
+              </a:spcAft>
+              <a:buClr>
+                <a:srgbClr val="000000"/>
+              </a:buClr>
+              <a:buFont typeface="Arial"/>
+              <a:defRPr sz="1400" b="0" i="0" u="none" strike="noStrike" cap="none">
+                <a:solidFill>
+                  <a:srgbClr val="000000"/>
+                </a:solidFill>
+                <a:latin typeface="Arial"/>
+                <a:ea typeface="Arial"/>
+                <a:cs typeface="Arial"/>
+                <a:sym typeface="Arial"/>
+              </a:defRPr>
+            </a:lvl4pPr>
+            <a:lvl5pPr marR="0" lvl="4" algn="l" rtl="0">
+              <a:lnSpc>
+                <a:spcPct val="100000"/>
+              </a:lnSpc>
+              <a:spcBef>
+                <a:spcPts val="0"/>
+              </a:spcBef>
+              <a:spcAft>
+                <a:spcPts val="0"/>
+              </a:spcAft>
+              <a:buClr>
+                <a:srgbClr val="000000"/>
+              </a:buClr>
+              <a:buFont typeface="Arial"/>
+              <a:defRPr sz="1400" b="0" i="0" u="none" strike="noStrike" cap="none">
+                <a:solidFill>
+                  <a:srgbClr val="000000"/>
+                </a:solidFill>
+                <a:latin typeface="Arial"/>
+                <a:ea typeface="Arial"/>
+                <a:cs typeface="Arial"/>
+                <a:sym typeface="Arial"/>
+              </a:defRPr>
+            </a:lvl5pPr>
+            <a:lvl6pPr marR="0" lvl="5" algn="l" rtl="0">
+              <a:lnSpc>
+                <a:spcPct val="100000"/>
+              </a:lnSpc>
+              <a:spcBef>
+                <a:spcPts val="0"/>
+              </a:spcBef>
+              <a:spcAft>
+                <a:spcPts val="0"/>
+              </a:spcAft>
+              <a:buClr>
+                <a:srgbClr val="000000"/>
+              </a:buClr>
+              <a:buFont typeface="Arial"/>
+              <a:defRPr sz="1400" b="0" i="0" u="none" strike="noStrike" cap="none">
+                <a:solidFill>
+                  <a:srgbClr val="000000"/>
+                </a:solidFill>
+                <a:latin typeface="Arial"/>
+                <a:ea typeface="Arial"/>
+                <a:cs typeface="Arial"/>
+                <a:sym typeface="Arial"/>
+              </a:defRPr>
+            </a:lvl6pPr>
+            <a:lvl7pPr marR="0" lvl="6" algn="l" rtl="0">
+              <a:lnSpc>
+                <a:spcPct val="100000"/>
+              </a:lnSpc>
+              <a:spcBef>
+                <a:spcPts val="0"/>
+              </a:spcBef>
+              <a:spcAft>
+                <a:spcPts val="0"/>
+              </a:spcAft>
+              <a:buClr>
+                <a:srgbClr val="000000"/>
+              </a:buClr>
+              <a:buFont typeface="Arial"/>
+              <a:defRPr sz="1400" b="0" i="0" u="none" strike="noStrike" cap="none">
+                <a:solidFill>
+                  <a:srgbClr val="000000"/>
+                </a:solidFill>
+                <a:latin typeface="Arial"/>
+                <a:ea typeface="Arial"/>
+                <a:cs typeface="Arial"/>
+                <a:sym typeface="Arial"/>
+              </a:defRPr>
+            </a:lvl7pPr>
+            <a:lvl8pPr marR="0" lvl="7" algn="l" rtl="0">
+              <a:lnSpc>
+                <a:spcPct val="100000"/>
+              </a:lnSpc>
+              <a:spcBef>
+                <a:spcPts val="0"/>
+              </a:spcBef>
+              <a:spcAft>
+                <a:spcPts val="0"/>
+              </a:spcAft>
+              <a:buClr>
+                <a:srgbClr val="000000"/>
+              </a:buClr>
+              <a:buFont typeface="Arial"/>
+              <a:defRPr sz="1400" b="0" i="0" u="none" strike="noStrike" cap="none">
+                <a:solidFill>
+                  <a:srgbClr val="000000"/>
+                </a:solidFill>
+                <a:latin typeface="Arial"/>
+                <a:ea typeface="Arial"/>
+                <a:cs typeface="Arial"/>
+                <a:sym typeface="Arial"/>
+              </a:defRPr>
+            </a:lvl8pPr>
+            <a:lvl9pPr marR="0" lvl="8" algn="l" rtl="0">
+              <a:lnSpc>
+                <a:spcPct val="100000"/>
+              </a:lnSpc>
+              <a:spcBef>
+                <a:spcPts val="0"/>
+              </a:spcBef>
+              <a:spcAft>
+                <a:spcPts val="0"/>
+              </a:spcAft>
+              <a:buClr>
+                <a:srgbClr val="000000"/>
+              </a:buClr>
+              <a:buFont typeface="Arial"/>
+              <a:defRPr sz="1400" b="0" i="0" u="none" strike="noStrike" cap="none">
+                <a:solidFill>
+                  <a:srgbClr val="000000"/>
+                </a:solidFill>
+                <a:latin typeface="Arial"/>
+                <a:ea typeface="Arial"/>
+                <a:cs typeface="Arial"/>
+                <a:sym typeface="Arial"/>
+              </a:defRPr>
+            </a:lvl9pPr>
+          </a:lstStyle>
+          <a:p>
+            <a:r>
+              <a:rPr lang="en-US" sz="2000" dirty="0"/>
+              <a:t>User:</a:t>
+            </a:r>
+          </a:p>
+          <a:p>
+            <a:pPr marL="342900" indent="-342900">
+              <a:buFont typeface="Arial" panose="020B0604020202020204" pitchFamily="34" charset="0"/>
+              <a:buChar char="•"/>
+            </a:pPr>
+            <a:r>
+              <a:rPr lang="en-US" sz="2000" dirty="0" err="1"/>
+              <a:t>Đăng</a:t>
+            </a:r>
+            <a:r>
+              <a:rPr lang="en-US" sz="2000" dirty="0"/>
+              <a:t> </a:t>
+            </a:r>
+            <a:r>
+              <a:rPr lang="en-US" sz="2000" dirty="0" err="1"/>
+              <a:t>kí</a:t>
+            </a:r>
+            <a:r>
+              <a:rPr lang="en-US" sz="2000" dirty="0"/>
+              <a:t>/ </a:t>
+            </a:r>
+            <a:r>
+              <a:rPr lang="en-US" sz="2000" dirty="0" err="1"/>
+              <a:t>đăng</a:t>
+            </a:r>
+            <a:r>
+              <a:rPr lang="en-US" sz="2000" dirty="0"/>
+              <a:t> </a:t>
+            </a:r>
+            <a:r>
+              <a:rPr lang="en-US" sz="2000" dirty="0" err="1"/>
+              <a:t>nhập</a:t>
+            </a:r>
+            <a:endParaRPr lang="en-US" sz="2000" dirty="0"/>
+          </a:p>
+          <a:p>
+            <a:pPr marL="342900" indent="-342900">
+              <a:buFont typeface="Arial" panose="020B0604020202020204" pitchFamily="34" charset="0"/>
+              <a:buChar char="•"/>
+            </a:pPr>
+            <a:r>
+              <a:rPr lang="en-US" sz="2000" dirty="0" err="1"/>
+              <a:t>Tìm</a:t>
+            </a:r>
+            <a:r>
+              <a:rPr lang="en-US" sz="2000" dirty="0"/>
+              <a:t> </a:t>
+            </a:r>
+            <a:r>
+              <a:rPr lang="en-US" sz="2000" dirty="0" err="1"/>
+              <a:t>kiếm</a:t>
+            </a:r>
+            <a:r>
+              <a:rPr lang="en-US" sz="2000" dirty="0"/>
+              <a:t> </a:t>
+            </a:r>
+            <a:r>
+              <a:rPr lang="en-US" sz="2000" dirty="0" err="1"/>
+              <a:t>món</a:t>
+            </a:r>
+            <a:r>
+              <a:rPr lang="en-US" sz="2000" dirty="0"/>
+              <a:t> </a:t>
+            </a:r>
+            <a:r>
+              <a:rPr lang="en-US" sz="2000" dirty="0" err="1"/>
+              <a:t>ăn</a:t>
+            </a:r>
+            <a:endParaRPr lang="en-US" sz="2000" dirty="0"/>
+          </a:p>
+          <a:p>
+            <a:pPr marL="342900" indent="-342900">
+              <a:buFont typeface="Arial" panose="020B0604020202020204" pitchFamily="34" charset="0"/>
+              <a:buChar char="•"/>
+            </a:pPr>
+            <a:r>
+              <a:rPr lang="en-US" sz="2000" dirty="0" err="1"/>
+              <a:t>Đặt</a:t>
+            </a:r>
+            <a:r>
+              <a:rPr lang="en-US" sz="2000" dirty="0"/>
+              <a:t> </a:t>
+            </a:r>
+            <a:r>
+              <a:rPr lang="en-US" sz="2000" dirty="0" err="1"/>
+              <a:t>hàng</a:t>
+            </a:r>
+            <a:endParaRPr lang="en-US" sz="2000" dirty="0"/>
+          </a:p>
+          <a:p>
+            <a:pPr marL="342900" indent="-342900">
+              <a:buFont typeface="Arial" panose="020B0604020202020204" pitchFamily="34" charset="0"/>
+              <a:buChar char="•"/>
+            </a:pPr>
+            <a:r>
+              <a:rPr lang="en-US" sz="2000" dirty="0"/>
+              <a:t>Thanh </a:t>
+            </a:r>
+            <a:r>
+              <a:rPr lang="en-US" sz="2000" dirty="0" err="1"/>
+              <a:t>toán</a:t>
+            </a:r>
+            <a:r>
+              <a:rPr lang="en-US" sz="2000" dirty="0"/>
+              <a:t> </a:t>
+            </a:r>
+            <a:r>
+              <a:rPr lang="en-US" sz="2000" dirty="0" err="1"/>
+              <a:t>giỏ</a:t>
+            </a:r>
+            <a:r>
+              <a:rPr lang="en-US" sz="2000" dirty="0"/>
+              <a:t> </a:t>
+            </a:r>
+            <a:r>
+              <a:rPr lang="en-US" sz="2000" dirty="0" err="1"/>
+              <a:t>hàng</a:t>
+            </a:r>
+            <a:endParaRPr lang="en-US" sz="2000" dirty="0"/>
+          </a:p>
+          <a:p>
+            <a:pPr marL="342900" indent="-342900">
+              <a:buFont typeface="Arial" panose="020B0604020202020204" pitchFamily="34" charset="0"/>
+              <a:buChar char="•"/>
+            </a:pPr>
+            <a:r>
+              <a:rPr lang="en-US" sz="2000" dirty="0" err="1"/>
+              <a:t>Sử</a:t>
+            </a:r>
+            <a:r>
+              <a:rPr lang="en-US" sz="2000" dirty="0"/>
+              <a:t> </a:t>
+            </a:r>
+            <a:r>
+              <a:rPr lang="en-US" sz="2000" dirty="0" err="1"/>
+              <a:t>dụng</a:t>
+            </a:r>
+            <a:r>
+              <a:rPr lang="en-US" sz="2000" dirty="0"/>
+              <a:t> (</a:t>
+            </a:r>
+            <a:r>
+              <a:rPr lang="en-US" sz="2000" dirty="0" err="1"/>
+              <a:t>mua</a:t>
+            </a:r>
+            <a:r>
+              <a:rPr lang="en-US" sz="2000" dirty="0"/>
+              <a:t> </a:t>
+            </a:r>
+            <a:r>
+              <a:rPr lang="en-US" sz="2000" dirty="0" err="1"/>
+              <a:t>và</a:t>
+            </a:r>
+            <a:r>
+              <a:rPr lang="en-US" sz="2000" dirty="0"/>
+              <a:t> </a:t>
+            </a:r>
+            <a:r>
+              <a:rPr lang="en-US" sz="2000" dirty="0" err="1"/>
+              <a:t>bán</a:t>
+            </a:r>
+            <a:r>
+              <a:rPr lang="en-US" sz="2000" dirty="0"/>
+              <a:t>) t</a:t>
+            </a:r>
+            <a:r>
+              <a:rPr lang="en-SG" sz="2000" dirty="0"/>
+              <a:t>ừ second shop</a:t>
+            </a:r>
+          </a:p>
+          <a:p>
+            <a:pPr marL="342900" indent="-342900">
+              <a:buFont typeface="Arial" panose="020B0604020202020204" pitchFamily="34" charset="0"/>
+              <a:buChar char="•"/>
+            </a:pPr>
+            <a:r>
+              <a:rPr lang="en-SG" sz="2000" dirty="0" err="1"/>
+              <a:t>Hiển</a:t>
+            </a:r>
+            <a:r>
+              <a:rPr lang="en-SG" sz="2000" dirty="0"/>
+              <a:t> </a:t>
+            </a:r>
+            <a:r>
+              <a:rPr lang="en-SG" sz="2000" dirty="0" err="1"/>
+              <a:t>thị</a:t>
+            </a:r>
+            <a:r>
+              <a:rPr lang="en-SG" sz="2000" dirty="0"/>
+              <a:t> </a:t>
+            </a:r>
+            <a:r>
+              <a:rPr lang="en-SG" sz="2000" dirty="0" err="1"/>
+              <a:t>thông</a:t>
+            </a:r>
+            <a:r>
+              <a:rPr lang="en-SG" sz="2000" dirty="0"/>
+              <a:t> </a:t>
+            </a:r>
+            <a:r>
+              <a:rPr lang="en-SG" sz="2000" dirty="0" err="1"/>
+              <a:t>báo</a:t>
+            </a:r>
+            <a:r>
+              <a:rPr lang="en-SG" sz="2000" dirty="0"/>
+              <a:t> </a:t>
+            </a:r>
+            <a:r>
+              <a:rPr lang="en-SG" sz="2000" dirty="0" err="1"/>
+              <a:t>sắp</a:t>
+            </a:r>
+            <a:r>
+              <a:rPr lang="en-SG" sz="2000" dirty="0"/>
+              <a:t> </a:t>
+            </a:r>
+            <a:r>
+              <a:rPr lang="en-SG" sz="2000" dirty="0" err="1"/>
+              <a:t>đến</a:t>
+            </a:r>
+            <a:r>
+              <a:rPr lang="en-SG" sz="2000" dirty="0"/>
+              <a:t> </a:t>
+            </a:r>
+            <a:r>
+              <a:rPr lang="en-SG" sz="2000" dirty="0" err="1"/>
+              <a:t>giờ</a:t>
+            </a:r>
+            <a:r>
+              <a:rPr lang="en-SG" sz="2000" dirty="0"/>
+              <a:t> </a:t>
+            </a:r>
+            <a:r>
+              <a:rPr lang="en-SG" sz="2000" dirty="0" err="1"/>
+              <a:t>lấy</a:t>
+            </a:r>
+            <a:r>
+              <a:rPr lang="en-SG" sz="2000" dirty="0"/>
+              <a:t> </a:t>
+            </a:r>
+            <a:r>
+              <a:rPr lang="en-SG" sz="2000" dirty="0" err="1"/>
+              <a:t>hàng</a:t>
+            </a:r>
+            <a:endParaRPr lang="en-US" sz="2000" dirty="0"/>
+          </a:p>
+          <a:p>
+            <a:pPr marL="342900" indent="-342900">
+              <a:buFont typeface="Arial" panose="020B0604020202020204" pitchFamily="34" charset="0"/>
+              <a:buChar char="•"/>
+            </a:pPr>
+            <a:endParaRPr lang="en-US" sz="2000" dirty="0"/>
+          </a:p>
+        </p:txBody>
+      </p:sp>
+    </p:spTree>
+    <p:extLst>
+      <p:ext uri="{BB962C8B-B14F-4D97-AF65-F5344CB8AC3E}">
+        <p14:creationId xmlns:p14="http://schemas.microsoft.com/office/powerpoint/2010/main" val="433539733"/>
+      </p:ext>
+    </p:extLst>
+  </p:cSld>
+  <p:clrMapOvr>
+    <a:masterClrMapping/>
+  </p:clrMapOvr>
+</p:sld>
+</file>
+
+<file path=ppt/slides/slide11.xml><?xml version="1.0" encoding="utf-8"?>
+<p:sld xmlns:a="http://schemas.openxmlformats.org/drawingml/2006/main" xmlns:r="http://schemas.openxmlformats.org/officeDocument/2006/relationships" xmlns:p="http://schemas.openxmlformats.org/presentationml/2006/main">
+  <p:cSld>
+    <p:spTree>
+      <p:nvGrpSpPr>
+        <p:cNvPr id="1" name=""/>
+        <p:cNvGrpSpPr/>
+        <p:nvPr/>
+      </p:nvGrpSpPr>
+      <p:grpSpPr>
+        <a:xfrm>
+          <a:off x="0" y="0"/>
+          <a:ext cx="0" cy="0"/>
+          <a:chOff x="0" y="0"/>
+          <a:chExt cx="0" cy="0"/>
+        </a:xfrm>
+      </p:grpSpPr>
+      <p:sp>
+        <p:nvSpPr>
+          <p:cNvPr id="3" name="Title 2">
+            <a:extLst>
+              <a:ext uri="{FF2B5EF4-FFF2-40B4-BE49-F238E27FC236}">
+                <a16:creationId xmlns:a16="http://schemas.microsoft.com/office/drawing/2014/main" id="{7F1E0316-5DEB-421C-83A3-D93CB3432A0D}"/>
+              </a:ext>
+            </a:extLst>
+          </p:cNvPr>
+          <p:cNvSpPr>
+            <a:spLocks noGrp="1"/>
+          </p:cNvSpPr>
+          <p:nvPr>
+            <p:ph type="title"/>
+          </p:nvPr>
+        </p:nvSpPr>
+        <p:spPr/>
+        <p:txBody>
+          <a:bodyPr/>
+          <a:lstStyle/>
+          <a:p>
+            <a:r>
+              <a:rPr lang="en-SG" dirty="0" err="1"/>
+              <a:t>Các</a:t>
+            </a:r>
+            <a:r>
+              <a:rPr lang="en-SG" dirty="0"/>
+              <a:t> </a:t>
+            </a:r>
+            <a:r>
+              <a:rPr lang="en-SG" dirty="0" err="1"/>
+              <a:t>chức</a:t>
+            </a:r>
+            <a:r>
+              <a:rPr lang="en-SG" dirty="0"/>
+              <a:t> </a:t>
+            </a:r>
+            <a:r>
+              <a:rPr lang="en-SG" dirty="0" err="1"/>
+              <a:t>năng</a:t>
+            </a:r>
+            <a:endParaRPr lang="en-SG" dirty="0"/>
+          </a:p>
+        </p:txBody>
+      </p:sp>
+      <p:sp>
+        <p:nvSpPr>
+          <p:cNvPr id="5" name="Google Shape;151;p18">
+            <a:extLst>
+              <a:ext uri="{FF2B5EF4-FFF2-40B4-BE49-F238E27FC236}">
+                <a16:creationId xmlns:a16="http://schemas.microsoft.com/office/drawing/2014/main" id="{190C38A0-805A-4F9F-9A81-7A1507B8E151}"/>
+              </a:ext>
+            </a:extLst>
+          </p:cNvPr>
+          <p:cNvSpPr txBox="1">
+            <a:spLocks/>
+          </p:cNvSpPr>
+          <p:nvPr/>
+        </p:nvSpPr>
+        <p:spPr>
+          <a:xfrm>
+            <a:off x="457200" y="1406943"/>
+            <a:ext cx="5492496" cy="2445457"/>
+          </a:xfrm>
+          <a:prstGeom prst="rect">
+            <a:avLst/>
+          </a:prstGeom>
+        </p:spPr>
+        <p:txBody>
+          <a:bodyPr spcFirstLastPara="1" wrap="square" lIns="91425" tIns="91425" rIns="91425" bIns="91425" anchor="t" anchorCtr="0">
+            <a:noAutofit/>
+          </a:bodyPr>
+          <a:lstStyle>
+            <a:defPPr marR="0" lvl="0" algn="l" rtl="0">
+              <a:lnSpc>
+                <a:spcPct val="100000"/>
+              </a:lnSpc>
+              <a:spcBef>
+                <a:spcPts val="0"/>
+              </a:spcBef>
+              <a:spcAft>
+                <a:spcPts val="0"/>
+              </a:spcAft>
+            </a:defPPr>
+            <a:lvl1pPr marR="0" lvl="0" algn="l" rtl="0">
+              <a:lnSpc>
+                <a:spcPct val="100000"/>
+              </a:lnSpc>
+              <a:spcBef>
+                <a:spcPts val="0"/>
+              </a:spcBef>
+              <a:spcAft>
+                <a:spcPts val="0"/>
+              </a:spcAft>
+              <a:buClr>
+                <a:srgbClr val="000000"/>
+              </a:buClr>
+              <a:buFont typeface="Arial"/>
+              <a:defRPr sz="1400" b="0" i="0" u="none" strike="noStrike" cap="none">
+                <a:solidFill>
+                  <a:srgbClr val="000000"/>
+                </a:solidFill>
+                <a:latin typeface="Arial" panose="020B0604020202020204" pitchFamily="34" charset="0"/>
+                <a:ea typeface="Arial" panose="020B0604020202020204" pitchFamily="34" charset="0"/>
+                <a:cs typeface="Arial" panose="020B0604020202020204" pitchFamily="34" charset="0"/>
+                <a:sym typeface="Arial"/>
+              </a:defRPr>
+            </a:lvl1pPr>
+            <a:lvl2pPr marR="0" lvl="1" algn="l" rtl="0">
+              <a:lnSpc>
+                <a:spcPct val="100000"/>
+              </a:lnSpc>
+              <a:spcBef>
+                <a:spcPts val="0"/>
+              </a:spcBef>
+              <a:spcAft>
+                <a:spcPts val="0"/>
+              </a:spcAft>
+              <a:buClr>
+                <a:srgbClr val="000000"/>
+              </a:buClr>
+              <a:buFont typeface="Arial"/>
+              <a:defRPr sz="1400" b="0" i="0" u="none" strike="noStrike" cap="none">
+                <a:solidFill>
+                  <a:srgbClr val="000000"/>
+                </a:solidFill>
+                <a:latin typeface="Arial"/>
+                <a:ea typeface="Arial"/>
+                <a:cs typeface="Arial"/>
+                <a:sym typeface="Arial"/>
+              </a:defRPr>
+            </a:lvl2pPr>
+            <a:lvl3pPr marR="0" lvl="2" algn="l" rtl="0">
+              <a:lnSpc>
+                <a:spcPct val="100000"/>
+              </a:lnSpc>
+              <a:spcBef>
+                <a:spcPts val="0"/>
+              </a:spcBef>
+              <a:spcAft>
+                <a:spcPts val="0"/>
+              </a:spcAft>
+              <a:buClr>
+                <a:srgbClr val="000000"/>
+              </a:buClr>
+              <a:buFont typeface="Arial"/>
+              <a:defRPr sz="1400" b="0" i="0" u="none" strike="noStrike" cap="none">
+                <a:solidFill>
+                  <a:srgbClr val="000000"/>
+                </a:solidFill>
+                <a:latin typeface="Arial"/>
+                <a:ea typeface="Arial"/>
+                <a:cs typeface="Arial"/>
+                <a:sym typeface="Arial"/>
+              </a:defRPr>
+            </a:lvl3pPr>
+            <a:lvl4pPr marR="0" lvl="3" algn="l" rtl="0">
+              <a:lnSpc>
+                <a:spcPct val="100000"/>
+              </a:lnSpc>
+              <a:spcBef>
+                <a:spcPts val="0"/>
+              </a:spcBef>
+              <a:spcAft>
+                <a:spcPts val="0"/>
+              </a:spcAft>
+              <a:buClr>
+                <a:srgbClr val="000000"/>
+              </a:buClr>
+              <a:buFont typeface="Arial"/>
+              <a:defRPr sz="1400" b="0" i="0" u="none" strike="noStrike" cap="none">
+                <a:solidFill>
+                  <a:srgbClr val="000000"/>
+                </a:solidFill>
+                <a:latin typeface="Arial"/>
+                <a:ea typeface="Arial"/>
+                <a:cs typeface="Arial"/>
+                <a:sym typeface="Arial"/>
+              </a:defRPr>
+            </a:lvl4pPr>
+            <a:lvl5pPr marR="0" lvl="4" algn="l" rtl="0">
+              <a:lnSpc>
+                <a:spcPct val="100000"/>
+              </a:lnSpc>
+              <a:spcBef>
+                <a:spcPts val="0"/>
+              </a:spcBef>
+              <a:spcAft>
+                <a:spcPts val="0"/>
+              </a:spcAft>
+              <a:buClr>
+                <a:srgbClr val="000000"/>
+              </a:buClr>
+              <a:buFont typeface="Arial"/>
+              <a:defRPr sz="1400" b="0" i="0" u="none" strike="noStrike" cap="none">
+                <a:solidFill>
+                  <a:srgbClr val="000000"/>
+                </a:solidFill>
+                <a:latin typeface="Arial"/>
+                <a:ea typeface="Arial"/>
+                <a:cs typeface="Arial"/>
+                <a:sym typeface="Arial"/>
+              </a:defRPr>
+            </a:lvl5pPr>
+            <a:lvl6pPr marR="0" lvl="5" algn="l" rtl="0">
+              <a:lnSpc>
+                <a:spcPct val="100000"/>
+              </a:lnSpc>
+              <a:spcBef>
+                <a:spcPts val="0"/>
+              </a:spcBef>
+              <a:spcAft>
+                <a:spcPts val="0"/>
+              </a:spcAft>
+              <a:buClr>
+                <a:srgbClr val="000000"/>
+              </a:buClr>
+              <a:buFont typeface="Arial"/>
+              <a:defRPr sz="1400" b="0" i="0" u="none" strike="noStrike" cap="none">
+                <a:solidFill>
+                  <a:srgbClr val="000000"/>
+                </a:solidFill>
+                <a:latin typeface="Arial"/>
+                <a:ea typeface="Arial"/>
+                <a:cs typeface="Arial"/>
+                <a:sym typeface="Arial"/>
+              </a:defRPr>
+            </a:lvl6pPr>
+            <a:lvl7pPr marR="0" lvl="6" algn="l" rtl="0">
+              <a:lnSpc>
+                <a:spcPct val="100000"/>
+              </a:lnSpc>
+              <a:spcBef>
+                <a:spcPts val="0"/>
+              </a:spcBef>
+              <a:spcAft>
+                <a:spcPts val="0"/>
+              </a:spcAft>
+              <a:buClr>
+                <a:srgbClr val="000000"/>
+              </a:buClr>
+              <a:buFont typeface="Arial"/>
+              <a:defRPr sz="1400" b="0" i="0" u="none" strike="noStrike" cap="none">
+                <a:solidFill>
+                  <a:srgbClr val="000000"/>
+                </a:solidFill>
+                <a:latin typeface="Arial"/>
+                <a:ea typeface="Arial"/>
+                <a:cs typeface="Arial"/>
+                <a:sym typeface="Arial"/>
+              </a:defRPr>
+            </a:lvl7pPr>
+            <a:lvl8pPr marR="0" lvl="7" algn="l" rtl="0">
+              <a:lnSpc>
+                <a:spcPct val="100000"/>
+              </a:lnSpc>
+              <a:spcBef>
+                <a:spcPts val="0"/>
+              </a:spcBef>
+              <a:spcAft>
+                <a:spcPts val="0"/>
+              </a:spcAft>
+              <a:buClr>
+                <a:srgbClr val="000000"/>
+              </a:buClr>
+              <a:buFont typeface="Arial"/>
+              <a:defRPr sz="1400" b="0" i="0" u="none" strike="noStrike" cap="none">
+                <a:solidFill>
+                  <a:srgbClr val="000000"/>
+                </a:solidFill>
+                <a:latin typeface="Arial"/>
+                <a:ea typeface="Arial"/>
+                <a:cs typeface="Arial"/>
+                <a:sym typeface="Arial"/>
+              </a:defRPr>
+            </a:lvl8pPr>
+            <a:lvl9pPr marR="0" lvl="8" algn="l" rtl="0">
+              <a:lnSpc>
+                <a:spcPct val="100000"/>
+              </a:lnSpc>
+              <a:spcBef>
+                <a:spcPts val="0"/>
+              </a:spcBef>
+              <a:spcAft>
+                <a:spcPts val="0"/>
+              </a:spcAft>
+              <a:buClr>
+                <a:srgbClr val="000000"/>
+              </a:buClr>
+              <a:buFont typeface="Arial"/>
+              <a:defRPr sz="1400" b="0" i="0" u="none" strike="noStrike" cap="none">
+                <a:solidFill>
+                  <a:srgbClr val="000000"/>
+                </a:solidFill>
+                <a:latin typeface="Arial"/>
+                <a:ea typeface="Arial"/>
+                <a:cs typeface="Arial"/>
+                <a:sym typeface="Arial"/>
+              </a:defRPr>
+            </a:lvl9pPr>
+          </a:lstStyle>
+          <a:p>
+            <a:r>
+              <a:rPr lang="en-US" sz="2000" dirty="0"/>
+              <a:t>Employee:</a:t>
+            </a:r>
+          </a:p>
+          <a:p>
+            <a:pPr marL="342900" indent="-342900">
+              <a:buFont typeface="Arial" panose="020B0604020202020204" pitchFamily="34" charset="0"/>
+              <a:buChar char="•"/>
+            </a:pPr>
+            <a:r>
+              <a:rPr lang="en-US" sz="2000" dirty="0" err="1"/>
+              <a:t>Đăng</a:t>
+            </a:r>
+            <a:r>
+              <a:rPr lang="en-US" sz="2000" dirty="0"/>
+              <a:t> </a:t>
+            </a:r>
+            <a:r>
+              <a:rPr lang="en-US" sz="2000" dirty="0" err="1"/>
+              <a:t>nhập</a:t>
+            </a:r>
+            <a:endParaRPr lang="en-US" sz="2000" dirty="0"/>
+          </a:p>
+          <a:p>
+            <a:pPr marL="342900" indent="-342900">
+              <a:buFont typeface="Arial" panose="020B0604020202020204" pitchFamily="34" charset="0"/>
+              <a:buChar char="•"/>
+            </a:pPr>
+            <a:r>
+              <a:rPr lang="en-US" sz="2000" dirty="0" err="1"/>
+              <a:t>Chọn</a:t>
+            </a:r>
+            <a:r>
+              <a:rPr lang="en-US" sz="2000" dirty="0"/>
+              <a:t> </a:t>
+            </a:r>
+            <a:r>
+              <a:rPr lang="en-US" sz="2000" dirty="0" err="1"/>
+              <a:t>món</a:t>
+            </a:r>
+            <a:r>
+              <a:rPr lang="en-US" sz="2000" dirty="0"/>
+              <a:t> </a:t>
+            </a:r>
+            <a:r>
+              <a:rPr lang="en-US" sz="2000" dirty="0" err="1"/>
+              <a:t>ăn</a:t>
+            </a:r>
+            <a:r>
+              <a:rPr lang="en-US" sz="2000" dirty="0"/>
+              <a:t> </a:t>
+            </a:r>
+            <a:r>
+              <a:rPr lang="en-US" sz="2000" dirty="0" err="1"/>
+              <a:t>để</a:t>
+            </a:r>
+            <a:r>
+              <a:rPr lang="en-US" sz="2000" dirty="0"/>
+              <a:t> </a:t>
+            </a:r>
+            <a:r>
+              <a:rPr lang="en-US" sz="2000" dirty="0" err="1"/>
+              <a:t>làm</a:t>
+            </a:r>
+            <a:endParaRPr lang="en-US" sz="2000" dirty="0"/>
+          </a:p>
+          <a:p>
+            <a:pPr marL="342900" indent="-342900">
+              <a:buFont typeface="Arial" panose="020B0604020202020204" pitchFamily="34" charset="0"/>
+              <a:buChar char="•"/>
+            </a:pPr>
+            <a:r>
+              <a:rPr lang="en-US" sz="2000" dirty="0" err="1"/>
+              <a:t>Nạp</a:t>
+            </a:r>
+            <a:r>
+              <a:rPr lang="en-US" sz="2000" dirty="0"/>
+              <a:t> </a:t>
+            </a:r>
+            <a:r>
+              <a:rPr lang="en-US" sz="2000" dirty="0" err="1"/>
+              <a:t>tiền</a:t>
+            </a:r>
+            <a:r>
+              <a:rPr lang="en-US" sz="2000" dirty="0"/>
+              <a:t> </a:t>
+            </a:r>
+            <a:r>
+              <a:rPr lang="en-US" sz="2000" dirty="0" err="1"/>
+              <a:t>cho</a:t>
+            </a:r>
+            <a:r>
+              <a:rPr lang="en-US" sz="2000" dirty="0"/>
+              <a:t> </a:t>
+            </a:r>
+            <a:r>
+              <a:rPr lang="en-US" sz="2000" dirty="0" err="1"/>
+              <a:t>khách</a:t>
+            </a:r>
+            <a:r>
+              <a:rPr lang="en-US" sz="2000" dirty="0"/>
+              <a:t> </a:t>
+            </a:r>
+            <a:r>
+              <a:rPr lang="en-US" sz="2000" dirty="0" err="1"/>
+              <a:t>hàng</a:t>
+            </a:r>
+            <a:endParaRPr lang="en-US" sz="2000" dirty="0"/>
+          </a:p>
+          <a:p>
+            <a:pPr marL="342900" indent="-342900">
+              <a:buFont typeface="Arial" panose="020B0604020202020204" pitchFamily="34" charset="0"/>
+              <a:buChar char="•"/>
+            </a:pPr>
+            <a:endParaRPr lang="en-US" sz="2000" dirty="0"/>
+          </a:p>
+          <a:p>
+            <a:pPr marL="342900" indent="-342900">
+              <a:buFont typeface="Arial" panose="020B0604020202020204" pitchFamily="34" charset="0"/>
+              <a:buChar char="•"/>
+            </a:pPr>
+            <a:endParaRPr lang="en-US" sz="2000" dirty="0"/>
+          </a:p>
+        </p:txBody>
+      </p:sp>
+    </p:spTree>
+    <p:extLst>
+      <p:ext uri="{BB962C8B-B14F-4D97-AF65-F5344CB8AC3E}">
+        <p14:creationId xmlns:p14="http://schemas.microsoft.com/office/powerpoint/2010/main" val="892729123"/>
+      </p:ext>
+    </p:extLst>
+  </p:cSld>
+  <p:clrMapOvr>
+    <a:masterClrMapping/>
+  </p:clrMapOvr>
+</p:sld>
+</file>
+
+<file path=ppt/slides/slide12.xml><?xml version="1.0" encoding="utf-8"?>
+<p:sld xmlns:a="http://schemas.openxmlformats.org/drawingml/2006/main" xmlns:r="http://schemas.openxmlformats.org/officeDocument/2006/relationships" xmlns:p="http://schemas.openxmlformats.org/presentationml/2006/main">
+  <p:cSld>
+    <p:spTree>
+      <p:nvGrpSpPr>
+        <p:cNvPr id="1" name=""/>
+        <p:cNvGrpSpPr/>
+        <p:nvPr/>
+      </p:nvGrpSpPr>
+      <p:grpSpPr>
+        <a:xfrm>
+          <a:off x="0" y="0"/>
+          <a:ext cx="0" cy="0"/>
+          <a:chOff x="0" y="0"/>
+          <a:chExt cx="0" cy="0"/>
+        </a:xfrm>
+      </p:grpSpPr>
       <p:graphicFrame>
         <p:nvGraphicFramePr>
           <p:cNvPr id="4" name="Table 3"/>
@@ -19939,15 +20990,19 @@
             </a:r>
             <a:r>
               <a:rPr lang="en-US" sz="2500" b="1" dirty="0" err="1"/>
-              <a:t>dự</a:t>
-            </a:r>
-            <a:r>
-              <a:rPr lang="en-US" sz="2500" b="1" dirty="0"/>
+              <a:t>th</a:t>
+            </a:r>
+            <a:r>
+              <a:rPr lang="en-SG" sz="2500" b="1" dirty="0" err="1"/>
+              <a:t>ực</a:t>
+            </a:r>
+            <a:r>
+              <a:rPr lang="en-SG" sz="2500" b="1" dirty="0"/>
               <a:t> </a:t>
             </a:r>
             <a:r>
-              <a:rPr lang="en-US" sz="2500" b="1" dirty="0" err="1"/>
-              <a:t>kiến</a:t>
+              <a:rPr lang="en-SG" sz="2500" b="1" dirty="0" err="1"/>
+              <a:t>hiện</a:t>
             </a:r>
             <a:endParaRPr lang="en-US" sz="2500" b="1" dirty="0"/>
           </a:p>
@@ -20026,7 +21081,7 @@
 </p:sld>
 </file>
 
-<file path=ppt/slides/slide11.xml><?xml version="1.0" encoding="utf-8"?>
+<file path=ppt/slides/slide13.xml><?xml version="1.0" encoding="utf-8"?>
 <p:sld xmlns:a="http://schemas.openxmlformats.org/drawingml/2006/main" xmlns:r="http://schemas.openxmlformats.org/officeDocument/2006/relationships" xmlns:p="http://schemas.openxmlformats.org/presentationml/2006/main">
   <p:cSld>
     <p:spTree>
@@ -20170,74 +21225,11 @@
               <a:rPr lang="en-US" sz="2000" dirty="0" err="1"/>
               <a:t>đợi</a:t>
             </a:r>
-            <a:endParaRPr lang="en-SG" sz="2000" dirty="0"/>
+            <a:endParaRPr lang="en-US" sz="2000"/>
           </a:p>
           <a:p>
             <a:r>
-              <a:rPr lang="en-US" sz="2000" dirty="0" err="1"/>
-              <a:t>Xây</a:t>
-            </a:r>
-            <a:r>
-              <a:rPr lang="en-US" sz="2000" dirty="0"/>
-              <a:t> </a:t>
-            </a:r>
-            <a:r>
-              <a:rPr lang="en-US" sz="2000" dirty="0" err="1"/>
-              <a:t>dựng</a:t>
-            </a:r>
-            <a:r>
-              <a:rPr lang="en-US" sz="2000" dirty="0"/>
-              <a:t> </a:t>
-            </a:r>
-            <a:r>
-              <a:rPr lang="en-US" sz="2000" dirty="0" err="1"/>
-              <a:t>thuật</a:t>
-            </a:r>
-            <a:r>
-              <a:rPr lang="en-US" sz="2000" dirty="0"/>
-              <a:t> </a:t>
-            </a:r>
-            <a:r>
-              <a:rPr lang="en-US" sz="2000" dirty="0" err="1"/>
-              <a:t>toán</a:t>
-            </a:r>
-            <a:r>
-              <a:rPr lang="en-US" sz="2000" dirty="0"/>
-              <a:t> </a:t>
-            </a:r>
-            <a:r>
-              <a:rPr lang="en-US" sz="2000" dirty="0" err="1"/>
-              <a:t>xử</a:t>
-            </a:r>
-            <a:r>
-              <a:rPr lang="en-US" sz="2000" dirty="0"/>
-              <a:t> </a:t>
-            </a:r>
-            <a:r>
-              <a:rPr lang="en-US" sz="2000" dirty="0" err="1"/>
-              <a:t>lý</a:t>
-            </a:r>
-            <a:r>
-              <a:rPr lang="en-US" sz="2000" dirty="0"/>
-              <a:t> đ</a:t>
-            </a:r>
-            <a:r>
-              <a:rPr lang="vi-VN" sz="2000" dirty="0"/>
-              <a:t>ơ</a:t>
-            </a:r>
-            <a:r>
-              <a:rPr lang="en-US" sz="2000" dirty="0"/>
-              <a:t>n </a:t>
-            </a:r>
-            <a:r>
-              <a:rPr lang="en-US" sz="2000" dirty="0" err="1"/>
-              <a:t>hàng</a:t>
-            </a:r>
-            <a:endParaRPr lang="en-US" sz="2000" dirty="0"/>
-          </a:p>
-          <a:p>
-            <a:r>
-              <a:rPr lang="en-US" sz="2000" dirty="0" err="1"/>
+              <a:rPr lang="en-US" sz="2000"/>
               <a:t>Trình</a:t>
             </a:r>
             <a:r>
@@ -20340,7 +21332,7 @@
             </a:pPr>
             <a:fld id="{00000000-1234-1234-1234-123412341234}" type="slidenum">
               <a:rPr lang="en"/>
-              <a:t>11</a:t>
+              <a:t>13</a:t>
             </a:fld>
             <a:endParaRPr dirty="0"/>
           </a:p>
@@ -20359,7 +21351,7 @@
 </p:sld>
 </file>
 
-<file path=ppt/slides/slide12.xml><?xml version="1.0" encoding="utf-8"?>
+<file path=ppt/slides/slide14.xml><?xml version="1.0" encoding="utf-8"?>
 <p:sld xmlns:a="http://schemas.openxmlformats.org/drawingml/2006/main" xmlns:r="http://schemas.openxmlformats.org/officeDocument/2006/relationships" xmlns:p="http://schemas.openxmlformats.org/presentationml/2006/main">
   <p:cSld>
     <p:spTree>

--- a/N65-HappyLunch.pptx
+++ b/N65-HappyLunch.pptx
@@ -2,40 +2,40 @@
 <file path=ppt/presentation.xml><?xml version="1.0" encoding="utf-8"?>
 <p:presentation xmlns:a="http://schemas.openxmlformats.org/drawingml/2006/main" xmlns:r="http://schemas.openxmlformats.org/officeDocument/2006/relationships" xmlns:p="http://schemas.openxmlformats.org/presentationml/2006/main" strictFirstAndLastChars="0" embedTrueTypeFonts="1" saveSubsetFonts="1" autoCompressPictures="0">
   <p:sldMasterIdLst>
-    <p:sldMasterId id="2147483659" r:id="rId1"/>
+    <p:sldMasterId id="2147483648" r:id="rId1"/>
   </p:sldMasterIdLst>
   <p:notesMasterIdLst>
-    <p:notesMasterId r:id="rId16"/>
+    <p:notesMasterId r:id="rId4"/>
   </p:notesMasterIdLst>
   <p:sldIdLst>
-    <p:sldId id="258" r:id="rId2"/>
-    <p:sldId id="262" r:id="rId3"/>
-    <p:sldId id="275" r:id="rId4"/>
-    <p:sldId id="261" r:id="rId5"/>
-    <p:sldId id="284" r:id="rId6"/>
-    <p:sldId id="285" r:id="rId7"/>
-    <p:sldId id="286" r:id="rId8"/>
-    <p:sldId id="287" r:id="rId9"/>
-    <p:sldId id="256" r:id="rId10"/>
-    <p:sldId id="290" r:id="rId11"/>
-    <p:sldId id="291" r:id="rId12"/>
-    <p:sldId id="288" r:id="rId13"/>
-    <p:sldId id="289" r:id="rId14"/>
-    <p:sldId id="257" r:id="rId15"/>
+    <p:sldId id="258" r:id="rId3"/>
+    <p:sldId id="262" r:id="rId5"/>
+    <p:sldId id="275" r:id="rId6"/>
+    <p:sldId id="261" r:id="rId7"/>
+    <p:sldId id="284" r:id="rId8"/>
+    <p:sldId id="285" r:id="rId9"/>
+    <p:sldId id="286" r:id="rId10"/>
+    <p:sldId id="287" r:id="rId11"/>
+    <p:sldId id="256" r:id="rId12"/>
+    <p:sldId id="290" r:id="rId13"/>
+    <p:sldId id="291" r:id="rId14"/>
+    <p:sldId id="288" r:id="rId15"/>
+    <p:sldId id="289" r:id="rId16"/>
+    <p:sldId id="257" r:id="rId17"/>
   </p:sldIdLst>
   <p:sldSz cx="9144000" cy="5143500" type="screen16x9"/>
   <p:notesSz cx="6858000" cy="9144000"/>
   <p:embeddedFontLst>
     <p:embeddedFont>
-      <p:font typeface="Calibri" panose="020F0502020204030204" pitchFamily="34" charset="0"/>
-      <p:regular r:id="rId17"/>
-      <p:bold r:id="rId18"/>
-      <p:italic r:id="rId19"/>
-      <p:boldItalic r:id="rId20"/>
+      <p:font typeface="Pontano Sans"/>
+      <p:regular r:id="rId21"/>
     </p:embeddedFont>
     <p:embeddedFont>
-      <p:font typeface="Pontano Sans" panose="020B0604020202020204" charset="0"/>
-      <p:regular r:id="rId21"/>
+      <p:font typeface="Calibri" panose="020F0502020204030204" pitchFamily="34" charset="0"/>
+      <p:regular r:id="rId22"/>
+      <p:bold r:id="rId23"/>
+      <p:italic r:id="rId24"/>
+      <p:boldItalic r:id="rId25"/>
     </p:embeddedFont>
   </p:embeddedFontLst>
   <p:defaultTextStyle>
@@ -63,15 +63,15 @@
       <a:buClr>
         <a:srgbClr val="000000"/>
       </a:buClr>
-      <a:buFont typeface="Arial"/>
+      <a:buFont typeface="Arial" panose="020B0604020202020204"/>
       <a:defRPr sz="1400" b="0" i="0" u="none" strike="noStrike" cap="none">
         <a:solidFill>
           <a:srgbClr val="000000"/>
         </a:solidFill>
-        <a:latin typeface="Arial"/>
-        <a:ea typeface="Arial"/>
-        <a:cs typeface="Arial"/>
-        <a:sym typeface="Arial"/>
+        <a:latin typeface="Arial" panose="020B0604020202020204"/>
+        <a:ea typeface="Arial" panose="020B0604020202020204"/>
+        <a:cs typeface="Arial" panose="020B0604020202020204"/>
+        <a:sym typeface="Arial" panose="020B0604020202020204"/>
       </a:defRPr>
     </a:lvl1pPr>
     <a:lvl2pPr marR="0" lvl="1" algn="l" rtl="0">
@@ -87,15 +87,15 @@
       <a:buClr>
         <a:srgbClr val="000000"/>
       </a:buClr>
-      <a:buFont typeface="Arial"/>
+      <a:buFont typeface="Arial" panose="020B0604020202020204"/>
       <a:defRPr sz="1400" b="0" i="0" u="none" strike="noStrike" cap="none">
         <a:solidFill>
           <a:srgbClr val="000000"/>
         </a:solidFill>
-        <a:latin typeface="Arial"/>
-        <a:ea typeface="Arial"/>
-        <a:cs typeface="Arial"/>
-        <a:sym typeface="Arial"/>
+        <a:latin typeface="Arial" panose="020B0604020202020204"/>
+        <a:ea typeface="Arial" panose="020B0604020202020204"/>
+        <a:cs typeface="Arial" panose="020B0604020202020204"/>
+        <a:sym typeface="Arial" panose="020B0604020202020204"/>
       </a:defRPr>
     </a:lvl2pPr>
     <a:lvl3pPr marR="0" lvl="2" algn="l" rtl="0">
@@ -111,15 +111,15 @@
       <a:buClr>
         <a:srgbClr val="000000"/>
       </a:buClr>
-      <a:buFont typeface="Arial"/>
+      <a:buFont typeface="Arial" panose="020B0604020202020204"/>
       <a:defRPr sz="1400" b="0" i="0" u="none" strike="noStrike" cap="none">
         <a:solidFill>
           <a:srgbClr val="000000"/>
         </a:solidFill>
-        <a:latin typeface="Arial"/>
-        <a:ea typeface="Arial"/>
-        <a:cs typeface="Arial"/>
-        <a:sym typeface="Arial"/>
+        <a:latin typeface="Arial" panose="020B0604020202020204"/>
+        <a:ea typeface="Arial" panose="020B0604020202020204"/>
+        <a:cs typeface="Arial" panose="020B0604020202020204"/>
+        <a:sym typeface="Arial" panose="020B0604020202020204"/>
       </a:defRPr>
     </a:lvl3pPr>
     <a:lvl4pPr marR="0" lvl="3" algn="l" rtl="0">
@@ -135,15 +135,15 @@
       <a:buClr>
         <a:srgbClr val="000000"/>
       </a:buClr>
-      <a:buFont typeface="Arial"/>
+      <a:buFont typeface="Arial" panose="020B0604020202020204"/>
       <a:defRPr sz="1400" b="0" i="0" u="none" strike="noStrike" cap="none">
         <a:solidFill>
           <a:srgbClr val="000000"/>
         </a:solidFill>
-        <a:latin typeface="Arial"/>
-        <a:ea typeface="Arial"/>
-        <a:cs typeface="Arial"/>
-        <a:sym typeface="Arial"/>
+        <a:latin typeface="Arial" panose="020B0604020202020204"/>
+        <a:ea typeface="Arial" panose="020B0604020202020204"/>
+        <a:cs typeface="Arial" panose="020B0604020202020204"/>
+        <a:sym typeface="Arial" panose="020B0604020202020204"/>
       </a:defRPr>
     </a:lvl4pPr>
     <a:lvl5pPr marR="0" lvl="4" algn="l" rtl="0">
@@ -159,15 +159,15 @@
       <a:buClr>
         <a:srgbClr val="000000"/>
       </a:buClr>
-      <a:buFont typeface="Arial"/>
+      <a:buFont typeface="Arial" panose="020B0604020202020204"/>
       <a:defRPr sz="1400" b="0" i="0" u="none" strike="noStrike" cap="none">
         <a:solidFill>
           <a:srgbClr val="000000"/>
         </a:solidFill>
-        <a:latin typeface="Arial"/>
-        <a:ea typeface="Arial"/>
-        <a:cs typeface="Arial"/>
-        <a:sym typeface="Arial"/>
+        <a:latin typeface="Arial" panose="020B0604020202020204"/>
+        <a:ea typeface="Arial" panose="020B0604020202020204"/>
+        <a:cs typeface="Arial" panose="020B0604020202020204"/>
+        <a:sym typeface="Arial" panose="020B0604020202020204"/>
       </a:defRPr>
     </a:lvl5pPr>
     <a:lvl6pPr marR="0" lvl="5" algn="l" rtl="0">
@@ -183,15 +183,15 @@
       <a:buClr>
         <a:srgbClr val="000000"/>
       </a:buClr>
-      <a:buFont typeface="Arial"/>
+      <a:buFont typeface="Arial" panose="020B0604020202020204"/>
       <a:defRPr sz="1400" b="0" i="0" u="none" strike="noStrike" cap="none">
         <a:solidFill>
           <a:srgbClr val="000000"/>
         </a:solidFill>
-        <a:latin typeface="Arial"/>
-        <a:ea typeface="Arial"/>
-        <a:cs typeface="Arial"/>
-        <a:sym typeface="Arial"/>
+        <a:latin typeface="Arial" panose="020B0604020202020204"/>
+        <a:ea typeface="Arial" panose="020B0604020202020204"/>
+        <a:cs typeface="Arial" panose="020B0604020202020204"/>
+        <a:sym typeface="Arial" panose="020B0604020202020204"/>
       </a:defRPr>
     </a:lvl6pPr>
     <a:lvl7pPr marR="0" lvl="6" algn="l" rtl="0">
@@ -207,15 +207,15 @@
       <a:buClr>
         <a:srgbClr val="000000"/>
       </a:buClr>
-      <a:buFont typeface="Arial"/>
+      <a:buFont typeface="Arial" panose="020B0604020202020204"/>
       <a:defRPr sz="1400" b="0" i="0" u="none" strike="noStrike" cap="none">
         <a:solidFill>
           <a:srgbClr val="000000"/>
         </a:solidFill>
-        <a:latin typeface="Arial"/>
-        <a:ea typeface="Arial"/>
-        <a:cs typeface="Arial"/>
-        <a:sym typeface="Arial"/>
+        <a:latin typeface="Arial" panose="020B0604020202020204"/>
+        <a:ea typeface="Arial" panose="020B0604020202020204"/>
+        <a:cs typeface="Arial" panose="020B0604020202020204"/>
+        <a:sym typeface="Arial" panose="020B0604020202020204"/>
       </a:defRPr>
     </a:lvl7pPr>
     <a:lvl8pPr marR="0" lvl="7" algn="l" rtl="0">
@@ -231,15 +231,15 @@
       <a:buClr>
         <a:srgbClr val="000000"/>
       </a:buClr>
-      <a:buFont typeface="Arial"/>
+      <a:buFont typeface="Arial" panose="020B0604020202020204"/>
       <a:defRPr sz="1400" b="0" i="0" u="none" strike="noStrike" cap="none">
         <a:solidFill>
           <a:srgbClr val="000000"/>
         </a:solidFill>
-        <a:latin typeface="Arial"/>
-        <a:ea typeface="Arial"/>
-        <a:cs typeface="Arial"/>
-        <a:sym typeface="Arial"/>
+        <a:latin typeface="Arial" panose="020B0604020202020204"/>
+        <a:ea typeface="Arial" panose="020B0604020202020204"/>
+        <a:cs typeface="Arial" panose="020B0604020202020204"/>
+        <a:sym typeface="Arial" panose="020B0604020202020204"/>
       </a:defRPr>
     </a:lvl8pPr>
     <a:lvl9pPr marR="0" lvl="8" algn="l" rtl="0">
@@ -255,23 +255,18 @@
       <a:buClr>
         <a:srgbClr val="000000"/>
       </a:buClr>
-      <a:buFont typeface="Arial"/>
+      <a:buFont typeface="Arial" panose="020B0604020202020204"/>
       <a:defRPr sz="1400" b="0" i="0" u="none" strike="noStrike" cap="none">
         <a:solidFill>
           <a:srgbClr val="000000"/>
         </a:solidFill>
-        <a:latin typeface="Arial"/>
-        <a:ea typeface="Arial"/>
-        <a:cs typeface="Arial"/>
-        <a:sym typeface="Arial"/>
+        <a:latin typeface="Arial" panose="020B0604020202020204"/>
+        <a:ea typeface="Arial" panose="020B0604020202020204"/>
+        <a:cs typeface="Arial" panose="020B0604020202020204"/>
+        <a:sym typeface="Arial" panose="020B0604020202020204"/>
       </a:defRPr>
     </a:lvl9pPr>
   </p:defaultTextStyle>
-  <p:extLst>
-    <p:ext uri="{EFAFB233-063F-42B5-8137-9DF3F51BA10A}">
-      <p15:sldGuideLst xmlns:p15="http://schemas.microsoft.com/office/powerpoint/2012/main"/>
-    </p:ext>
-  </p:extLst>
 </p:presentation>
 </file>
 
@@ -282,117 +277,39 @@
   <dgm:catLst>
     <dgm:cat type="accent1" pri="11200"/>
   </dgm:catLst>
-  <dgm:styleLbl name="node0">
+  <dgm:styleLbl name="alignAcc1">
     <dgm:fillClrLst meth="repeat">
-      <a:schemeClr val="accent1"/>
-    </dgm:fillClrLst>
-    <dgm:linClrLst meth="repeat">
-      <a:schemeClr val="lt1"/>
-    </dgm:linClrLst>
-    <dgm:effectClrLst/>
-    <dgm:txLinClrLst/>
-    <dgm:txFillClrLst/>
-    <dgm:txEffectClrLst/>
-  </dgm:styleLbl>
-  <dgm:styleLbl name="alignNode1">
-    <dgm:fillClrLst meth="repeat">
-      <a:schemeClr val="accent1"/>
+      <a:schemeClr val="lt1">
+        <a:alpha val="90000"/>
+      </a:schemeClr>
     </dgm:fillClrLst>
     <dgm:linClrLst meth="repeat">
       <a:schemeClr val="accent1"/>
     </dgm:linClrLst>
     <dgm:effectClrLst/>
     <dgm:txLinClrLst/>
-    <dgm:txFillClrLst/>
+    <dgm:txFillClrLst meth="repeat">
+      <a:schemeClr val="dk1"/>
+    </dgm:txFillClrLst>
     <dgm:txEffectClrLst/>
   </dgm:styleLbl>
-  <dgm:styleLbl name="node1">
-    <dgm:fillClrLst meth="repeat">
-      <a:schemeClr val="accent1"/>
-    </dgm:fillClrLst>
-    <dgm:linClrLst meth="repeat">
-      <a:schemeClr val="lt1"/>
-    </dgm:linClrLst>
-    <dgm:effectClrLst/>
-    <dgm:txLinClrLst/>
-    <dgm:txFillClrLst/>
-    <dgm:txEffectClrLst/>
-  </dgm:styleLbl>
-  <dgm:styleLbl name="lnNode1">
-    <dgm:fillClrLst meth="repeat">
-      <a:schemeClr val="accent1"/>
-    </dgm:fillClrLst>
-    <dgm:linClrLst meth="repeat">
-      <a:schemeClr val="lt1"/>
-    </dgm:linClrLst>
-    <dgm:effectClrLst/>
-    <dgm:txLinClrLst/>
-    <dgm:txFillClrLst/>
-    <dgm:txEffectClrLst/>
-  </dgm:styleLbl>
-  <dgm:styleLbl name="vennNode1">
+  <dgm:styleLbl name="alignAccFollowNode1">
     <dgm:fillClrLst meth="repeat">
       <a:schemeClr val="accent1">
-        <a:alpha val="50000"/>
+        <a:alpha val="90000"/>
+        <a:tint val="40000"/>
       </a:schemeClr>
     </dgm:fillClrLst>
     <dgm:linClrLst meth="repeat">
-      <a:schemeClr val="lt1"/>
-    </dgm:linClrLst>
-    <dgm:effectClrLst/>
-    <dgm:txLinClrLst/>
-    <dgm:txFillClrLst/>
-    <dgm:txEffectClrLst/>
-  </dgm:styleLbl>
-  <dgm:styleLbl name="node2">
-    <dgm:fillClrLst meth="repeat">
-      <a:schemeClr val="accent1"/>
-    </dgm:fillClrLst>
-    <dgm:linClrLst meth="repeat">
-      <a:schemeClr val="lt1"/>
-    </dgm:linClrLst>
-    <dgm:effectClrLst/>
-    <dgm:txLinClrLst/>
-    <dgm:txFillClrLst/>
-    <dgm:txEffectClrLst/>
-  </dgm:styleLbl>
-  <dgm:styleLbl name="node3">
-    <dgm:fillClrLst meth="repeat">
-      <a:schemeClr val="accent1"/>
-    </dgm:fillClrLst>
-    <dgm:linClrLst meth="repeat">
-      <a:schemeClr val="lt1"/>
-    </dgm:linClrLst>
-    <dgm:effectClrLst/>
-    <dgm:txLinClrLst/>
-    <dgm:txFillClrLst/>
-    <dgm:txEffectClrLst/>
-  </dgm:styleLbl>
-  <dgm:styleLbl name="node4">
-    <dgm:fillClrLst meth="repeat">
-      <a:schemeClr val="accent1"/>
-    </dgm:fillClrLst>
-    <dgm:linClrLst meth="repeat">
-      <a:schemeClr val="lt1"/>
-    </dgm:linClrLst>
-    <dgm:effectClrLst/>
-    <dgm:txLinClrLst/>
-    <dgm:txFillClrLst/>
-    <dgm:txEffectClrLst/>
-  </dgm:styleLbl>
-  <dgm:styleLbl name="fgImgPlace1">
-    <dgm:fillClrLst meth="repeat">
       <a:schemeClr val="accent1">
-        <a:tint val="50000"/>
+        <a:alpha val="90000"/>
+        <a:tint val="40000"/>
       </a:schemeClr>
-    </dgm:fillClrLst>
-    <dgm:linClrLst meth="repeat">
-      <a:schemeClr val="lt1"/>
     </dgm:linClrLst>
     <dgm:effectClrLst/>
     <dgm:txLinClrLst/>
     <dgm:txFillClrLst meth="repeat">
-      <a:schemeClr val="lt1"/>
+      <a:schemeClr val="dk1"/>
     </dgm:txFillClrLst>
     <dgm:txEffectClrLst/>
   </dgm:styleLbl>
@@ -412,71 +329,7 @@
     </dgm:txFillClrLst>
     <dgm:txEffectClrLst/>
   </dgm:styleLbl>
-  <dgm:styleLbl name="bgImgPlace1">
-    <dgm:fillClrLst meth="repeat">
-      <a:schemeClr val="accent1">
-        <a:tint val="50000"/>
-      </a:schemeClr>
-    </dgm:fillClrLst>
-    <dgm:linClrLst meth="repeat">
-      <a:schemeClr val="lt1"/>
-    </dgm:linClrLst>
-    <dgm:effectClrLst/>
-    <dgm:txLinClrLst/>
-    <dgm:txFillClrLst meth="repeat">
-      <a:schemeClr val="lt1"/>
-    </dgm:txFillClrLst>
-    <dgm:txEffectClrLst/>
-  </dgm:styleLbl>
-  <dgm:styleLbl name="sibTrans2D1">
-    <dgm:fillClrLst meth="repeat">
-      <a:schemeClr val="accent1">
-        <a:tint val="60000"/>
-      </a:schemeClr>
-    </dgm:fillClrLst>
-    <dgm:linClrLst meth="repeat">
-      <a:schemeClr val="accent1">
-        <a:tint val="60000"/>
-      </a:schemeClr>
-    </dgm:linClrLst>
-    <dgm:effectClrLst/>
-    <dgm:txLinClrLst/>
-    <dgm:txFillClrLst/>
-    <dgm:txEffectClrLst/>
-  </dgm:styleLbl>
-  <dgm:styleLbl name="fgSibTrans2D1">
-    <dgm:fillClrLst meth="repeat">
-      <a:schemeClr val="accent1">
-        <a:tint val="60000"/>
-      </a:schemeClr>
-    </dgm:fillClrLst>
-    <dgm:linClrLst meth="repeat">
-      <a:schemeClr val="accent1">
-        <a:tint val="60000"/>
-      </a:schemeClr>
-    </dgm:linClrLst>
-    <dgm:effectClrLst/>
-    <dgm:txLinClrLst/>
-    <dgm:txFillClrLst/>
-    <dgm:txEffectClrLst/>
-  </dgm:styleLbl>
-  <dgm:styleLbl name="bgSibTrans2D1">
-    <dgm:fillClrLst meth="repeat">
-      <a:schemeClr val="accent1">
-        <a:tint val="60000"/>
-      </a:schemeClr>
-    </dgm:fillClrLst>
-    <dgm:linClrLst meth="repeat">
-      <a:schemeClr val="accent1">
-        <a:tint val="60000"/>
-      </a:schemeClr>
-    </dgm:linClrLst>
-    <dgm:effectClrLst/>
-    <dgm:txLinClrLst/>
-    <dgm:txFillClrLst/>
-    <dgm:txEffectClrLst/>
-  </dgm:styleLbl>
-  <dgm:styleLbl name="sibTrans1D1">
+  <dgm:styleLbl name="alignNode1">
     <dgm:fillClrLst meth="repeat">
       <a:schemeClr val="accent1"/>
     </dgm:fillClrLst>
@@ -485,25 +338,7 @@
     </dgm:linClrLst>
     <dgm:effectClrLst/>
     <dgm:txLinClrLst/>
-    <dgm:txFillClrLst meth="repeat">
-      <a:schemeClr val="tx1"/>
-    </dgm:txFillClrLst>
-    <dgm:txEffectClrLst/>
-  </dgm:styleLbl>
-  <dgm:styleLbl name="callout">
-    <dgm:fillClrLst meth="repeat">
-      <a:schemeClr val="accent1"/>
-    </dgm:fillClrLst>
-    <dgm:linClrLst meth="repeat">
-      <a:schemeClr val="accent1">
-        <a:tint val="50000"/>
-      </a:schemeClr>
-    </dgm:linClrLst>
-    <dgm:effectClrLst/>
-    <dgm:txLinClrLst/>
-    <dgm:txFillClrLst meth="repeat">
-      <a:schemeClr val="tx1"/>
-    </dgm:txFillClrLst>
+    <dgm:txFillClrLst/>
     <dgm:txEffectClrLst/>
   </dgm:styleLbl>
   <dgm:styleLbl name="asst0">
@@ -566,7 +401,75 @@
     <dgm:txFillClrLst/>
     <dgm:txEffectClrLst/>
   </dgm:styleLbl>
-  <dgm:styleLbl name="parChTrans2D1">
+  <dgm:styleLbl name="bgAcc1">
+    <dgm:fillClrLst meth="repeat">
+      <a:schemeClr val="lt1">
+        <a:alpha val="90000"/>
+      </a:schemeClr>
+    </dgm:fillClrLst>
+    <dgm:linClrLst meth="repeat">
+      <a:schemeClr val="accent1"/>
+    </dgm:linClrLst>
+    <dgm:effectClrLst/>
+    <dgm:txLinClrLst/>
+    <dgm:txFillClrLst meth="repeat">
+      <a:schemeClr val="dk1"/>
+    </dgm:txFillClrLst>
+    <dgm:txEffectClrLst/>
+  </dgm:styleLbl>
+  <dgm:styleLbl name="bgAccFollowNode1">
+    <dgm:fillClrLst meth="repeat">
+      <a:schemeClr val="accent1">
+        <a:alpha val="90000"/>
+        <a:tint val="40000"/>
+      </a:schemeClr>
+    </dgm:fillClrLst>
+    <dgm:linClrLst meth="repeat">
+      <a:schemeClr val="accent1">
+        <a:alpha val="90000"/>
+        <a:tint val="40000"/>
+      </a:schemeClr>
+    </dgm:linClrLst>
+    <dgm:effectClrLst/>
+    <dgm:txLinClrLst/>
+    <dgm:txFillClrLst meth="repeat">
+      <a:schemeClr val="dk1"/>
+    </dgm:txFillClrLst>
+    <dgm:txEffectClrLst/>
+  </dgm:styleLbl>
+  <dgm:styleLbl name="bgImgPlace1">
+    <dgm:fillClrLst meth="repeat">
+      <a:schemeClr val="accent1">
+        <a:tint val="50000"/>
+      </a:schemeClr>
+    </dgm:fillClrLst>
+    <dgm:linClrLst meth="repeat">
+      <a:schemeClr val="lt1"/>
+    </dgm:linClrLst>
+    <dgm:effectClrLst/>
+    <dgm:txLinClrLst/>
+    <dgm:txFillClrLst meth="repeat">
+      <a:schemeClr val="lt1"/>
+    </dgm:txFillClrLst>
+    <dgm:txEffectClrLst/>
+  </dgm:styleLbl>
+  <dgm:styleLbl name="bgShp">
+    <dgm:fillClrLst meth="repeat">
+      <a:schemeClr val="accent1">
+        <a:tint val="40000"/>
+      </a:schemeClr>
+    </dgm:fillClrLst>
+    <dgm:linClrLst meth="repeat">
+      <a:schemeClr val="accent1"/>
+    </dgm:linClrLst>
+    <dgm:effectClrLst/>
+    <dgm:txLinClrLst/>
+    <dgm:txFillClrLst meth="repeat">
+      <a:schemeClr val="dk1"/>
+    </dgm:txFillClrLst>
+    <dgm:txEffectClrLst/>
+  </dgm:styleLbl>
+  <dgm:styleLbl name="bgSibTrans2D1">
     <dgm:fillClrLst meth="repeat">
       <a:schemeClr val="accent1">
         <a:tint val="60000"/>
@@ -579,14 +482,46 @@
     </dgm:linClrLst>
     <dgm:effectClrLst/>
     <dgm:txLinClrLst/>
+    <dgm:txFillClrLst/>
+    <dgm:txEffectClrLst/>
+  </dgm:styleLbl>
+  <dgm:styleLbl name="callout">
+    <dgm:fillClrLst meth="repeat">
+      <a:schemeClr val="accent1"/>
+    </dgm:fillClrLst>
+    <dgm:linClrLst meth="repeat">
+      <a:schemeClr val="accent1">
+        <a:tint val="50000"/>
+      </a:schemeClr>
+    </dgm:linClrLst>
+    <dgm:effectClrLst/>
+    <dgm:txLinClrLst/>
     <dgm:txFillClrLst meth="repeat">
-      <a:schemeClr val="lt1"/>
+      <a:schemeClr val="tx1"/>
     </dgm:txFillClrLst>
     <dgm:txEffectClrLst/>
   </dgm:styleLbl>
-  <dgm:styleLbl name="parChTrans2D2">
+  <dgm:styleLbl name="conFgAcc1">
     <dgm:fillClrLst meth="repeat">
+      <a:schemeClr val="lt1">
+        <a:alpha val="90000"/>
+      </a:schemeClr>
+    </dgm:fillClrLst>
+    <dgm:linClrLst meth="repeat">
       <a:schemeClr val="accent1"/>
+    </dgm:linClrLst>
+    <dgm:effectClrLst/>
+    <dgm:txLinClrLst/>
+    <dgm:txFillClrLst meth="repeat">
+      <a:schemeClr val="dk1"/>
+    </dgm:txFillClrLst>
+    <dgm:txEffectClrLst/>
+  </dgm:styleLbl>
+  <dgm:styleLbl name="dkBgShp">
+    <dgm:fillClrLst meth="repeat">
+      <a:schemeClr val="accent1">
+        <a:shade val="80000"/>
+      </a:schemeClr>
     </dgm:fillClrLst>
     <dgm:linClrLst meth="repeat">
       <a:schemeClr val="accent1"/>
@@ -598,12 +533,114 @@
     </dgm:txFillClrLst>
     <dgm:txEffectClrLst/>
   </dgm:styleLbl>
-  <dgm:styleLbl name="parChTrans2D3">
+  <dgm:styleLbl name="fgAcc0">
     <dgm:fillClrLst meth="repeat">
-      <a:schemeClr val="accent1"/>
+      <a:schemeClr val="lt1">
+        <a:alpha val="90000"/>
+      </a:schemeClr>
     </dgm:fillClrLst>
     <dgm:linClrLst meth="repeat">
       <a:schemeClr val="accent1"/>
+    </dgm:linClrLst>
+    <dgm:effectClrLst/>
+    <dgm:txLinClrLst/>
+    <dgm:txFillClrLst meth="repeat">
+      <a:schemeClr val="dk1"/>
+    </dgm:txFillClrLst>
+    <dgm:txEffectClrLst/>
+  </dgm:styleLbl>
+  <dgm:styleLbl name="fgAcc1">
+    <dgm:fillClrLst meth="repeat">
+      <a:schemeClr val="lt1">
+        <a:alpha val="90000"/>
+      </a:schemeClr>
+    </dgm:fillClrLst>
+    <dgm:linClrLst meth="repeat">
+      <a:schemeClr val="accent1"/>
+    </dgm:linClrLst>
+    <dgm:effectClrLst/>
+    <dgm:txLinClrLst/>
+    <dgm:txFillClrLst meth="repeat">
+      <a:schemeClr val="dk1"/>
+    </dgm:txFillClrLst>
+    <dgm:txEffectClrLst/>
+  </dgm:styleLbl>
+  <dgm:styleLbl name="fgAcc2">
+    <dgm:fillClrLst meth="repeat">
+      <a:schemeClr val="lt1">
+        <a:alpha val="90000"/>
+      </a:schemeClr>
+    </dgm:fillClrLst>
+    <dgm:linClrLst meth="repeat">
+      <a:schemeClr val="accent1"/>
+    </dgm:linClrLst>
+    <dgm:effectClrLst/>
+    <dgm:txLinClrLst/>
+    <dgm:txFillClrLst meth="repeat">
+      <a:schemeClr val="dk1"/>
+    </dgm:txFillClrLst>
+    <dgm:txEffectClrLst/>
+  </dgm:styleLbl>
+  <dgm:styleLbl name="fgAcc3">
+    <dgm:fillClrLst meth="repeat">
+      <a:schemeClr val="lt1">
+        <a:alpha val="90000"/>
+      </a:schemeClr>
+    </dgm:fillClrLst>
+    <dgm:linClrLst meth="repeat">
+      <a:schemeClr val="accent1"/>
+    </dgm:linClrLst>
+    <dgm:effectClrLst/>
+    <dgm:txLinClrLst/>
+    <dgm:txFillClrLst meth="repeat">
+      <a:schemeClr val="dk1"/>
+    </dgm:txFillClrLst>
+    <dgm:txEffectClrLst/>
+  </dgm:styleLbl>
+  <dgm:styleLbl name="fgAcc4">
+    <dgm:fillClrLst meth="repeat">
+      <a:schemeClr val="lt1">
+        <a:alpha val="90000"/>
+      </a:schemeClr>
+    </dgm:fillClrLst>
+    <dgm:linClrLst meth="repeat">
+      <a:schemeClr val="accent1"/>
+    </dgm:linClrLst>
+    <dgm:effectClrLst/>
+    <dgm:txLinClrLst/>
+    <dgm:txFillClrLst meth="repeat">
+      <a:schemeClr val="dk1"/>
+    </dgm:txFillClrLst>
+    <dgm:txEffectClrLst/>
+  </dgm:styleLbl>
+  <dgm:styleLbl name="fgAccFollowNode1">
+    <dgm:fillClrLst meth="repeat">
+      <a:schemeClr val="accent1">
+        <a:alpha val="90000"/>
+        <a:tint val="40000"/>
+      </a:schemeClr>
+    </dgm:fillClrLst>
+    <dgm:linClrLst meth="repeat">
+      <a:schemeClr val="accent1">
+        <a:alpha val="90000"/>
+        <a:tint val="40000"/>
+      </a:schemeClr>
+    </dgm:linClrLst>
+    <dgm:effectClrLst/>
+    <dgm:txLinClrLst/>
+    <dgm:txFillClrLst meth="repeat">
+      <a:schemeClr val="dk1"/>
+    </dgm:txFillClrLst>
+    <dgm:txEffectClrLst/>
+  </dgm:styleLbl>
+  <dgm:styleLbl name="fgImgPlace1">
+    <dgm:fillClrLst meth="repeat">
+      <a:schemeClr val="accent1">
+        <a:tint val="50000"/>
+      </a:schemeClr>
+    </dgm:fillClrLst>
+    <dgm:linClrLst meth="repeat">
+      <a:schemeClr val="lt1"/>
     </dgm:linClrLst>
     <dgm:effectClrLst/>
     <dgm:txLinClrLst/>
@@ -612,18 +649,108 @@
     </dgm:txFillClrLst>
     <dgm:txEffectClrLst/>
   </dgm:styleLbl>
-  <dgm:styleLbl name="parChTrans2D4">
+  <dgm:styleLbl name="fgShp">
+    <dgm:fillClrLst meth="repeat">
+      <a:schemeClr val="accent1">
+        <a:tint val="60000"/>
+      </a:schemeClr>
+    </dgm:fillClrLst>
+    <dgm:linClrLst meth="repeat">
+      <a:schemeClr val="lt1"/>
+    </dgm:linClrLst>
+    <dgm:effectClrLst/>
+    <dgm:txLinClrLst/>
+    <dgm:txFillClrLst meth="repeat">
+      <a:schemeClr val="dk1"/>
+    </dgm:txFillClrLst>
+    <dgm:txEffectClrLst/>
+  </dgm:styleLbl>
+  <dgm:styleLbl name="fgSibTrans2D1">
+    <dgm:fillClrLst meth="repeat">
+      <a:schemeClr val="accent1">
+        <a:tint val="60000"/>
+      </a:schemeClr>
+    </dgm:fillClrLst>
+    <dgm:linClrLst meth="repeat">
+      <a:schemeClr val="accent1">
+        <a:tint val="60000"/>
+      </a:schemeClr>
+    </dgm:linClrLst>
+    <dgm:effectClrLst/>
+    <dgm:txLinClrLst/>
+    <dgm:txFillClrLst/>
+    <dgm:txEffectClrLst/>
+  </dgm:styleLbl>
+  <dgm:styleLbl name="lnNode1">
     <dgm:fillClrLst meth="repeat">
       <a:schemeClr val="accent1"/>
     </dgm:fillClrLst>
     <dgm:linClrLst meth="repeat">
-      <a:schemeClr val="accent1"/>
+      <a:schemeClr val="lt1"/>
     </dgm:linClrLst>
     <dgm:effectClrLst/>
     <dgm:txLinClrLst/>
-    <dgm:txFillClrLst meth="repeat">
+    <dgm:txFillClrLst/>
+    <dgm:txEffectClrLst/>
+  </dgm:styleLbl>
+  <dgm:styleLbl name="node0">
+    <dgm:fillClrLst meth="repeat">
+      <a:schemeClr val="accent1"/>
+    </dgm:fillClrLst>
+    <dgm:linClrLst meth="repeat">
       <a:schemeClr val="lt1"/>
-    </dgm:txFillClrLst>
+    </dgm:linClrLst>
+    <dgm:effectClrLst/>
+    <dgm:txLinClrLst/>
+    <dgm:txFillClrLst/>
+    <dgm:txEffectClrLst/>
+  </dgm:styleLbl>
+  <dgm:styleLbl name="node1">
+    <dgm:fillClrLst meth="repeat">
+      <a:schemeClr val="accent1"/>
+    </dgm:fillClrLst>
+    <dgm:linClrLst meth="repeat">
+      <a:schemeClr val="lt1"/>
+    </dgm:linClrLst>
+    <dgm:effectClrLst/>
+    <dgm:txLinClrLst/>
+    <dgm:txFillClrLst/>
+    <dgm:txEffectClrLst/>
+  </dgm:styleLbl>
+  <dgm:styleLbl name="node2">
+    <dgm:fillClrLst meth="repeat">
+      <a:schemeClr val="accent1"/>
+    </dgm:fillClrLst>
+    <dgm:linClrLst meth="repeat">
+      <a:schemeClr val="lt1"/>
+    </dgm:linClrLst>
+    <dgm:effectClrLst/>
+    <dgm:txLinClrLst/>
+    <dgm:txFillClrLst/>
+    <dgm:txEffectClrLst/>
+  </dgm:styleLbl>
+  <dgm:styleLbl name="node3">
+    <dgm:fillClrLst meth="repeat">
+      <a:schemeClr val="accent1"/>
+    </dgm:fillClrLst>
+    <dgm:linClrLst meth="repeat">
+      <a:schemeClr val="lt1"/>
+    </dgm:linClrLst>
+    <dgm:effectClrLst/>
+    <dgm:txLinClrLst/>
+    <dgm:txFillClrLst/>
+    <dgm:txEffectClrLst/>
+  </dgm:styleLbl>
+  <dgm:styleLbl name="node4">
+    <dgm:fillClrLst meth="repeat">
+      <a:schemeClr val="accent1"/>
+    </dgm:fillClrLst>
+    <dgm:linClrLst meth="repeat">
+      <a:schemeClr val="lt1"/>
+    </dgm:linClrLst>
+    <dgm:effectClrLst/>
+    <dgm:txLinClrLst/>
+    <dgm:txFillClrLst/>
     <dgm:txEffectClrLst/>
   </dgm:styleLbl>
   <dgm:styleLbl name="parChTrans1D1">
@@ -690,11 +817,27 @@
     </dgm:txFillClrLst>
     <dgm:txEffectClrLst/>
   </dgm:styleLbl>
-  <dgm:styleLbl name="fgAcc1">
+  <dgm:styleLbl name="parChTrans2D1">
     <dgm:fillClrLst meth="repeat">
-      <a:schemeClr val="lt1">
-        <a:alpha val="90000"/>
+      <a:schemeClr val="accent1">
+        <a:tint val="60000"/>
       </a:schemeClr>
+    </dgm:fillClrLst>
+    <dgm:linClrLst meth="repeat">
+      <a:schemeClr val="accent1">
+        <a:tint val="60000"/>
+      </a:schemeClr>
+    </dgm:linClrLst>
+    <dgm:effectClrLst/>
+    <dgm:txLinClrLst/>
+    <dgm:txFillClrLst meth="repeat">
+      <a:schemeClr val="lt1"/>
+    </dgm:txFillClrLst>
+    <dgm:txEffectClrLst/>
+  </dgm:styleLbl>
+  <dgm:styleLbl name="parChTrans2D2">
+    <dgm:fillClrLst meth="repeat">
+      <a:schemeClr val="accent1"/>
     </dgm:fillClrLst>
     <dgm:linClrLst meth="repeat">
       <a:schemeClr val="accent1"/>
@@ -702,15 +845,13 @@
     <dgm:effectClrLst/>
     <dgm:txLinClrLst/>
     <dgm:txFillClrLst meth="repeat">
-      <a:schemeClr val="dk1"/>
+      <a:schemeClr val="lt1"/>
     </dgm:txFillClrLst>
     <dgm:txEffectClrLst/>
   </dgm:styleLbl>
-  <dgm:styleLbl name="conFgAcc1">
+  <dgm:styleLbl name="parChTrans2D3">
     <dgm:fillClrLst meth="repeat">
-      <a:schemeClr val="lt1">
-        <a:alpha val="90000"/>
-      </a:schemeClr>
+      <a:schemeClr val="accent1"/>
     </dgm:fillClrLst>
     <dgm:linClrLst meth="repeat">
       <a:schemeClr val="accent1"/>
@@ -718,15 +859,13 @@
     <dgm:effectClrLst/>
     <dgm:txLinClrLst/>
     <dgm:txFillClrLst meth="repeat">
-      <a:schemeClr val="dk1"/>
+      <a:schemeClr val="lt1"/>
     </dgm:txFillClrLst>
     <dgm:txEffectClrLst/>
   </dgm:styleLbl>
-  <dgm:styleLbl name="alignAcc1">
+  <dgm:styleLbl name="parChTrans2D4">
     <dgm:fillClrLst meth="repeat">
-      <a:schemeClr val="lt1">
-        <a:alpha val="90000"/>
-      </a:schemeClr>
+      <a:schemeClr val="accent1"/>
     </dgm:fillClrLst>
     <dgm:linClrLst meth="repeat">
       <a:schemeClr val="accent1"/>
@@ -734,15 +873,31 @@
     <dgm:effectClrLst/>
     <dgm:txLinClrLst/>
     <dgm:txFillClrLst meth="repeat">
-      <a:schemeClr val="dk1"/>
+      <a:schemeClr val="lt1"/>
     </dgm:txFillClrLst>
     <dgm:txEffectClrLst/>
   </dgm:styleLbl>
-  <dgm:styleLbl name="trAlignAcc1">
+  <dgm:styleLbl name="revTx">
     <dgm:fillClrLst meth="repeat">
       <a:schemeClr val="lt1">
-        <a:alpha val="40000"/>
+        <a:alpha val="0"/>
       </a:schemeClr>
+    </dgm:fillClrLst>
+    <dgm:linClrLst meth="repeat">
+      <a:schemeClr val="dk1">
+        <a:alpha val="0"/>
+      </a:schemeClr>
+    </dgm:linClrLst>
+    <dgm:effectClrLst/>
+    <dgm:txLinClrLst/>
+    <dgm:txFillClrLst meth="repeat">
+      <a:schemeClr val="tx1"/>
+    </dgm:txFillClrLst>
+    <dgm:txEffectClrLst/>
+  </dgm:styleLbl>
+  <dgm:styleLbl name="sibTrans1D1">
+    <dgm:fillClrLst meth="repeat">
+      <a:schemeClr val="accent1"/>
     </dgm:fillClrLst>
     <dgm:linClrLst meth="repeat">
       <a:schemeClr val="accent1"/>
@@ -750,38 +905,24 @@
     <dgm:effectClrLst/>
     <dgm:txLinClrLst/>
     <dgm:txFillClrLst meth="repeat">
-      <a:schemeClr val="dk1"/>
+      <a:schemeClr val="tx1"/>
     </dgm:txFillClrLst>
     <dgm:txEffectClrLst/>
   </dgm:styleLbl>
-  <dgm:styleLbl name="bgAcc1">
+  <dgm:styleLbl name="sibTrans2D1">
     <dgm:fillClrLst meth="repeat">
-      <a:schemeClr val="lt1">
-        <a:alpha val="90000"/>
+      <a:schemeClr val="accent1">
+        <a:tint val="60000"/>
       </a:schemeClr>
     </dgm:fillClrLst>
     <dgm:linClrLst meth="repeat">
-      <a:schemeClr val="accent1"/>
+      <a:schemeClr val="accent1">
+        <a:tint val="60000"/>
+      </a:schemeClr>
     </dgm:linClrLst>
     <dgm:effectClrLst/>
     <dgm:txLinClrLst/>
-    <dgm:txFillClrLst meth="repeat">
-      <a:schemeClr val="dk1"/>
-    </dgm:txFillClrLst>
-    <dgm:txEffectClrLst/>
-  </dgm:styleLbl>
-  <dgm:styleLbl name="solidFgAcc1">
-    <dgm:fillClrLst meth="repeat">
-      <a:schemeClr val="lt1"/>
-    </dgm:fillClrLst>
-    <dgm:linClrLst meth="repeat">
-      <a:schemeClr val="accent1"/>
-    </dgm:linClrLst>
-    <dgm:effectClrLst/>
-    <dgm:txLinClrLst/>
-    <dgm:txFillClrLst meth="repeat">
-      <a:schemeClr val="dk1"/>
-    </dgm:txFillClrLst>
+    <dgm:txFillClrLst/>
     <dgm:txEffectClrLst/>
   </dgm:styleLbl>
   <dgm:styleLbl name="solidAlignAcc1">
@@ -812,71 +953,9 @@
     </dgm:txFillClrLst>
     <dgm:txEffectClrLst/>
   </dgm:styleLbl>
-  <dgm:styleLbl name="fgAccFollowNode1">
+  <dgm:styleLbl name="solidFgAcc1">
     <dgm:fillClrLst meth="repeat">
-      <a:schemeClr val="accent1">
-        <a:alpha val="90000"/>
-        <a:tint val="40000"/>
-      </a:schemeClr>
-    </dgm:fillClrLst>
-    <dgm:linClrLst meth="repeat">
-      <a:schemeClr val="accent1">
-        <a:alpha val="90000"/>
-        <a:tint val="40000"/>
-      </a:schemeClr>
-    </dgm:linClrLst>
-    <dgm:effectClrLst/>
-    <dgm:txLinClrLst/>
-    <dgm:txFillClrLst meth="repeat">
-      <a:schemeClr val="dk1"/>
-    </dgm:txFillClrLst>
-    <dgm:txEffectClrLst/>
-  </dgm:styleLbl>
-  <dgm:styleLbl name="alignAccFollowNode1">
-    <dgm:fillClrLst meth="repeat">
-      <a:schemeClr val="accent1">
-        <a:alpha val="90000"/>
-        <a:tint val="40000"/>
-      </a:schemeClr>
-    </dgm:fillClrLst>
-    <dgm:linClrLst meth="repeat">
-      <a:schemeClr val="accent1">
-        <a:alpha val="90000"/>
-        <a:tint val="40000"/>
-      </a:schemeClr>
-    </dgm:linClrLst>
-    <dgm:effectClrLst/>
-    <dgm:txLinClrLst/>
-    <dgm:txFillClrLst meth="repeat">
-      <a:schemeClr val="dk1"/>
-    </dgm:txFillClrLst>
-    <dgm:txEffectClrLst/>
-  </dgm:styleLbl>
-  <dgm:styleLbl name="bgAccFollowNode1">
-    <dgm:fillClrLst meth="repeat">
-      <a:schemeClr val="accent1">
-        <a:alpha val="90000"/>
-        <a:tint val="40000"/>
-      </a:schemeClr>
-    </dgm:fillClrLst>
-    <dgm:linClrLst meth="repeat">
-      <a:schemeClr val="accent1">
-        <a:alpha val="90000"/>
-        <a:tint val="40000"/>
-      </a:schemeClr>
-    </dgm:linClrLst>
-    <dgm:effectClrLst/>
-    <dgm:txLinClrLst/>
-    <dgm:txFillClrLst meth="repeat">
-      <a:schemeClr val="dk1"/>
-    </dgm:txFillClrLst>
-    <dgm:txEffectClrLst/>
-  </dgm:styleLbl>
-  <dgm:styleLbl name="fgAcc0">
-    <dgm:fillClrLst meth="repeat">
-      <a:schemeClr val="lt1">
-        <a:alpha val="90000"/>
-      </a:schemeClr>
+      <a:schemeClr val="lt1"/>
     </dgm:fillClrLst>
     <dgm:linClrLst meth="repeat">
       <a:schemeClr val="accent1"/>
@@ -888,10 +967,10 @@
     </dgm:txFillClrLst>
     <dgm:txEffectClrLst/>
   </dgm:styleLbl>
-  <dgm:styleLbl name="fgAcc2">
+  <dgm:styleLbl name="trAlignAcc1">
     <dgm:fillClrLst meth="repeat">
       <a:schemeClr val="lt1">
-        <a:alpha val="90000"/>
+        <a:alpha val="40000"/>
       </a:schemeClr>
     </dgm:fillClrLst>
     <dgm:linClrLst meth="repeat">
@@ -901,70 +980,6 @@
     <dgm:txLinClrLst/>
     <dgm:txFillClrLst meth="repeat">
       <a:schemeClr val="dk1"/>
-    </dgm:txFillClrLst>
-    <dgm:txEffectClrLst/>
-  </dgm:styleLbl>
-  <dgm:styleLbl name="fgAcc3">
-    <dgm:fillClrLst meth="repeat">
-      <a:schemeClr val="lt1">
-        <a:alpha val="90000"/>
-      </a:schemeClr>
-    </dgm:fillClrLst>
-    <dgm:linClrLst meth="repeat">
-      <a:schemeClr val="accent1"/>
-    </dgm:linClrLst>
-    <dgm:effectClrLst/>
-    <dgm:txLinClrLst/>
-    <dgm:txFillClrLst meth="repeat">
-      <a:schemeClr val="dk1"/>
-    </dgm:txFillClrLst>
-    <dgm:txEffectClrLst/>
-  </dgm:styleLbl>
-  <dgm:styleLbl name="fgAcc4">
-    <dgm:fillClrLst meth="repeat">
-      <a:schemeClr val="lt1">
-        <a:alpha val="90000"/>
-      </a:schemeClr>
-    </dgm:fillClrLst>
-    <dgm:linClrLst meth="repeat">
-      <a:schemeClr val="accent1"/>
-    </dgm:linClrLst>
-    <dgm:effectClrLst/>
-    <dgm:txLinClrLst/>
-    <dgm:txFillClrLst meth="repeat">
-      <a:schemeClr val="dk1"/>
-    </dgm:txFillClrLst>
-    <dgm:txEffectClrLst/>
-  </dgm:styleLbl>
-  <dgm:styleLbl name="bgShp">
-    <dgm:fillClrLst meth="repeat">
-      <a:schemeClr val="accent1">
-        <a:tint val="40000"/>
-      </a:schemeClr>
-    </dgm:fillClrLst>
-    <dgm:linClrLst meth="repeat">
-      <a:schemeClr val="accent1"/>
-    </dgm:linClrLst>
-    <dgm:effectClrLst/>
-    <dgm:txLinClrLst/>
-    <dgm:txFillClrLst meth="repeat">
-      <a:schemeClr val="dk1"/>
-    </dgm:txFillClrLst>
-    <dgm:txEffectClrLst/>
-  </dgm:styleLbl>
-  <dgm:styleLbl name="dkBgShp">
-    <dgm:fillClrLst meth="repeat">
-      <a:schemeClr val="accent1">
-        <a:shade val="80000"/>
-      </a:schemeClr>
-    </dgm:fillClrLst>
-    <dgm:linClrLst meth="repeat">
-      <a:schemeClr val="accent1"/>
-    </dgm:linClrLst>
-    <dgm:effectClrLst/>
-    <dgm:txLinClrLst/>
-    <dgm:txFillClrLst meth="repeat">
-      <a:schemeClr val="lt1"/>
     </dgm:txFillClrLst>
     <dgm:txEffectClrLst/>
   </dgm:styleLbl>
@@ -985,10 +1000,10 @@
     </dgm:txFillClrLst>
     <dgm:txEffectClrLst/>
   </dgm:styleLbl>
-  <dgm:styleLbl name="fgShp">
+  <dgm:styleLbl name="vennNode1">
     <dgm:fillClrLst meth="repeat">
       <a:schemeClr val="accent1">
-        <a:tint val="60000"/>
+        <a:alpha val="50000"/>
       </a:schemeClr>
     </dgm:fillClrLst>
     <dgm:linClrLst meth="repeat">
@@ -996,27 +1011,7 @@
     </dgm:linClrLst>
     <dgm:effectClrLst/>
     <dgm:txLinClrLst/>
-    <dgm:txFillClrLst meth="repeat">
-      <a:schemeClr val="dk1"/>
-    </dgm:txFillClrLst>
-    <dgm:txEffectClrLst/>
-  </dgm:styleLbl>
-  <dgm:styleLbl name="revTx">
-    <dgm:fillClrLst meth="repeat">
-      <a:schemeClr val="lt1">
-        <a:alpha val="0"/>
-      </a:schemeClr>
-    </dgm:fillClrLst>
-    <dgm:linClrLst meth="repeat">
-      <a:schemeClr val="dk1">
-        <a:alpha val="0"/>
-      </a:schemeClr>
-    </dgm:linClrLst>
-    <dgm:effectClrLst/>
-    <dgm:txLinClrLst/>
-    <dgm:txFillClrLst meth="repeat">
-      <a:schemeClr val="tx1"/>
-    </dgm:txFillClrLst>
+    <dgm:txFillClrLst/>
     <dgm:txEffectClrLst/>
   </dgm:styleLbl>
 </dgm:colorsDef>
@@ -1059,7 +1054,7 @@
         </a:p>
       </dgm:t>
     </dgm:pt>
-    <dgm:pt modelId="{54E26A31-F43B-41AA-BC4B-AB85B961C9C0}" type="parTrans" cxnId="{CFE675C1-B4D6-45F8-A727-EC35DD7C51FE}">
+    <dgm:pt modelId="{54E26A31-F43B-41AA-BC4B-AB85B961C9C0}" cxnId="{CFE675C1-B4D6-45F8-A727-EC35DD7C51FE}" type="parTrans">
       <dgm:prSet/>
       <dgm:spPr/>
       <dgm:t>
@@ -1070,7 +1065,7 @@
         </a:p>
       </dgm:t>
     </dgm:pt>
-    <dgm:pt modelId="{2F0855D6-3743-4072-BFE9-5C47B2D224A7}" type="sibTrans" cxnId="{CFE675C1-B4D6-45F8-A727-EC35DD7C51FE}">
+    <dgm:pt modelId="{2F0855D6-3743-4072-BFE9-5C47B2D224A7}" cxnId="{CFE675C1-B4D6-45F8-A727-EC35DD7C51FE}" type="sibTrans">
       <dgm:prSet/>
       <dgm:spPr/>
       <dgm:t>
@@ -1155,7 +1150,7 @@
         </a:p>
       </dgm:t>
     </dgm:pt>
-    <dgm:pt modelId="{D102E389-794E-43FD-AB81-3667A1625067}" type="parTrans" cxnId="{FB00542F-8B52-4B01-9725-7067721ACCC1}">
+    <dgm:pt modelId="{D102E389-794E-43FD-AB81-3667A1625067}" cxnId="{FB00542F-8B52-4B01-9725-7067721ACCC1}" type="parTrans">
       <dgm:prSet/>
       <dgm:spPr/>
       <dgm:t>
@@ -1166,7 +1161,7 @@
         </a:p>
       </dgm:t>
     </dgm:pt>
-    <dgm:pt modelId="{588390CE-8BE0-408A-B14D-A7C975C32F21}" type="sibTrans" cxnId="{FB00542F-8B52-4B01-9725-7067721ACCC1}">
+    <dgm:pt modelId="{588390CE-8BE0-408A-B14D-A7C975C32F21}" cxnId="{FB00542F-8B52-4B01-9725-7067721ACCC1}" type="sibTrans">
       <dgm:prSet/>
       <dgm:spPr/>
       <dgm:t>
@@ -1200,7 +1195,7 @@
         </a:p>
       </dgm:t>
     </dgm:pt>
-    <dgm:pt modelId="{6693BFC1-13FB-4ACF-B968-B4016B6D973D}" type="parTrans" cxnId="{7471E594-A8CD-4E61-9FDB-E0AC951818B3}">
+    <dgm:pt modelId="{6693BFC1-13FB-4ACF-B968-B4016B6D973D}" cxnId="{7471E594-A8CD-4E61-9FDB-E0AC951818B3}" type="parTrans">
       <dgm:prSet/>
       <dgm:spPr/>
       <dgm:t>
@@ -1211,7 +1206,7 @@
         </a:p>
       </dgm:t>
     </dgm:pt>
-    <dgm:pt modelId="{A464B72D-3332-48C0-968F-E8827930BDAC}" type="sibTrans" cxnId="{7471E594-A8CD-4E61-9FDB-E0AC951818B3}">
+    <dgm:pt modelId="{A464B72D-3332-48C0-968F-E8827930BDAC}" cxnId="{7471E594-A8CD-4E61-9FDB-E0AC951818B3}" type="sibTrans">
       <dgm:prSet/>
       <dgm:spPr/>
       <dgm:t>
@@ -1272,7 +1267,7 @@
         </a:p>
       </dgm:t>
     </dgm:pt>
-    <dgm:pt modelId="{6026A3B1-06CB-4005-B989-E444AA06EF35}" type="parTrans" cxnId="{89556B8C-F445-4811-B2E2-E55BF780DDB4}">
+    <dgm:pt modelId="{6026A3B1-06CB-4005-B989-E444AA06EF35}" cxnId="{89556B8C-F445-4811-B2E2-E55BF780DDB4}" type="parTrans">
       <dgm:prSet/>
       <dgm:spPr/>
       <dgm:t>
@@ -1283,7 +1278,7 @@
         </a:p>
       </dgm:t>
     </dgm:pt>
-    <dgm:pt modelId="{A51F9D90-8F5F-465A-B255-52C1C7AC40B5}" type="sibTrans" cxnId="{89556B8C-F445-4811-B2E2-E55BF780DDB4}">
+    <dgm:pt modelId="{A51F9D90-8F5F-465A-B255-52C1C7AC40B5}" cxnId="{89556B8C-F445-4811-B2E2-E55BF780DDB4}" type="sibTrans">
       <dgm:prSet/>
       <dgm:spPr/>
       <dgm:t>
@@ -1312,7 +1307,7 @@
         </a:p>
       </dgm:t>
     </dgm:pt>
-    <dgm:pt modelId="{6D543E09-04EE-44A5-91B8-B2879404B0D2}" type="parTrans" cxnId="{2652711E-AD5B-4049-A155-FBB23862E18D}">
+    <dgm:pt modelId="{6D543E09-04EE-44A5-91B8-B2879404B0D2}" cxnId="{2652711E-AD5B-4049-A155-FBB23862E18D}" type="parTrans">
       <dgm:prSet/>
       <dgm:spPr/>
       <dgm:t>
@@ -1323,7 +1318,7 @@
         </a:p>
       </dgm:t>
     </dgm:pt>
-    <dgm:pt modelId="{1BB1DBF8-2EF5-43BF-A0C7-EA154CBE692A}" type="sibTrans" cxnId="{2652711E-AD5B-4049-A155-FBB23862E18D}">
+    <dgm:pt modelId="{1BB1DBF8-2EF5-43BF-A0C7-EA154CBE692A}" cxnId="{2652711E-AD5B-4049-A155-FBB23862E18D}" type="sibTrans">
       <dgm:prSet/>
       <dgm:spPr/>
       <dgm:t>
@@ -1352,7 +1347,7 @@
         </a:p>
       </dgm:t>
     </dgm:pt>
-    <dgm:pt modelId="{ADB68B34-EDF6-42E9-8E5F-BB9AB94D831D}" type="parTrans" cxnId="{2D4E76C7-7D32-4163-832A-12903E5867C3}">
+    <dgm:pt modelId="{ADB68B34-EDF6-42E9-8E5F-BB9AB94D831D}" cxnId="{2D4E76C7-7D32-4163-832A-12903E5867C3}" type="parTrans">
       <dgm:prSet/>
       <dgm:spPr/>
       <dgm:t>
@@ -1363,7 +1358,7 @@
         </a:p>
       </dgm:t>
     </dgm:pt>
-    <dgm:pt modelId="{E61F64C3-6DDF-4D12-BD61-1EAA00550183}" type="sibTrans" cxnId="{2D4E76C7-7D32-4163-832A-12903E5867C3}">
+    <dgm:pt modelId="{E61F64C3-6DDF-4D12-BD61-1EAA00550183}" cxnId="{2D4E76C7-7D32-4163-832A-12903E5867C3}" type="sibTrans">
       <dgm:prSet/>
       <dgm:spPr/>
       <dgm:t>
@@ -1486,7 +1481,7 @@
   <dgm:whole/>
   <dgm:extLst>
     <a:ext uri="http://schemas.microsoft.com/office/drawing/2008/diagram">
-      <dsp:dataModelExt xmlns:dsp="http://schemas.microsoft.com/office/drawing/2008/diagram" relId="rId6" minVer="http://schemas.openxmlformats.org/drawingml/2006/diagram"/>
+      <dsp:dataModelExt xmlns:dsp="http://schemas.microsoft.com/office/drawing/2008/diagram" relId="rId5" minVer="http://schemas.openxmlformats.org/drawingml/2006/diagram"/>
     </a:ext>
   </dgm:extLst>
 </dgm:dataModel>
@@ -2284,12 +2279,12 @@
               </dgm:alg>
               <dgm:choose name="Name10">
                 <dgm:if name="Name11" func="var" arg="dir" op="equ" val="norm">
-                  <dgm:shape xmlns:r="http://schemas.openxmlformats.org/officeDocument/2006/relationships" rot="90" type="round2SameRect" r:blip="">
+                  <dgm:shape xmlns:r="http://schemas.openxmlformats.org/officeDocument/2006/relationships" type="round2SameRect" r:blip="" rot="90">
                     <dgm:adjLst/>
                   </dgm:shape>
                 </dgm:if>
                 <dgm:else name="Name12">
-                  <dgm:shape xmlns:r="http://schemas.openxmlformats.org/officeDocument/2006/relationships" rot="-90" type="round2SameRect" r:blip="">
+                  <dgm:shape xmlns:r="http://schemas.openxmlformats.org/officeDocument/2006/relationships" type="round2SameRect" r:blip="" rot="-90">
                     <dgm:adjLst/>
                   </dgm:shape>
                 </dgm:else>
@@ -2338,15 +2333,503 @@
     <a:camera prst="orthographicFront"/>
     <a:lightRig rig="threePt" dir="t"/>
   </dgm:scene3d>
-  <dgm:styleLbl name="node0">
+  <dgm:styleLbl name="alignAcc1">
     <dgm:scene3d>
       <a:camera prst="orthographicFront"/>
       <a:lightRig rig="threePt" dir="t"/>
     </dgm:scene3d>
-    <dgm:sp3d/>
     <dgm:txPr/>
     <dgm:style>
       <a:lnRef idx="2">
+        <a:scrgbClr r="0" g="0" b="0"/>
+      </a:lnRef>
+      <a:fillRef idx="1">
+        <a:scrgbClr r="0" g="0" b="0"/>
+      </a:fillRef>
+      <a:effectRef idx="0">
+        <a:scrgbClr r="0" g="0" b="0"/>
+      </a:effectRef>
+      <a:fontRef idx="minor"/>
+    </dgm:style>
+  </dgm:styleLbl>
+  <dgm:styleLbl name="alignAccFollowNode1">
+    <dgm:scene3d>
+      <a:camera prst="orthographicFront"/>
+      <a:lightRig rig="threePt" dir="t"/>
+    </dgm:scene3d>
+    <dgm:txPr/>
+    <dgm:style>
+      <a:lnRef idx="2">
+        <a:scrgbClr r="0" g="0" b="0"/>
+      </a:lnRef>
+      <a:fillRef idx="1">
+        <a:scrgbClr r="0" g="0" b="0"/>
+      </a:fillRef>
+      <a:effectRef idx="0">
+        <a:scrgbClr r="0" g="0" b="0"/>
+      </a:effectRef>
+      <a:fontRef idx="minor"/>
+    </dgm:style>
+  </dgm:styleLbl>
+  <dgm:styleLbl name="alignImgPlace1">
+    <dgm:scene3d>
+      <a:camera prst="orthographicFront"/>
+      <a:lightRig rig="threePt" dir="t"/>
+    </dgm:scene3d>
+    <dgm:txPr/>
+    <dgm:style>
+      <a:lnRef idx="2">
+        <a:scrgbClr r="0" g="0" b="0"/>
+      </a:lnRef>
+      <a:fillRef idx="1">
+        <a:scrgbClr r="0" g="0" b="0"/>
+      </a:fillRef>
+      <a:effectRef idx="0">
+        <a:scrgbClr r="0" g="0" b="0"/>
+      </a:effectRef>
+      <a:fontRef idx="minor"/>
+    </dgm:style>
+  </dgm:styleLbl>
+  <dgm:styleLbl name="alignNode1">
+    <dgm:scene3d>
+      <a:camera prst="orthographicFront"/>
+      <a:lightRig rig="threePt" dir="t"/>
+    </dgm:scene3d>
+    <dgm:txPr/>
+    <dgm:style>
+      <a:lnRef idx="2">
+        <a:scrgbClr r="0" g="0" b="0"/>
+      </a:lnRef>
+      <a:fillRef idx="1">
+        <a:scrgbClr r="0" g="0" b="0"/>
+      </a:fillRef>
+      <a:effectRef idx="0">
+        <a:scrgbClr r="0" g="0" b="0"/>
+      </a:effectRef>
+      <a:fontRef idx="minor">
+        <a:schemeClr val="lt1"/>
+      </a:fontRef>
+    </dgm:style>
+  </dgm:styleLbl>
+  <dgm:styleLbl name="asst0">
+    <dgm:scene3d>
+      <a:camera prst="orthographicFront"/>
+      <a:lightRig rig="threePt" dir="t"/>
+    </dgm:scene3d>
+    <dgm:txPr/>
+    <dgm:style>
+      <a:lnRef idx="2">
+        <a:scrgbClr r="0" g="0" b="0"/>
+      </a:lnRef>
+      <a:fillRef idx="1">
+        <a:scrgbClr r="0" g="0" b="0"/>
+      </a:fillRef>
+      <a:effectRef idx="0">
+        <a:scrgbClr r="0" g="0" b="0"/>
+      </a:effectRef>
+      <a:fontRef idx="minor">
+        <a:schemeClr val="lt1"/>
+      </a:fontRef>
+    </dgm:style>
+  </dgm:styleLbl>
+  <dgm:styleLbl name="asst1">
+    <dgm:scene3d>
+      <a:camera prst="orthographicFront"/>
+      <a:lightRig rig="threePt" dir="t"/>
+    </dgm:scene3d>
+    <dgm:txPr/>
+    <dgm:style>
+      <a:lnRef idx="2">
+        <a:scrgbClr r="0" g="0" b="0"/>
+      </a:lnRef>
+      <a:fillRef idx="1">
+        <a:scrgbClr r="0" g="0" b="0"/>
+      </a:fillRef>
+      <a:effectRef idx="0">
+        <a:scrgbClr r="0" g="0" b="0"/>
+      </a:effectRef>
+      <a:fontRef idx="minor">
+        <a:schemeClr val="lt1"/>
+      </a:fontRef>
+    </dgm:style>
+  </dgm:styleLbl>
+  <dgm:styleLbl name="asst2">
+    <dgm:scene3d>
+      <a:camera prst="orthographicFront"/>
+      <a:lightRig rig="threePt" dir="t"/>
+    </dgm:scene3d>
+    <dgm:txPr/>
+    <dgm:style>
+      <a:lnRef idx="2">
+        <a:scrgbClr r="0" g="0" b="0"/>
+      </a:lnRef>
+      <a:fillRef idx="1">
+        <a:scrgbClr r="0" g="0" b="0"/>
+      </a:fillRef>
+      <a:effectRef idx="0">
+        <a:scrgbClr r="0" g="0" b="0"/>
+      </a:effectRef>
+      <a:fontRef idx="minor">
+        <a:schemeClr val="lt1"/>
+      </a:fontRef>
+    </dgm:style>
+  </dgm:styleLbl>
+  <dgm:styleLbl name="asst3">
+    <dgm:scene3d>
+      <a:camera prst="orthographicFront"/>
+      <a:lightRig rig="threePt" dir="t"/>
+    </dgm:scene3d>
+    <dgm:txPr/>
+    <dgm:style>
+      <a:lnRef idx="2">
+        <a:scrgbClr r="0" g="0" b="0"/>
+      </a:lnRef>
+      <a:fillRef idx="1">
+        <a:scrgbClr r="0" g="0" b="0"/>
+      </a:fillRef>
+      <a:effectRef idx="0">
+        <a:scrgbClr r="0" g="0" b="0"/>
+      </a:effectRef>
+      <a:fontRef idx="minor">
+        <a:schemeClr val="lt1"/>
+      </a:fontRef>
+    </dgm:style>
+  </dgm:styleLbl>
+  <dgm:styleLbl name="asst4">
+    <dgm:scene3d>
+      <a:camera prst="orthographicFront"/>
+      <a:lightRig rig="threePt" dir="t"/>
+    </dgm:scene3d>
+    <dgm:txPr/>
+    <dgm:style>
+      <a:lnRef idx="2">
+        <a:scrgbClr r="0" g="0" b="0"/>
+      </a:lnRef>
+      <a:fillRef idx="1">
+        <a:scrgbClr r="0" g="0" b="0"/>
+      </a:fillRef>
+      <a:effectRef idx="0">
+        <a:scrgbClr r="0" g="0" b="0"/>
+      </a:effectRef>
+      <a:fontRef idx="minor">
+        <a:schemeClr val="lt1"/>
+      </a:fontRef>
+    </dgm:style>
+  </dgm:styleLbl>
+  <dgm:styleLbl name="bgAcc1">
+    <dgm:scene3d>
+      <a:camera prst="orthographicFront"/>
+      <a:lightRig rig="threePt" dir="t"/>
+    </dgm:scene3d>
+    <dgm:txPr/>
+    <dgm:style>
+      <a:lnRef idx="2">
+        <a:scrgbClr r="0" g="0" b="0"/>
+      </a:lnRef>
+      <a:fillRef idx="1">
+        <a:scrgbClr r="0" g="0" b="0"/>
+      </a:fillRef>
+      <a:effectRef idx="0">
+        <a:scrgbClr r="0" g="0" b="0"/>
+      </a:effectRef>
+      <a:fontRef idx="minor"/>
+    </dgm:style>
+  </dgm:styleLbl>
+  <dgm:styleLbl name="bgAccFollowNode1">
+    <dgm:scene3d>
+      <a:camera prst="orthographicFront"/>
+      <a:lightRig rig="threePt" dir="t"/>
+    </dgm:scene3d>
+    <dgm:txPr/>
+    <dgm:style>
+      <a:lnRef idx="2">
+        <a:scrgbClr r="0" g="0" b="0"/>
+      </a:lnRef>
+      <a:fillRef idx="1">
+        <a:scrgbClr r="0" g="0" b="0"/>
+      </a:fillRef>
+      <a:effectRef idx="0">
+        <a:scrgbClr r="0" g="0" b="0"/>
+      </a:effectRef>
+      <a:fontRef idx="minor"/>
+    </dgm:style>
+  </dgm:styleLbl>
+  <dgm:styleLbl name="bgImgPlace1">
+    <dgm:scene3d>
+      <a:camera prst="orthographicFront"/>
+      <a:lightRig rig="threePt" dir="t"/>
+    </dgm:scene3d>
+    <dgm:txPr/>
+    <dgm:style>
+      <a:lnRef idx="2">
+        <a:scrgbClr r="0" g="0" b="0"/>
+      </a:lnRef>
+      <a:fillRef idx="1">
+        <a:scrgbClr r="0" g="0" b="0"/>
+      </a:fillRef>
+      <a:effectRef idx="0">
+        <a:scrgbClr r="0" g="0" b="0"/>
+      </a:effectRef>
+      <a:fontRef idx="minor"/>
+    </dgm:style>
+  </dgm:styleLbl>
+  <dgm:styleLbl name="bgShp">
+    <dgm:scene3d>
+      <a:camera prst="orthographicFront"/>
+      <a:lightRig rig="threePt" dir="t"/>
+    </dgm:scene3d>
+    <dgm:txPr/>
+    <dgm:style>
+      <a:lnRef idx="0">
+        <a:scrgbClr r="0" g="0" b="0"/>
+      </a:lnRef>
+      <a:fillRef idx="1">
+        <a:scrgbClr r="0" g="0" b="0"/>
+      </a:fillRef>
+      <a:effectRef idx="0">
+        <a:scrgbClr r="0" g="0" b="0"/>
+      </a:effectRef>
+      <a:fontRef idx="minor"/>
+    </dgm:style>
+  </dgm:styleLbl>
+  <dgm:styleLbl name="bgSibTrans2D1">
+    <dgm:scene3d>
+      <a:camera prst="orthographicFront"/>
+      <a:lightRig rig="threePt" dir="t"/>
+    </dgm:scene3d>
+    <dgm:txPr/>
+    <dgm:style>
+      <a:lnRef idx="0">
+        <a:scrgbClr r="0" g="0" b="0"/>
+      </a:lnRef>
+      <a:fillRef idx="1">
+        <a:scrgbClr r="0" g="0" b="0"/>
+      </a:fillRef>
+      <a:effectRef idx="0">
+        <a:scrgbClr r="0" g="0" b="0"/>
+      </a:effectRef>
+      <a:fontRef idx="minor">
+        <a:schemeClr val="lt1"/>
+      </a:fontRef>
+    </dgm:style>
+  </dgm:styleLbl>
+  <dgm:styleLbl name="callout">
+    <dgm:scene3d>
+      <a:camera prst="orthographicFront"/>
+      <a:lightRig rig="threePt" dir="t"/>
+    </dgm:scene3d>
+    <dgm:txPr/>
+    <dgm:style>
+      <a:lnRef idx="2">
+        <a:scrgbClr r="0" g="0" b="0"/>
+      </a:lnRef>
+      <a:fillRef idx="1">
+        <a:scrgbClr r="0" g="0" b="0"/>
+      </a:fillRef>
+      <a:effectRef idx="0">
+        <a:scrgbClr r="0" g="0" b="0"/>
+      </a:effectRef>
+      <a:fontRef idx="minor"/>
+    </dgm:style>
+  </dgm:styleLbl>
+  <dgm:styleLbl name="conFgAcc1">
+    <dgm:scene3d>
+      <a:camera prst="orthographicFront"/>
+      <a:lightRig rig="threePt" dir="t"/>
+    </dgm:scene3d>
+    <dgm:txPr/>
+    <dgm:style>
+      <a:lnRef idx="2">
+        <a:scrgbClr r="0" g="0" b="0"/>
+      </a:lnRef>
+      <a:fillRef idx="1">
+        <a:scrgbClr r="0" g="0" b="0"/>
+      </a:fillRef>
+      <a:effectRef idx="0">
+        <a:scrgbClr r="0" g="0" b="0"/>
+      </a:effectRef>
+      <a:fontRef idx="minor"/>
+    </dgm:style>
+  </dgm:styleLbl>
+  <dgm:styleLbl name="dkBgShp">
+    <dgm:scene3d>
+      <a:camera prst="orthographicFront"/>
+      <a:lightRig rig="threePt" dir="t"/>
+    </dgm:scene3d>
+    <dgm:txPr/>
+    <dgm:style>
+      <a:lnRef idx="0">
+        <a:scrgbClr r="0" g="0" b="0"/>
+      </a:lnRef>
+      <a:fillRef idx="1">
+        <a:scrgbClr r="0" g="0" b="0"/>
+      </a:fillRef>
+      <a:effectRef idx="0">
+        <a:scrgbClr r="0" g="0" b="0"/>
+      </a:effectRef>
+      <a:fontRef idx="minor"/>
+    </dgm:style>
+  </dgm:styleLbl>
+  <dgm:styleLbl name="fgAcc0">
+    <dgm:scene3d>
+      <a:camera prst="orthographicFront"/>
+      <a:lightRig rig="threePt" dir="t"/>
+    </dgm:scene3d>
+    <dgm:txPr/>
+    <dgm:style>
+      <a:lnRef idx="2">
+        <a:scrgbClr r="0" g="0" b="0"/>
+      </a:lnRef>
+      <a:fillRef idx="1">
+        <a:scrgbClr r="0" g="0" b="0"/>
+      </a:fillRef>
+      <a:effectRef idx="0">
+        <a:scrgbClr r="0" g="0" b="0"/>
+      </a:effectRef>
+      <a:fontRef idx="minor"/>
+    </dgm:style>
+  </dgm:styleLbl>
+  <dgm:styleLbl name="fgAcc1">
+    <dgm:scene3d>
+      <a:camera prst="orthographicFront"/>
+      <a:lightRig rig="threePt" dir="t"/>
+    </dgm:scene3d>
+    <dgm:txPr/>
+    <dgm:style>
+      <a:lnRef idx="2">
+        <a:scrgbClr r="0" g="0" b="0"/>
+      </a:lnRef>
+      <a:fillRef idx="1">
+        <a:scrgbClr r="0" g="0" b="0"/>
+      </a:fillRef>
+      <a:effectRef idx="0">
+        <a:scrgbClr r="0" g="0" b="0"/>
+      </a:effectRef>
+      <a:fontRef idx="minor"/>
+    </dgm:style>
+  </dgm:styleLbl>
+  <dgm:styleLbl name="fgAcc2">
+    <dgm:scene3d>
+      <a:camera prst="orthographicFront"/>
+      <a:lightRig rig="threePt" dir="t"/>
+    </dgm:scene3d>
+    <dgm:txPr/>
+    <dgm:style>
+      <a:lnRef idx="2">
+        <a:scrgbClr r="0" g="0" b="0"/>
+      </a:lnRef>
+      <a:fillRef idx="1">
+        <a:scrgbClr r="0" g="0" b="0"/>
+      </a:fillRef>
+      <a:effectRef idx="0">
+        <a:scrgbClr r="0" g="0" b="0"/>
+      </a:effectRef>
+      <a:fontRef idx="minor"/>
+    </dgm:style>
+  </dgm:styleLbl>
+  <dgm:styleLbl name="fgAcc3">
+    <dgm:scene3d>
+      <a:camera prst="orthographicFront"/>
+      <a:lightRig rig="threePt" dir="t"/>
+    </dgm:scene3d>
+    <dgm:txPr/>
+    <dgm:style>
+      <a:lnRef idx="2">
+        <a:scrgbClr r="0" g="0" b="0"/>
+      </a:lnRef>
+      <a:fillRef idx="1">
+        <a:scrgbClr r="0" g="0" b="0"/>
+      </a:fillRef>
+      <a:effectRef idx="0">
+        <a:scrgbClr r="0" g="0" b="0"/>
+      </a:effectRef>
+      <a:fontRef idx="minor"/>
+    </dgm:style>
+  </dgm:styleLbl>
+  <dgm:styleLbl name="fgAcc4">
+    <dgm:scene3d>
+      <a:camera prst="orthographicFront"/>
+      <a:lightRig rig="threePt" dir="t"/>
+    </dgm:scene3d>
+    <dgm:txPr/>
+    <dgm:style>
+      <a:lnRef idx="2">
+        <a:scrgbClr r="0" g="0" b="0"/>
+      </a:lnRef>
+      <a:fillRef idx="1">
+        <a:scrgbClr r="0" g="0" b="0"/>
+      </a:fillRef>
+      <a:effectRef idx="0">
+        <a:scrgbClr r="0" g="0" b="0"/>
+      </a:effectRef>
+      <a:fontRef idx="minor"/>
+    </dgm:style>
+  </dgm:styleLbl>
+  <dgm:styleLbl name="fgAccFollowNode1">
+    <dgm:scene3d>
+      <a:camera prst="orthographicFront"/>
+      <a:lightRig rig="threePt" dir="t"/>
+    </dgm:scene3d>
+    <dgm:txPr/>
+    <dgm:style>
+      <a:lnRef idx="2">
+        <a:scrgbClr r="0" g="0" b="0"/>
+      </a:lnRef>
+      <a:fillRef idx="1">
+        <a:scrgbClr r="0" g="0" b="0"/>
+      </a:fillRef>
+      <a:effectRef idx="0">
+        <a:scrgbClr r="0" g="0" b="0"/>
+      </a:effectRef>
+      <a:fontRef idx="minor"/>
+    </dgm:style>
+  </dgm:styleLbl>
+  <dgm:styleLbl name="fgImgPlace1">
+    <dgm:scene3d>
+      <a:camera prst="orthographicFront"/>
+      <a:lightRig rig="threePt" dir="t"/>
+    </dgm:scene3d>
+    <dgm:txPr/>
+    <dgm:style>
+      <a:lnRef idx="2">
+        <a:scrgbClr r="0" g="0" b="0"/>
+      </a:lnRef>
+      <a:fillRef idx="1">
+        <a:scrgbClr r="0" g="0" b="0"/>
+      </a:fillRef>
+      <a:effectRef idx="0">
+        <a:scrgbClr r="0" g="0" b="0"/>
+      </a:effectRef>
+      <a:fontRef idx="minor"/>
+    </dgm:style>
+  </dgm:styleLbl>
+  <dgm:styleLbl name="fgShp">
+    <dgm:scene3d>
+      <a:camera prst="orthographicFront"/>
+      <a:lightRig rig="threePt" dir="t"/>
+    </dgm:scene3d>
+    <dgm:txPr/>
+    <dgm:style>
+      <a:lnRef idx="2">
+        <a:scrgbClr r="0" g="0" b="0"/>
+      </a:lnRef>
+      <a:fillRef idx="1">
+        <a:scrgbClr r="0" g="0" b="0"/>
+      </a:fillRef>
+      <a:effectRef idx="0">
+        <a:scrgbClr r="0" g="0" b="0"/>
+      </a:effectRef>
+      <a:fontRef idx="minor"/>
+    </dgm:style>
+  </dgm:styleLbl>
+  <dgm:styleLbl name="fgSibTrans2D1">
+    <dgm:scene3d>
+      <a:camera prst="orthographicFront"/>
+      <a:lightRig rig="threePt" dir="t"/>
+    </dgm:scene3d>
+    <dgm:txPr/>
+    <dgm:style>
+      <a:lnRef idx="0">
         <a:scrgbClr r="0" g="0" b="0"/>
       </a:lnRef>
       <a:fillRef idx="1">
@@ -2365,7 +2848,6 @@
       <a:camera prst="orthographicFront"/>
       <a:lightRig rig="threePt" dir="t"/>
     </dgm:scene3d>
-    <dgm:sp3d/>
     <dgm:txPr/>
     <dgm:style>
       <a:lnRef idx="2">
@@ -2382,34 +2864,11 @@
       </a:fontRef>
     </dgm:style>
   </dgm:styleLbl>
-  <dgm:styleLbl name="vennNode1">
+  <dgm:styleLbl name="node0">
     <dgm:scene3d>
       <a:camera prst="orthographicFront"/>
       <a:lightRig rig="threePt" dir="t"/>
     </dgm:scene3d>
-    <dgm:sp3d/>
-    <dgm:txPr/>
-    <dgm:style>
-      <a:lnRef idx="2">
-        <a:scrgbClr r="0" g="0" b="0"/>
-      </a:lnRef>
-      <a:fillRef idx="1">
-        <a:scrgbClr r="0" g="0" b="0"/>
-      </a:fillRef>
-      <a:effectRef idx="0">
-        <a:scrgbClr r="0" g="0" b="0"/>
-      </a:effectRef>
-      <a:fontRef idx="minor">
-        <a:schemeClr val="tx1"/>
-      </a:fontRef>
-    </dgm:style>
-  </dgm:styleLbl>
-  <dgm:styleLbl name="alignNode1">
-    <dgm:scene3d>
-      <a:camera prst="orthographicFront"/>
-      <a:lightRig rig="threePt" dir="t"/>
-    </dgm:scene3d>
-    <dgm:sp3d/>
     <dgm:txPr/>
     <dgm:style>
       <a:lnRef idx="2">
@@ -2431,7 +2890,6 @@
       <a:camera prst="orthographicFront"/>
       <a:lightRig rig="threePt" dir="t"/>
     </dgm:scene3d>
-    <dgm:sp3d/>
     <dgm:txPr/>
     <dgm:style>
       <a:lnRef idx="2">
@@ -2453,7 +2911,6 @@
       <a:camera prst="orthographicFront"/>
       <a:lightRig rig="threePt" dir="t"/>
     </dgm:scene3d>
-    <dgm:sp3d/>
     <dgm:txPr/>
     <dgm:style>
       <a:lnRef idx="2">
@@ -2475,7 +2932,6 @@
       <a:camera prst="orthographicFront"/>
       <a:lightRig rig="threePt" dir="t"/>
     </dgm:scene3d>
-    <dgm:sp3d/>
     <dgm:txPr/>
     <dgm:style>
       <a:lnRef idx="2">
@@ -2497,7 +2953,6 @@
       <a:camera prst="orthographicFront"/>
       <a:lightRig rig="threePt" dir="t"/>
     </dgm:scene3d>
-    <dgm:sp3d/>
     <dgm:txPr/>
     <dgm:style>
       <a:lnRef idx="2">
@@ -2514,141 +2969,14 @@
       </a:fontRef>
     </dgm:style>
   </dgm:styleLbl>
-  <dgm:styleLbl name="fgImgPlace1">
+  <dgm:styleLbl name="parChTrans1D1">
     <dgm:scene3d>
       <a:camera prst="orthographicFront"/>
       <a:lightRig rig="threePt" dir="t"/>
     </dgm:scene3d>
-    <dgm:sp3d/>
     <dgm:txPr/>
     <dgm:style>
       <a:lnRef idx="2">
-        <a:scrgbClr r="0" g="0" b="0"/>
-      </a:lnRef>
-      <a:fillRef idx="1">
-        <a:scrgbClr r="0" g="0" b="0"/>
-      </a:fillRef>
-      <a:effectRef idx="0">
-        <a:scrgbClr r="0" g="0" b="0"/>
-      </a:effectRef>
-      <a:fontRef idx="minor"/>
-    </dgm:style>
-  </dgm:styleLbl>
-  <dgm:styleLbl name="alignImgPlace1">
-    <dgm:scene3d>
-      <a:camera prst="orthographicFront"/>
-      <a:lightRig rig="threePt" dir="t"/>
-    </dgm:scene3d>
-    <dgm:sp3d/>
-    <dgm:txPr/>
-    <dgm:style>
-      <a:lnRef idx="2">
-        <a:scrgbClr r="0" g="0" b="0"/>
-      </a:lnRef>
-      <a:fillRef idx="1">
-        <a:scrgbClr r="0" g="0" b="0"/>
-      </a:fillRef>
-      <a:effectRef idx="0">
-        <a:scrgbClr r="0" g="0" b="0"/>
-      </a:effectRef>
-      <a:fontRef idx="minor"/>
-    </dgm:style>
-  </dgm:styleLbl>
-  <dgm:styleLbl name="bgImgPlace1">
-    <dgm:scene3d>
-      <a:camera prst="orthographicFront"/>
-      <a:lightRig rig="threePt" dir="t"/>
-    </dgm:scene3d>
-    <dgm:sp3d/>
-    <dgm:txPr/>
-    <dgm:style>
-      <a:lnRef idx="2">
-        <a:scrgbClr r="0" g="0" b="0"/>
-      </a:lnRef>
-      <a:fillRef idx="1">
-        <a:scrgbClr r="0" g="0" b="0"/>
-      </a:fillRef>
-      <a:effectRef idx="0">
-        <a:scrgbClr r="0" g="0" b="0"/>
-      </a:effectRef>
-      <a:fontRef idx="minor"/>
-    </dgm:style>
-  </dgm:styleLbl>
-  <dgm:styleLbl name="sibTrans2D1">
-    <dgm:scene3d>
-      <a:camera prst="orthographicFront"/>
-      <a:lightRig rig="threePt" dir="t"/>
-    </dgm:scene3d>
-    <dgm:sp3d/>
-    <dgm:txPr/>
-    <dgm:style>
-      <a:lnRef idx="0">
-        <a:scrgbClr r="0" g="0" b="0"/>
-      </a:lnRef>
-      <a:fillRef idx="1">
-        <a:scrgbClr r="0" g="0" b="0"/>
-      </a:fillRef>
-      <a:effectRef idx="0">
-        <a:scrgbClr r="0" g="0" b="0"/>
-      </a:effectRef>
-      <a:fontRef idx="minor">
-        <a:schemeClr val="lt1"/>
-      </a:fontRef>
-    </dgm:style>
-  </dgm:styleLbl>
-  <dgm:styleLbl name="fgSibTrans2D1">
-    <dgm:scene3d>
-      <a:camera prst="orthographicFront"/>
-      <a:lightRig rig="threePt" dir="t"/>
-    </dgm:scene3d>
-    <dgm:sp3d/>
-    <dgm:txPr/>
-    <dgm:style>
-      <a:lnRef idx="0">
-        <a:scrgbClr r="0" g="0" b="0"/>
-      </a:lnRef>
-      <a:fillRef idx="1">
-        <a:scrgbClr r="0" g="0" b="0"/>
-      </a:fillRef>
-      <a:effectRef idx="0">
-        <a:scrgbClr r="0" g="0" b="0"/>
-      </a:effectRef>
-      <a:fontRef idx="minor">
-        <a:schemeClr val="lt1"/>
-      </a:fontRef>
-    </dgm:style>
-  </dgm:styleLbl>
-  <dgm:styleLbl name="bgSibTrans2D1">
-    <dgm:scene3d>
-      <a:camera prst="orthographicFront"/>
-      <a:lightRig rig="threePt" dir="t"/>
-    </dgm:scene3d>
-    <dgm:sp3d/>
-    <dgm:txPr/>
-    <dgm:style>
-      <a:lnRef idx="0">
-        <a:scrgbClr r="0" g="0" b="0"/>
-      </a:lnRef>
-      <a:fillRef idx="1">
-        <a:scrgbClr r="0" g="0" b="0"/>
-      </a:fillRef>
-      <a:effectRef idx="0">
-        <a:scrgbClr r="0" g="0" b="0"/>
-      </a:effectRef>
-      <a:fontRef idx="minor">
-        <a:schemeClr val="lt1"/>
-      </a:fontRef>
-    </dgm:style>
-  </dgm:styleLbl>
-  <dgm:styleLbl name="sibTrans1D1">
-    <dgm:scene3d>
-      <a:camera prst="orthographicFront"/>
-      <a:lightRig rig="threePt" dir="t"/>
-    </dgm:scene3d>
-    <dgm:sp3d/>
-    <dgm:txPr/>
-    <dgm:style>
-      <a:lnRef idx="1">
         <a:scrgbClr r="0" g="0" b="0"/>
       </a:lnRef>
       <a:fillRef idx="0">
@@ -2660,18 +2988,17 @@
       <a:fontRef idx="minor"/>
     </dgm:style>
   </dgm:styleLbl>
-  <dgm:styleLbl name="callout">
+  <dgm:styleLbl name="parChTrans1D2">
     <dgm:scene3d>
       <a:camera prst="orthographicFront"/>
       <a:lightRig rig="threePt" dir="t"/>
     </dgm:scene3d>
-    <dgm:sp3d/>
     <dgm:txPr/>
     <dgm:style>
       <a:lnRef idx="2">
         <a:scrgbClr r="0" g="0" b="0"/>
       </a:lnRef>
-      <a:fillRef idx="1">
+      <a:fillRef idx="0">
         <a:scrgbClr r="0" g="0" b="0"/>
       </a:fillRef>
       <a:effectRef idx="0">
@@ -2680,114 +3007,42 @@
       <a:fontRef idx="minor"/>
     </dgm:style>
   </dgm:styleLbl>
-  <dgm:styleLbl name="asst0">
+  <dgm:styleLbl name="parChTrans1D3">
     <dgm:scene3d>
       <a:camera prst="orthographicFront"/>
       <a:lightRig rig="threePt" dir="t"/>
     </dgm:scene3d>
-    <dgm:sp3d/>
     <dgm:txPr/>
     <dgm:style>
       <a:lnRef idx="2">
         <a:scrgbClr r="0" g="0" b="0"/>
       </a:lnRef>
-      <a:fillRef idx="1">
+      <a:fillRef idx="0">
         <a:scrgbClr r="0" g="0" b="0"/>
       </a:fillRef>
       <a:effectRef idx="0">
         <a:scrgbClr r="0" g="0" b="0"/>
       </a:effectRef>
-      <a:fontRef idx="minor">
-        <a:schemeClr val="lt1"/>
-      </a:fontRef>
+      <a:fontRef idx="minor"/>
     </dgm:style>
   </dgm:styleLbl>
-  <dgm:styleLbl name="asst1">
+  <dgm:styleLbl name="parChTrans1D4">
     <dgm:scene3d>
       <a:camera prst="orthographicFront"/>
       <a:lightRig rig="threePt" dir="t"/>
     </dgm:scene3d>
-    <dgm:sp3d/>
     <dgm:txPr/>
     <dgm:style>
       <a:lnRef idx="2">
         <a:scrgbClr r="0" g="0" b="0"/>
       </a:lnRef>
-      <a:fillRef idx="1">
+      <a:fillRef idx="0">
         <a:scrgbClr r="0" g="0" b="0"/>
       </a:fillRef>
       <a:effectRef idx="0">
         <a:scrgbClr r="0" g="0" b="0"/>
       </a:effectRef>
-      <a:fontRef idx="minor">
-        <a:schemeClr val="lt1"/>
-      </a:fontRef>
-    </dgm:style>
-  </dgm:styleLbl>
-  <dgm:styleLbl name="asst2">
-    <dgm:scene3d>
-      <a:camera prst="orthographicFront"/>
-      <a:lightRig rig="threePt" dir="t"/>
-    </dgm:scene3d>
-    <dgm:sp3d/>
-    <dgm:txPr/>
-    <dgm:style>
-      <a:lnRef idx="2">
-        <a:scrgbClr r="0" g="0" b="0"/>
-      </a:lnRef>
-      <a:fillRef idx="1">
-        <a:scrgbClr r="0" g="0" b="0"/>
-      </a:fillRef>
-      <a:effectRef idx="0">
-        <a:scrgbClr r="0" g="0" b="0"/>
-      </a:effectRef>
-      <a:fontRef idx="minor">
-        <a:schemeClr val="lt1"/>
-      </a:fontRef>
-    </dgm:style>
-  </dgm:styleLbl>
-  <dgm:styleLbl name="asst3">
-    <dgm:scene3d>
-      <a:camera prst="orthographicFront"/>
-      <a:lightRig rig="threePt" dir="t"/>
-    </dgm:scene3d>
-    <dgm:sp3d/>
-    <dgm:txPr/>
-    <dgm:style>
-      <a:lnRef idx="2">
-        <a:scrgbClr r="0" g="0" b="0"/>
-      </a:lnRef>
-      <a:fillRef idx="1">
-        <a:scrgbClr r="0" g="0" b="0"/>
-      </a:fillRef>
-      <a:effectRef idx="0">
-        <a:scrgbClr r="0" g="0" b="0"/>
-      </a:effectRef>
-      <a:fontRef idx="minor">
-        <a:schemeClr val="lt1"/>
-      </a:fontRef>
-    </dgm:style>
-  </dgm:styleLbl>
-  <dgm:styleLbl name="asst4">
-    <dgm:scene3d>
-      <a:camera prst="orthographicFront"/>
-      <a:lightRig rig="threePt" dir="t"/>
-    </dgm:scene3d>
-    <dgm:sp3d/>
-    <dgm:txPr/>
-    <dgm:style>
-      <a:lnRef idx="2">
-        <a:scrgbClr r="0" g="0" b="0"/>
-      </a:lnRef>
-      <a:fillRef idx="1">
-        <a:scrgbClr r="0" g="0" b="0"/>
-      </a:fillRef>
-      <a:effectRef idx="0">
-        <a:scrgbClr r="0" g="0" b="0"/>
-      </a:effectRef>
-      <a:fontRef idx="minor">
-        <a:schemeClr val="lt1"/>
-      </a:fontRef>
+      <a:fontRef idx="minor"/>
     </dgm:style>
   </dgm:styleLbl>
   <dgm:styleLbl name="parChTrans2D1">
@@ -2795,7 +3050,6 @@
       <a:camera prst="orthographicFront"/>
       <a:lightRig rig="threePt" dir="t"/>
     </dgm:scene3d>
-    <dgm:sp3d/>
     <dgm:txPr/>
     <dgm:style>
       <a:lnRef idx="2">
@@ -2817,7 +3071,6 @@
       <a:camera prst="orthographicFront"/>
       <a:lightRig rig="threePt" dir="t"/>
     </dgm:scene3d>
-    <dgm:sp3d/>
     <dgm:txPr/>
     <dgm:style>
       <a:lnRef idx="2">
@@ -2839,7 +3092,6 @@
       <a:camera prst="orthographicFront"/>
       <a:lightRig rig="threePt" dir="t"/>
     </dgm:scene3d>
-    <dgm:sp3d/>
     <dgm:txPr/>
     <dgm:style>
       <a:lnRef idx="2">
@@ -2861,7 +3113,6 @@
       <a:camera prst="orthographicFront"/>
       <a:lightRig rig="threePt" dir="t"/>
     </dgm:scene3d>
-    <dgm:sp3d/>
     <dgm:txPr/>
     <dgm:style>
       <a:lnRef idx="2">
@@ -2878,15 +3129,14 @@
       </a:fontRef>
     </dgm:style>
   </dgm:styleLbl>
-  <dgm:styleLbl name="parChTrans1D1">
+  <dgm:styleLbl name="revTx">
     <dgm:scene3d>
       <a:camera prst="orthographicFront"/>
       <a:lightRig rig="threePt" dir="t"/>
     </dgm:scene3d>
-    <dgm:sp3d/>
     <dgm:txPr/>
     <dgm:style>
-      <a:lnRef idx="2">
+      <a:lnRef idx="0">
         <a:scrgbClr r="0" g="0" b="0"/>
       </a:lnRef>
       <a:fillRef idx="0">
@@ -2898,15 +3148,14 @@
       <a:fontRef idx="minor"/>
     </dgm:style>
   </dgm:styleLbl>
-  <dgm:styleLbl name="parChTrans1D2">
+  <dgm:styleLbl name="sibTrans1D1">
     <dgm:scene3d>
       <a:camera prst="orthographicFront"/>
       <a:lightRig rig="threePt" dir="t"/>
     </dgm:scene3d>
-    <dgm:sp3d/>
     <dgm:txPr/>
     <dgm:style>
-      <a:lnRef idx="2">
+      <a:lnRef idx="1">
         <a:scrgbClr r="0" g="0" b="0"/>
       </a:lnRef>
       <a:fillRef idx="0">
@@ -2918,52 +3167,32 @@
       <a:fontRef idx="minor"/>
     </dgm:style>
   </dgm:styleLbl>
-  <dgm:styleLbl name="parChTrans1D3">
+  <dgm:styleLbl name="sibTrans2D1">
     <dgm:scene3d>
       <a:camera prst="orthographicFront"/>
       <a:lightRig rig="threePt" dir="t"/>
     </dgm:scene3d>
-    <dgm:sp3d/>
     <dgm:txPr/>
     <dgm:style>
-      <a:lnRef idx="2">
+      <a:lnRef idx="0">
         <a:scrgbClr r="0" g="0" b="0"/>
       </a:lnRef>
-      <a:fillRef idx="0">
+      <a:fillRef idx="1">
         <a:scrgbClr r="0" g="0" b="0"/>
       </a:fillRef>
       <a:effectRef idx="0">
         <a:scrgbClr r="0" g="0" b="0"/>
       </a:effectRef>
-      <a:fontRef idx="minor"/>
+      <a:fontRef idx="minor">
+        <a:schemeClr val="lt1"/>
+      </a:fontRef>
     </dgm:style>
   </dgm:styleLbl>
-  <dgm:styleLbl name="parChTrans1D4">
+  <dgm:styleLbl name="solidAlignAcc1">
     <dgm:scene3d>
       <a:camera prst="orthographicFront"/>
       <a:lightRig rig="threePt" dir="t"/>
     </dgm:scene3d>
-    <dgm:sp3d/>
-    <dgm:txPr/>
-    <dgm:style>
-      <a:lnRef idx="2">
-        <a:scrgbClr r="0" g="0" b="0"/>
-      </a:lnRef>
-      <a:fillRef idx="0">
-        <a:scrgbClr r="0" g="0" b="0"/>
-      </a:fillRef>
-      <a:effectRef idx="0">
-        <a:scrgbClr r="0" g="0" b="0"/>
-      </a:effectRef>
-      <a:fontRef idx="minor"/>
-    </dgm:style>
-  </dgm:styleLbl>
-  <dgm:styleLbl name="fgAcc1">
-    <dgm:scene3d>
-      <a:camera prst="orthographicFront"/>
-      <a:lightRig rig="threePt" dir="t"/>
-    </dgm:scene3d>
-    <dgm:sp3d/>
     <dgm:txPr/>
     <dgm:style>
       <a:lnRef idx="2">
@@ -2978,12 +3207,11 @@
       <a:fontRef idx="minor"/>
     </dgm:style>
   </dgm:styleLbl>
-  <dgm:styleLbl name="conFgAcc1">
+  <dgm:styleLbl name="solidBgAcc1">
     <dgm:scene3d>
       <a:camera prst="orthographicFront"/>
       <a:lightRig rig="threePt" dir="t"/>
     </dgm:scene3d>
-    <dgm:sp3d/>
     <dgm:txPr/>
     <dgm:style>
       <a:lnRef idx="2">
@@ -2998,12 +3226,11 @@
       <a:fontRef idx="minor"/>
     </dgm:style>
   </dgm:styleLbl>
-  <dgm:styleLbl name="alignAcc1">
+  <dgm:styleLbl name="solidFgAcc1">
     <dgm:scene3d>
       <a:camera prst="orthographicFront"/>
       <a:lightRig rig="threePt" dir="t"/>
     </dgm:scene3d>
-    <dgm:sp3d/>
     <dgm:txPr/>
     <dgm:style>
       <a:lnRef idx="2">
@@ -3023,270 +3250,9 @@
       <a:camera prst="orthographicFront"/>
       <a:lightRig rig="threePt" dir="t"/>
     </dgm:scene3d>
-    <dgm:sp3d/>
     <dgm:txPr/>
     <dgm:style>
       <a:lnRef idx="1">
-        <a:scrgbClr r="0" g="0" b="0"/>
-      </a:lnRef>
-      <a:fillRef idx="1">
-        <a:scrgbClr r="0" g="0" b="0"/>
-      </a:fillRef>
-      <a:effectRef idx="0">
-        <a:scrgbClr r="0" g="0" b="0"/>
-      </a:effectRef>
-      <a:fontRef idx="minor"/>
-    </dgm:style>
-  </dgm:styleLbl>
-  <dgm:styleLbl name="bgAcc1">
-    <dgm:scene3d>
-      <a:camera prst="orthographicFront"/>
-      <a:lightRig rig="threePt" dir="t"/>
-    </dgm:scene3d>
-    <dgm:sp3d/>
-    <dgm:txPr/>
-    <dgm:style>
-      <a:lnRef idx="2">
-        <a:scrgbClr r="0" g="0" b="0"/>
-      </a:lnRef>
-      <a:fillRef idx="1">
-        <a:scrgbClr r="0" g="0" b="0"/>
-      </a:fillRef>
-      <a:effectRef idx="0">
-        <a:scrgbClr r="0" g="0" b="0"/>
-      </a:effectRef>
-      <a:fontRef idx="minor"/>
-    </dgm:style>
-  </dgm:styleLbl>
-  <dgm:styleLbl name="solidFgAcc1">
-    <dgm:scene3d>
-      <a:camera prst="orthographicFront"/>
-      <a:lightRig rig="threePt" dir="t"/>
-    </dgm:scene3d>
-    <dgm:sp3d/>
-    <dgm:txPr/>
-    <dgm:style>
-      <a:lnRef idx="2">
-        <a:scrgbClr r="0" g="0" b="0"/>
-      </a:lnRef>
-      <a:fillRef idx="1">
-        <a:scrgbClr r="0" g="0" b="0"/>
-      </a:fillRef>
-      <a:effectRef idx="0">
-        <a:scrgbClr r="0" g="0" b="0"/>
-      </a:effectRef>
-      <a:fontRef idx="minor"/>
-    </dgm:style>
-  </dgm:styleLbl>
-  <dgm:styleLbl name="solidAlignAcc1">
-    <dgm:scene3d>
-      <a:camera prst="orthographicFront"/>
-      <a:lightRig rig="threePt" dir="t"/>
-    </dgm:scene3d>
-    <dgm:sp3d/>
-    <dgm:txPr/>
-    <dgm:style>
-      <a:lnRef idx="2">
-        <a:scrgbClr r="0" g="0" b="0"/>
-      </a:lnRef>
-      <a:fillRef idx="1">
-        <a:scrgbClr r="0" g="0" b="0"/>
-      </a:fillRef>
-      <a:effectRef idx="0">
-        <a:scrgbClr r="0" g="0" b="0"/>
-      </a:effectRef>
-      <a:fontRef idx="minor"/>
-    </dgm:style>
-  </dgm:styleLbl>
-  <dgm:styleLbl name="solidBgAcc1">
-    <dgm:scene3d>
-      <a:camera prst="orthographicFront"/>
-      <a:lightRig rig="threePt" dir="t"/>
-    </dgm:scene3d>
-    <dgm:sp3d/>
-    <dgm:txPr/>
-    <dgm:style>
-      <a:lnRef idx="2">
-        <a:scrgbClr r="0" g="0" b="0"/>
-      </a:lnRef>
-      <a:fillRef idx="1">
-        <a:scrgbClr r="0" g="0" b="0"/>
-      </a:fillRef>
-      <a:effectRef idx="0">
-        <a:scrgbClr r="0" g="0" b="0"/>
-      </a:effectRef>
-      <a:fontRef idx="minor"/>
-    </dgm:style>
-  </dgm:styleLbl>
-  <dgm:styleLbl name="fgAccFollowNode1">
-    <dgm:scene3d>
-      <a:camera prst="orthographicFront"/>
-      <a:lightRig rig="threePt" dir="t"/>
-    </dgm:scene3d>
-    <dgm:sp3d/>
-    <dgm:txPr/>
-    <dgm:style>
-      <a:lnRef idx="2">
-        <a:scrgbClr r="0" g="0" b="0"/>
-      </a:lnRef>
-      <a:fillRef idx="1">
-        <a:scrgbClr r="0" g="0" b="0"/>
-      </a:fillRef>
-      <a:effectRef idx="0">
-        <a:scrgbClr r="0" g="0" b="0"/>
-      </a:effectRef>
-      <a:fontRef idx="minor"/>
-    </dgm:style>
-  </dgm:styleLbl>
-  <dgm:styleLbl name="alignAccFollowNode1">
-    <dgm:scene3d>
-      <a:camera prst="orthographicFront"/>
-      <a:lightRig rig="threePt" dir="t"/>
-    </dgm:scene3d>
-    <dgm:sp3d/>
-    <dgm:txPr/>
-    <dgm:style>
-      <a:lnRef idx="2">
-        <a:scrgbClr r="0" g="0" b="0"/>
-      </a:lnRef>
-      <a:fillRef idx="1">
-        <a:scrgbClr r="0" g="0" b="0"/>
-      </a:fillRef>
-      <a:effectRef idx="0">
-        <a:scrgbClr r="0" g="0" b="0"/>
-      </a:effectRef>
-      <a:fontRef idx="minor"/>
-    </dgm:style>
-  </dgm:styleLbl>
-  <dgm:styleLbl name="bgAccFollowNode1">
-    <dgm:scene3d>
-      <a:camera prst="orthographicFront"/>
-      <a:lightRig rig="threePt" dir="t"/>
-    </dgm:scene3d>
-    <dgm:sp3d/>
-    <dgm:txPr/>
-    <dgm:style>
-      <a:lnRef idx="2">
-        <a:scrgbClr r="0" g="0" b="0"/>
-      </a:lnRef>
-      <a:fillRef idx="1">
-        <a:scrgbClr r="0" g="0" b="0"/>
-      </a:fillRef>
-      <a:effectRef idx="0">
-        <a:scrgbClr r="0" g="0" b="0"/>
-      </a:effectRef>
-      <a:fontRef idx="minor"/>
-    </dgm:style>
-  </dgm:styleLbl>
-  <dgm:styleLbl name="fgAcc0">
-    <dgm:scene3d>
-      <a:camera prst="orthographicFront"/>
-      <a:lightRig rig="threePt" dir="t"/>
-    </dgm:scene3d>
-    <dgm:sp3d/>
-    <dgm:txPr/>
-    <dgm:style>
-      <a:lnRef idx="2">
-        <a:scrgbClr r="0" g="0" b="0"/>
-      </a:lnRef>
-      <a:fillRef idx="1">
-        <a:scrgbClr r="0" g="0" b="0"/>
-      </a:fillRef>
-      <a:effectRef idx="0">
-        <a:scrgbClr r="0" g="0" b="0"/>
-      </a:effectRef>
-      <a:fontRef idx="minor"/>
-    </dgm:style>
-  </dgm:styleLbl>
-  <dgm:styleLbl name="fgAcc2">
-    <dgm:scene3d>
-      <a:camera prst="orthographicFront"/>
-      <a:lightRig rig="threePt" dir="t"/>
-    </dgm:scene3d>
-    <dgm:sp3d/>
-    <dgm:txPr/>
-    <dgm:style>
-      <a:lnRef idx="2">
-        <a:scrgbClr r="0" g="0" b="0"/>
-      </a:lnRef>
-      <a:fillRef idx="1">
-        <a:scrgbClr r="0" g="0" b="0"/>
-      </a:fillRef>
-      <a:effectRef idx="0">
-        <a:scrgbClr r="0" g="0" b="0"/>
-      </a:effectRef>
-      <a:fontRef idx="minor"/>
-    </dgm:style>
-  </dgm:styleLbl>
-  <dgm:styleLbl name="fgAcc3">
-    <dgm:scene3d>
-      <a:camera prst="orthographicFront"/>
-      <a:lightRig rig="threePt" dir="t"/>
-    </dgm:scene3d>
-    <dgm:sp3d/>
-    <dgm:txPr/>
-    <dgm:style>
-      <a:lnRef idx="2">
-        <a:scrgbClr r="0" g="0" b="0"/>
-      </a:lnRef>
-      <a:fillRef idx="1">
-        <a:scrgbClr r="0" g="0" b="0"/>
-      </a:fillRef>
-      <a:effectRef idx="0">
-        <a:scrgbClr r="0" g="0" b="0"/>
-      </a:effectRef>
-      <a:fontRef idx="minor"/>
-    </dgm:style>
-  </dgm:styleLbl>
-  <dgm:styleLbl name="fgAcc4">
-    <dgm:scene3d>
-      <a:camera prst="orthographicFront"/>
-      <a:lightRig rig="threePt" dir="t"/>
-    </dgm:scene3d>
-    <dgm:sp3d/>
-    <dgm:txPr/>
-    <dgm:style>
-      <a:lnRef idx="2">
-        <a:scrgbClr r="0" g="0" b="0"/>
-      </a:lnRef>
-      <a:fillRef idx="1">
-        <a:scrgbClr r="0" g="0" b="0"/>
-      </a:fillRef>
-      <a:effectRef idx="0">
-        <a:scrgbClr r="0" g="0" b="0"/>
-      </a:effectRef>
-      <a:fontRef idx="minor"/>
-    </dgm:style>
-  </dgm:styleLbl>
-  <dgm:styleLbl name="bgShp">
-    <dgm:scene3d>
-      <a:camera prst="orthographicFront"/>
-      <a:lightRig rig="threePt" dir="t"/>
-    </dgm:scene3d>
-    <dgm:sp3d/>
-    <dgm:txPr/>
-    <dgm:style>
-      <a:lnRef idx="0">
-        <a:scrgbClr r="0" g="0" b="0"/>
-      </a:lnRef>
-      <a:fillRef idx="1">
-        <a:scrgbClr r="0" g="0" b="0"/>
-      </a:fillRef>
-      <a:effectRef idx="0">
-        <a:scrgbClr r="0" g="0" b="0"/>
-      </a:effectRef>
-      <a:fontRef idx="minor"/>
-    </dgm:style>
-  </dgm:styleLbl>
-  <dgm:styleLbl name="dkBgShp">
-    <dgm:scene3d>
-      <a:camera prst="orthographicFront"/>
-      <a:lightRig rig="threePt" dir="t"/>
-    </dgm:scene3d>
-    <dgm:sp3d/>
-    <dgm:txPr/>
-    <dgm:style>
-      <a:lnRef idx="0">
         <a:scrgbClr r="0" g="0" b="0"/>
       </a:lnRef>
       <a:fillRef idx="1">
@@ -3303,7 +3269,6 @@
       <a:camera prst="orthographicFront"/>
       <a:lightRig rig="threePt" dir="t"/>
     </dgm:scene3d>
-    <dgm:sp3d/>
     <dgm:txPr/>
     <dgm:style>
       <a:lnRef idx="0">
@@ -3318,12 +3283,11 @@
       <a:fontRef idx="minor"/>
     </dgm:style>
   </dgm:styleLbl>
-  <dgm:styleLbl name="fgShp">
+  <dgm:styleLbl name="vennNode1">
     <dgm:scene3d>
       <a:camera prst="orthographicFront"/>
       <a:lightRig rig="threePt" dir="t"/>
     </dgm:scene3d>
-    <dgm:sp3d/>
     <dgm:txPr/>
     <dgm:style>
       <a:lnRef idx="2">
@@ -3335,27 +3299,9 @@
       <a:effectRef idx="0">
         <a:scrgbClr r="0" g="0" b="0"/>
       </a:effectRef>
-      <a:fontRef idx="minor"/>
-    </dgm:style>
-  </dgm:styleLbl>
-  <dgm:styleLbl name="revTx">
-    <dgm:scene3d>
-      <a:camera prst="orthographicFront"/>
-      <a:lightRig rig="threePt" dir="t"/>
-    </dgm:scene3d>
-    <dgm:sp3d/>
-    <dgm:txPr/>
-    <dgm:style>
-      <a:lnRef idx="0">
-        <a:scrgbClr r="0" g="0" b="0"/>
-      </a:lnRef>
-      <a:fillRef idx="0">
-        <a:scrgbClr r="0" g="0" b="0"/>
-      </a:fillRef>
-      <a:effectRef idx="0">
-        <a:scrgbClr r="0" g="0" b="0"/>
-      </a:effectRef>
-      <a:fontRef idx="minor"/>
+      <a:fontRef idx="minor">
+        <a:schemeClr val="tx1"/>
+      </a:fontRef>
     </dgm:style>
   </dgm:styleLbl>
 </dgm:styleDef>
@@ -3593,15 +3539,15 @@
       <a:buClr>
         <a:srgbClr val="000000"/>
       </a:buClr>
-      <a:buFont typeface="Arial"/>
+      <a:buFont typeface="Arial" panose="020B0604020202020204"/>
       <a:defRPr sz="1400" b="0" i="0" u="none" strike="noStrike" cap="none">
         <a:solidFill>
           <a:srgbClr val="000000"/>
         </a:solidFill>
         <a:latin typeface="Arial" panose="020B0604020202020204" pitchFamily="34" charset="0"/>
         <a:ea typeface="Arial" panose="020B0604020202020204" pitchFamily="34" charset="0"/>
-        <a:cs typeface="Arial"/>
-        <a:sym typeface="Arial"/>
+        <a:cs typeface="Arial" panose="020B0604020202020204"/>
+        <a:sym typeface="Arial" panose="020B0604020202020204"/>
       </a:defRPr>
     </a:lvl1pPr>
     <a:lvl2pPr marR="0" lvl="1" algn="l" rtl="0">
@@ -3617,15 +3563,15 @@
       <a:buClr>
         <a:srgbClr val="000000"/>
       </a:buClr>
-      <a:buFont typeface="Arial"/>
+      <a:buFont typeface="Arial" panose="020B0604020202020204"/>
       <a:defRPr sz="1400" b="0" i="0" u="none" strike="noStrike" cap="none">
         <a:solidFill>
           <a:srgbClr val="000000"/>
         </a:solidFill>
-        <a:latin typeface="Arial"/>
-        <a:ea typeface="Arial"/>
-        <a:cs typeface="Arial"/>
-        <a:sym typeface="Arial"/>
+        <a:latin typeface="Arial" panose="020B0604020202020204"/>
+        <a:ea typeface="Arial" panose="020B0604020202020204"/>
+        <a:cs typeface="Arial" panose="020B0604020202020204"/>
+        <a:sym typeface="Arial" panose="020B0604020202020204"/>
       </a:defRPr>
     </a:lvl2pPr>
     <a:lvl3pPr marR="0" lvl="2" algn="l" rtl="0">
@@ -3641,15 +3587,15 @@
       <a:buClr>
         <a:srgbClr val="000000"/>
       </a:buClr>
-      <a:buFont typeface="Arial"/>
+      <a:buFont typeface="Arial" panose="020B0604020202020204"/>
       <a:defRPr sz="1400" b="0" i="0" u="none" strike="noStrike" cap="none">
         <a:solidFill>
           <a:srgbClr val="000000"/>
         </a:solidFill>
-        <a:latin typeface="Arial"/>
-        <a:ea typeface="Arial"/>
-        <a:cs typeface="Arial"/>
-        <a:sym typeface="Arial"/>
+        <a:latin typeface="Arial" panose="020B0604020202020204"/>
+        <a:ea typeface="Arial" panose="020B0604020202020204"/>
+        <a:cs typeface="Arial" panose="020B0604020202020204"/>
+        <a:sym typeface="Arial" panose="020B0604020202020204"/>
       </a:defRPr>
     </a:lvl3pPr>
     <a:lvl4pPr marR="0" lvl="3" algn="l" rtl="0">
@@ -3665,15 +3611,15 @@
       <a:buClr>
         <a:srgbClr val="000000"/>
       </a:buClr>
-      <a:buFont typeface="Arial"/>
+      <a:buFont typeface="Arial" panose="020B0604020202020204"/>
       <a:defRPr sz="1400" b="0" i="0" u="none" strike="noStrike" cap="none">
         <a:solidFill>
           <a:srgbClr val="000000"/>
         </a:solidFill>
-        <a:latin typeface="Arial"/>
-        <a:ea typeface="Arial"/>
-        <a:cs typeface="Arial"/>
-        <a:sym typeface="Arial"/>
+        <a:latin typeface="Arial" panose="020B0604020202020204"/>
+        <a:ea typeface="Arial" panose="020B0604020202020204"/>
+        <a:cs typeface="Arial" panose="020B0604020202020204"/>
+        <a:sym typeface="Arial" panose="020B0604020202020204"/>
       </a:defRPr>
     </a:lvl4pPr>
     <a:lvl5pPr marR="0" lvl="4" algn="l" rtl="0">
@@ -3689,15 +3635,15 @@
       <a:buClr>
         <a:srgbClr val="000000"/>
       </a:buClr>
-      <a:buFont typeface="Arial"/>
+      <a:buFont typeface="Arial" panose="020B0604020202020204"/>
       <a:defRPr sz="1400" b="0" i="0" u="none" strike="noStrike" cap="none">
         <a:solidFill>
           <a:srgbClr val="000000"/>
         </a:solidFill>
-        <a:latin typeface="Arial"/>
-        <a:ea typeface="Arial"/>
-        <a:cs typeface="Arial"/>
-        <a:sym typeface="Arial"/>
+        <a:latin typeface="Arial" panose="020B0604020202020204"/>
+        <a:ea typeface="Arial" panose="020B0604020202020204"/>
+        <a:cs typeface="Arial" panose="020B0604020202020204"/>
+        <a:sym typeface="Arial" panose="020B0604020202020204"/>
       </a:defRPr>
     </a:lvl5pPr>
     <a:lvl6pPr marR="0" lvl="5" algn="l" rtl="0">
@@ -3713,15 +3659,15 @@
       <a:buClr>
         <a:srgbClr val="000000"/>
       </a:buClr>
-      <a:buFont typeface="Arial"/>
+      <a:buFont typeface="Arial" panose="020B0604020202020204"/>
       <a:defRPr sz="1400" b="0" i="0" u="none" strike="noStrike" cap="none">
         <a:solidFill>
           <a:srgbClr val="000000"/>
         </a:solidFill>
-        <a:latin typeface="Arial"/>
-        <a:ea typeface="Arial"/>
-        <a:cs typeface="Arial"/>
-        <a:sym typeface="Arial"/>
+        <a:latin typeface="Arial" panose="020B0604020202020204"/>
+        <a:ea typeface="Arial" panose="020B0604020202020204"/>
+        <a:cs typeface="Arial" panose="020B0604020202020204"/>
+        <a:sym typeface="Arial" panose="020B0604020202020204"/>
       </a:defRPr>
     </a:lvl6pPr>
     <a:lvl7pPr marR="0" lvl="6" algn="l" rtl="0">
@@ -3737,15 +3683,15 @@
       <a:buClr>
         <a:srgbClr val="000000"/>
       </a:buClr>
-      <a:buFont typeface="Arial"/>
+      <a:buFont typeface="Arial" panose="020B0604020202020204"/>
       <a:defRPr sz="1400" b="0" i="0" u="none" strike="noStrike" cap="none">
         <a:solidFill>
           <a:srgbClr val="000000"/>
         </a:solidFill>
-        <a:latin typeface="Arial"/>
-        <a:ea typeface="Arial"/>
-        <a:cs typeface="Arial"/>
-        <a:sym typeface="Arial"/>
+        <a:latin typeface="Arial" panose="020B0604020202020204"/>
+        <a:ea typeface="Arial" panose="020B0604020202020204"/>
+        <a:cs typeface="Arial" panose="020B0604020202020204"/>
+        <a:sym typeface="Arial" panose="020B0604020202020204"/>
       </a:defRPr>
     </a:lvl7pPr>
     <a:lvl8pPr marR="0" lvl="7" algn="l" rtl="0">
@@ -3761,15 +3707,15 @@
       <a:buClr>
         <a:srgbClr val="000000"/>
       </a:buClr>
-      <a:buFont typeface="Arial"/>
+      <a:buFont typeface="Arial" panose="020B0604020202020204"/>
       <a:defRPr sz="1400" b="0" i="0" u="none" strike="noStrike" cap="none">
         <a:solidFill>
           <a:srgbClr val="000000"/>
         </a:solidFill>
-        <a:latin typeface="Arial"/>
-        <a:ea typeface="Arial"/>
-        <a:cs typeface="Arial"/>
-        <a:sym typeface="Arial"/>
+        <a:latin typeface="Arial" panose="020B0604020202020204"/>
+        <a:ea typeface="Arial" panose="020B0604020202020204"/>
+        <a:cs typeface="Arial" panose="020B0604020202020204"/>
+        <a:sym typeface="Arial" panose="020B0604020202020204"/>
       </a:defRPr>
     </a:lvl8pPr>
     <a:lvl9pPr marR="0" lvl="8" algn="l" rtl="0">
@@ -3785,15 +3731,15 @@
       <a:buClr>
         <a:srgbClr val="000000"/>
       </a:buClr>
-      <a:buFont typeface="Arial"/>
+      <a:buFont typeface="Arial" panose="020B0604020202020204"/>
       <a:defRPr sz="1400" b="0" i="0" u="none" strike="noStrike" cap="none">
         <a:solidFill>
           <a:srgbClr val="000000"/>
         </a:solidFill>
-        <a:latin typeface="Arial"/>
-        <a:ea typeface="Arial"/>
-        <a:cs typeface="Arial"/>
-        <a:sym typeface="Arial"/>
+        <a:latin typeface="Arial" panose="020B0604020202020204"/>
+        <a:ea typeface="Arial" panose="020B0604020202020204"/>
+        <a:cs typeface="Arial" panose="020B0604020202020204"/>
+        <a:sym typeface="Arial" panose="020B0604020202020204"/>
       </a:defRPr>
     </a:lvl9pPr>
   </p:notesStyle>
@@ -3801,7 +3747,7 @@
 </file>
 
 <file path=ppt/notesSlides/notesSlide1.xml><?xml version="1.0" encoding="utf-8"?>
-<p:notes xmlns:a="http://schemas.openxmlformats.org/drawingml/2006/main" xmlns:r="http://schemas.openxmlformats.org/officeDocument/2006/relationships" xmlns:p="http://schemas.openxmlformats.org/presentationml/2006/main" showMasterSp="0" showMasterPhAnim="0">
+<p:notes xmlns:a="http://schemas.openxmlformats.org/drawingml/2006/main" xmlns:r="http://schemas.openxmlformats.org/officeDocument/2006/relationships" xmlns:p="http://schemas.openxmlformats.org/presentationml/2006/main" showMasterPhAnim="0" showMasterSp="0">
   <p:cSld>
     <p:spTree>
       <p:nvGrpSpPr>
@@ -3905,7 +3851,7 @@
 </file>
 
 <file path=ppt/notesSlides/notesSlide2.xml><?xml version="1.0" encoding="utf-8"?>
-<p:notes xmlns:a="http://schemas.openxmlformats.org/drawingml/2006/main" xmlns:r="http://schemas.openxmlformats.org/officeDocument/2006/relationships" xmlns:p="http://schemas.openxmlformats.org/presentationml/2006/main" showMasterSp="0" showMasterPhAnim="0">
+<p:notes xmlns:a="http://schemas.openxmlformats.org/drawingml/2006/main" xmlns:r="http://schemas.openxmlformats.org/officeDocument/2006/relationships" xmlns:p="http://schemas.openxmlformats.org/presentationml/2006/main" showMasterPhAnim="0" showMasterSp="0">
   <p:cSld>
     <p:spTree>
       <p:nvGrpSpPr>
@@ -4009,7 +3955,7 @@
 </file>
 
 <file path=ppt/notesSlides/notesSlide3.xml><?xml version="1.0" encoding="utf-8"?>
-<p:notes xmlns:a="http://schemas.openxmlformats.org/drawingml/2006/main" xmlns:r="http://schemas.openxmlformats.org/officeDocument/2006/relationships" xmlns:p="http://schemas.openxmlformats.org/presentationml/2006/main" showMasterSp="0" showMasterPhAnim="0">
+<p:notes xmlns:a="http://schemas.openxmlformats.org/drawingml/2006/main" xmlns:r="http://schemas.openxmlformats.org/officeDocument/2006/relationships" xmlns:p="http://schemas.openxmlformats.org/presentationml/2006/main" showMasterPhAnim="0" showMasterSp="0">
   <p:cSld>
     <p:spTree>
       <p:nvGrpSpPr>
@@ -4113,7 +4059,7 @@
 </file>
 
 <file path=ppt/notesSlides/notesSlide4.xml><?xml version="1.0" encoding="utf-8"?>
-<p:notes xmlns:a="http://schemas.openxmlformats.org/drawingml/2006/main" xmlns:r="http://schemas.openxmlformats.org/officeDocument/2006/relationships" xmlns:p="http://schemas.openxmlformats.org/presentationml/2006/main" showMasterSp="0" showMasterPhAnim="0">
+<p:notes xmlns:a="http://schemas.openxmlformats.org/drawingml/2006/main" xmlns:r="http://schemas.openxmlformats.org/officeDocument/2006/relationships" xmlns:p="http://schemas.openxmlformats.org/presentationml/2006/main" showMasterPhAnim="0" showMasterSp="0">
   <p:cSld>
     <p:spTree>
       <p:nvGrpSpPr>
@@ -4217,7 +4163,7 @@
 </file>
 
 <file path=ppt/notesSlides/notesSlide5.xml><?xml version="1.0" encoding="utf-8"?>
-<p:notes xmlns:a="http://schemas.openxmlformats.org/drawingml/2006/main" xmlns:r="http://schemas.openxmlformats.org/officeDocument/2006/relationships" xmlns:p="http://schemas.openxmlformats.org/presentationml/2006/main" showMasterSp="0" showMasterPhAnim="0">
+<p:notes xmlns:a="http://schemas.openxmlformats.org/drawingml/2006/main" xmlns:r="http://schemas.openxmlformats.org/officeDocument/2006/relationships" xmlns:p="http://schemas.openxmlformats.org/presentationml/2006/main" showMasterPhAnim="0" showMasterSp="0">
   <p:cSld>
     <p:spTree>
       <p:nvGrpSpPr>
@@ -4313,11 +4259,6 @@
         </p:txBody>
       </p:sp>
     </p:spTree>
-    <p:extLst>
-      <p:ext uri="{BB962C8B-B14F-4D97-AF65-F5344CB8AC3E}">
-        <p14:creationId xmlns:p14="http://schemas.microsoft.com/office/powerpoint/2010/main" val="965550411"/>
-      </p:ext>
-    </p:extLst>
   </p:cSld>
   <p:clrMapOvr>
     <a:masterClrMapping/>
@@ -4326,7 +4267,7 @@
 </file>
 
 <file path=ppt/notesSlides/notesSlide6.xml><?xml version="1.0" encoding="utf-8"?>
-<p:notes xmlns:a="http://schemas.openxmlformats.org/drawingml/2006/main" xmlns:r="http://schemas.openxmlformats.org/officeDocument/2006/relationships" xmlns:p="http://schemas.openxmlformats.org/presentationml/2006/main" showMasterSp="0" showMasterPhAnim="0">
+<p:notes xmlns:a="http://schemas.openxmlformats.org/drawingml/2006/main" xmlns:r="http://schemas.openxmlformats.org/officeDocument/2006/relationships" xmlns:p="http://schemas.openxmlformats.org/presentationml/2006/main" showMasterPhAnim="0" showMasterSp="0">
   <p:cSld>
     <p:spTree>
       <p:nvGrpSpPr>
@@ -4422,11 +4363,6 @@
         </p:txBody>
       </p:sp>
     </p:spTree>
-    <p:extLst>
-      <p:ext uri="{BB962C8B-B14F-4D97-AF65-F5344CB8AC3E}">
-        <p14:creationId xmlns:p14="http://schemas.microsoft.com/office/powerpoint/2010/main" val="16101898"/>
-      </p:ext>
-    </p:extLst>
   </p:cSld>
   <p:clrMapOvr>
     <a:masterClrMapping/>
@@ -4435,7 +4371,7 @@
 </file>
 
 <file path=ppt/notesSlides/notesSlide7.xml><?xml version="1.0" encoding="utf-8"?>
-<p:notes xmlns:a="http://schemas.openxmlformats.org/drawingml/2006/main" xmlns:r="http://schemas.openxmlformats.org/officeDocument/2006/relationships" xmlns:p="http://schemas.openxmlformats.org/presentationml/2006/main" showMasterSp="0" showMasterPhAnim="0">
+<p:notes xmlns:a="http://schemas.openxmlformats.org/drawingml/2006/main" xmlns:r="http://schemas.openxmlformats.org/officeDocument/2006/relationships" xmlns:p="http://schemas.openxmlformats.org/presentationml/2006/main" showMasterPhAnim="0" showMasterSp="0">
   <p:cSld>
     <p:spTree>
       <p:nvGrpSpPr>
@@ -4531,11 +4467,6 @@
         </p:txBody>
       </p:sp>
     </p:spTree>
-    <p:extLst>
-      <p:ext uri="{BB962C8B-B14F-4D97-AF65-F5344CB8AC3E}">
-        <p14:creationId xmlns:p14="http://schemas.microsoft.com/office/powerpoint/2010/main" val="135026436"/>
-      </p:ext>
-    </p:extLst>
   </p:cSld>
   <p:clrMapOvr>
     <a:masterClrMapping/>
@@ -4544,7 +4475,7 @@
 </file>
 
 <file path=ppt/notesSlides/notesSlide8.xml><?xml version="1.0" encoding="utf-8"?>
-<p:notes xmlns:a="http://schemas.openxmlformats.org/drawingml/2006/main" xmlns:r="http://schemas.openxmlformats.org/officeDocument/2006/relationships" xmlns:p="http://schemas.openxmlformats.org/presentationml/2006/main" showMasterSp="0" showMasterPhAnim="0">
+<p:notes xmlns:a="http://schemas.openxmlformats.org/drawingml/2006/main" xmlns:r="http://schemas.openxmlformats.org/officeDocument/2006/relationships" xmlns:p="http://schemas.openxmlformats.org/presentationml/2006/main" showMasterPhAnim="0" showMasterSp="0">
   <p:cSld>
     <p:spTree>
       <p:nvGrpSpPr>
@@ -4640,11 +4571,6 @@
         </p:txBody>
       </p:sp>
     </p:spTree>
-    <p:extLst>
-      <p:ext uri="{BB962C8B-B14F-4D97-AF65-F5344CB8AC3E}">
-        <p14:creationId xmlns:p14="http://schemas.microsoft.com/office/powerpoint/2010/main" val="2509802689"/>
-      </p:ext>
-    </p:extLst>
   </p:cSld>
   <p:clrMapOvr>
     <a:masterClrMapping/>
@@ -4653,7 +4579,7 @@
 </file>
 
 <file path=ppt/slideLayouts/slideLayout1.xml><?xml version="1.0" encoding="utf-8"?>
-<p:sldLayout xmlns:a="http://schemas.openxmlformats.org/drawingml/2006/main" xmlns:r="http://schemas.openxmlformats.org/officeDocument/2006/relationships" xmlns:p="http://schemas.openxmlformats.org/presentationml/2006/main" matchingName="Title + 1 column" type="tx">
+<p:sldLayout xmlns:a="http://schemas.openxmlformats.org/drawingml/2006/main" xmlns:r="http://schemas.openxmlformats.org/officeDocument/2006/relationships" xmlns:p="http://schemas.openxmlformats.org/presentationml/2006/main" type="tx" matchingName="Title + 1 column">
   <p:cSld name="TITLE_AND_BODY">
     <p:spTree>
       <p:nvGrpSpPr>
@@ -5292,11 +5218,9 @@
           </a:lstStyle>
           <a:p>
             <a:fld id="{00000000-1234-1234-1234-123412341234}" type="slidenum">
-              <a:rPr lang="en" smtClean="0"/>
-              <a:pPr/>
-              <a:t>‹#›</a:t>
+              <a:rPr lang="en-GB" smtClean="0"/>
             </a:fld>
-            <a:endParaRPr lang="en" dirty="0"/>
+            <a:endParaRPr lang="en-GB" dirty="0"/>
           </a:p>
         </p:txBody>
       </p:sp>
@@ -5305,11 +5229,14 @@
   <p:clrMapOvr>
     <a:masterClrMapping/>
   </p:clrMapOvr>
+  <p:transition>
+    <p:fade thruBlk="1"/>
+  </p:transition>
 </p:sldLayout>
 </file>
 
 <file path=ppt/slideLayouts/slideLayout2.xml><?xml version="1.0" encoding="utf-8"?>
-<p:sldLayout xmlns:a="http://schemas.openxmlformats.org/drawingml/2006/main" xmlns:r="http://schemas.openxmlformats.org/officeDocument/2006/relationships" xmlns:p="http://schemas.openxmlformats.org/presentationml/2006/main" matchingName="Title only" type="titleOnly">
+<p:sldLayout xmlns:a="http://schemas.openxmlformats.org/drawingml/2006/main" xmlns:r="http://schemas.openxmlformats.org/officeDocument/2006/relationships" xmlns:p="http://schemas.openxmlformats.org/presentationml/2006/main" type="titleOnly" matchingName="Title only">
   <p:cSld name="TITLE_ONLY">
     <p:spTree>
       <p:nvGrpSpPr>
@@ -5818,11 +5745,9 @@
           </a:lstStyle>
           <a:p>
             <a:fld id="{00000000-1234-1234-1234-123412341234}" type="slidenum">
-              <a:rPr lang="en" smtClean="0"/>
-              <a:pPr/>
-              <a:t>‹#›</a:t>
+              <a:rPr lang="en-GB" smtClean="0"/>
             </a:fld>
-            <a:endParaRPr lang="en" dirty="0"/>
+            <a:endParaRPr lang="en-GB" dirty="0"/>
           </a:p>
         </p:txBody>
       </p:sp>
@@ -5831,11 +5756,14 @@
   <p:clrMapOvr>
     <a:masterClrMapping/>
   </p:clrMapOvr>
+  <p:transition>
+    <p:fade thruBlk="1"/>
+  </p:transition>
 </p:sldLayout>
 </file>
 
 <file path=ppt/slideLayouts/slideLayout3.xml><?xml version="1.0" encoding="utf-8"?>
-<p:sldLayout xmlns:a="http://schemas.openxmlformats.org/drawingml/2006/main" xmlns:r="http://schemas.openxmlformats.org/officeDocument/2006/relationships" xmlns:p="http://schemas.openxmlformats.org/presentationml/2006/main" matchingName="Blank" type="blank">
+<p:sldLayout xmlns:a="http://schemas.openxmlformats.org/drawingml/2006/main" xmlns:r="http://schemas.openxmlformats.org/officeDocument/2006/relationships" xmlns:p="http://schemas.openxmlformats.org/presentationml/2006/main" type="blank" matchingName="Blank">
   <p:cSld name="BLANK">
     <p:spTree>
       <p:nvGrpSpPr>
@@ -6114,11 +6042,9 @@
           </a:lstStyle>
           <a:p>
             <a:fld id="{00000000-1234-1234-1234-123412341234}" type="slidenum">
-              <a:rPr lang="en" smtClean="0"/>
-              <a:pPr/>
-              <a:t>‹#›</a:t>
+              <a:rPr lang="en-GB" smtClean="0"/>
             </a:fld>
-            <a:endParaRPr lang="en" dirty="0"/>
+            <a:endParaRPr lang="en-GB" dirty="0"/>
           </a:p>
         </p:txBody>
       </p:sp>
@@ -6127,6 +6053,9 @@
   <p:clrMapOvr>
     <a:masterClrMapping/>
   </p:clrMapOvr>
+  <p:transition>
+    <p:fade thruBlk="1"/>
+  </p:transition>
 </p:sldLayout>
 </file>
 
@@ -6460,11 +6389,9 @@
           </a:lstStyle>
           <a:p>
             <a:fld id="{00000000-1234-1234-1234-123412341234}" type="slidenum">
-              <a:rPr lang="en" smtClean="0"/>
-              <a:pPr/>
-              <a:t>‹#›</a:t>
+              <a:rPr lang="en-GB" smtClean="0"/>
             </a:fld>
-            <a:endParaRPr lang="en" dirty="0"/>
+            <a:endParaRPr lang="en-GB" dirty="0"/>
           </a:p>
         </p:txBody>
       </p:sp>
@@ -6473,6 +6400,9 @@
   <p:clrMapOvr>
     <a:masterClrMapping/>
   </p:clrMapOvr>
+  <p:transition>
+    <p:fade thruBlk="1"/>
+  </p:transition>
 </p:sldLayout>
 </file>
 
@@ -6495,13 +6425,7 @@
       </p:grpSpPr>
       <p:sp>
         <p:nvSpPr>
-          <p:cNvPr id="2" name="Title 1">
-            <a:extLst>
-              <a:ext uri="{FF2B5EF4-FFF2-40B4-BE49-F238E27FC236}">
-                <a16:creationId xmlns:a16="http://schemas.microsoft.com/office/drawing/2014/main" id="{72DF96F5-A170-4196-98CB-D1ECC92410F9}"/>
-              </a:ext>
-            </a:extLst>
-          </p:cNvPr>
+          <p:cNvPr id="2" name="Title 1"/>
           <p:cNvSpPr>
             <a:spLocks noGrp="1"/>
           </p:cNvSpPr>
@@ -6530,18 +6454,13 @@
               <a:rPr lang="en-US" dirty="0"/>
               <a:t>Click to edit Master title style</a:t>
             </a:r>
+            <a:endParaRPr lang="en-US" dirty="0"/>
           </a:p>
         </p:txBody>
       </p:sp>
       <p:sp>
         <p:nvSpPr>
-          <p:cNvPr id="3" name="Picture Placeholder 2">
-            <a:extLst>
-              <a:ext uri="{FF2B5EF4-FFF2-40B4-BE49-F238E27FC236}">
-                <a16:creationId xmlns:a16="http://schemas.microsoft.com/office/drawing/2014/main" id="{305815ED-862F-4D8F-92BF-3622207A5B87}"/>
-              </a:ext>
-            </a:extLst>
-          </p:cNvPr>
+          <p:cNvPr id="3" name="Picture Placeholder 2"/>
           <p:cNvSpPr>
             <a:spLocks noGrp="1"/>
           </p:cNvSpPr>
@@ -6608,13 +6527,7 @@
       </p:sp>
       <p:sp>
         <p:nvSpPr>
-          <p:cNvPr id="4" name="Text Placeholder 3">
-            <a:extLst>
-              <a:ext uri="{FF2B5EF4-FFF2-40B4-BE49-F238E27FC236}">
-                <a16:creationId xmlns:a16="http://schemas.microsoft.com/office/drawing/2014/main" id="{D00506EF-81B5-429F-8A55-9471C8431B3F}"/>
-              </a:ext>
-            </a:extLst>
-          </p:cNvPr>
+          <p:cNvPr id="4" name="Text Placeholder 3"/>
           <p:cNvSpPr>
             <a:spLocks noGrp="1"/>
           </p:cNvSpPr>
@@ -6677,18 +6590,13 @@
               <a:rPr lang="en-US" dirty="0"/>
               <a:t>Click to edit Master text styles</a:t>
             </a:r>
+            <a:endParaRPr lang="en-US" dirty="0"/>
           </a:p>
         </p:txBody>
       </p:sp>
       <p:sp>
         <p:nvSpPr>
-          <p:cNvPr id="5" name="Date Placeholder 3">
-            <a:extLst>
-              <a:ext uri="{FF2B5EF4-FFF2-40B4-BE49-F238E27FC236}">
-                <a16:creationId xmlns:a16="http://schemas.microsoft.com/office/drawing/2014/main" id="{B41E2DEF-709D-4B14-AED8-4F7F0FE945B3}"/>
-              </a:ext>
-            </a:extLst>
-          </p:cNvPr>
+          <p:cNvPr id="5" name="Date Placeholder 3"/>
           <p:cNvSpPr>
             <a:spLocks noGrp="1"/>
           </p:cNvSpPr>
@@ -6710,10 +6618,6 @@
             </a:pPr>
             <a:fld id="{DCBDFAC0-859C-4126-85E1-A09135E80BAB}" type="datetimeFigureOut">
               <a:rPr lang="en-US"/>
-              <a:pPr>
-                <a:defRPr/>
-              </a:pPr>
-              <a:t>5/22/2019</a:t>
             </a:fld>
             <a:endParaRPr lang="en-US"/>
           </a:p>
@@ -6721,13 +6625,7 @@
       </p:sp>
       <p:sp>
         <p:nvSpPr>
-          <p:cNvPr id="6" name="Footer Placeholder 4">
-            <a:extLst>
-              <a:ext uri="{FF2B5EF4-FFF2-40B4-BE49-F238E27FC236}">
-                <a16:creationId xmlns:a16="http://schemas.microsoft.com/office/drawing/2014/main" id="{721522DF-63AA-4309-A612-5B0412AD756E}"/>
-              </a:ext>
-            </a:extLst>
-          </p:cNvPr>
+          <p:cNvPr id="6" name="Footer Placeholder 4"/>
           <p:cNvSpPr>
             <a:spLocks noGrp="1"/>
           </p:cNvSpPr>
@@ -6753,13 +6651,7 @@
       </p:sp>
       <p:sp>
         <p:nvSpPr>
-          <p:cNvPr id="7" name="Slide Number Placeholder 5">
-            <a:extLst>
-              <a:ext uri="{FF2B5EF4-FFF2-40B4-BE49-F238E27FC236}">
-                <a16:creationId xmlns:a16="http://schemas.microsoft.com/office/drawing/2014/main" id="{689CA7C6-2551-46EF-9D21-B8CB61F0443F}"/>
-              </a:ext>
-            </a:extLst>
-          </p:cNvPr>
+          <p:cNvPr id="7" name="Slide Number Placeholder 5"/>
           <p:cNvSpPr>
             <a:spLocks noGrp="1"/>
           </p:cNvSpPr>
@@ -6781,25 +6673,19 @@
             </a:pPr>
             <a:fld id="{B42DA9D8-6274-4C05-B16A-4EADDEE8726B}" type="slidenum">
               <a:rPr lang="en-US"/>
-              <a:pPr>
-                <a:defRPr/>
-              </a:pPr>
-              <a:t>‹#›</a:t>
             </a:fld>
             <a:endParaRPr lang="en-US"/>
           </a:p>
         </p:txBody>
       </p:sp>
     </p:spTree>
-    <p:extLst>
-      <p:ext uri="{BB962C8B-B14F-4D97-AF65-F5344CB8AC3E}">
-        <p14:creationId xmlns:p14="http://schemas.microsoft.com/office/powerpoint/2010/main" val="4215500730"/>
-      </p:ext>
-    </p:extLst>
   </p:cSld>
   <p:clrMapOvr>
     <a:masterClrMapping/>
   </p:clrMapOvr>
+  <p:transition>
+    <p:fade thruBlk="1"/>
+  </p:transition>
   <p:hf sldNum="0" hdr="0" ftr="0" dt="0"/>
 </p:sldLayout>
 </file>
@@ -6852,6 +6738,7 @@
               <a:rPr lang="en-US" dirty="0"/>
               <a:t>Click to edit Master title style</a:t>
             </a:r>
+            <a:endParaRPr lang="en-US" dirty="0"/>
           </a:p>
         </p:txBody>
       </p:sp>
@@ -6919,6 +6806,7 @@
               <a:rPr lang="en-US" dirty="0"/>
               <a:t>Click to edit Master subtitle style</a:t>
             </a:r>
+            <a:endParaRPr lang="en-US" dirty="0"/>
           </a:p>
         </p:txBody>
       </p:sp>
@@ -6939,7 +6827,6 @@
           <a:p>
             <a:fld id="{C3FDDEC0-D219-487F-871F-573A0042689D}" type="datetimeFigureOut">
               <a:rPr lang="en-US" smtClean="0"/>
-              <a:t>5/22/2019</a:t>
             </a:fld>
             <a:endParaRPr lang="en-US"/>
           </a:p>
@@ -6981,28 +6868,25 @@
           <a:p>
             <a:fld id="{DB065BC5-322F-4679-891D-C585767EBBF5}" type="slidenum">
               <a:rPr lang="en-US" smtClean="0"/>
-              <a:t>‹#›</a:t>
             </a:fld>
             <a:endParaRPr lang="en-US"/>
           </a:p>
         </p:txBody>
       </p:sp>
     </p:spTree>
-    <p:extLst>
-      <p:ext uri="{BB962C8B-B14F-4D97-AF65-F5344CB8AC3E}">
-        <p14:creationId xmlns:p14="http://schemas.microsoft.com/office/powerpoint/2010/main" val="270796730"/>
-      </p:ext>
-    </p:extLst>
   </p:cSld>
   <p:clrMapOvr>
     <a:masterClrMapping/>
   </p:clrMapOvr>
+  <p:transition>
+    <p:fade thruBlk="1"/>
+  </p:transition>
 </p:sldLayout>
 </file>
 
 <file path=ppt/slideMasters/slideMaster1.xml><?xml version="1.0" encoding="utf-8"?>
 <p:sldMaster xmlns:a="http://schemas.openxmlformats.org/drawingml/2006/main" xmlns:r="http://schemas.openxmlformats.org/officeDocument/2006/relationships" xmlns:p="http://schemas.openxmlformats.org/presentationml/2006/main">
-  <p:cSld name="simple-light">
+  <p:cSld>
     <p:bg>
       <p:bgRef idx="1001">
         <a:schemeClr val="bg1"/>
@@ -7639,11 +7523,9 @@
           </a:lstStyle>
           <a:p>
             <a:fld id="{00000000-1234-1234-1234-123412341234}" type="slidenum">
-              <a:rPr lang="en" smtClean="0"/>
-              <a:pPr/>
-              <a:t>‹#›</a:t>
+              <a:rPr lang="en-GB" smtClean="0"/>
             </a:fld>
-            <a:endParaRPr lang="en" dirty="0"/>
+            <a:endParaRPr lang="en-GB" dirty="0"/>
           </a:p>
         </p:txBody>
       </p:sp>
@@ -7651,12 +7533,12 @@
   </p:cSld>
   <p:clrMap bg1="lt1" tx1="dk1" bg2="lt2" tx2="dk2" accent1="accent1" accent2="accent2" accent3="accent3" accent4="accent4" accent5="accent5" accent6="accent6" hlink="hlink" folHlink="folHlink"/>
   <p:sldLayoutIdLst>
-    <p:sldLayoutId id="2147483651" r:id="rId1"/>
-    <p:sldLayoutId id="2147483654" r:id="rId2"/>
-    <p:sldLayoutId id="2147483657" r:id="rId3"/>
-    <p:sldLayoutId id="2147483658" r:id="rId4"/>
-    <p:sldLayoutId id="2147483660" r:id="rId5"/>
-    <p:sldLayoutId id="2147483661" r:id="rId6"/>
+    <p:sldLayoutId id="2147483649" r:id="rId1"/>
+    <p:sldLayoutId id="2147483650" r:id="rId2"/>
+    <p:sldLayoutId id="2147483651" r:id="rId3"/>
+    <p:sldLayoutId id="2147483652" r:id="rId4"/>
+    <p:sldLayoutId id="2147483653" r:id="rId5"/>
+    <p:sldLayoutId id="2147483654" r:id="rId6"/>
   </p:sldLayoutIdLst>
   <p:transition>
     <p:fade thruBlk="1"/>
@@ -7688,7 +7570,7 @@
         <a:buClr>
           <a:srgbClr val="000000"/>
         </a:buClr>
-        <a:buFont typeface="Arial"/>
+        <a:buFont typeface="Arial" panose="020B0604020202020204"/>
         <a:defRPr sz="1400" b="0" i="0" u="none" strike="noStrike" cap="none">
           <a:solidFill>
             <a:srgbClr val="000000"/>
@@ -7696,7 +7578,7 @@
           <a:latin typeface="Arial" panose="020B0604020202020204" pitchFamily="34" charset="0"/>
           <a:ea typeface="Arial" panose="020B0604020202020204" pitchFamily="34" charset="0"/>
           <a:cs typeface="Arial" panose="020B0604020202020204" pitchFamily="34" charset="0"/>
-          <a:sym typeface="Arial"/>
+          <a:sym typeface="Arial" panose="020B0604020202020204"/>
         </a:defRPr>
       </a:lvl1pPr>
       <a:lvl2pPr marR="0" lvl="1" algn="l" rtl="0">
@@ -7712,15 +7594,15 @@
         <a:buClr>
           <a:srgbClr val="000000"/>
         </a:buClr>
-        <a:buFont typeface="Arial"/>
+        <a:buFont typeface="Arial" panose="020B0604020202020204"/>
         <a:defRPr sz="1400" b="0" i="0" u="none" strike="noStrike" cap="none">
           <a:solidFill>
             <a:srgbClr val="000000"/>
           </a:solidFill>
-          <a:latin typeface="Arial"/>
-          <a:ea typeface="Arial"/>
-          <a:cs typeface="Arial"/>
-          <a:sym typeface="Arial"/>
+          <a:latin typeface="Arial" panose="020B0604020202020204"/>
+          <a:ea typeface="Arial" panose="020B0604020202020204"/>
+          <a:cs typeface="Arial" panose="020B0604020202020204"/>
+          <a:sym typeface="Arial" panose="020B0604020202020204"/>
         </a:defRPr>
       </a:lvl2pPr>
       <a:lvl3pPr marR="0" lvl="2" algn="l" rtl="0">
@@ -7736,15 +7618,15 @@
         <a:buClr>
           <a:srgbClr val="000000"/>
         </a:buClr>
-        <a:buFont typeface="Arial"/>
+        <a:buFont typeface="Arial" panose="020B0604020202020204"/>
         <a:defRPr sz="1400" b="0" i="0" u="none" strike="noStrike" cap="none">
           <a:solidFill>
             <a:srgbClr val="000000"/>
           </a:solidFill>
-          <a:latin typeface="Arial"/>
-          <a:ea typeface="Arial"/>
-          <a:cs typeface="Arial"/>
-          <a:sym typeface="Arial"/>
+          <a:latin typeface="Arial" panose="020B0604020202020204"/>
+          <a:ea typeface="Arial" panose="020B0604020202020204"/>
+          <a:cs typeface="Arial" panose="020B0604020202020204"/>
+          <a:sym typeface="Arial" panose="020B0604020202020204"/>
         </a:defRPr>
       </a:lvl3pPr>
       <a:lvl4pPr marR="0" lvl="3" algn="l" rtl="0">
@@ -7760,15 +7642,15 @@
         <a:buClr>
           <a:srgbClr val="000000"/>
         </a:buClr>
-        <a:buFont typeface="Arial"/>
+        <a:buFont typeface="Arial" panose="020B0604020202020204"/>
         <a:defRPr sz="1400" b="0" i="0" u="none" strike="noStrike" cap="none">
           <a:solidFill>
             <a:srgbClr val="000000"/>
           </a:solidFill>
-          <a:latin typeface="Arial"/>
-          <a:ea typeface="Arial"/>
-          <a:cs typeface="Arial"/>
-          <a:sym typeface="Arial"/>
+          <a:latin typeface="Arial" panose="020B0604020202020204"/>
+          <a:ea typeface="Arial" panose="020B0604020202020204"/>
+          <a:cs typeface="Arial" panose="020B0604020202020204"/>
+          <a:sym typeface="Arial" panose="020B0604020202020204"/>
         </a:defRPr>
       </a:lvl4pPr>
       <a:lvl5pPr marR="0" lvl="4" algn="l" rtl="0">
@@ -7784,15 +7666,15 @@
         <a:buClr>
           <a:srgbClr val="000000"/>
         </a:buClr>
-        <a:buFont typeface="Arial"/>
+        <a:buFont typeface="Arial" panose="020B0604020202020204"/>
         <a:defRPr sz="1400" b="0" i="0" u="none" strike="noStrike" cap="none">
           <a:solidFill>
             <a:srgbClr val="000000"/>
           </a:solidFill>
-          <a:latin typeface="Arial"/>
-          <a:ea typeface="Arial"/>
-          <a:cs typeface="Arial"/>
-          <a:sym typeface="Arial"/>
+          <a:latin typeface="Arial" panose="020B0604020202020204"/>
+          <a:ea typeface="Arial" panose="020B0604020202020204"/>
+          <a:cs typeface="Arial" panose="020B0604020202020204"/>
+          <a:sym typeface="Arial" panose="020B0604020202020204"/>
         </a:defRPr>
       </a:lvl5pPr>
       <a:lvl6pPr marR="0" lvl="5" algn="l" rtl="0">
@@ -7808,15 +7690,15 @@
         <a:buClr>
           <a:srgbClr val="000000"/>
         </a:buClr>
-        <a:buFont typeface="Arial"/>
+        <a:buFont typeface="Arial" panose="020B0604020202020204"/>
         <a:defRPr sz="1400" b="0" i="0" u="none" strike="noStrike" cap="none">
           <a:solidFill>
             <a:srgbClr val="000000"/>
           </a:solidFill>
-          <a:latin typeface="Arial"/>
-          <a:ea typeface="Arial"/>
-          <a:cs typeface="Arial"/>
-          <a:sym typeface="Arial"/>
+          <a:latin typeface="Arial" panose="020B0604020202020204"/>
+          <a:ea typeface="Arial" panose="020B0604020202020204"/>
+          <a:cs typeface="Arial" panose="020B0604020202020204"/>
+          <a:sym typeface="Arial" panose="020B0604020202020204"/>
         </a:defRPr>
       </a:lvl6pPr>
       <a:lvl7pPr marR="0" lvl="6" algn="l" rtl="0">
@@ -7832,15 +7714,15 @@
         <a:buClr>
           <a:srgbClr val="000000"/>
         </a:buClr>
-        <a:buFont typeface="Arial"/>
+        <a:buFont typeface="Arial" panose="020B0604020202020204"/>
         <a:defRPr sz="1400" b="0" i="0" u="none" strike="noStrike" cap="none">
           <a:solidFill>
             <a:srgbClr val="000000"/>
           </a:solidFill>
-          <a:latin typeface="Arial"/>
-          <a:ea typeface="Arial"/>
-          <a:cs typeface="Arial"/>
-          <a:sym typeface="Arial"/>
+          <a:latin typeface="Arial" panose="020B0604020202020204"/>
+          <a:ea typeface="Arial" panose="020B0604020202020204"/>
+          <a:cs typeface="Arial" panose="020B0604020202020204"/>
+          <a:sym typeface="Arial" panose="020B0604020202020204"/>
         </a:defRPr>
       </a:lvl7pPr>
       <a:lvl8pPr marR="0" lvl="7" algn="l" rtl="0">
@@ -7856,15 +7738,15 @@
         <a:buClr>
           <a:srgbClr val="000000"/>
         </a:buClr>
-        <a:buFont typeface="Arial"/>
+        <a:buFont typeface="Arial" panose="020B0604020202020204"/>
         <a:defRPr sz="1400" b="0" i="0" u="none" strike="noStrike" cap="none">
           <a:solidFill>
             <a:srgbClr val="000000"/>
           </a:solidFill>
-          <a:latin typeface="Arial"/>
-          <a:ea typeface="Arial"/>
-          <a:cs typeface="Arial"/>
-          <a:sym typeface="Arial"/>
+          <a:latin typeface="Arial" panose="020B0604020202020204"/>
+          <a:ea typeface="Arial" panose="020B0604020202020204"/>
+          <a:cs typeface="Arial" panose="020B0604020202020204"/>
+          <a:sym typeface="Arial" panose="020B0604020202020204"/>
         </a:defRPr>
       </a:lvl8pPr>
       <a:lvl9pPr marR="0" lvl="8" algn="l" rtl="0">
@@ -7880,15 +7762,15 @@
         <a:buClr>
           <a:srgbClr val="000000"/>
         </a:buClr>
-        <a:buFont typeface="Arial"/>
+        <a:buFont typeface="Arial" panose="020B0604020202020204"/>
         <a:defRPr sz="1400" b="0" i="0" u="none" strike="noStrike" cap="none">
           <a:solidFill>
             <a:srgbClr val="000000"/>
           </a:solidFill>
-          <a:latin typeface="Arial"/>
-          <a:ea typeface="Arial"/>
-          <a:cs typeface="Arial"/>
-          <a:sym typeface="Arial"/>
+          <a:latin typeface="Arial" panose="020B0604020202020204"/>
+          <a:ea typeface="Arial" panose="020B0604020202020204"/>
+          <a:cs typeface="Arial" panose="020B0604020202020204"/>
+          <a:sym typeface="Arial" panose="020B0604020202020204"/>
         </a:defRPr>
       </a:lvl9pPr>
     </p:titleStyle>
@@ -7917,7 +7799,7 @@
         <a:buClr>
           <a:srgbClr val="000000"/>
         </a:buClr>
-        <a:buFont typeface="Arial"/>
+        <a:buFont typeface="Arial" panose="020B0604020202020204"/>
         <a:defRPr sz="1400" b="0" i="0" u="none" strike="noStrike" cap="none">
           <a:solidFill>
             <a:srgbClr val="000000"/>
@@ -7925,7 +7807,7 @@
           <a:latin typeface="Arial" panose="020B0604020202020204" pitchFamily="34" charset="0"/>
           <a:ea typeface="Arial" panose="020B0604020202020204" pitchFamily="34" charset="0"/>
           <a:cs typeface="Arial" panose="020B0604020202020204" pitchFamily="34" charset="0"/>
-          <a:sym typeface="Arial"/>
+          <a:sym typeface="Arial" panose="020B0604020202020204"/>
         </a:defRPr>
       </a:lvl1pPr>
       <a:lvl2pPr marR="0" lvl="1" algn="l" rtl="0">
@@ -7941,15 +7823,15 @@
         <a:buClr>
           <a:srgbClr val="000000"/>
         </a:buClr>
-        <a:buFont typeface="Arial"/>
+        <a:buFont typeface="Arial" panose="020B0604020202020204"/>
         <a:defRPr sz="1400" b="0" i="0" u="none" strike="noStrike" cap="none">
           <a:solidFill>
             <a:srgbClr val="000000"/>
           </a:solidFill>
-          <a:latin typeface="Arial"/>
-          <a:ea typeface="Arial"/>
-          <a:cs typeface="Arial"/>
-          <a:sym typeface="Arial"/>
+          <a:latin typeface="Arial" panose="020B0604020202020204"/>
+          <a:ea typeface="Arial" panose="020B0604020202020204"/>
+          <a:cs typeface="Arial" panose="020B0604020202020204"/>
+          <a:sym typeface="Arial" panose="020B0604020202020204"/>
         </a:defRPr>
       </a:lvl2pPr>
       <a:lvl3pPr marR="0" lvl="2" algn="l" rtl="0">
@@ -7965,15 +7847,15 @@
         <a:buClr>
           <a:srgbClr val="000000"/>
         </a:buClr>
-        <a:buFont typeface="Arial"/>
+        <a:buFont typeface="Arial" panose="020B0604020202020204"/>
         <a:defRPr sz="1400" b="0" i="0" u="none" strike="noStrike" cap="none">
           <a:solidFill>
             <a:srgbClr val="000000"/>
           </a:solidFill>
-          <a:latin typeface="Arial"/>
-          <a:ea typeface="Arial"/>
-          <a:cs typeface="Arial"/>
-          <a:sym typeface="Arial"/>
+          <a:latin typeface="Arial" panose="020B0604020202020204"/>
+          <a:ea typeface="Arial" panose="020B0604020202020204"/>
+          <a:cs typeface="Arial" panose="020B0604020202020204"/>
+          <a:sym typeface="Arial" panose="020B0604020202020204"/>
         </a:defRPr>
       </a:lvl3pPr>
       <a:lvl4pPr marR="0" lvl="3" algn="l" rtl="0">
@@ -7989,15 +7871,15 @@
         <a:buClr>
           <a:srgbClr val="000000"/>
         </a:buClr>
-        <a:buFont typeface="Arial"/>
+        <a:buFont typeface="Arial" panose="020B0604020202020204"/>
         <a:defRPr sz="1400" b="0" i="0" u="none" strike="noStrike" cap="none">
           <a:solidFill>
             <a:srgbClr val="000000"/>
           </a:solidFill>
-          <a:latin typeface="Arial"/>
-          <a:ea typeface="Arial"/>
-          <a:cs typeface="Arial"/>
-          <a:sym typeface="Arial"/>
+          <a:latin typeface="Arial" panose="020B0604020202020204"/>
+          <a:ea typeface="Arial" panose="020B0604020202020204"/>
+          <a:cs typeface="Arial" panose="020B0604020202020204"/>
+          <a:sym typeface="Arial" panose="020B0604020202020204"/>
         </a:defRPr>
       </a:lvl4pPr>
       <a:lvl5pPr marR="0" lvl="4" algn="l" rtl="0">
@@ -8013,15 +7895,15 @@
         <a:buClr>
           <a:srgbClr val="000000"/>
         </a:buClr>
-        <a:buFont typeface="Arial"/>
+        <a:buFont typeface="Arial" panose="020B0604020202020204"/>
         <a:defRPr sz="1400" b="0" i="0" u="none" strike="noStrike" cap="none">
           <a:solidFill>
             <a:srgbClr val="000000"/>
           </a:solidFill>
-          <a:latin typeface="Arial"/>
-          <a:ea typeface="Arial"/>
-          <a:cs typeface="Arial"/>
-          <a:sym typeface="Arial"/>
+          <a:latin typeface="Arial" panose="020B0604020202020204"/>
+          <a:ea typeface="Arial" panose="020B0604020202020204"/>
+          <a:cs typeface="Arial" panose="020B0604020202020204"/>
+          <a:sym typeface="Arial" panose="020B0604020202020204"/>
         </a:defRPr>
       </a:lvl5pPr>
       <a:lvl6pPr marR="0" lvl="5" algn="l" rtl="0">
@@ -8037,15 +7919,15 @@
         <a:buClr>
           <a:srgbClr val="000000"/>
         </a:buClr>
-        <a:buFont typeface="Arial"/>
+        <a:buFont typeface="Arial" panose="020B0604020202020204"/>
         <a:defRPr sz="1400" b="0" i="0" u="none" strike="noStrike" cap="none">
           <a:solidFill>
             <a:srgbClr val="000000"/>
           </a:solidFill>
-          <a:latin typeface="Arial"/>
-          <a:ea typeface="Arial"/>
-          <a:cs typeface="Arial"/>
-          <a:sym typeface="Arial"/>
+          <a:latin typeface="Arial" panose="020B0604020202020204"/>
+          <a:ea typeface="Arial" panose="020B0604020202020204"/>
+          <a:cs typeface="Arial" panose="020B0604020202020204"/>
+          <a:sym typeface="Arial" panose="020B0604020202020204"/>
         </a:defRPr>
       </a:lvl6pPr>
       <a:lvl7pPr marR="0" lvl="6" algn="l" rtl="0">
@@ -8061,15 +7943,15 @@
         <a:buClr>
           <a:srgbClr val="000000"/>
         </a:buClr>
-        <a:buFont typeface="Arial"/>
+        <a:buFont typeface="Arial" panose="020B0604020202020204"/>
         <a:defRPr sz="1400" b="0" i="0" u="none" strike="noStrike" cap="none">
           <a:solidFill>
             <a:srgbClr val="000000"/>
           </a:solidFill>
-          <a:latin typeface="Arial"/>
-          <a:ea typeface="Arial"/>
-          <a:cs typeface="Arial"/>
-          <a:sym typeface="Arial"/>
+          <a:latin typeface="Arial" panose="020B0604020202020204"/>
+          <a:ea typeface="Arial" panose="020B0604020202020204"/>
+          <a:cs typeface="Arial" panose="020B0604020202020204"/>
+          <a:sym typeface="Arial" panose="020B0604020202020204"/>
         </a:defRPr>
       </a:lvl7pPr>
       <a:lvl8pPr marR="0" lvl="7" algn="l" rtl="0">
@@ -8085,15 +7967,15 @@
         <a:buClr>
           <a:srgbClr val="000000"/>
         </a:buClr>
-        <a:buFont typeface="Arial"/>
+        <a:buFont typeface="Arial" panose="020B0604020202020204"/>
         <a:defRPr sz="1400" b="0" i="0" u="none" strike="noStrike" cap="none">
           <a:solidFill>
             <a:srgbClr val="000000"/>
           </a:solidFill>
-          <a:latin typeface="Arial"/>
-          <a:ea typeface="Arial"/>
-          <a:cs typeface="Arial"/>
-          <a:sym typeface="Arial"/>
+          <a:latin typeface="Arial" panose="020B0604020202020204"/>
+          <a:ea typeface="Arial" panose="020B0604020202020204"/>
+          <a:cs typeface="Arial" panose="020B0604020202020204"/>
+          <a:sym typeface="Arial" panose="020B0604020202020204"/>
         </a:defRPr>
       </a:lvl8pPr>
       <a:lvl9pPr marR="0" lvl="8" algn="l" rtl="0">
@@ -8109,15 +7991,15 @@
         <a:buClr>
           <a:srgbClr val="000000"/>
         </a:buClr>
-        <a:buFont typeface="Arial"/>
+        <a:buFont typeface="Arial" panose="020B0604020202020204"/>
         <a:defRPr sz="1400" b="0" i="0" u="none" strike="noStrike" cap="none">
           <a:solidFill>
             <a:srgbClr val="000000"/>
           </a:solidFill>
-          <a:latin typeface="Arial"/>
-          <a:ea typeface="Arial"/>
-          <a:cs typeface="Arial"/>
-          <a:sym typeface="Arial"/>
+          <a:latin typeface="Arial" panose="020B0604020202020204"/>
+          <a:ea typeface="Arial" panose="020B0604020202020204"/>
+          <a:cs typeface="Arial" panose="020B0604020202020204"/>
+          <a:sym typeface="Arial" panose="020B0604020202020204"/>
         </a:defRPr>
       </a:lvl9pPr>
     </p:bodyStyle>
@@ -8146,15 +8028,15 @@
         <a:buClr>
           <a:srgbClr val="000000"/>
         </a:buClr>
-        <a:buFont typeface="Arial"/>
+        <a:buFont typeface="Arial" panose="020B0604020202020204"/>
         <a:defRPr sz="1400" b="0" i="0" u="none" strike="noStrike" cap="none">
           <a:solidFill>
             <a:srgbClr val="000000"/>
           </a:solidFill>
-          <a:latin typeface="Arial"/>
-          <a:ea typeface="Arial"/>
-          <a:cs typeface="Arial"/>
-          <a:sym typeface="Arial"/>
+          <a:latin typeface="Arial" panose="020B0604020202020204"/>
+          <a:ea typeface="Arial" panose="020B0604020202020204"/>
+          <a:cs typeface="Arial" panose="020B0604020202020204"/>
+          <a:sym typeface="Arial" panose="020B0604020202020204"/>
         </a:defRPr>
       </a:lvl1pPr>
       <a:lvl2pPr marR="0" lvl="1" algn="l" rtl="0">
@@ -8170,15 +8052,15 @@
         <a:buClr>
           <a:srgbClr val="000000"/>
         </a:buClr>
-        <a:buFont typeface="Arial"/>
+        <a:buFont typeface="Arial" panose="020B0604020202020204"/>
         <a:defRPr sz="1400" b="0" i="0" u="none" strike="noStrike" cap="none">
           <a:solidFill>
             <a:srgbClr val="000000"/>
           </a:solidFill>
-          <a:latin typeface="Arial"/>
-          <a:ea typeface="Arial"/>
-          <a:cs typeface="Arial"/>
-          <a:sym typeface="Arial"/>
+          <a:latin typeface="Arial" panose="020B0604020202020204"/>
+          <a:ea typeface="Arial" panose="020B0604020202020204"/>
+          <a:cs typeface="Arial" panose="020B0604020202020204"/>
+          <a:sym typeface="Arial" panose="020B0604020202020204"/>
         </a:defRPr>
       </a:lvl2pPr>
       <a:lvl3pPr marR="0" lvl="2" algn="l" rtl="0">
@@ -8194,15 +8076,15 @@
         <a:buClr>
           <a:srgbClr val="000000"/>
         </a:buClr>
-        <a:buFont typeface="Arial"/>
+        <a:buFont typeface="Arial" panose="020B0604020202020204"/>
         <a:defRPr sz="1400" b="0" i="0" u="none" strike="noStrike" cap="none">
           <a:solidFill>
             <a:srgbClr val="000000"/>
           </a:solidFill>
-          <a:latin typeface="Arial"/>
-          <a:ea typeface="Arial"/>
-          <a:cs typeface="Arial"/>
-          <a:sym typeface="Arial"/>
+          <a:latin typeface="Arial" panose="020B0604020202020204"/>
+          <a:ea typeface="Arial" panose="020B0604020202020204"/>
+          <a:cs typeface="Arial" panose="020B0604020202020204"/>
+          <a:sym typeface="Arial" panose="020B0604020202020204"/>
         </a:defRPr>
       </a:lvl3pPr>
       <a:lvl4pPr marR="0" lvl="3" algn="l" rtl="0">
@@ -8218,15 +8100,15 @@
         <a:buClr>
           <a:srgbClr val="000000"/>
         </a:buClr>
-        <a:buFont typeface="Arial"/>
+        <a:buFont typeface="Arial" panose="020B0604020202020204"/>
         <a:defRPr sz="1400" b="0" i="0" u="none" strike="noStrike" cap="none">
           <a:solidFill>
             <a:srgbClr val="000000"/>
           </a:solidFill>
-          <a:latin typeface="Arial"/>
-          <a:ea typeface="Arial"/>
-          <a:cs typeface="Arial"/>
-          <a:sym typeface="Arial"/>
+          <a:latin typeface="Arial" panose="020B0604020202020204"/>
+          <a:ea typeface="Arial" panose="020B0604020202020204"/>
+          <a:cs typeface="Arial" panose="020B0604020202020204"/>
+          <a:sym typeface="Arial" panose="020B0604020202020204"/>
         </a:defRPr>
       </a:lvl4pPr>
       <a:lvl5pPr marR="0" lvl="4" algn="l" rtl="0">
@@ -8242,15 +8124,15 @@
         <a:buClr>
           <a:srgbClr val="000000"/>
         </a:buClr>
-        <a:buFont typeface="Arial"/>
+        <a:buFont typeface="Arial" panose="020B0604020202020204"/>
         <a:defRPr sz="1400" b="0" i="0" u="none" strike="noStrike" cap="none">
           <a:solidFill>
             <a:srgbClr val="000000"/>
           </a:solidFill>
-          <a:latin typeface="Arial"/>
-          <a:ea typeface="Arial"/>
-          <a:cs typeface="Arial"/>
-          <a:sym typeface="Arial"/>
+          <a:latin typeface="Arial" panose="020B0604020202020204"/>
+          <a:ea typeface="Arial" panose="020B0604020202020204"/>
+          <a:cs typeface="Arial" panose="020B0604020202020204"/>
+          <a:sym typeface="Arial" panose="020B0604020202020204"/>
         </a:defRPr>
       </a:lvl5pPr>
       <a:lvl6pPr marR="0" lvl="5" algn="l" rtl="0">
@@ -8266,15 +8148,15 @@
         <a:buClr>
           <a:srgbClr val="000000"/>
         </a:buClr>
-        <a:buFont typeface="Arial"/>
+        <a:buFont typeface="Arial" panose="020B0604020202020204"/>
         <a:defRPr sz="1400" b="0" i="0" u="none" strike="noStrike" cap="none">
           <a:solidFill>
             <a:srgbClr val="000000"/>
           </a:solidFill>
-          <a:latin typeface="Arial"/>
-          <a:ea typeface="Arial"/>
-          <a:cs typeface="Arial"/>
-          <a:sym typeface="Arial"/>
+          <a:latin typeface="Arial" panose="020B0604020202020204"/>
+          <a:ea typeface="Arial" panose="020B0604020202020204"/>
+          <a:cs typeface="Arial" panose="020B0604020202020204"/>
+          <a:sym typeface="Arial" panose="020B0604020202020204"/>
         </a:defRPr>
       </a:lvl6pPr>
       <a:lvl7pPr marR="0" lvl="6" algn="l" rtl="0">
@@ -8290,15 +8172,15 @@
         <a:buClr>
           <a:srgbClr val="000000"/>
         </a:buClr>
-        <a:buFont typeface="Arial"/>
+        <a:buFont typeface="Arial" panose="020B0604020202020204"/>
         <a:defRPr sz="1400" b="0" i="0" u="none" strike="noStrike" cap="none">
           <a:solidFill>
             <a:srgbClr val="000000"/>
           </a:solidFill>
-          <a:latin typeface="Arial"/>
-          <a:ea typeface="Arial"/>
-          <a:cs typeface="Arial"/>
-          <a:sym typeface="Arial"/>
+          <a:latin typeface="Arial" panose="020B0604020202020204"/>
+          <a:ea typeface="Arial" panose="020B0604020202020204"/>
+          <a:cs typeface="Arial" panose="020B0604020202020204"/>
+          <a:sym typeface="Arial" panose="020B0604020202020204"/>
         </a:defRPr>
       </a:lvl7pPr>
       <a:lvl8pPr marR="0" lvl="7" algn="l" rtl="0">
@@ -8314,15 +8196,15 @@
         <a:buClr>
           <a:srgbClr val="000000"/>
         </a:buClr>
-        <a:buFont typeface="Arial"/>
+        <a:buFont typeface="Arial" panose="020B0604020202020204"/>
         <a:defRPr sz="1400" b="0" i="0" u="none" strike="noStrike" cap="none">
           <a:solidFill>
             <a:srgbClr val="000000"/>
           </a:solidFill>
-          <a:latin typeface="Arial"/>
-          <a:ea typeface="Arial"/>
-          <a:cs typeface="Arial"/>
-          <a:sym typeface="Arial"/>
+          <a:latin typeface="Arial" panose="020B0604020202020204"/>
+          <a:ea typeface="Arial" panose="020B0604020202020204"/>
+          <a:cs typeface="Arial" panose="020B0604020202020204"/>
+          <a:sym typeface="Arial" panose="020B0604020202020204"/>
         </a:defRPr>
       </a:lvl8pPr>
       <a:lvl9pPr marR="0" lvl="8" algn="l" rtl="0">
@@ -8338,15 +8220,15 @@
         <a:buClr>
           <a:srgbClr val="000000"/>
         </a:buClr>
-        <a:buFont typeface="Arial"/>
+        <a:buFont typeface="Arial" panose="020B0604020202020204"/>
         <a:defRPr sz="1400" b="0" i="0" u="none" strike="noStrike" cap="none">
           <a:solidFill>
             <a:srgbClr val="000000"/>
           </a:solidFill>
-          <a:latin typeface="Arial"/>
-          <a:ea typeface="Arial"/>
-          <a:cs typeface="Arial"/>
-          <a:sym typeface="Arial"/>
+          <a:latin typeface="Arial" panose="020B0604020202020204"/>
+          <a:ea typeface="Arial" panose="020B0604020202020204"/>
+          <a:cs typeface="Arial" panose="020B0604020202020204"/>
+          <a:sym typeface="Arial" panose="020B0604020202020204"/>
         </a:defRPr>
       </a:lvl9pPr>
     </p:otherStyle>
@@ -8373,20 +8255,14 @@
       </p:grpSpPr>
       <p:pic>
         <p:nvPicPr>
-          <p:cNvPr id="6" name="Picture 4" descr="Káº¿t quáº£ hÃ¬nh áº£nh cho logo bach khoa">
-            <a:extLst>
-              <a:ext uri="{FF2B5EF4-FFF2-40B4-BE49-F238E27FC236}">
-                <a16:creationId xmlns:a16="http://schemas.microsoft.com/office/drawing/2014/main" id="{E9750C0B-26F2-437B-B952-0E262FF9E49F}"/>
-              </a:ext>
-            </a:extLst>
-          </p:cNvPr>
+          <p:cNvPr id="6" name="Picture 4" descr="Káº¿t quáº£ hÃ¬nh áº£nh cho logo bach khoa"/>
           <p:cNvPicPr>
             <a:picLocks noChangeAspect="1" noChangeArrowheads="1"/>
           </p:cNvPicPr>
           <p:nvPr/>
         </p:nvPicPr>
         <p:blipFill>
-          <a:blip r:embed="rId3" cstate="print">
+          <a:blip r:embed="rId1" cstate="print">
             <a:extLst>
               <a:ext uri="{28A0092B-C50C-407E-A947-70E740481C1C}">
                 <a14:useLocalDpi xmlns:a14="http://schemas.microsoft.com/office/drawing/2010/main" val="0"/>
@@ -8420,13 +8296,7 @@
       </p:pic>
       <p:sp>
         <p:nvSpPr>
-          <p:cNvPr id="2" name="TextBox 1">
-            <a:extLst>
-              <a:ext uri="{FF2B5EF4-FFF2-40B4-BE49-F238E27FC236}">
-                <a16:creationId xmlns:a16="http://schemas.microsoft.com/office/drawing/2014/main" id="{BDDFD7BC-2425-4152-A6A8-6D351A0D7D38}"/>
-              </a:ext>
-            </a:extLst>
-          </p:cNvPr>
+          <p:cNvPr id="2" name="TextBox 1"/>
           <p:cNvSpPr txBox="1"/>
           <p:nvPr/>
         </p:nvSpPr>
@@ -8483,6 +8353,9 @@
               </a:rPr>
               <a:t> Khoa DHQG TP.HCM</a:t>
             </a:r>
+            <a:endParaRPr lang="en-US" sz="2000" b="1" dirty="0">
+              <a:latin typeface="Arial" panose="020B0604020202020204" pitchFamily="34" charset="0"/>
+            </a:endParaRPr>
           </a:p>
           <a:p>
             <a:pPr algn="ctr"/>
@@ -8578,20 +8451,14 @@
       </p:sp>
       <p:pic>
         <p:nvPicPr>
-          <p:cNvPr id="8" name="Picture 8" descr="Káº¿t quáº£ hÃ¬nh áº£nh cho cse hcmut logo">
-            <a:extLst>
-              <a:ext uri="{FF2B5EF4-FFF2-40B4-BE49-F238E27FC236}">
-                <a16:creationId xmlns:a16="http://schemas.microsoft.com/office/drawing/2014/main" id="{7342FA6E-5017-436A-ACD6-49EE7DB561E1}"/>
-              </a:ext>
-            </a:extLst>
-          </p:cNvPr>
+          <p:cNvPr id="8" name="Picture 8" descr="Káº¿t quáº£ hÃ¬nh áº£nh cho cse hcmut logo"/>
           <p:cNvPicPr>
             <a:picLocks noChangeAspect="1" noChangeArrowheads="1"/>
           </p:cNvPicPr>
           <p:nvPr/>
         </p:nvPicPr>
         <p:blipFill>
-          <a:blip r:embed="rId4">
+          <a:blip r:embed="rId2">
             <a:extLst>
               <a:ext uri="{28A0092B-C50C-407E-A947-70E740481C1C}">
                 <a14:useLocalDpi xmlns:a14="http://schemas.microsoft.com/office/drawing/2010/main" val="0"/>
@@ -8625,13 +8492,7 @@
       </p:pic>
       <p:sp>
         <p:nvSpPr>
-          <p:cNvPr id="3" name="TextBox 2">
-            <a:extLst>
-              <a:ext uri="{FF2B5EF4-FFF2-40B4-BE49-F238E27FC236}">
-                <a16:creationId xmlns:a16="http://schemas.microsoft.com/office/drawing/2014/main" id="{C3D2E5E0-92BC-479E-98BF-CEF46CD223AC}"/>
-              </a:ext>
-            </a:extLst>
-          </p:cNvPr>
+          <p:cNvPr id="3" name="TextBox 2"/>
           <p:cNvSpPr txBox="1"/>
           <p:nvPr/>
         </p:nvSpPr>
@@ -8658,6 +8519,9 @@
               </a:rPr>
               <a:t>THỰC TẬP</a:t>
             </a:r>
+            <a:endParaRPr lang="en-US" sz="3000" b="1" dirty="0">
+              <a:latin typeface="Arial" panose="020B0604020202020204" pitchFamily="34" charset="0"/>
+            </a:endParaRPr>
           </a:p>
           <a:p>
             <a:pPr algn="ctr"/>
@@ -8667,18 +8531,15 @@
               </a:rPr>
               <a:t>CÔNG NGHỆ PHẦN MỀM</a:t>
             </a:r>
+            <a:endParaRPr lang="en-US" sz="3000" b="1" dirty="0">
+              <a:latin typeface="Arial" panose="020B0604020202020204" pitchFamily="34" charset="0"/>
+            </a:endParaRPr>
           </a:p>
         </p:txBody>
       </p:sp>
       <p:sp>
         <p:nvSpPr>
-          <p:cNvPr id="4" name="Slide Number Placeholder 3">
-            <a:extLst>
-              <a:ext uri="{FF2B5EF4-FFF2-40B4-BE49-F238E27FC236}">
-                <a16:creationId xmlns:a16="http://schemas.microsoft.com/office/drawing/2014/main" id="{040A2531-3DF2-4705-BB8E-1AFF423F0D41}"/>
-              </a:ext>
-            </a:extLst>
-          </p:cNvPr>
+          <p:cNvPr id="4" name="Slide Number Placeholder 3"/>
           <p:cNvSpPr>
             <a:spLocks noGrp="1"/>
           </p:cNvSpPr>
@@ -8701,22 +8562,15 @@
               <a:buNone/>
             </a:pPr>
             <a:fld id="{00000000-1234-1234-1234-123412341234}" type="slidenum">
-              <a:rPr lang="en" smtClean="0"/>
-              <a:t>1</a:t>
+              <a:rPr lang="en-GB" smtClean="0"/>
             </a:fld>
-            <a:endParaRPr lang="en" dirty="0"/>
+            <a:endParaRPr lang="en-GB" dirty="0"/>
           </a:p>
         </p:txBody>
       </p:sp>
       <p:sp>
         <p:nvSpPr>
-          <p:cNvPr id="5" name="TextBox 4">
-            <a:extLst>
-              <a:ext uri="{FF2B5EF4-FFF2-40B4-BE49-F238E27FC236}">
-                <a16:creationId xmlns:a16="http://schemas.microsoft.com/office/drawing/2014/main" id="{5871246D-0B9E-470E-9E62-BCC7D4DAD739}"/>
-              </a:ext>
-            </a:extLst>
-          </p:cNvPr>
+          <p:cNvPr id="5" name="TextBox 4"/>
           <p:cNvSpPr txBox="1"/>
           <p:nvPr/>
         </p:nvSpPr>
@@ -8742,18 +8596,15 @@
               </a:rPr>
               <a:t>GV: ĐINH KIM QUỐC KHẢI</a:t>
             </a:r>
+            <a:endParaRPr lang="en-US" b="1" dirty="0">
+              <a:latin typeface="Arial" panose="020B0604020202020204" pitchFamily="34" charset="0"/>
+            </a:endParaRPr>
           </a:p>
         </p:txBody>
       </p:sp>
       <p:sp>
         <p:nvSpPr>
-          <p:cNvPr id="7" name="TextBox 6">
-            <a:extLst>
-              <a:ext uri="{FF2B5EF4-FFF2-40B4-BE49-F238E27FC236}">
-                <a16:creationId xmlns:a16="http://schemas.microsoft.com/office/drawing/2014/main" id="{A6323127-0B7A-4DB4-8B1A-2D4AABAD4070}"/>
-              </a:ext>
-            </a:extLst>
-          </p:cNvPr>
+          <p:cNvPr id="7" name="TextBox 6"/>
           <p:cNvSpPr txBox="1"/>
           <p:nvPr/>
         </p:nvSpPr>
@@ -8776,79 +8627,99 @@
             <a:r>
               <a:rPr lang="en-US" altLang="ko-KR" sz="2000" b="1" dirty="0">
                 <a:latin typeface="Arial" panose="020B0604020202020204" pitchFamily="34" charset="0"/>
-                <a:cs typeface="Arial" pitchFamily="34" charset="0"/>
+                <a:cs typeface="Arial" panose="020B0604020202020204" pitchFamily="34" charset="0"/>
               </a:rPr>
               <a:t>1711445   ĐOÀN THÁI HỌC</a:t>
             </a:r>
+            <a:endParaRPr lang="en-US" altLang="ko-KR" sz="2000" b="1" dirty="0">
+              <a:latin typeface="Arial" panose="020B0604020202020204" pitchFamily="34" charset="0"/>
+              <a:cs typeface="Arial" panose="020B0604020202020204" pitchFamily="34" charset="0"/>
+            </a:endParaRPr>
           </a:p>
           <a:p>
             <a:r>
               <a:rPr lang="en-US" altLang="ko-KR" sz="2000" b="1" dirty="0">
                 <a:latin typeface="Arial" panose="020B0604020202020204" pitchFamily="34" charset="0"/>
-                <a:cs typeface="Arial" pitchFamily="34" charset="0"/>
+                <a:cs typeface="Arial" panose="020B0604020202020204" pitchFamily="34" charset="0"/>
               </a:rPr>
               <a:t>1713015   NGUYỄN ĐỨC ANH TÀI</a:t>
             </a:r>
+            <a:endParaRPr lang="en-US" altLang="ko-KR" sz="2000" b="1" dirty="0">
+              <a:latin typeface="Arial" panose="020B0604020202020204" pitchFamily="34" charset="0"/>
+              <a:cs typeface="Arial" panose="020B0604020202020204" pitchFamily="34" charset="0"/>
+            </a:endParaRPr>
           </a:p>
           <a:p>
             <a:r>
               <a:rPr lang="en-US" altLang="ko-KR" sz="2000" b="1" dirty="0">
                 <a:latin typeface="Arial" panose="020B0604020202020204" pitchFamily="34" charset="0"/>
-                <a:cs typeface="Arial" pitchFamily="34" charset="0"/>
+                <a:cs typeface="Arial" panose="020B0604020202020204" pitchFamily="34" charset="0"/>
               </a:rPr>
               <a:t>1712281  </a:t>
             </a:r>
             <a:r>
               <a:rPr lang="ko-KR" altLang="en-US" sz="2000" b="1" dirty="0">
                 <a:latin typeface="Arial" panose="020B0604020202020204" pitchFamily="34" charset="0"/>
-                <a:cs typeface="Arial" pitchFamily="34" charset="0"/>
+                <a:cs typeface="Arial" panose="020B0604020202020204" pitchFamily="34" charset="0"/>
               </a:rPr>
               <a:t> </a:t>
             </a:r>
             <a:r>
               <a:rPr lang="en-US" altLang="ko-KR" sz="2000" b="1" dirty="0">
                 <a:latin typeface="Arial" panose="020B0604020202020204" pitchFamily="34" charset="0"/>
-                <a:cs typeface="Arial" pitchFamily="34" charset="0"/>
+                <a:cs typeface="Arial" panose="020B0604020202020204" pitchFamily="34" charset="0"/>
               </a:rPr>
               <a:t>LÊ THỊ KIM NGÂN</a:t>
             </a:r>
+            <a:endParaRPr lang="en-US" altLang="ko-KR" sz="2000" b="1" dirty="0">
+              <a:latin typeface="Arial" panose="020B0604020202020204" pitchFamily="34" charset="0"/>
+              <a:cs typeface="Arial" panose="020B0604020202020204" pitchFamily="34" charset="0"/>
+            </a:endParaRPr>
           </a:p>
           <a:p>
             <a:r>
               <a:rPr lang="en-US" altLang="ko-KR" sz="2000" b="1" dirty="0">
                 <a:latin typeface="Arial" panose="020B0604020202020204" pitchFamily="34" charset="0"/>
-                <a:cs typeface="Arial" pitchFamily="34" charset="0"/>
+                <a:cs typeface="Arial" panose="020B0604020202020204" pitchFamily="34" charset="0"/>
               </a:rPr>
               <a:t>1714050   NGUYỄN KHẢI VY</a:t>
             </a:r>
+            <a:endParaRPr lang="en-US" altLang="ko-KR" sz="2000" b="1" dirty="0">
+              <a:latin typeface="Arial" panose="020B0604020202020204" pitchFamily="34" charset="0"/>
+              <a:cs typeface="Arial" panose="020B0604020202020204" pitchFamily="34" charset="0"/>
+            </a:endParaRPr>
           </a:p>
           <a:p>
             <a:r>
               <a:rPr lang="en-US" altLang="ko-KR" sz="2000" b="1" dirty="0">
                 <a:latin typeface="Arial" panose="020B0604020202020204" pitchFamily="34" charset="0"/>
-                <a:cs typeface="Arial" pitchFamily="34" charset="0"/>
+                <a:cs typeface="Arial" panose="020B0604020202020204" pitchFamily="34" charset="0"/>
               </a:rPr>
               <a:t>1711354</a:t>
             </a:r>
             <a:r>
               <a:rPr lang="ko-KR" altLang="en-US" sz="2000" b="1" dirty="0">
                 <a:latin typeface="Arial" panose="020B0604020202020204" pitchFamily="34" charset="0"/>
-                <a:cs typeface="Arial" pitchFamily="34" charset="0"/>
+                <a:cs typeface="Arial" panose="020B0604020202020204" pitchFamily="34" charset="0"/>
               </a:rPr>
               <a:t>   </a:t>
             </a:r>
             <a:r>
               <a:rPr lang="en-US" altLang="ko-KR" sz="2000" b="1" dirty="0">
                 <a:latin typeface="Arial" panose="020B0604020202020204" pitchFamily="34" charset="0"/>
-                <a:cs typeface="Arial" pitchFamily="34" charset="0"/>
+                <a:cs typeface="Arial" panose="020B0604020202020204" pitchFamily="34" charset="0"/>
               </a:rPr>
               <a:t>HÀ HUY HIỆU</a:t>
             </a:r>
+            <a:endParaRPr lang="en-US" altLang="ko-KR" sz="2000" b="1" dirty="0">
+              <a:latin typeface="Arial" panose="020B0604020202020204" pitchFamily="34" charset="0"/>
+              <a:cs typeface="Arial" panose="020B0604020202020204" pitchFamily="34" charset="0"/>
+            </a:endParaRPr>
           </a:p>
           <a:p>
             <a:endParaRPr lang="en-US" altLang="ko-KR" sz="2000" b="1" dirty="0">
               <a:latin typeface="Arial" panose="020B0604020202020204" pitchFamily="34" charset="0"/>
-              <a:cs typeface="Arial" pitchFamily="34" charset="0"/>
+              <a:cs typeface="Arial" panose="020B0604020202020204" pitchFamily="34" charset="0"/>
             </a:endParaRPr>
           </a:p>
           <a:p>
@@ -8860,13 +8731,7 @@
       </p:sp>
       <p:sp>
         <p:nvSpPr>
-          <p:cNvPr id="9" name="Rectangle 8">
-            <a:extLst>
-              <a:ext uri="{FF2B5EF4-FFF2-40B4-BE49-F238E27FC236}">
-                <a16:creationId xmlns:a16="http://schemas.microsoft.com/office/drawing/2014/main" id="{6F8DDC82-6DD1-470F-9385-560534488247}"/>
-              </a:ext>
-            </a:extLst>
-          </p:cNvPr>
+          <p:cNvPr id="9" name="Rectangle 8"/>
           <p:cNvSpPr/>
           <p:nvPr/>
         </p:nvSpPr>
@@ -8891,6 +8756,9 @@
               </a:rPr>
               <a:t>NHÓM 65</a:t>
             </a:r>
+            <a:endParaRPr lang="en-US" sz="2200" b="1" dirty="0">
+              <a:latin typeface="Arial" panose="020B0604020202020204" pitchFamily="34" charset="0"/>
+            </a:endParaRPr>
           </a:p>
         </p:txBody>
       </p:sp>
@@ -8899,6 +8767,9 @@
   <p:clrMapOvr>
     <a:masterClrMapping/>
   </p:clrMapOvr>
+  <p:transition>
+    <p:fade thruBlk="1"/>
+  </p:transition>
 </p:sld>
 </file>
 
@@ -8921,13 +8792,7 @@
       </p:grpSpPr>
       <p:sp>
         <p:nvSpPr>
-          <p:cNvPr id="3" name="Title 2">
-            <a:extLst>
-              <a:ext uri="{FF2B5EF4-FFF2-40B4-BE49-F238E27FC236}">
-                <a16:creationId xmlns:a16="http://schemas.microsoft.com/office/drawing/2014/main" id="{7F1E0316-5DEB-421C-83A3-D93CB3432A0D}"/>
-              </a:ext>
-            </a:extLst>
-          </p:cNvPr>
+          <p:cNvPr id="3" name="Title 2"/>
           <p:cNvSpPr>
             <a:spLocks noGrp="1"/>
           </p:cNvSpPr>
@@ -8966,16 +8831,8 @@
       </p:sp>
       <p:sp>
         <p:nvSpPr>
-          <p:cNvPr id="5" name="Google Shape;151;p18">
-            <a:extLst>
-              <a:ext uri="{FF2B5EF4-FFF2-40B4-BE49-F238E27FC236}">
-                <a16:creationId xmlns:a16="http://schemas.microsoft.com/office/drawing/2014/main" id="{190C38A0-805A-4F9F-9A81-7A1507B8E151}"/>
-              </a:ext>
-            </a:extLst>
-          </p:cNvPr>
-          <p:cNvSpPr txBox="1">
-            <a:spLocks/>
-          </p:cNvSpPr>
+          <p:cNvPr id="5" name="Google Shape;151;p18"/>
+          <p:cNvSpPr txBox="1"/>
           <p:nvPr/>
         </p:nvSpPr>
         <p:spPr>
@@ -9016,7 +8873,7 @@
               <a:buClr>
                 <a:srgbClr val="000000"/>
               </a:buClr>
-              <a:buFont typeface="Arial"/>
+              <a:buFont typeface="Arial" panose="020B0604020202020204"/>
               <a:defRPr sz="1400" b="0" i="0" u="none" strike="noStrike" cap="none">
                 <a:solidFill>
                   <a:srgbClr val="000000"/>
@@ -9024,7 +8881,7 @@
                 <a:latin typeface="Arial" panose="020B0604020202020204" pitchFamily="34" charset="0"/>
                 <a:ea typeface="Arial" panose="020B0604020202020204" pitchFamily="34" charset="0"/>
                 <a:cs typeface="Arial" panose="020B0604020202020204" pitchFamily="34" charset="0"/>
-                <a:sym typeface="Arial"/>
+                <a:sym typeface="Arial" panose="020B0604020202020204"/>
               </a:defRPr>
             </a:lvl1pPr>
             <a:lvl2pPr marR="0" lvl="1" algn="l" rtl="0">
@@ -9040,15 +8897,15 @@
               <a:buClr>
                 <a:srgbClr val="000000"/>
               </a:buClr>
-              <a:buFont typeface="Arial"/>
+              <a:buFont typeface="Arial" panose="020B0604020202020204"/>
               <a:defRPr sz="1400" b="0" i="0" u="none" strike="noStrike" cap="none">
                 <a:solidFill>
                   <a:srgbClr val="000000"/>
                 </a:solidFill>
-                <a:latin typeface="Arial"/>
-                <a:ea typeface="Arial"/>
-                <a:cs typeface="Arial"/>
-                <a:sym typeface="Arial"/>
+                <a:latin typeface="Arial" panose="020B0604020202020204"/>
+                <a:ea typeface="Arial" panose="020B0604020202020204"/>
+                <a:cs typeface="Arial" panose="020B0604020202020204"/>
+                <a:sym typeface="Arial" panose="020B0604020202020204"/>
               </a:defRPr>
             </a:lvl2pPr>
             <a:lvl3pPr marR="0" lvl="2" algn="l" rtl="0">
@@ -9064,15 +8921,15 @@
               <a:buClr>
                 <a:srgbClr val="000000"/>
               </a:buClr>
-              <a:buFont typeface="Arial"/>
+              <a:buFont typeface="Arial" panose="020B0604020202020204"/>
               <a:defRPr sz="1400" b="0" i="0" u="none" strike="noStrike" cap="none">
                 <a:solidFill>
                   <a:srgbClr val="000000"/>
                 </a:solidFill>
-                <a:latin typeface="Arial"/>
-                <a:ea typeface="Arial"/>
-                <a:cs typeface="Arial"/>
-                <a:sym typeface="Arial"/>
+                <a:latin typeface="Arial" panose="020B0604020202020204"/>
+                <a:ea typeface="Arial" panose="020B0604020202020204"/>
+                <a:cs typeface="Arial" panose="020B0604020202020204"/>
+                <a:sym typeface="Arial" panose="020B0604020202020204"/>
               </a:defRPr>
             </a:lvl3pPr>
             <a:lvl4pPr marR="0" lvl="3" algn="l" rtl="0">
@@ -9088,15 +8945,15 @@
               <a:buClr>
                 <a:srgbClr val="000000"/>
               </a:buClr>
-              <a:buFont typeface="Arial"/>
+              <a:buFont typeface="Arial" panose="020B0604020202020204"/>
               <a:defRPr sz="1400" b="0" i="0" u="none" strike="noStrike" cap="none">
                 <a:solidFill>
                   <a:srgbClr val="000000"/>
                 </a:solidFill>
-                <a:latin typeface="Arial"/>
-                <a:ea typeface="Arial"/>
-                <a:cs typeface="Arial"/>
-                <a:sym typeface="Arial"/>
+                <a:latin typeface="Arial" panose="020B0604020202020204"/>
+                <a:ea typeface="Arial" panose="020B0604020202020204"/>
+                <a:cs typeface="Arial" panose="020B0604020202020204"/>
+                <a:sym typeface="Arial" panose="020B0604020202020204"/>
               </a:defRPr>
             </a:lvl4pPr>
             <a:lvl5pPr marR="0" lvl="4" algn="l" rtl="0">
@@ -9112,15 +8969,15 @@
               <a:buClr>
                 <a:srgbClr val="000000"/>
               </a:buClr>
-              <a:buFont typeface="Arial"/>
+              <a:buFont typeface="Arial" panose="020B0604020202020204"/>
               <a:defRPr sz="1400" b="0" i="0" u="none" strike="noStrike" cap="none">
                 <a:solidFill>
                   <a:srgbClr val="000000"/>
                 </a:solidFill>
-                <a:latin typeface="Arial"/>
-                <a:ea typeface="Arial"/>
-                <a:cs typeface="Arial"/>
-                <a:sym typeface="Arial"/>
+                <a:latin typeface="Arial" panose="020B0604020202020204"/>
+                <a:ea typeface="Arial" panose="020B0604020202020204"/>
+                <a:cs typeface="Arial" panose="020B0604020202020204"/>
+                <a:sym typeface="Arial" panose="020B0604020202020204"/>
               </a:defRPr>
             </a:lvl5pPr>
             <a:lvl6pPr marR="0" lvl="5" algn="l" rtl="0">
@@ -9136,15 +8993,15 @@
               <a:buClr>
                 <a:srgbClr val="000000"/>
               </a:buClr>
-              <a:buFont typeface="Arial"/>
+              <a:buFont typeface="Arial" panose="020B0604020202020204"/>
               <a:defRPr sz="1400" b="0" i="0" u="none" strike="noStrike" cap="none">
                 <a:solidFill>
                   <a:srgbClr val="000000"/>
                 </a:solidFill>
-                <a:latin typeface="Arial"/>
-                <a:ea typeface="Arial"/>
-                <a:cs typeface="Arial"/>
-                <a:sym typeface="Arial"/>
+                <a:latin typeface="Arial" panose="020B0604020202020204"/>
+                <a:ea typeface="Arial" panose="020B0604020202020204"/>
+                <a:cs typeface="Arial" panose="020B0604020202020204"/>
+                <a:sym typeface="Arial" panose="020B0604020202020204"/>
               </a:defRPr>
             </a:lvl6pPr>
             <a:lvl7pPr marR="0" lvl="6" algn="l" rtl="0">
@@ -9160,15 +9017,15 @@
               <a:buClr>
                 <a:srgbClr val="000000"/>
               </a:buClr>
-              <a:buFont typeface="Arial"/>
+              <a:buFont typeface="Arial" panose="020B0604020202020204"/>
               <a:defRPr sz="1400" b="0" i="0" u="none" strike="noStrike" cap="none">
                 <a:solidFill>
                   <a:srgbClr val="000000"/>
                 </a:solidFill>
-                <a:latin typeface="Arial"/>
-                <a:ea typeface="Arial"/>
-                <a:cs typeface="Arial"/>
-                <a:sym typeface="Arial"/>
+                <a:latin typeface="Arial" panose="020B0604020202020204"/>
+                <a:ea typeface="Arial" panose="020B0604020202020204"/>
+                <a:cs typeface="Arial" panose="020B0604020202020204"/>
+                <a:sym typeface="Arial" panose="020B0604020202020204"/>
               </a:defRPr>
             </a:lvl7pPr>
             <a:lvl8pPr marR="0" lvl="7" algn="l" rtl="0">
@@ -9184,15 +9041,15 @@
               <a:buClr>
                 <a:srgbClr val="000000"/>
               </a:buClr>
-              <a:buFont typeface="Arial"/>
+              <a:buFont typeface="Arial" panose="020B0604020202020204"/>
               <a:defRPr sz="1400" b="0" i="0" u="none" strike="noStrike" cap="none">
                 <a:solidFill>
                   <a:srgbClr val="000000"/>
                 </a:solidFill>
-                <a:latin typeface="Arial"/>
-                <a:ea typeface="Arial"/>
-                <a:cs typeface="Arial"/>
-                <a:sym typeface="Arial"/>
+                <a:latin typeface="Arial" panose="020B0604020202020204"/>
+                <a:ea typeface="Arial" panose="020B0604020202020204"/>
+                <a:cs typeface="Arial" panose="020B0604020202020204"/>
+                <a:sym typeface="Arial" panose="020B0604020202020204"/>
               </a:defRPr>
             </a:lvl8pPr>
             <a:lvl9pPr marR="0" lvl="8" algn="l" rtl="0">
@@ -9208,15 +9065,15 @@
               <a:buClr>
                 <a:srgbClr val="000000"/>
               </a:buClr>
-              <a:buFont typeface="Arial"/>
+              <a:buFont typeface="Arial" panose="020B0604020202020204"/>
               <a:defRPr sz="1400" b="0" i="0" u="none" strike="noStrike" cap="none">
                 <a:solidFill>
                   <a:srgbClr val="000000"/>
                 </a:solidFill>
-                <a:latin typeface="Arial"/>
-                <a:ea typeface="Arial"/>
-                <a:cs typeface="Arial"/>
-                <a:sym typeface="Arial"/>
+                <a:latin typeface="Arial" panose="020B0604020202020204"/>
+                <a:ea typeface="Arial" panose="020B0604020202020204"/>
+                <a:cs typeface="Arial" panose="020B0604020202020204"/>
+                <a:sym typeface="Arial" panose="020B0604020202020204"/>
               </a:defRPr>
             </a:lvl9pPr>
           </a:lstStyle>
@@ -9224,40 +9081,6 @@
             <a:r>
               <a:rPr lang="en-US" sz="2000" dirty="0"/>
               <a:t>User:</a:t>
-            </a:r>
-          </a:p>
-          <a:p>
-            <a:pPr marL="342900" indent="-342900">
-              <a:buFont typeface="Arial" panose="020B0604020202020204" pitchFamily="34" charset="0"/>
-              <a:buChar char="•"/>
-            </a:pPr>
-            <a:r>
-              <a:rPr lang="en-US" sz="2000" dirty="0" err="1"/>
-              <a:t>Đăng</a:t>
-            </a:r>
-            <a:r>
-              <a:rPr lang="en-US" sz="2000" dirty="0"/>
-              <a:t> </a:t>
-            </a:r>
-            <a:r>
-              <a:rPr lang="en-US" sz="2000" dirty="0" err="1"/>
-              <a:t>kí</a:t>
-            </a:r>
-            <a:r>
-              <a:rPr lang="en-US" sz="2000" dirty="0"/>
-              <a:t>/ </a:t>
-            </a:r>
-            <a:r>
-              <a:rPr lang="en-US" sz="2000" dirty="0" err="1"/>
-              <a:t>đăng</a:t>
-            </a:r>
-            <a:r>
-              <a:rPr lang="en-US" sz="2000" dirty="0"/>
-              <a:t> </a:t>
-            </a:r>
-            <a:r>
-              <a:rPr lang="en-US" sz="2000" dirty="0" err="1"/>
-              <a:t>nhập</a:t>
             </a:r>
             <a:endParaRPr lang="en-US" sz="2000" dirty="0"/>
           </a:p>
@@ -9268,7 +9091,7 @@
             </a:pPr>
             <a:r>
               <a:rPr lang="en-US" sz="2000" dirty="0" err="1"/>
-              <a:t>Tìm</a:t>
+              <a:t>Đăng</a:t>
             </a:r>
             <a:r>
               <a:rPr lang="en-US" sz="2000" dirty="0"/>
@@ -9276,7 +9099,15 @@
             </a:r>
             <a:r>
               <a:rPr lang="en-US" sz="2000" dirty="0" err="1"/>
-              <a:t>kiếm</a:t>
+              <a:t>kí</a:t>
+            </a:r>
+            <a:r>
+              <a:rPr lang="en-US" sz="2000" dirty="0"/>
+              <a:t>/ </a:t>
+            </a:r>
+            <a:r>
+              <a:rPr lang="en-US" sz="2000" dirty="0" err="1"/>
+              <a:t>đăng</a:t>
             </a:r>
             <a:r>
               <a:rPr lang="en-US" sz="2000" dirty="0"/>
@@ -9284,15 +9115,7 @@
             </a:r>
             <a:r>
               <a:rPr lang="en-US" sz="2000" dirty="0" err="1"/>
-              <a:t>món</a:t>
-            </a:r>
-            <a:r>
-              <a:rPr lang="en-US" sz="2000" dirty="0"/>
-              <a:t> </a:t>
-            </a:r>
-            <a:r>
-              <a:rPr lang="en-US" sz="2000" dirty="0" err="1"/>
-              <a:t>ăn</a:t>
+              <a:t>nhập</a:t>
             </a:r>
             <a:endParaRPr lang="en-US" sz="2000" dirty="0"/>
           </a:p>
@@ -9303,7 +9126,7 @@
             </a:pPr>
             <a:r>
               <a:rPr lang="en-US" sz="2000" dirty="0" err="1"/>
-              <a:t>Đặt</a:t>
+              <a:t>Tìm</a:t>
             </a:r>
             <a:r>
               <a:rPr lang="en-US" sz="2000" dirty="0"/>
@@ -9311,7 +9134,23 @@
             </a:r>
             <a:r>
               <a:rPr lang="en-US" sz="2000" dirty="0" err="1"/>
-              <a:t>hàng</a:t>
+              <a:t>kiếm</a:t>
+            </a:r>
+            <a:r>
+              <a:rPr lang="en-US" sz="2000" dirty="0"/>
+              <a:t> </a:t>
+            </a:r>
+            <a:r>
+              <a:rPr lang="en-US" sz="2000" dirty="0" err="1"/>
+              <a:t>món</a:t>
+            </a:r>
+            <a:r>
+              <a:rPr lang="en-US" sz="2000" dirty="0"/>
+              <a:t> </a:t>
+            </a:r>
+            <a:r>
+              <a:rPr lang="en-US" sz="2000" dirty="0" err="1"/>
+              <a:t>ăn</a:t>
             </a:r>
             <a:endParaRPr lang="en-US" sz="2000" dirty="0"/>
           </a:p>
@@ -9321,20 +9160,8 @@
               <a:buChar char="•"/>
             </a:pPr>
             <a:r>
-              <a:rPr lang="en-US" sz="2000" dirty="0"/>
-              <a:t>Thanh </a:t>
-            </a:r>
-            <a:r>
               <a:rPr lang="en-US" sz="2000" dirty="0" err="1"/>
-              <a:t>toán</a:t>
-            </a:r>
-            <a:r>
-              <a:rPr lang="en-US" sz="2000" dirty="0"/>
-              <a:t> </a:t>
-            </a:r>
-            <a:r>
-              <a:rPr lang="en-US" sz="2000" dirty="0" err="1"/>
-              <a:t>giỏ</a:t>
+              <a:t>Đặt</a:t>
             </a:r>
             <a:r>
               <a:rPr lang="en-US" sz="2000" dirty="0"/>
@@ -9352,8 +9179,12 @@
               <a:buChar char="•"/>
             </a:pPr>
             <a:r>
+              <a:rPr lang="en-US" sz="2000" dirty="0"/>
+              <a:t>Thanh </a:t>
+            </a:r>
+            <a:r>
               <a:rPr lang="en-US" sz="2000" dirty="0" err="1"/>
-              <a:t>Sử</a:t>
+              <a:t>toán</a:t>
             </a:r>
             <a:r>
               <a:rPr lang="en-US" sz="2000" dirty="0"/>
@@ -9361,15 +9192,7 @@
             </a:r>
             <a:r>
               <a:rPr lang="en-US" sz="2000" dirty="0" err="1"/>
-              <a:t>dụng</a:t>
-            </a:r>
-            <a:r>
-              <a:rPr lang="en-US" sz="2000" dirty="0"/>
-              <a:t> (</a:t>
-            </a:r>
-            <a:r>
-              <a:rPr lang="en-US" sz="2000" dirty="0" err="1"/>
-              <a:t>mua</a:t>
+              <a:t>giỏ</a:t>
             </a:r>
             <a:r>
               <a:rPr lang="en-US" sz="2000" dirty="0"/>
@@ -9377,24 +9200,9 @@
             </a:r>
             <a:r>
               <a:rPr lang="en-US" sz="2000" dirty="0" err="1"/>
-              <a:t>và</a:t>
-            </a:r>
-            <a:r>
-              <a:rPr lang="en-US" sz="2000" dirty="0"/>
-              <a:t> </a:t>
-            </a:r>
-            <a:r>
-              <a:rPr lang="en-US" sz="2000" dirty="0" err="1"/>
-              <a:t>bán</a:t>
-            </a:r>
-            <a:r>
-              <a:rPr lang="en-US" sz="2000" dirty="0"/>
-              <a:t>) t</a:t>
-            </a:r>
-            <a:r>
-              <a:rPr lang="en-SG" sz="2000" dirty="0"/>
-              <a:t>ừ second shop</a:t>
-            </a:r>
+              <a:t>hàng</a:t>
+            </a:r>
+            <a:endParaRPr lang="en-US" sz="2000" dirty="0"/>
           </a:p>
           <a:p>
             <a:pPr marL="342900" indent="-342900">
@@ -9402,73 +9210,56 @@
               <a:buChar char="•"/>
             </a:pPr>
             <a:r>
-              <a:rPr lang="en-SG" sz="2000" dirty="0" err="1"/>
-              <a:t>Hiển</a:t>
+              <a:rPr lang="en-US" sz="2000" dirty="0" err="1"/>
+              <a:t>Sử</a:t>
+            </a:r>
+            <a:r>
+              <a:rPr lang="en-US" sz="2000" dirty="0"/>
+              <a:t> </a:t>
+            </a:r>
+            <a:r>
+              <a:rPr lang="en-US" sz="2000" dirty="0" err="1"/>
+              <a:t>dụng</a:t>
+            </a:r>
+            <a:r>
+              <a:rPr lang="en-US" sz="2000" dirty="0"/>
+              <a:t> (</a:t>
+            </a:r>
+            <a:r>
+              <a:rPr lang="en-US" sz="2000" dirty="0" err="1"/>
+              <a:t>mua</a:t>
+            </a:r>
+            <a:r>
+              <a:rPr lang="en-US" sz="2000" dirty="0"/>
+              <a:t> </a:t>
+            </a:r>
+            <a:r>
+              <a:rPr lang="en-US" sz="2000" dirty="0" err="1"/>
+              <a:t>và</a:t>
+            </a:r>
+            <a:r>
+              <a:rPr lang="en-US" sz="2000" dirty="0"/>
+              <a:t> </a:t>
+            </a:r>
+            <a:r>
+              <a:rPr lang="en-US" sz="2000" dirty="0" err="1"/>
+              <a:t>bán</a:t>
+            </a:r>
+            <a:r>
+              <a:rPr lang="en-US" sz="2000" dirty="0"/>
+              <a:t>) t</a:t>
             </a:r>
             <a:r>
               <a:rPr lang="en-SG" sz="2000" dirty="0"/>
-              <a:t> </a:t>
-            </a:r>
-            <a:r>
-              <a:rPr lang="en-SG" sz="2000" dirty="0" err="1"/>
-              <a:t>thị</a:t>
-            </a:r>
-            <a:r>
-              <a:rPr lang="en-SG" sz="2000" dirty="0"/>
-              <a:t> </a:t>
-            </a:r>
-            <a:r>
-              <a:rPr lang="en-SG" sz="2000" dirty="0" err="1"/>
-              <a:t>thông</a:t>
-            </a:r>
-            <a:r>
-              <a:rPr lang="en-SG" sz="2000" dirty="0"/>
-              <a:t> </a:t>
-            </a:r>
-            <a:r>
-              <a:rPr lang="en-SG" sz="2000" dirty="0" err="1"/>
-              <a:t>báo</a:t>
-            </a:r>
-            <a:r>
-              <a:rPr lang="en-SG" sz="2000" dirty="0"/>
-              <a:t> </a:t>
-            </a:r>
-            <a:r>
-              <a:rPr lang="en-SG" sz="2000" dirty="0" err="1"/>
-              <a:t>sắp</a:t>
-            </a:r>
-            <a:r>
-              <a:rPr lang="en-SG" sz="2000" dirty="0"/>
-              <a:t> </a:t>
-            </a:r>
-            <a:r>
-              <a:rPr lang="en-SG" sz="2000" dirty="0" err="1"/>
-              <a:t>đến</a:t>
-            </a:r>
-            <a:r>
-              <a:rPr lang="en-SG" sz="2000" dirty="0"/>
-              <a:t> </a:t>
-            </a:r>
-            <a:r>
-              <a:rPr lang="en-SG" sz="2000" dirty="0" err="1"/>
-              <a:t>giờ</a:t>
-            </a:r>
-            <a:r>
-              <a:rPr lang="en-SG" sz="2000" dirty="0"/>
-              <a:t> </a:t>
-            </a:r>
-            <a:r>
-              <a:rPr lang="en-SG" sz="2000" dirty="0" err="1"/>
-              <a:t>lấy</a:t>
-            </a:r>
-            <a:r>
-              <a:rPr lang="en-SG" sz="2000" dirty="0"/>
-              <a:t> </a:t>
-            </a:r>
-            <a:r>
-              <a:rPr lang="en-SG" sz="2000" dirty="0" err="1"/>
-              <a:t>hàng</a:t>
-            </a:r>
+              <a:t>ừ second shop</a:t>
+            </a:r>
+            <a:endParaRPr lang="en-SG" sz="2000" dirty="0"/>
+          </a:p>
+          <a:p>
+            <a:pPr marL="0" indent="0">
+              <a:buFont typeface="Arial" panose="020B0604020202020204" pitchFamily="34" charset="0"/>
+              <a:buNone/>
+            </a:pPr>
             <a:endParaRPr lang="en-US" sz="2000" dirty="0"/>
           </a:p>
           <a:p>
@@ -9481,15 +9272,13 @@
         </p:txBody>
       </p:sp>
     </p:spTree>
-    <p:extLst>
-      <p:ext uri="{BB962C8B-B14F-4D97-AF65-F5344CB8AC3E}">
-        <p14:creationId xmlns:p14="http://schemas.microsoft.com/office/powerpoint/2010/main" val="433539733"/>
-      </p:ext>
-    </p:extLst>
   </p:cSld>
   <p:clrMapOvr>
     <a:masterClrMapping/>
   </p:clrMapOvr>
+  <p:transition>
+    <p:fade thruBlk="1"/>
+  </p:transition>
 </p:sld>
 </file>
 
@@ -9512,13 +9301,7 @@
       </p:grpSpPr>
       <p:sp>
         <p:nvSpPr>
-          <p:cNvPr id="3" name="Title 2">
-            <a:extLst>
-              <a:ext uri="{FF2B5EF4-FFF2-40B4-BE49-F238E27FC236}">
-                <a16:creationId xmlns:a16="http://schemas.microsoft.com/office/drawing/2014/main" id="{7F1E0316-5DEB-421C-83A3-D93CB3432A0D}"/>
-              </a:ext>
-            </a:extLst>
-          </p:cNvPr>
+          <p:cNvPr id="3" name="Title 2"/>
           <p:cNvSpPr>
             <a:spLocks noGrp="1"/>
           </p:cNvSpPr>
@@ -9557,16 +9340,8 @@
       </p:sp>
       <p:sp>
         <p:nvSpPr>
-          <p:cNvPr id="5" name="Google Shape;151;p18">
-            <a:extLst>
-              <a:ext uri="{FF2B5EF4-FFF2-40B4-BE49-F238E27FC236}">
-                <a16:creationId xmlns:a16="http://schemas.microsoft.com/office/drawing/2014/main" id="{190C38A0-805A-4F9F-9A81-7A1507B8E151}"/>
-              </a:ext>
-            </a:extLst>
-          </p:cNvPr>
-          <p:cNvSpPr txBox="1">
-            <a:spLocks/>
-          </p:cNvSpPr>
+          <p:cNvPr id="5" name="Google Shape;151;p18"/>
+          <p:cNvSpPr txBox="1"/>
           <p:nvPr/>
         </p:nvSpPr>
         <p:spPr>
@@ -9607,7 +9382,7 @@
               <a:buClr>
                 <a:srgbClr val="000000"/>
               </a:buClr>
-              <a:buFont typeface="Arial"/>
+              <a:buFont typeface="Arial" panose="020B0604020202020204"/>
               <a:defRPr sz="1400" b="0" i="0" u="none" strike="noStrike" cap="none">
                 <a:solidFill>
                   <a:srgbClr val="000000"/>
@@ -9615,7 +9390,7 @@
                 <a:latin typeface="Arial" panose="020B0604020202020204" pitchFamily="34" charset="0"/>
                 <a:ea typeface="Arial" panose="020B0604020202020204" pitchFamily="34" charset="0"/>
                 <a:cs typeface="Arial" panose="020B0604020202020204" pitchFamily="34" charset="0"/>
-                <a:sym typeface="Arial"/>
+                <a:sym typeface="Arial" panose="020B0604020202020204"/>
               </a:defRPr>
             </a:lvl1pPr>
             <a:lvl2pPr marR="0" lvl="1" algn="l" rtl="0">
@@ -9631,15 +9406,15 @@
               <a:buClr>
                 <a:srgbClr val="000000"/>
               </a:buClr>
-              <a:buFont typeface="Arial"/>
+              <a:buFont typeface="Arial" panose="020B0604020202020204"/>
               <a:defRPr sz="1400" b="0" i="0" u="none" strike="noStrike" cap="none">
                 <a:solidFill>
                   <a:srgbClr val="000000"/>
                 </a:solidFill>
-                <a:latin typeface="Arial"/>
-                <a:ea typeface="Arial"/>
-                <a:cs typeface="Arial"/>
-                <a:sym typeface="Arial"/>
+                <a:latin typeface="Arial" panose="020B0604020202020204"/>
+                <a:ea typeface="Arial" panose="020B0604020202020204"/>
+                <a:cs typeface="Arial" panose="020B0604020202020204"/>
+                <a:sym typeface="Arial" panose="020B0604020202020204"/>
               </a:defRPr>
             </a:lvl2pPr>
             <a:lvl3pPr marR="0" lvl="2" algn="l" rtl="0">
@@ -9655,15 +9430,15 @@
               <a:buClr>
                 <a:srgbClr val="000000"/>
               </a:buClr>
-              <a:buFont typeface="Arial"/>
+              <a:buFont typeface="Arial" panose="020B0604020202020204"/>
               <a:defRPr sz="1400" b="0" i="0" u="none" strike="noStrike" cap="none">
                 <a:solidFill>
                   <a:srgbClr val="000000"/>
                 </a:solidFill>
-                <a:latin typeface="Arial"/>
-                <a:ea typeface="Arial"/>
-                <a:cs typeface="Arial"/>
-                <a:sym typeface="Arial"/>
+                <a:latin typeface="Arial" panose="020B0604020202020204"/>
+                <a:ea typeface="Arial" panose="020B0604020202020204"/>
+                <a:cs typeface="Arial" panose="020B0604020202020204"/>
+                <a:sym typeface="Arial" panose="020B0604020202020204"/>
               </a:defRPr>
             </a:lvl3pPr>
             <a:lvl4pPr marR="0" lvl="3" algn="l" rtl="0">
@@ -9679,15 +9454,15 @@
               <a:buClr>
                 <a:srgbClr val="000000"/>
               </a:buClr>
-              <a:buFont typeface="Arial"/>
+              <a:buFont typeface="Arial" panose="020B0604020202020204"/>
               <a:defRPr sz="1400" b="0" i="0" u="none" strike="noStrike" cap="none">
                 <a:solidFill>
                   <a:srgbClr val="000000"/>
                 </a:solidFill>
-                <a:latin typeface="Arial"/>
-                <a:ea typeface="Arial"/>
-                <a:cs typeface="Arial"/>
-                <a:sym typeface="Arial"/>
+                <a:latin typeface="Arial" panose="020B0604020202020204"/>
+                <a:ea typeface="Arial" panose="020B0604020202020204"/>
+                <a:cs typeface="Arial" panose="020B0604020202020204"/>
+                <a:sym typeface="Arial" panose="020B0604020202020204"/>
               </a:defRPr>
             </a:lvl4pPr>
             <a:lvl5pPr marR="0" lvl="4" algn="l" rtl="0">
@@ -9703,15 +9478,15 @@
               <a:buClr>
                 <a:srgbClr val="000000"/>
               </a:buClr>
-              <a:buFont typeface="Arial"/>
+              <a:buFont typeface="Arial" panose="020B0604020202020204"/>
               <a:defRPr sz="1400" b="0" i="0" u="none" strike="noStrike" cap="none">
                 <a:solidFill>
                   <a:srgbClr val="000000"/>
                 </a:solidFill>
-                <a:latin typeface="Arial"/>
-                <a:ea typeface="Arial"/>
-                <a:cs typeface="Arial"/>
-                <a:sym typeface="Arial"/>
+                <a:latin typeface="Arial" panose="020B0604020202020204"/>
+                <a:ea typeface="Arial" panose="020B0604020202020204"/>
+                <a:cs typeface="Arial" panose="020B0604020202020204"/>
+                <a:sym typeface="Arial" panose="020B0604020202020204"/>
               </a:defRPr>
             </a:lvl5pPr>
             <a:lvl6pPr marR="0" lvl="5" algn="l" rtl="0">
@@ -9727,15 +9502,15 @@
               <a:buClr>
                 <a:srgbClr val="000000"/>
               </a:buClr>
-              <a:buFont typeface="Arial"/>
+              <a:buFont typeface="Arial" panose="020B0604020202020204"/>
               <a:defRPr sz="1400" b="0" i="0" u="none" strike="noStrike" cap="none">
                 <a:solidFill>
                   <a:srgbClr val="000000"/>
                 </a:solidFill>
-                <a:latin typeface="Arial"/>
-                <a:ea typeface="Arial"/>
-                <a:cs typeface="Arial"/>
-                <a:sym typeface="Arial"/>
+                <a:latin typeface="Arial" panose="020B0604020202020204"/>
+                <a:ea typeface="Arial" panose="020B0604020202020204"/>
+                <a:cs typeface="Arial" panose="020B0604020202020204"/>
+                <a:sym typeface="Arial" panose="020B0604020202020204"/>
               </a:defRPr>
             </a:lvl6pPr>
             <a:lvl7pPr marR="0" lvl="6" algn="l" rtl="0">
@@ -9751,15 +9526,15 @@
               <a:buClr>
                 <a:srgbClr val="000000"/>
               </a:buClr>
-              <a:buFont typeface="Arial"/>
+              <a:buFont typeface="Arial" panose="020B0604020202020204"/>
               <a:defRPr sz="1400" b="0" i="0" u="none" strike="noStrike" cap="none">
                 <a:solidFill>
                   <a:srgbClr val="000000"/>
                 </a:solidFill>
-                <a:latin typeface="Arial"/>
-                <a:ea typeface="Arial"/>
-                <a:cs typeface="Arial"/>
-                <a:sym typeface="Arial"/>
+                <a:latin typeface="Arial" panose="020B0604020202020204"/>
+                <a:ea typeface="Arial" panose="020B0604020202020204"/>
+                <a:cs typeface="Arial" panose="020B0604020202020204"/>
+                <a:sym typeface="Arial" panose="020B0604020202020204"/>
               </a:defRPr>
             </a:lvl7pPr>
             <a:lvl8pPr marR="0" lvl="7" algn="l" rtl="0">
@@ -9775,15 +9550,15 @@
               <a:buClr>
                 <a:srgbClr val="000000"/>
               </a:buClr>
-              <a:buFont typeface="Arial"/>
+              <a:buFont typeface="Arial" panose="020B0604020202020204"/>
               <a:defRPr sz="1400" b="0" i="0" u="none" strike="noStrike" cap="none">
                 <a:solidFill>
                   <a:srgbClr val="000000"/>
                 </a:solidFill>
-                <a:latin typeface="Arial"/>
-                <a:ea typeface="Arial"/>
-                <a:cs typeface="Arial"/>
-                <a:sym typeface="Arial"/>
+                <a:latin typeface="Arial" panose="020B0604020202020204"/>
+                <a:ea typeface="Arial" panose="020B0604020202020204"/>
+                <a:cs typeface="Arial" panose="020B0604020202020204"/>
+                <a:sym typeface="Arial" panose="020B0604020202020204"/>
               </a:defRPr>
             </a:lvl8pPr>
             <a:lvl9pPr marR="0" lvl="8" algn="l" rtl="0">
@@ -9799,15 +9574,15 @@
               <a:buClr>
                 <a:srgbClr val="000000"/>
               </a:buClr>
-              <a:buFont typeface="Arial"/>
+              <a:buFont typeface="Arial" panose="020B0604020202020204"/>
               <a:defRPr sz="1400" b="0" i="0" u="none" strike="noStrike" cap="none">
                 <a:solidFill>
                   <a:srgbClr val="000000"/>
                 </a:solidFill>
-                <a:latin typeface="Arial"/>
-                <a:ea typeface="Arial"/>
-                <a:cs typeface="Arial"/>
-                <a:sym typeface="Arial"/>
+                <a:latin typeface="Arial" panose="020B0604020202020204"/>
+                <a:ea typeface="Arial" panose="020B0604020202020204"/>
+                <a:cs typeface="Arial" panose="020B0604020202020204"/>
+                <a:sym typeface="Arial" panose="020B0604020202020204"/>
               </a:defRPr>
             </a:lvl9pPr>
           </a:lstStyle>
@@ -9816,6 +9591,7 @@
               <a:rPr lang="en-US" sz="2000" dirty="0"/>
               <a:t>Employee:</a:t>
             </a:r>
+            <a:endParaRPr lang="en-US" sz="2000" dirty="0"/>
           </a:p>
           <a:p>
             <a:pPr marL="342900" indent="-342900">
@@ -9834,7 +9610,18 @@
               <a:rPr lang="en-US" sz="2000" dirty="0" err="1"/>
               <a:t>nhập</a:t>
             </a:r>
-            <a:endParaRPr lang="en-US" sz="2000" dirty="0"/>
+            <a:endParaRPr lang="en-US" sz="2000" dirty="0" err="1"/>
+          </a:p>
+          <a:p>
+            <a:pPr marL="342900" indent="-342900">
+              <a:buFont typeface="Arial" panose="020B0604020202020204" pitchFamily="34" charset="0"/>
+              <a:buChar char="•"/>
+            </a:pPr>
+            <a:r>
+              <a:rPr lang="en-US" sz="2000" dirty="0" err="1"/>
+              <a:t>Theo dõi danh sách món ăn theo khung thời gian</a:t>
+            </a:r>
+            <a:endParaRPr lang="en-US" sz="2000" dirty="0" err="1"/>
           </a:p>
           <a:p>
             <a:pPr marL="342900" indent="-342900">
@@ -9939,15 +9726,13 @@
         </p:txBody>
       </p:sp>
     </p:spTree>
-    <p:extLst>
-      <p:ext uri="{BB962C8B-B14F-4D97-AF65-F5344CB8AC3E}">
-        <p14:creationId xmlns:p14="http://schemas.microsoft.com/office/powerpoint/2010/main" val="892729123"/>
-      </p:ext>
-    </p:extLst>
   </p:cSld>
   <p:clrMapOvr>
     <a:masterClrMapping/>
   </p:clrMapOvr>
+  <p:transition>
+    <p:fade thruBlk="1"/>
+  </p:transition>
 </p:sld>
 </file>
 
@@ -9974,13 +9759,7 @@
           <p:cNvGraphicFramePr>
             <a:graphicFrameLocks noGrp="1"/>
           </p:cNvGraphicFramePr>
-          <p:nvPr>
-            <p:extLst>
-              <p:ext uri="{D42A27DB-BD31-4B8C-83A1-F6EECF244321}">
-                <p14:modId xmlns:p14="http://schemas.microsoft.com/office/powerpoint/2010/main" val="3757169138"/>
-              </p:ext>
-            </p:extLst>
-          </p:nvPr>
+          <p:nvPr/>
         </p:nvGraphicFramePr>
         <p:xfrm>
           <a:off x="778256" y="755904"/>
@@ -9991,132 +9770,24 @@
             <a:tbl>
               <a:tblPr firstRow="1" firstCol="1" bandRow="1"/>
               <a:tblGrid>
-                <a:gridCol w="633114">
-                  <a:extLst>
-                    <a:ext uri="{9D8B030D-6E8A-4147-A177-3AD203B41FA5}">
-                      <a16:colId xmlns:a16="http://schemas.microsoft.com/office/drawing/2014/main" val="20000"/>
-                    </a:ext>
-                  </a:extLst>
-                </a:gridCol>
-                <a:gridCol w="225949">
-                  <a:extLst>
-                    <a:ext uri="{9D8B030D-6E8A-4147-A177-3AD203B41FA5}">
-                      <a16:colId xmlns:a16="http://schemas.microsoft.com/office/drawing/2014/main" val="20001"/>
-                    </a:ext>
-                  </a:extLst>
-                </a:gridCol>
-                <a:gridCol w="250672">
-                  <a:extLst>
-                    <a:ext uri="{9D8B030D-6E8A-4147-A177-3AD203B41FA5}">
-                      <a16:colId xmlns:a16="http://schemas.microsoft.com/office/drawing/2014/main" val="20002"/>
-                    </a:ext>
-                  </a:extLst>
-                </a:gridCol>
-                <a:gridCol w="282810">
-                  <a:extLst>
-                    <a:ext uri="{9D8B030D-6E8A-4147-A177-3AD203B41FA5}">
-                      <a16:colId xmlns:a16="http://schemas.microsoft.com/office/drawing/2014/main" val="20003"/>
-                    </a:ext>
-                  </a:extLst>
-                </a:gridCol>
-                <a:gridCol w="257099">
-                  <a:extLst>
-                    <a:ext uri="{9D8B030D-6E8A-4147-A177-3AD203B41FA5}">
-                      <a16:colId xmlns:a16="http://schemas.microsoft.com/office/drawing/2014/main" val="20004"/>
-                    </a:ext>
-                  </a:extLst>
-                </a:gridCol>
-                <a:gridCol w="263526">
-                  <a:extLst>
-                    <a:ext uri="{9D8B030D-6E8A-4147-A177-3AD203B41FA5}">
-                      <a16:colId xmlns:a16="http://schemas.microsoft.com/office/drawing/2014/main" val="20005"/>
-                    </a:ext>
-                  </a:extLst>
-                </a:gridCol>
-                <a:gridCol w="282810">
-                  <a:extLst>
-                    <a:ext uri="{9D8B030D-6E8A-4147-A177-3AD203B41FA5}">
-                      <a16:colId xmlns:a16="http://schemas.microsoft.com/office/drawing/2014/main" val="20006"/>
-                    </a:ext>
-                  </a:extLst>
-                </a:gridCol>
-                <a:gridCol w="334230">
-                  <a:extLst>
-                    <a:ext uri="{9D8B030D-6E8A-4147-A177-3AD203B41FA5}">
-                      <a16:colId xmlns:a16="http://schemas.microsoft.com/office/drawing/2014/main" val="20007"/>
-                    </a:ext>
-                  </a:extLst>
-                </a:gridCol>
-                <a:gridCol w="368287">
-                  <a:extLst>
-                    <a:ext uri="{9D8B030D-6E8A-4147-A177-3AD203B41FA5}">
-                      <a16:colId xmlns:a16="http://schemas.microsoft.com/office/drawing/2014/main" val="20008"/>
-                    </a:ext>
-                  </a:extLst>
-                </a:gridCol>
-                <a:gridCol w="312344">
-                  <a:extLst>
-                    <a:ext uri="{9D8B030D-6E8A-4147-A177-3AD203B41FA5}">
-                      <a16:colId xmlns:a16="http://schemas.microsoft.com/office/drawing/2014/main" val="20009"/>
-                    </a:ext>
-                  </a:extLst>
-                </a:gridCol>
-                <a:gridCol w="397000">
-                  <a:extLst>
-                    <a:ext uri="{9D8B030D-6E8A-4147-A177-3AD203B41FA5}">
-                      <a16:colId xmlns:a16="http://schemas.microsoft.com/office/drawing/2014/main" val="20010"/>
-                    </a:ext>
-                  </a:extLst>
-                </a:gridCol>
-                <a:gridCol w="397000">
-                  <a:extLst>
-                    <a:ext uri="{9D8B030D-6E8A-4147-A177-3AD203B41FA5}">
-                      <a16:colId xmlns:a16="http://schemas.microsoft.com/office/drawing/2014/main" val="20011"/>
-                    </a:ext>
-                  </a:extLst>
-                </a:gridCol>
-                <a:gridCol w="397000">
-                  <a:extLst>
-                    <a:ext uri="{9D8B030D-6E8A-4147-A177-3AD203B41FA5}">
-                      <a16:colId xmlns:a16="http://schemas.microsoft.com/office/drawing/2014/main" val="20012"/>
-                    </a:ext>
-                  </a:extLst>
-                </a:gridCol>
-                <a:gridCol w="397000">
-                  <a:extLst>
-                    <a:ext uri="{9D8B030D-6E8A-4147-A177-3AD203B41FA5}">
-                      <a16:colId xmlns:a16="http://schemas.microsoft.com/office/drawing/2014/main" val="20013"/>
-                    </a:ext>
-                  </a:extLst>
-                </a:gridCol>
-                <a:gridCol w="397000">
-                  <a:extLst>
-                    <a:ext uri="{9D8B030D-6E8A-4147-A177-3AD203B41FA5}">
-                      <a16:colId xmlns:a16="http://schemas.microsoft.com/office/drawing/2014/main" val="20014"/>
-                    </a:ext>
-                  </a:extLst>
-                </a:gridCol>
-                <a:gridCol w="397000">
-                  <a:extLst>
-                    <a:ext uri="{9D8B030D-6E8A-4147-A177-3AD203B41FA5}">
-                      <a16:colId xmlns:a16="http://schemas.microsoft.com/office/drawing/2014/main" val="20015"/>
-                    </a:ext>
-                  </a:extLst>
-                </a:gridCol>
-                <a:gridCol w="397000">
-                  <a:extLst>
-                    <a:ext uri="{9D8B030D-6E8A-4147-A177-3AD203B41FA5}">
-                      <a16:colId xmlns:a16="http://schemas.microsoft.com/office/drawing/2014/main" val="20016"/>
-                    </a:ext>
-                  </a:extLst>
-                </a:gridCol>
-                <a:gridCol w="404863">
-                  <a:extLst>
-                    <a:ext uri="{9D8B030D-6E8A-4147-A177-3AD203B41FA5}">
-                      <a16:colId xmlns:a16="http://schemas.microsoft.com/office/drawing/2014/main" val="20017"/>
-                    </a:ext>
-                  </a:extLst>
-                </a:gridCol>
+                <a:gridCol w="633114"/>
+                <a:gridCol w="225949"/>
+                <a:gridCol w="250672"/>
+                <a:gridCol w="282810"/>
+                <a:gridCol w="257099"/>
+                <a:gridCol w="263526"/>
+                <a:gridCol w="282810"/>
+                <a:gridCol w="334230"/>
+                <a:gridCol w="368287"/>
+                <a:gridCol w="312344"/>
+                <a:gridCol w="397000"/>
+                <a:gridCol w="397000"/>
+                <a:gridCol w="397000"/>
+                <a:gridCol w="397000"/>
+                <a:gridCol w="397000"/>
+                <a:gridCol w="397000"/>
+                <a:gridCol w="397000"/>
+                <a:gridCol w="404863"/>
               </a:tblGrid>
               <a:tr h="351536">
                 <a:tc>
@@ -10216,6 +9887,12 @@
                         </a:rPr>
                         <a:t>1</a:t>
                       </a:r>
+                      <a:endParaRPr lang="en-US" sz="1800" dirty="0">
+                        <a:effectLst/>
+                        <a:latin typeface="Calibri" panose="020F0502020204030204" pitchFamily="34" charset="0"/>
+                        <a:ea typeface="Calibri" panose="020F0502020204030204" pitchFamily="34" charset="0"/>
+                        <a:cs typeface="Times New Roman" panose="02020603050405020304" pitchFamily="18" charset="0"/>
+                      </a:endParaRPr>
                     </a:p>
                   </a:txBody>
                   <a:tcPr marL="51435" marR="51435" marT="0" marB="0">
@@ -10282,6 +9959,12 @@
                         </a:rPr>
                         <a:t>2</a:t>
                       </a:r>
+                      <a:endParaRPr lang="en-US" sz="1800" dirty="0">
+                        <a:effectLst/>
+                        <a:latin typeface="Calibri" panose="020F0502020204030204" pitchFamily="34" charset="0"/>
+                        <a:ea typeface="Calibri" panose="020F0502020204030204" pitchFamily="34" charset="0"/>
+                        <a:cs typeface="Times New Roman" panose="02020603050405020304" pitchFamily="18" charset="0"/>
+                      </a:endParaRPr>
                     </a:p>
                   </a:txBody>
                   <a:tcPr marL="51435" marR="51435" marT="0" marB="0">
@@ -10348,6 +10031,12 @@
                         </a:rPr>
                         <a:t>3</a:t>
                       </a:r>
+                      <a:endParaRPr lang="en-US" sz="1800" dirty="0">
+                        <a:effectLst/>
+                        <a:latin typeface="Calibri" panose="020F0502020204030204" pitchFamily="34" charset="0"/>
+                        <a:ea typeface="Calibri" panose="020F0502020204030204" pitchFamily="34" charset="0"/>
+                        <a:cs typeface="Times New Roman" panose="02020603050405020304" pitchFamily="18" charset="0"/>
+                      </a:endParaRPr>
                     </a:p>
                   </a:txBody>
                   <a:tcPr marL="51435" marR="51435" marT="0" marB="0">
@@ -10414,6 +10103,12 @@
                         </a:rPr>
                         <a:t>4</a:t>
                       </a:r>
+                      <a:endParaRPr lang="en-US" sz="1800" dirty="0">
+                        <a:effectLst/>
+                        <a:latin typeface="Calibri" panose="020F0502020204030204" pitchFamily="34" charset="0"/>
+                        <a:ea typeface="Calibri" panose="020F0502020204030204" pitchFamily="34" charset="0"/>
+                        <a:cs typeface="Times New Roman" panose="02020603050405020304" pitchFamily="18" charset="0"/>
+                      </a:endParaRPr>
                     </a:p>
                   </a:txBody>
                   <a:tcPr marL="51435" marR="51435" marT="0" marB="0">
@@ -10480,6 +10175,12 @@
                         </a:rPr>
                         <a:t>5</a:t>
                       </a:r>
+                      <a:endParaRPr lang="en-US" sz="1800" dirty="0">
+                        <a:effectLst/>
+                        <a:latin typeface="Calibri" panose="020F0502020204030204" pitchFamily="34" charset="0"/>
+                        <a:ea typeface="Calibri" panose="020F0502020204030204" pitchFamily="34" charset="0"/>
+                        <a:cs typeface="Times New Roman" panose="02020603050405020304" pitchFamily="18" charset="0"/>
+                      </a:endParaRPr>
                     </a:p>
                   </a:txBody>
                   <a:tcPr marL="51435" marR="51435" marT="0" marB="0">
@@ -10546,6 +10247,12 @@
                         </a:rPr>
                         <a:t>6</a:t>
                       </a:r>
+                      <a:endParaRPr lang="en-US" sz="1800" dirty="0">
+                        <a:effectLst/>
+                        <a:latin typeface="Calibri" panose="020F0502020204030204" pitchFamily="34" charset="0"/>
+                        <a:ea typeface="Calibri" panose="020F0502020204030204" pitchFamily="34" charset="0"/>
+                        <a:cs typeface="Times New Roman" panose="02020603050405020304" pitchFamily="18" charset="0"/>
+                      </a:endParaRPr>
                     </a:p>
                   </a:txBody>
                   <a:tcPr marL="51435" marR="51435" marT="0" marB="0">
@@ -10612,6 +10319,12 @@
                         </a:rPr>
                         <a:t>7</a:t>
                       </a:r>
+                      <a:endParaRPr lang="en-US" sz="1800" dirty="0">
+                        <a:effectLst/>
+                        <a:latin typeface="Calibri" panose="020F0502020204030204" pitchFamily="34" charset="0"/>
+                        <a:ea typeface="Calibri" panose="020F0502020204030204" pitchFamily="34" charset="0"/>
+                        <a:cs typeface="Times New Roman" panose="02020603050405020304" pitchFamily="18" charset="0"/>
+                      </a:endParaRPr>
                     </a:p>
                   </a:txBody>
                   <a:tcPr marL="51435" marR="51435" marT="0" marB="0">
@@ -10678,6 +10391,12 @@
                         </a:rPr>
                         <a:t>8</a:t>
                       </a:r>
+                      <a:endParaRPr lang="en-US" sz="1800" dirty="0">
+                        <a:effectLst/>
+                        <a:latin typeface="Calibri" panose="020F0502020204030204" pitchFamily="34" charset="0"/>
+                        <a:ea typeface="Calibri" panose="020F0502020204030204" pitchFamily="34" charset="0"/>
+                        <a:cs typeface="Times New Roman" panose="02020603050405020304" pitchFamily="18" charset="0"/>
+                      </a:endParaRPr>
                     </a:p>
                   </a:txBody>
                   <a:tcPr marL="51435" marR="51435" marT="0" marB="0">
@@ -10744,6 +10463,12 @@
                         </a:rPr>
                         <a:t>9</a:t>
                       </a:r>
+                      <a:endParaRPr lang="en-US" sz="1800" dirty="0">
+                        <a:effectLst/>
+                        <a:latin typeface="Calibri" panose="020F0502020204030204" pitchFamily="34" charset="0"/>
+                        <a:ea typeface="Calibri" panose="020F0502020204030204" pitchFamily="34" charset="0"/>
+                        <a:cs typeface="Times New Roman" panose="02020603050405020304" pitchFamily="18" charset="0"/>
+                      </a:endParaRPr>
                     </a:p>
                   </a:txBody>
                   <a:tcPr marL="51435" marR="51435" marT="0" marB="0">
@@ -10810,6 +10535,12 @@
                         </a:rPr>
                         <a:t>10</a:t>
                       </a:r>
+                      <a:endParaRPr lang="en-US" sz="1800" dirty="0">
+                        <a:effectLst/>
+                        <a:latin typeface="Calibri" panose="020F0502020204030204" pitchFamily="34" charset="0"/>
+                        <a:ea typeface="Calibri" panose="020F0502020204030204" pitchFamily="34" charset="0"/>
+                        <a:cs typeface="Times New Roman" panose="02020603050405020304" pitchFamily="18" charset="0"/>
+                      </a:endParaRPr>
                     </a:p>
                   </a:txBody>
                   <a:tcPr marL="51435" marR="51435" marT="0" marB="0">
@@ -10876,6 +10607,12 @@
                         </a:rPr>
                         <a:t>11</a:t>
                       </a:r>
+                      <a:endParaRPr lang="en-US" sz="1800" dirty="0">
+                        <a:effectLst/>
+                        <a:latin typeface="Calibri" panose="020F0502020204030204" pitchFamily="34" charset="0"/>
+                        <a:ea typeface="Calibri" panose="020F0502020204030204" pitchFamily="34" charset="0"/>
+                        <a:cs typeface="Times New Roman" panose="02020603050405020304" pitchFamily="18" charset="0"/>
+                      </a:endParaRPr>
                     </a:p>
                   </a:txBody>
                   <a:tcPr marL="51435" marR="51435" marT="0" marB="0">
@@ -10942,6 +10679,12 @@
                         </a:rPr>
                         <a:t>12</a:t>
                       </a:r>
+                      <a:endParaRPr lang="en-US" sz="1800" dirty="0">
+                        <a:effectLst/>
+                        <a:latin typeface="Calibri" panose="020F0502020204030204" pitchFamily="34" charset="0"/>
+                        <a:ea typeface="Calibri" panose="020F0502020204030204" pitchFamily="34" charset="0"/>
+                        <a:cs typeface="Times New Roman" panose="02020603050405020304" pitchFamily="18" charset="0"/>
+                      </a:endParaRPr>
                     </a:p>
                   </a:txBody>
                   <a:tcPr marL="51435" marR="51435" marT="0" marB="0">
@@ -11008,6 +10751,12 @@
                         </a:rPr>
                         <a:t>13</a:t>
                       </a:r>
+                      <a:endParaRPr lang="en-US" sz="1800" dirty="0">
+                        <a:effectLst/>
+                        <a:latin typeface="Calibri" panose="020F0502020204030204" pitchFamily="34" charset="0"/>
+                        <a:ea typeface="Calibri" panose="020F0502020204030204" pitchFamily="34" charset="0"/>
+                        <a:cs typeface="Times New Roman" panose="02020603050405020304" pitchFamily="18" charset="0"/>
+                      </a:endParaRPr>
                     </a:p>
                   </a:txBody>
                   <a:tcPr marL="51435" marR="51435" marT="0" marB="0">
@@ -11074,6 +10823,12 @@
                         </a:rPr>
                         <a:t>14</a:t>
                       </a:r>
+                      <a:endParaRPr lang="en-US" sz="1800" dirty="0">
+                        <a:effectLst/>
+                        <a:latin typeface="Calibri" panose="020F0502020204030204" pitchFamily="34" charset="0"/>
+                        <a:ea typeface="Calibri" panose="020F0502020204030204" pitchFamily="34" charset="0"/>
+                        <a:cs typeface="Times New Roman" panose="02020603050405020304" pitchFamily="18" charset="0"/>
+                      </a:endParaRPr>
                     </a:p>
                   </a:txBody>
                   <a:tcPr marL="51435" marR="51435" marT="0" marB="0">
@@ -11140,6 +10895,12 @@
                         </a:rPr>
                         <a:t>15</a:t>
                       </a:r>
+                      <a:endParaRPr lang="en-US" sz="1800" dirty="0">
+                        <a:effectLst/>
+                        <a:latin typeface="Calibri" panose="020F0502020204030204" pitchFamily="34" charset="0"/>
+                        <a:ea typeface="Calibri" panose="020F0502020204030204" pitchFamily="34" charset="0"/>
+                        <a:cs typeface="Times New Roman" panose="02020603050405020304" pitchFamily="18" charset="0"/>
+                      </a:endParaRPr>
                     </a:p>
                   </a:txBody>
                   <a:tcPr marL="51435" marR="51435" marT="0" marB="0">
@@ -11206,6 +10967,12 @@
                         </a:rPr>
                         <a:t>16</a:t>
                       </a:r>
+                      <a:endParaRPr lang="en-US" sz="1800" dirty="0">
+                        <a:effectLst/>
+                        <a:latin typeface="Calibri" panose="020F0502020204030204" pitchFamily="34" charset="0"/>
+                        <a:ea typeface="Calibri" panose="020F0502020204030204" pitchFamily="34" charset="0"/>
+                        <a:cs typeface="Times New Roman" panose="02020603050405020304" pitchFamily="18" charset="0"/>
+                      </a:endParaRPr>
                     </a:p>
                   </a:txBody>
                   <a:tcPr marL="51435" marR="51435" marT="0" marB="0">
@@ -11272,6 +11039,12 @@
                         </a:rPr>
                         <a:t>17</a:t>
                       </a:r>
+                      <a:endParaRPr lang="en-US" sz="1800" dirty="0">
+                        <a:effectLst/>
+                        <a:latin typeface="Calibri" panose="020F0502020204030204" pitchFamily="34" charset="0"/>
+                        <a:ea typeface="Calibri" panose="020F0502020204030204" pitchFamily="34" charset="0"/>
+                        <a:cs typeface="Times New Roman" panose="02020603050405020304" pitchFamily="18" charset="0"/>
+                      </a:endParaRPr>
                     </a:p>
                   </a:txBody>
                   <a:tcPr marL="51435" marR="51435" marT="0" marB="0">
@@ -11313,11 +11086,6 @@
                     </a:lnB>
                   </a:tcPr>
                 </a:tc>
-                <a:extLst>
-                  <a:ext uri="{0D108BD9-81ED-4DB2-BD59-A6C34878D82A}">
-                    <a16:rowId xmlns:a16="http://schemas.microsoft.com/office/drawing/2014/main" val="10000"/>
-                  </a:ext>
-                </a:extLst>
               </a:tr>
               <a:tr h="155055">
                 <a:tc>
@@ -11345,6 +11113,12 @@
                         </a:rPr>
                         <a:t> </a:t>
                       </a:r>
+                      <a:endParaRPr lang="en-US" sz="800">
+                        <a:effectLst/>
+                        <a:latin typeface="Calibri" panose="020F0502020204030204" pitchFamily="34" charset="0"/>
+                        <a:ea typeface="Calibri" panose="020F0502020204030204" pitchFamily="34" charset="0"/>
+                        <a:cs typeface="Times New Roman" panose="02020603050405020304" pitchFamily="18" charset="0"/>
+                      </a:endParaRPr>
                     </a:p>
                   </a:txBody>
                   <a:tcPr marL="51435" marR="51435" marT="0" marB="0">
@@ -11411,6 +11185,12 @@
                         </a:rPr>
                         <a:t> </a:t>
                       </a:r>
+                      <a:endParaRPr lang="en-US" sz="800">
+                        <a:effectLst/>
+                        <a:latin typeface="Calibri" panose="020F0502020204030204" pitchFamily="34" charset="0"/>
+                        <a:ea typeface="Calibri" panose="020F0502020204030204" pitchFamily="34" charset="0"/>
+                        <a:cs typeface="Times New Roman" panose="02020603050405020304" pitchFamily="18" charset="0"/>
+                      </a:endParaRPr>
                     </a:p>
                   </a:txBody>
                   <a:tcPr marL="51435" marR="51435" marT="0" marB="0">
@@ -11480,6 +11260,12 @@
                         </a:rPr>
                         <a:t> </a:t>
                       </a:r>
+                      <a:endParaRPr lang="en-US" sz="800">
+                        <a:effectLst/>
+                        <a:latin typeface="Calibri" panose="020F0502020204030204" pitchFamily="34" charset="0"/>
+                        <a:ea typeface="Calibri" panose="020F0502020204030204" pitchFamily="34" charset="0"/>
+                        <a:cs typeface="Times New Roman" panose="02020603050405020304" pitchFamily="18" charset="0"/>
+                      </a:endParaRPr>
                     </a:p>
                   </a:txBody>
                   <a:tcPr marL="51435" marR="51435" marT="0" marB="0">
@@ -11549,6 +11335,12 @@
                         </a:rPr>
                         <a:t> </a:t>
                       </a:r>
+                      <a:endParaRPr lang="en-US" sz="800">
+                        <a:effectLst/>
+                        <a:latin typeface="Calibri" panose="020F0502020204030204" pitchFamily="34" charset="0"/>
+                        <a:ea typeface="Calibri" panose="020F0502020204030204" pitchFamily="34" charset="0"/>
+                        <a:cs typeface="Times New Roman" panose="02020603050405020304" pitchFamily="18" charset="0"/>
+                      </a:endParaRPr>
                     </a:p>
                   </a:txBody>
                   <a:tcPr marL="51435" marR="51435" marT="0" marB="0">
@@ -11618,6 +11410,12 @@
                         </a:rPr>
                         <a:t> </a:t>
                       </a:r>
+                      <a:endParaRPr lang="en-US" sz="800">
+                        <a:effectLst/>
+                        <a:latin typeface="Calibri" panose="020F0502020204030204" pitchFamily="34" charset="0"/>
+                        <a:ea typeface="Calibri" panose="020F0502020204030204" pitchFamily="34" charset="0"/>
+                        <a:cs typeface="Times New Roman" panose="02020603050405020304" pitchFamily="18" charset="0"/>
+                      </a:endParaRPr>
                     </a:p>
                   </a:txBody>
                   <a:tcPr marL="51435" marR="51435" marT="0" marB="0">
@@ -11687,6 +11485,12 @@
                         </a:rPr>
                         <a:t> </a:t>
                       </a:r>
+                      <a:endParaRPr lang="en-US" sz="800">
+                        <a:effectLst/>
+                        <a:latin typeface="Calibri" panose="020F0502020204030204" pitchFamily="34" charset="0"/>
+                        <a:ea typeface="Calibri" panose="020F0502020204030204" pitchFamily="34" charset="0"/>
+                        <a:cs typeface="Times New Roman" panose="02020603050405020304" pitchFamily="18" charset="0"/>
+                      </a:endParaRPr>
                     </a:p>
                   </a:txBody>
                   <a:tcPr marL="51435" marR="51435" marT="0" marB="0">
@@ -11753,6 +11557,12 @@
                         </a:rPr>
                         <a:t> </a:t>
                       </a:r>
+                      <a:endParaRPr lang="en-US" sz="800">
+                        <a:effectLst/>
+                        <a:latin typeface="Calibri" panose="020F0502020204030204" pitchFamily="34" charset="0"/>
+                        <a:ea typeface="Calibri" panose="020F0502020204030204" pitchFamily="34" charset="0"/>
+                        <a:cs typeface="Times New Roman" panose="02020603050405020304" pitchFamily="18" charset="0"/>
+                      </a:endParaRPr>
                     </a:p>
                   </a:txBody>
                   <a:tcPr marL="51435" marR="51435" marT="0" marB="0">
@@ -11819,6 +11629,12 @@
                         </a:rPr>
                         <a:t> </a:t>
                       </a:r>
+                      <a:endParaRPr lang="en-US" sz="800">
+                        <a:effectLst/>
+                        <a:latin typeface="Calibri" panose="020F0502020204030204" pitchFamily="34" charset="0"/>
+                        <a:ea typeface="Calibri" panose="020F0502020204030204" pitchFamily="34" charset="0"/>
+                        <a:cs typeface="Times New Roman" panose="02020603050405020304" pitchFamily="18" charset="0"/>
+                      </a:endParaRPr>
                     </a:p>
                   </a:txBody>
                   <a:tcPr marL="51435" marR="51435" marT="0" marB="0">
@@ -11885,6 +11701,12 @@
                         </a:rPr>
                         <a:t> </a:t>
                       </a:r>
+                      <a:endParaRPr lang="en-US" sz="800">
+                        <a:effectLst/>
+                        <a:latin typeface="Calibri" panose="020F0502020204030204" pitchFamily="34" charset="0"/>
+                        <a:ea typeface="Calibri" panose="020F0502020204030204" pitchFamily="34" charset="0"/>
+                        <a:cs typeface="Times New Roman" panose="02020603050405020304" pitchFamily="18" charset="0"/>
+                      </a:endParaRPr>
                     </a:p>
                   </a:txBody>
                   <a:tcPr marL="51435" marR="51435" marT="0" marB="0">
@@ -11951,6 +11773,12 @@
                         </a:rPr>
                         <a:t> </a:t>
                       </a:r>
+                      <a:endParaRPr lang="en-US" sz="800">
+                        <a:effectLst/>
+                        <a:latin typeface="Calibri" panose="020F0502020204030204" pitchFamily="34" charset="0"/>
+                        <a:ea typeface="Calibri" panose="020F0502020204030204" pitchFamily="34" charset="0"/>
+                        <a:cs typeface="Times New Roman" panose="02020603050405020304" pitchFamily="18" charset="0"/>
+                      </a:endParaRPr>
                     </a:p>
                   </a:txBody>
                   <a:tcPr marL="51435" marR="51435" marT="0" marB="0">
@@ -12017,6 +11845,12 @@
                         </a:rPr>
                         <a:t> </a:t>
                       </a:r>
+                      <a:endParaRPr lang="en-US" sz="800">
+                        <a:effectLst/>
+                        <a:latin typeface="Calibri" panose="020F0502020204030204" pitchFamily="34" charset="0"/>
+                        <a:ea typeface="Calibri" panose="020F0502020204030204" pitchFamily="34" charset="0"/>
+                        <a:cs typeface="Times New Roman" panose="02020603050405020304" pitchFamily="18" charset="0"/>
+                      </a:endParaRPr>
                     </a:p>
                   </a:txBody>
                   <a:tcPr marL="51435" marR="51435" marT="0" marB="0">
@@ -12083,6 +11917,12 @@
                         </a:rPr>
                         <a:t> </a:t>
                       </a:r>
+                      <a:endParaRPr lang="en-US" sz="800">
+                        <a:effectLst/>
+                        <a:latin typeface="Calibri" panose="020F0502020204030204" pitchFamily="34" charset="0"/>
+                        <a:ea typeface="Calibri" panose="020F0502020204030204" pitchFamily="34" charset="0"/>
+                        <a:cs typeface="Times New Roman" panose="02020603050405020304" pitchFamily="18" charset="0"/>
+                      </a:endParaRPr>
                     </a:p>
                   </a:txBody>
                   <a:tcPr marL="51435" marR="51435" marT="0" marB="0">
@@ -12149,6 +11989,12 @@
                         </a:rPr>
                         <a:t> </a:t>
                       </a:r>
+                      <a:endParaRPr lang="en-US" sz="800">
+                        <a:effectLst/>
+                        <a:latin typeface="Calibri" panose="020F0502020204030204" pitchFamily="34" charset="0"/>
+                        <a:ea typeface="Calibri" panose="020F0502020204030204" pitchFamily="34" charset="0"/>
+                        <a:cs typeface="Times New Roman" panose="02020603050405020304" pitchFamily="18" charset="0"/>
+                      </a:endParaRPr>
                     </a:p>
                   </a:txBody>
                   <a:tcPr marL="51435" marR="51435" marT="0" marB="0">
@@ -12215,6 +12061,12 @@
                         </a:rPr>
                         <a:t> </a:t>
                       </a:r>
+                      <a:endParaRPr lang="en-US" sz="800">
+                        <a:effectLst/>
+                        <a:latin typeface="Calibri" panose="020F0502020204030204" pitchFamily="34" charset="0"/>
+                        <a:ea typeface="Calibri" panose="020F0502020204030204" pitchFamily="34" charset="0"/>
+                        <a:cs typeface="Times New Roman" panose="02020603050405020304" pitchFamily="18" charset="0"/>
+                      </a:endParaRPr>
                     </a:p>
                   </a:txBody>
                   <a:tcPr marL="51435" marR="51435" marT="0" marB="0">
@@ -12281,6 +12133,12 @@
                         </a:rPr>
                         <a:t> </a:t>
                       </a:r>
+                      <a:endParaRPr lang="en-US" sz="800">
+                        <a:effectLst/>
+                        <a:latin typeface="Calibri" panose="020F0502020204030204" pitchFamily="34" charset="0"/>
+                        <a:ea typeface="Calibri" panose="020F0502020204030204" pitchFamily="34" charset="0"/>
+                        <a:cs typeface="Times New Roman" panose="02020603050405020304" pitchFamily="18" charset="0"/>
+                      </a:endParaRPr>
                     </a:p>
                   </a:txBody>
                   <a:tcPr marL="51435" marR="51435" marT="0" marB="0">
@@ -12347,6 +12205,12 @@
                         </a:rPr>
                         <a:t> </a:t>
                       </a:r>
+                      <a:endParaRPr lang="en-US" sz="800">
+                        <a:effectLst/>
+                        <a:latin typeface="Calibri" panose="020F0502020204030204" pitchFamily="34" charset="0"/>
+                        <a:ea typeface="Calibri" panose="020F0502020204030204" pitchFamily="34" charset="0"/>
+                        <a:cs typeface="Times New Roman" panose="02020603050405020304" pitchFamily="18" charset="0"/>
+                      </a:endParaRPr>
                     </a:p>
                   </a:txBody>
                   <a:tcPr marL="51435" marR="51435" marT="0" marB="0">
@@ -12413,6 +12277,12 @@
                         </a:rPr>
                         <a:t> </a:t>
                       </a:r>
+                      <a:endParaRPr lang="en-US" sz="800">
+                        <a:effectLst/>
+                        <a:latin typeface="Calibri" panose="020F0502020204030204" pitchFamily="34" charset="0"/>
+                        <a:ea typeface="Calibri" panose="020F0502020204030204" pitchFamily="34" charset="0"/>
+                        <a:cs typeface="Times New Roman" panose="02020603050405020304" pitchFamily="18" charset="0"/>
+                      </a:endParaRPr>
                     </a:p>
                   </a:txBody>
                   <a:tcPr marL="51435" marR="51435" marT="0" marB="0">
@@ -12479,6 +12349,12 @@
                         </a:rPr>
                         <a:t> </a:t>
                       </a:r>
+                      <a:endParaRPr lang="en-US" sz="800">
+                        <a:effectLst/>
+                        <a:latin typeface="Calibri" panose="020F0502020204030204" pitchFamily="34" charset="0"/>
+                        <a:ea typeface="Calibri" panose="020F0502020204030204" pitchFamily="34" charset="0"/>
+                        <a:cs typeface="Times New Roman" panose="02020603050405020304" pitchFamily="18" charset="0"/>
+                      </a:endParaRPr>
                     </a:p>
                   </a:txBody>
                   <a:tcPr marL="51435" marR="51435" marT="0" marB="0">
@@ -12520,11 +12396,6 @@
                     </a:lnB>
                   </a:tcPr>
                 </a:tc>
-                <a:extLst>
-                  <a:ext uri="{0D108BD9-81ED-4DB2-BD59-A6C34878D82A}">
-                    <a16:rowId xmlns:a16="http://schemas.microsoft.com/office/drawing/2014/main" val="10001"/>
-                  </a:ext>
-                </a:extLst>
               </a:tr>
               <a:tr h="155055">
                 <a:tc>
@@ -12552,6 +12423,12 @@
                         </a:rPr>
                         <a:t> </a:t>
                       </a:r>
+                      <a:endParaRPr lang="en-US" sz="800">
+                        <a:effectLst/>
+                        <a:latin typeface="Calibri" panose="020F0502020204030204" pitchFamily="34" charset="0"/>
+                        <a:ea typeface="Calibri" panose="020F0502020204030204" pitchFamily="34" charset="0"/>
+                        <a:cs typeface="Times New Roman" panose="02020603050405020304" pitchFamily="18" charset="0"/>
+                      </a:endParaRPr>
                     </a:p>
                   </a:txBody>
                   <a:tcPr marL="51435" marR="51435" marT="0" marB="0">
@@ -12618,6 +12495,12 @@
                         </a:rPr>
                         <a:t> </a:t>
                       </a:r>
+                      <a:endParaRPr lang="en-US" sz="800">
+                        <a:effectLst/>
+                        <a:latin typeface="Calibri" panose="020F0502020204030204" pitchFamily="34" charset="0"/>
+                        <a:ea typeface="Calibri" panose="020F0502020204030204" pitchFamily="34" charset="0"/>
+                        <a:cs typeface="Times New Roman" panose="02020603050405020304" pitchFamily="18" charset="0"/>
+                      </a:endParaRPr>
                     </a:p>
                   </a:txBody>
                   <a:tcPr marL="51435" marR="51435" marT="0" marB="0">
@@ -12684,6 +12567,12 @@
                         </a:rPr>
                         <a:t> </a:t>
                       </a:r>
+                      <a:endParaRPr lang="en-US" sz="800">
+                        <a:effectLst/>
+                        <a:latin typeface="Calibri" panose="020F0502020204030204" pitchFamily="34" charset="0"/>
+                        <a:ea typeface="Calibri" panose="020F0502020204030204" pitchFamily="34" charset="0"/>
+                        <a:cs typeface="Times New Roman" panose="02020603050405020304" pitchFamily="18" charset="0"/>
+                      </a:endParaRPr>
                     </a:p>
                   </a:txBody>
                   <a:tcPr marL="51435" marR="51435" marT="0" marB="0">
@@ -12750,6 +12639,12 @@
                         </a:rPr>
                         <a:t> </a:t>
                       </a:r>
+                      <a:endParaRPr lang="en-US" sz="800">
+                        <a:effectLst/>
+                        <a:latin typeface="Calibri" panose="020F0502020204030204" pitchFamily="34" charset="0"/>
+                        <a:ea typeface="Calibri" panose="020F0502020204030204" pitchFamily="34" charset="0"/>
+                        <a:cs typeface="Times New Roman" panose="02020603050405020304" pitchFamily="18" charset="0"/>
+                      </a:endParaRPr>
                     </a:p>
                   </a:txBody>
                   <a:tcPr marL="51435" marR="51435" marT="0" marB="0">
@@ -12816,6 +12711,12 @@
                         </a:rPr>
                         <a:t> </a:t>
                       </a:r>
+                      <a:endParaRPr lang="en-US" sz="800">
+                        <a:effectLst/>
+                        <a:latin typeface="Calibri" panose="020F0502020204030204" pitchFamily="34" charset="0"/>
+                        <a:ea typeface="Calibri" panose="020F0502020204030204" pitchFamily="34" charset="0"/>
+                        <a:cs typeface="Times New Roman" panose="02020603050405020304" pitchFamily="18" charset="0"/>
+                      </a:endParaRPr>
                     </a:p>
                   </a:txBody>
                   <a:tcPr marL="51435" marR="51435" marT="0" marB="0">
@@ -12882,6 +12783,12 @@
                         </a:rPr>
                         <a:t> </a:t>
                       </a:r>
+                      <a:endParaRPr lang="en-US" sz="800">
+                        <a:effectLst/>
+                        <a:latin typeface="Calibri" panose="020F0502020204030204" pitchFamily="34" charset="0"/>
+                        <a:ea typeface="Calibri" panose="020F0502020204030204" pitchFamily="34" charset="0"/>
+                        <a:cs typeface="Times New Roman" panose="02020603050405020304" pitchFamily="18" charset="0"/>
+                      </a:endParaRPr>
                     </a:p>
                   </a:txBody>
                   <a:tcPr marL="51435" marR="51435" marT="0" marB="0">
@@ -12951,6 +12858,12 @@
                         </a:rPr>
                         <a:t> </a:t>
                       </a:r>
+                      <a:endParaRPr lang="en-US" sz="800">
+                        <a:effectLst/>
+                        <a:latin typeface="Calibri" panose="020F0502020204030204" pitchFamily="34" charset="0"/>
+                        <a:ea typeface="Calibri" panose="020F0502020204030204" pitchFamily="34" charset="0"/>
+                        <a:cs typeface="Times New Roman" panose="02020603050405020304" pitchFamily="18" charset="0"/>
+                      </a:endParaRPr>
                     </a:p>
                   </a:txBody>
                   <a:tcPr marL="51435" marR="51435" marT="0" marB="0">
@@ -13017,6 +12930,12 @@
                         </a:rPr>
                         <a:t> </a:t>
                       </a:r>
+                      <a:endParaRPr lang="en-US" sz="800">
+                        <a:effectLst/>
+                        <a:latin typeface="Calibri" panose="020F0502020204030204" pitchFamily="34" charset="0"/>
+                        <a:ea typeface="Calibri" panose="020F0502020204030204" pitchFamily="34" charset="0"/>
+                        <a:cs typeface="Times New Roman" panose="02020603050405020304" pitchFamily="18" charset="0"/>
+                      </a:endParaRPr>
                     </a:p>
                   </a:txBody>
                   <a:tcPr marL="51435" marR="51435" marT="0" marB="0">
@@ -13083,6 +13002,12 @@
                         </a:rPr>
                         <a:t> </a:t>
                       </a:r>
+                      <a:endParaRPr lang="en-US" sz="800">
+                        <a:effectLst/>
+                        <a:latin typeface="Calibri" panose="020F0502020204030204" pitchFamily="34" charset="0"/>
+                        <a:ea typeface="Calibri" panose="020F0502020204030204" pitchFamily="34" charset="0"/>
+                        <a:cs typeface="Times New Roman" panose="02020603050405020304" pitchFamily="18" charset="0"/>
+                      </a:endParaRPr>
                     </a:p>
                   </a:txBody>
                   <a:tcPr marL="51435" marR="51435" marT="0" marB="0">
@@ -13149,6 +13074,12 @@
                         </a:rPr>
                         <a:t> </a:t>
                       </a:r>
+                      <a:endParaRPr lang="en-US" sz="800">
+                        <a:effectLst/>
+                        <a:latin typeface="Calibri" panose="020F0502020204030204" pitchFamily="34" charset="0"/>
+                        <a:ea typeface="Calibri" panose="020F0502020204030204" pitchFamily="34" charset="0"/>
+                        <a:cs typeface="Times New Roman" panose="02020603050405020304" pitchFamily="18" charset="0"/>
+                      </a:endParaRPr>
                     </a:p>
                   </a:txBody>
                   <a:tcPr marL="51435" marR="51435" marT="0" marB="0">
@@ -13215,6 +13146,12 @@
                         </a:rPr>
                         <a:t> </a:t>
                       </a:r>
+                      <a:endParaRPr lang="en-US" sz="800">
+                        <a:effectLst/>
+                        <a:latin typeface="Calibri" panose="020F0502020204030204" pitchFamily="34" charset="0"/>
+                        <a:ea typeface="Calibri" panose="020F0502020204030204" pitchFamily="34" charset="0"/>
+                        <a:cs typeface="Times New Roman" panose="02020603050405020304" pitchFamily="18" charset="0"/>
+                      </a:endParaRPr>
                     </a:p>
                   </a:txBody>
                   <a:tcPr marL="51435" marR="51435" marT="0" marB="0">
@@ -13281,6 +13218,12 @@
                         </a:rPr>
                         <a:t> </a:t>
                       </a:r>
+                      <a:endParaRPr lang="en-US" sz="800">
+                        <a:effectLst/>
+                        <a:latin typeface="Calibri" panose="020F0502020204030204" pitchFamily="34" charset="0"/>
+                        <a:ea typeface="Calibri" panose="020F0502020204030204" pitchFamily="34" charset="0"/>
+                        <a:cs typeface="Times New Roman" panose="02020603050405020304" pitchFamily="18" charset="0"/>
+                      </a:endParaRPr>
                     </a:p>
                   </a:txBody>
                   <a:tcPr marL="51435" marR="51435" marT="0" marB="0">
@@ -13347,6 +13290,12 @@
                         </a:rPr>
                         <a:t> </a:t>
                       </a:r>
+                      <a:endParaRPr lang="en-US" sz="800">
+                        <a:effectLst/>
+                        <a:latin typeface="Calibri" panose="020F0502020204030204" pitchFamily="34" charset="0"/>
+                        <a:ea typeface="Calibri" panose="020F0502020204030204" pitchFamily="34" charset="0"/>
+                        <a:cs typeface="Times New Roman" panose="02020603050405020304" pitchFamily="18" charset="0"/>
+                      </a:endParaRPr>
                     </a:p>
                   </a:txBody>
                   <a:tcPr marL="51435" marR="51435" marT="0" marB="0">
@@ -13413,6 +13362,12 @@
                         </a:rPr>
                         <a:t> </a:t>
                       </a:r>
+                      <a:endParaRPr lang="en-US" sz="800">
+                        <a:effectLst/>
+                        <a:latin typeface="Calibri" panose="020F0502020204030204" pitchFamily="34" charset="0"/>
+                        <a:ea typeface="Calibri" panose="020F0502020204030204" pitchFamily="34" charset="0"/>
+                        <a:cs typeface="Times New Roman" panose="02020603050405020304" pitchFamily="18" charset="0"/>
+                      </a:endParaRPr>
                     </a:p>
                   </a:txBody>
                   <a:tcPr marL="51435" marR="51435" marT="0" marB="0">
@@ -13479,6 +13434,12 @@
                         </a:rPr>
                         <a:t> </a:t>
                       </a:r>
+                      <a:endParaRPr lang="en-US" sz="800">
+                        <a:effectLst/>
+                        <a:latin typeface="Calibri" panose="020F0502020204030204" pitchFamily="34" charset="0"/>
+                        <a:ea typeface="Calibri" panose="020F0502020204030204" pitchFamily="34" charset="0"/>
+                        <a:cs typeface="Times New Roman" panose="02020603050405020304" pitchFamily="18" charset="0"/>
+                      </a:endParaRPr>
                     </a:p>
                   </a:txBody>
                   <a:tcPr marL="51435" marR="51435" marT="0" marB="0">
@@ -13545,6 +13506,12 @@
                         </a:rPr>
                         <a:t> </a:t>
                       </a:r>
+                      <a:endParaRPr lang="en-US" sz="800">
+                        <a:effectLst/>
+                        <a:latin typeface="Calibri" panose="020F0502020204030204" pitchFamily="34" charset="0"/>
+                        <a:ea typeface="Calibri" panose="020F0502020204030204" pitchFamily="34" charset="0"/>
+                        <a:cs typeface="Times New Roman" panose="02020603050405020304" pitchFamily="18" charset="0"/>
+                      </a:endParaRPr>
                     </a:p>
                   </a:txBody>
                   <a:tcPr marL="51435" marR="51435" marT="0" marB="0">
@@ -13611,6 +13578,12 @@
                         </a:rPr>
                         <a:t> </a:t>
                       </a:r>
+                      <a:endParaRPr lang="en-US" sz="800">
+                        <a:effectLst/>
+                        <a:latin typeface="Calibri" panose="020F0502020204030204" pitchFamily="34" charset="0"/>
+                        <a:ea typeface="Calibri" panose="020F0502020204030204" pitchFamily="34" charset="0"/>
+                        <a:cs typeface="Times New Roman" panose="02020603050405020304" pitchFamily="18" charset="0"/>
+                      </a:endParaRPr>
                     </a:p>
                   </a:txBody>
                   <a:tcPr marL="51435" marR="51435" marT="0" marB="0">
@@ -13677,6 +13650,12 @@
                         </a:rPr>
                         <a:t> </a:t>
                       </a:r>
+                      <a:endParaRPr lang="en-US" sz="800">
+                        <a:effectLst/>
+                        <a:latin typeface="Calibri" panose="020F0502020204030204" pitchFamily="34" charset="0"/>
+                        <a:ea typeface="Calibri" panose="020F0502020204030204" pitchFamily="34" charset="0"/>
+                        <a:cs typeface="Times New Roman" panose="02020603050405020304" pitchFamily="18" charset="0"/>
+                      </a:endParaRPr>
                     </a:p>
                   </a:txBody>
                   <a:tcPr marL="51435" marR="51435" marT="0" marB="0">
@@ -13718,11 +13697,6 @@
                     </a:lnB>
                   </a:tcPr>
                 </a:tc>
-                <a:extLst>
-                  <a:ext uri="{0D108BD9-81ED-4DB2-BD59-A6C34878D82A}">
-                    <a16:rowId xmlns:a16="http://schemas.microsoft.com/office/drawing/2014/main" val="10002"/>
-                  </a:ext>
-                </a:extLst>
               </a:tr>
               <a:tr h="155055">
                 <a:tc>
@@ -13750,6 +13724,12 @@
                         </a:rPr>
                         <a:t> </a:t>
                       </a:r>
+                      <a:endParaRPr lang="en-US" sz="800">
+                        <a:effectLst/>
+                        <a:latin typeface="Calibri" panose="020F0502020204030204" pitchFamily="34" charset="0"/>
+                        <a:ea typeface="Calibri" panose="020F0502020204030204" pitchFamily="34" charset="0"/>
+                        <a:cs typeface="Times New Roman" panose="02020603050405020304" pitchFamily="18" charset="0"/>
+                      </a:endParaRPr>
                     </a:p>
                   </a:txBody>
                   <a:tcPr marL="51435" marR="51435" marT="0" marB="0">
@@ -13816,6 +13796,12 @@
                         </a:rPr>
                         <a:t> </a:t>
                       </a:r>
+                      <a:endParaRPr lang="en-US" sz="800">
+                        <a:effectLst/>
+                        <a:latin typeface="Calibri" panose="020F0502020204030204" pitchFamily="34" charset="0"/>
+                        <a:ea typeface="Calibri" panose="020F0502020204030204" pitchFamily="34" charset="0"/>
+                        <a:cs typeface="Times New Roman" panose="02020603050405020304" pitchFamily="18" charset="0"/>
+                      </a:endParaRPr>
                     </a:p>
                   </a:txBody>
                   <a:tcPr marL="51435" marR="51435" marT="0" marB="0">
@@ -13882,6 +13868,12 @@
                         </a:rPr>
                         <a:t> </a:t>
                       </a:r>
+                      <a:endParaRPr lang="en-US" sz="800">
+                        <a:effectLst/>
+                        <a:latin typeface="Calibri" panose="020F0502020204030204" pitchFamily="34" charset="0"/>
+                        <a:ea typeface="Calibri" panose="020F0502020204030204" pitchFamily="34" charset="0"/>
+                        <a:cs typeface="Times New Roman" panose="02020603050405020304" pitchFamily="18" charset="0"/>
+                      </a:endParaRPr>
                     </a:p>
                   </a:txBody>
                   <a:tcPr marL="51435" marR="51435" marT="0" marB="0">
@@ -13948,6 +13940,12 @@
                         </a:rPr>
                         <a:t> </a:t>
                       </a:r>
+                      <a:endParaRPr lang="en-US" sz="800">
+                        <a:effectLst/>
+                        <a:latin typeface="Calibri" panose="020F0502020204030204" pitchFamily="34" charset="0"/>
+                        <a:ea typeface="Calibri" panose="020F0502020204030204" pitchFamily="34" charset="0"/>
+                        <a:cs typeface="Times New Roman" panose="02020603050405020304" pitchFamily="18" charset="0"/>
+                      </a:endParaRPr>
                     </a:p>
                   </a:txBody>
                   <a:tcPr marL="51435" marR="51435" marT="0" marB="0">
@@ -14014,6 +14012,12 @@
                         </a:rPr>
                         <a:t> </a:t>
                       </a:r>
+                      <a:endParaRPr lang="en-US" sz="800">
+                        <a:effectLst/>
+                        <a:latin typeface="Calibri" panose="020F0502020204030204" pitchFamily="34" charset="0"/>
+                        <a:ea typeface="Calibri" panose="020F0502020204030204" pitchFamily="34" charset="0"/>
+                        <a:cs typeface="Times New Roman" panose="02020603050405020304" pitchFamily="18" charset="0"/>
+                      </a:endParaRPr>
                     </a:p>
                   </a:txBody>
                   <a:tcPr marL="51435" marR="51435" marT="0" marB="0">
@@ -14080,6 +14084,12 @@
                         </a:rPr>
                         <a:t> </a:t>
                       </a:r>
+                      <a:endParaRPr lang="en-US" sz="800">
+                        <a:effectLst/>
+                        <a:latin typeface="Calibri" panose="020F0502020204030204" pitchFamily="34" charset="0"/>
+                        <a:ea typeface="Calibri" panose="020F0502020204030204" pitchFamily="34" charset="0"/>
+                        <a:cs typeface="Times New Roman" panose="02020603050405020304" pitchFamily="18" charset="0"/>
+                      </a:endParaRPr>
                     </a:p>
                   </a:txBody>
                   <a:tcPr marL="51435" marR="51435" marT="0" marB="0">
@@ -14146,6 +14156,12 @@
                         </a:rPr>
                         <a:t> </a:t>
                       </a:r>
+                      <a:endParaRPr lang="en-US" sz="800">
+                        <a:effectLst/>
+                        <a:latin typeface="Calibri" panose="020F0502020204030204" pitchFamily="34" charset="0"/>
+                        <a:ea typeface="Calibri" panose="020F0502020204030204" pitchFamily="34" charset="0"/>
+                        <a:cs typeface="Times New Roman" panose="02020603050405020304" pitchFamily="18" charset="0"/>
+                      </a:endParaRPr>
                     </a:p>
                   </a:txBody>
                   <a:tcPr marL="51435" marR="51435" marT="0" marB="0">
@@ -14215,6 +14231,12 @@
                         </a:rPr>
                         <a:t> </a:t>
                       </a:r>
+                      <a:endParaRPr lang="en-US" sz="800">
+                        <a:effectLst/>
+                        <a:latin typeface="Calibri" panose="020F0502020204030204" pitchFamily="34" charset="0"/>
+                        <a:ea typeface="Calibri" panose="020F0502020204030204" pitchFamily="34" charset="0"/>
+                        <a:cs typeface="Times New Roman" panose="02020603050405020304" pitchFamily="18" charset="0"/>
+                      </a:endParaRPr>
                     </a:p>
                   </a:txBody>
                   <a:tcPr marL="51435" marR="51435" marT="0" marB="0">
@@ -14281,6 +14303,12 @@
                         </a:rPr>
                         <a:t> </a:t>
                       </a:r>
+                      <a:endParaRPr lang="en-US" sz="800">
+                        <a:effectLst/>
+                        <a:latin typeface="Calibri" panose="020F0502020204030204" pitchFamily="34" charset="0"/>
+                        <a:ea typeface="Calibri" panose="020F0502020204030204" pitchFamily="34" charset="0"/>
+                        <a:cs typeface="Times New Roman" panose="02020603050405020304" pitchFamily="18" charset="0"/>
+                      </a:endParaRPr>
                     </a:p>
                   </a:txBody>
                   <a:tcPr marL="51435" marR="51435" marT="0" marB="0">
@@ -14347,6 +14375,12 @@
                         </a:rPr>
                         <a:t> </a:t>
                       </a:r>
+                      <a:endParaRPr lang="en-US" sz="800">
+                        <a:effectLst/>
+                        <a:latin typeface="Calibri" panose="020F0502020204030204" pitchFamily="34" charset="0"/>
+                        <a:ea typeface="Calibri" panose="020F0502020204030204" pitchFamily="34" charset="0"/>
+                        <a:cs typeface="Times New Roman" panose="02020603050405020304" pitchFamily="18" charset="0"/>
+                      </a:endParaRPr>
                     </a:p>
                   </a:txBody>
                   <a:tcPr marL="51435" marR="51435" marT="0" marB="0">
@@ -14413,6 +14447,12 @@
                         </a:rPr>
                         <a:t> </a:t>
                       </a:r>
+                      <a:endParaRPr lang="en-US" sz="800">
+                        <a:effectLst/>
+                        <a:latin typeface="Calibri" panose="020F0502020204030204" pitchFamily="34" charset="0"/>
+                        <a:ea typeface="Calibri" panose="020F0502020204030204" pitchFamily="34" charset="0"/>
+                        <a:cs typeface="Times New Roman" panose="02020603050405020304" pitchFamily="18" charset="0"/>
+                      </a:endParaRPr>
                     </a:p>
                   </a:txBody>
                   <a:tcPr marL="51435" marR="51435" marT="0" marB="0">
@@ -14479,6 +14519,12 @@
                         </a:rPr>
                         <a:t> </a:t>
                       </a:r>
+                      <a:endParaRPr lang="en-US" sz="800">
+                        <a:effectLst/>
+                        <a:latin typeface="Calibri" panose="020F0502020204030204" pitchFamily="34" charset="0"/>
+                        <a:ea typeface="Calibri" panose="020F0502020204030204" pitchFamily="34" charset="0"/>
+                        <a:cs typeface="Times New Roman" panose="02020603050405020304" pitchFamily="18" charset="0"/>
+                      </a:endParaRPr>
                     </a:p>
                   </a:txBody>
                   <a:tcPr marL="51435" marR="51435" marT="0" marB="0">
@@ -14545,6 +14591,12 @@
                         </a:rPr>
                         <a:t> </a:t>
                       </a:r>
+                      <a:endParaRPr lang="en-US" sz="800">
+                        <a:effectLst/>
+                        <a:latin typeface="Calibri" panose="020F0502020204030204" pitchFamily="34" charset="0"/>
+                        <a:ea typeface="Calibri" panose="020F0502020204030204" pitchFamily="34" charset="0"/>
+                        <a:cs typeface="Times New Roman" panose="02020603050405020304" pitchFamily="18" charset="0"/>
+                      </a:endParaRPr>
                     </a:p>
                   </a:txBody>
                   <a:tcPr marL="51435" marR="51435" marT="0" marB="0">
@@ -14611,6 +14663,12 @@
                         </a:rPr>
                         <a:t> </a:t>
                       </a:r>
+                      <a:endParaRPr lang="en-US" sz="800">
+                        <a:effectLst/>
+                        <a:latin typeface="Calibri" panose="020F0502020204030204" pitchFamily="34" charset="0"/>
+                        <a:ea typeface="Calibri" panose="020F0502020204030204" pitchFamily="34" charset="0"/>
+                        <a:cs typeface="Times New Roman" panose="02020603050405020304" pitchFamily="18" charset="0"/>
+                      </a:endParaRPr>
                     </a:p>
                   </a:txBody>
                   <a:tcPr marL="51435" marR="51435" marT="0" marB="0">
@@ -14677,6 +14735,12 @@
                         </a:rPr>
                         <a:t> </a:t>
                       </a:r>
+                      <a:endParaRPr lang="en-US" sz="800">
+                        <a:effectLst/>
+                        <a:latin typeface="Calibri" panose="020F0502020204030204" pitchFamily="34" charset="0"/>
+                        <a:ea typeface="Calibri" panose="020F0502020204030204" pitchFamily="34" charset="0"/>
+                        <a:cs typeface="Times New Roman" panose="02020603050405020304" pitchFamily="18" charset="0"/>
+                      </a:endParaRPr>
                     </a:p>
                   </a:txBody>
                   <a:tcPr marL="51435" marR="51435" marT="0" marB="0">
@@ -14743,6 +14807,12 @@
                         </a:rPr>
                         <a:t> </a:t>
                       </a:r>
+                      <a:endParaRPr lang="en-US" sz="800">
+                        <a:effectLst/>
+                        <a:latin typeface="Calibri" panose="020F0502020204030204" pitchFamily="34" charset="0"/>
+                        <a:ea typeface="Calibri" panose="020F0502020204030204" pitchFamily="34" charset="0"/>
+                        <a:cs typeface="Times New Roman" panose="02020603050405020304" pitchFamily="18" charset="0"/>
+                      </a:endParaRPr>
                     </a:p>
                   </a:txBody>
                   <a:tcPr marL="51435" marR="51435" marT="0" marB="0">
@@ -14809,6 +14879,12 @@
                         </a:rPr>
                         <a:t> </a:t>
                       </a:r>
+                      <a:endParaRPr lang="en-US" sz="800">
+                        <a:effectLst/>
+                        <a:latin typeface="Calibri" panose="020F0502020204030204" pitchFamily="34" charset="0"/>
+                        <a:ea typeface="Calibri" panose="020F0502020204030204" pitchFamily="34" charset="0"/>
+                        <a:cs typeface="Times New Roman" panose="02020603050405020304" pitchFamily="18" charset="0"/>
+                      </a:endParaRPr>
                     </a:p>
                   </a:txBody>
                   <a:tcPr marL="51435" marR="51435" marT="0" marB="0">
@@ -14875,6 +14951,12 @@
                         </a:rPr>
                         <a:t> </a:t>
                       </a:r>
+                      <a:endParaRPr lang="en-US" sz="800">
+                        <a:effectLst/>
+                        <a:latin typeface="Calibri" panose="020F0502020204030204" pitchFamily="34" charset="0"/>
+                        <a:ea typeface="Calibri" panose="020F0502020204030204" pitchFamily="34" charset="0"/>
+                        <a:cs typeface="Times New Roman" panose="02020603050405020304" pitchFamily="18" charset="0"/>
+                      </a:endParaRPr>
                     </a:p>
                   </a:txBody>
                   <a:tcPr marL="51435" marR="51435" marT="0" marB="0">
@@ -14916,11 +14998,6 @@
                     </a:lnB>
                   </a:tcPr>
                 </a:tc>
-                <a:extLst>
-                  <a:ext uri="{0D108BD9-81ED-4DB2-BD59-A6C34878D82A}">
-                    <a16:rowId xmlns:a16="http://schemas.microsoft.com/office/drawing/2014/main" val="10003"/>
-                  </a:ext>
-                </a:extLst>
               </a:tr>
               <a:tr h="147147">
                 <a:tc>
@@ -14948,6 +15025,12 @@
                         </a:rPr>
                         <a:t> </a:t>
                       </a:r>
+                      <a:endParaRPr lang="en-US" sz="800">
+                        <a:effectLst/>
+                        <a:latin typeface="Calibri" panose="020F0502020204030204" pitchFamily="34" charset="0"/>
+                        <a:ea typeface="Calibri" panose="020F0502020204030204" pitchFamily="34" charset="0"/>
+                        <a:cs typeface="Times New Roman" panose="02020603050405020304" pitchFamily="18" charset="0"/>
+                      </a:endParaRPr>
                     </a:p>
                   </a:txBody>
                   <a:tcPr marL="51435" marR="51435" marT="0" marB="0">
@@ -15014,6 +15097,12 @@
                         </a:rPr>
                         <a:t> </a:t>
                       </a:r>
+                      <a:endParaRPr lang="en-US" sz="800">
+                        <a:effectLst/>
+                        <a:latin typeface="Calibri" panose="020F0502020204030204" pitchFamily="34" charset="0"/>
+                        <a:ea typeface="Calibri" panose="020F0502020204030204" pitchFamily="34" charset="0"/>
+                        <a:cs typeface="Times New Roman" panose="02020603050405020304" pitchFamily="18" charset="0"/>
+                      </a:endParaRPr>
                     </a:p>
                   </a:txBody>
                   <a:tcPr marL="51435" marR="51435" marT="0" marB="0">
@@ -15080,6 +15169,12 @@
                         </a:rPr>
                         <a:t> </a:t>
                       </a:r>
+                      <a:endParaRPr lang="en-US" sz="800">
+                        <a:effectLst/>
+                        <a:latin typeface="Calibri" panose="020F0502020204030204" pitchFamily="34" charset="0"/>
+                        <a:ea typeface="Calibri" panose="020F0502020204030204" pitchFamily="34" charset="0"/>
+                        <a:cs typeface="Times New Roman" panose="02020603050405020304" pitchFamily="18" charset="0"/>
+                      </a:endParaRPr>
                     </a:p>
                   </a:txBody>
                   <a:tcPr marL="51435" marR="51435" marT="0" marB="0">
@@ -15146,6 +15241,12 @@
                         </a:rPr>
                         <a:t> </a:t>
                       </a:r>
+                      <a:endParaRPr lang="en-US" sz="800">
+                        <a:effectLst/>
+                        <a:latin typeface="Calibri" panose="020F0502020204030204" pitchFamily="34" charset="0"/>
+                        <a:ea typeface="Calibri" panose="020F0502020204030204" pitchFamily="34" charset="0"/>
+                        <a:cs typeface="Times New Roman" panose="02020603050405020304" pitchFamily="18" charset="0"/>
+                      </a:endParaRPr>
                     </a:p>
                   </a:txBody>
                   <a:tcPr marL="51435" marR="51435" marT="0" marB="0">
@@ -15212,6 +15313,12 @@
                         </a:rPr>
                         <a:t> </a:t>
                       </a:r>
+                      <a:endParaRPr lang="en-US" sz="800">
+                        <a:effectLst/>
+                        <a:latin typeface="Calibri" panose="020F0502020204030204" pitchFamily="34" charset="0"/>
+                        <a:ea typeface="Calibri" panose="020F0502020204030204" pitchFamily="34" charset="0"/>
+                        <a:cs typeface="Times New Roman" panose="02020603050405020304" pitchFamily="18" charset="0"/>
+                      </a:endParaRPr>
                     </a:p>
                   </a:txBody>
                   <a:tcPr marL="51435" marR="51435" marT="0" marB="0">
@@ -15278,6 +15385,12 @@
                         </a:rPr>
                         <a:t> </a:t>
                       </a:r>
+                      <a:endParaRPr lang="en-US" sz="800">
+                        <a:effectLst/>
+                        <a:latin typeface="Calibri" panose="020F0502020204030204" pitchFamily="34" charset="0"/>
+                        <a:ea typeface="Calibri" panose="020F0502020204030204" pitchFamily="34" charset="0"/>
+                        <a:cs typeface="Times New Roman" panose="02020603050405020304" pitchFamily="18" charset="0"/>
+                      </a:endParaRPr>
                     </a:p>
                   </a:txBody>
                   <a:tcPr marL="51435" marR="51435" marT="0" marB="0">
@@ -15344,6 +15457,12 @@
                         </a:rPr>
                         <a:t> </a:t>
                       </a:r>
+                      <a:endParaRPr lang="en-US" sz="800">
+                        <a:effectLst/>
+                        <a:latin typeface="Calibri" panose="020F0502020204030204" pitchFamily="34" charset="0"/>
+                        <a:ea typeface="Calibri" panose="020F0502020204030204" pitchFamily="34" charset="0"/>
+                        <a:cs typeface="Times New Roman" panose="02020603050405020304" pitchFamily="18" charset="0"/>
+                      </a:endParaRPr>
                     </a:p>
                   </a:txBody>
                   <a:tcPr marL="51435" marR="51435" marT="0" marB="0">
@@ -15410,6 +15529,12 @@
                         </a:rPr>
                         <a:t> </a:t>
                       </a:r>
+                      <a:endParaRPr lang="en-US" sz="800">
+                        <a:effectLst/>
+                        <a:latin typeface="Calibri" panose="020F0502020204030204" pitchFamily="34" charset="0"/>
+                        <a:ea typeface="Calibri" panose="020F0502020204030204" pitchFamily="34" charset="0"/>
+                        <a:cs typeface="Times New Roman" panose="02020603050405020304" pitchFamily="18" charset="0"/>
+                      </a:endParaRPr>
                     </a:p>
                   </a:txBody>
                   <a:tcPr marL="51435" marR="51435" marT="0" marB="0">
@@ -15479,6 +15604,12 @@
                         </a:rPr>
                         <a:t> </a:t>
                       </a:r>
+                      <a:endParaRPr lang="en-US" sz="800">
+                        <a:effectLst/>
+                        <a:latin typeface="Calibri" panose="020F0502020204030204" pitchFamily="34" charset="0"/>
+                        <a:ea typeface="Calibri" panose="020F0502020204030204" pitchFamily="34" charset="0"/>
+                        <a:cs typeface="Times New Roman" panose="02020603050405020304" pitchFamily="18" charset="0"/>
+                      </a:endParaRPr>
                     </a:p>
                   </a:txBody>
                   <a:tcPr marL="51435" marR="51435" marT="0" marB="0">
@@ -15548,6 +15679,12 @@
                         </a:rPr>
                         <a:t> </a:t>
                       </a:r>
+                      <a:endParaRPr lang="en-US" sz="800">
+                        <a:effectLst/>
+                        <a:latin typeface="Calibri" panose="020F0502020204030204" pitchFamily="34" charset="0"/>
+                        <a:ea typeface="Calibri" panose="020F0502020204030204" pitchFamily="34" charset="0"/>
+                        <a:cs typeface="Times New Roman" panose="02020603050405020304" pitchFamily="18" charset="0"/>
+                      </a:endParaRPr>
                     </a:p>
                   </a:txBody>
                   <a:tcPr marL="51435" marR="51435" marT="0" marB="0">
@@ -15617,6 +15754,12 @@
                         </a:rPr>
                         <a:t> </a:t>
                       </a:r>
+                      <a:endParaRPr lang="en-US" sz="800">
+                        <a:effectLst/>
+                        <a:latin typeface="Calibri" panose="020F0502020204030204" pitchFamily="34" charset="0"/>
+                        <a:ea typeface="Calibri" panose="020F0502020204030204" pitchFamily="34" charset="0"/>
+                        <a:cs typeface="Times New Roman" panose="02020603050405020304" pitchFamily="18" charset="0"/>
+                      </a:endParaRPr>
                     </a:p>
                   </a:txBody>
                   <a:tcPr marL="51435" marR="51435" marT="0" marB="0">
@@ -15683,6 +15826,12 @@
                         </a:rPr>
                         <a:t> </a:t>
                       </a:r>
+                      <a:endParaRPr lang="en-US" sz="800">
+                        <a:effectLst/>
+                        <a:latin typeface="Calibri" panose="020F0502020204030204" pitchFamily="34" charset="0"/>
+                        <a:ea typeface="Calibri" panose="020F0502020204030204" pitchFamily="34" charset="0"/>
+                        <a:cs typeface="Times New Roman" panose="02020603050405020304" pitchFamily="18" charset="0"/>
+                      </a:endParaRPr>
                     </a:p>
                   </a:txBody>
                   <a:tcPr marL="51435" marR="51435" marT="0" marB="0">
@@ -15749,6 +15898,12 @@
                         </a:rPr>
                         <a:t> </a:t>
                       </a:r>
+                      <a:endParaRPr lang="en-US" sz="800">
+                        <a:effectLst/>
+                        <a:latin typeface="Calibri" panose="020F0502020204030204" pitchFamily="34" charset="0"/>
+                        <a:ea typeface="Calibri" panose="020F0502020204030204" pitchFamily="34" charset="0"/>
+                        <a:cs typeface="Times New Roman" panose="02020603050405020304" pitchFamily="18" charset="0"/>
+                      </a:endParaRPr>
                     </a:p>
                   </a:txBody>
                   <a:tcPr marL="51435" marR="51435" marT="0" marB="0">
@@ -15815,6 +15970,12 @@
                         </a:rPr>
                         <a:t> </a:t>
                       </a:r>
+                      <a:endParaRPr lang="en-US" sz="800">
+                        <a:effectLst/>
+                        <a:latin typeface="Calibri" panose="020F0502020204030204" pitchFamily="34" charset="0"/>
+                        <a:ea typeface="Calibri" panose="020F0502020204030204" pitchFamily="34" charset="0"/>
+                        <a:cs typeface="Times New Roman" panose="02020603050405020304" pitchFamily="18" charset="0"/>
+                      </a:endParaRPr>
                     </a:p>
                   </a:txBody>
                   <a:tcPr marL="51435" marR="51435" marT="0" marB="0">
@@ -15881,6 +16042,12 @@
                         </a:rPr>
                         <a:t> </a:t>
                       </a:r>
+                      <a:endParaRPr lang="en-US" sz="800">
+                        <a:effectLst/>
+                        <a:latin typeface="Calibri" panose="020F0502020204030204" pitchFamily="34" charset="0"/>
+                        <a:ea typeface="Calibri" panose="020F0502020204030204" pitchFamily="34" charset="0"/>
+                        <a:cs typeface="Times New Roman" panose="02020603050405020304" pitchFamily="18" charset="0"/>
+                      </a:endParaRPr>
                     </a:p>
                   </a:txBody>
                   <a:tcPr marL="51435" marR="51435" marT="0" marB="0">
@@ -15947,6 +16114,12 @@
                         </a:rPr>
                         <a:t> </a:t>
                       </a:r>
+                      <a:endParaRPr lang="en-US" sz="800">
+                        <a:effectLst/>
+                        <a:latin typeface="Calibri" panose="020F0502020204030204" pitchFamily="34" charset="0"/>
+                        <a:ea typeface="Calibri" panose="020F0502020204030204" pitchFamily="34" charset="0"/>
+                        <a:cs typeface="Times New Roman" panose="02020603050405020304" pitchFamily="18" charset="0"/>
+                      </a:endParaRPr>
                     </a:p>
                   </a:txBody>
                   <a:tcPr marL="51435" marR="51435" marT="0" marB="0">
@@ -16013,6 +16186,12 @@
                         </a:rPr>
                         <a:t> </a:t>
                       </a:r>
+                      <a:endParaRPr lang="en-US" sz="800">
+                        <a:effectLst/>
+                        <a:latin typeface="Calibri" panose="020F0502020204030204" pitchFamily="34" charset="0"/>
+                        <a:ea typeface="Calibri" panose="020F0502020204030204" pitchFamily="34" charset="0"/>
+                        <a:cs typeface="Times New Roman" panose="02020603050405020304" pitchFamily="18" charset="0"/>
+                      </a:endParaRPr>
                     </a:p>
                   </a:txBody>
                   <a:tcPr marL="51435" marR="51435" marT="0" marB="0">
@@ -16079,6 +16258,12 @@
                         </a:rPr>
                         <a:t> </a:t>
                       </a:r>
+                      <a:endParaRPr lang="en-US" sz="800">
+                        <a:effectLst/>
+                        <a:latin typeface="Calibri" panose="020F0502020204030204" pitchFamily="34" charset="0"/>
+                        <a:ea typeface="Calibri" panose="020F0502020204030204" pitchFamily="34" charset="0"/>
+                        <a:cs typeface="Times New Roman" panose="02020603050405020304" pitchFamily="18" charset="0"/>
+                      </a:endParaRPr>
                     </a:p>
                   </a:txBody>
                   <a:tcPr marL="51435" marR="51435" marT="0" marB="0">
@@ -16120,11 +16305,6 @@
                     </a:lnB>
                   </a:tcPr>
                 </a:tc>
-                <a:extLst>
-                  <a:ext uri="{0D108BD9-81ED-4DB2-BD59-A6C34878D82A}">
-                    <a16:rowId xmlns:a16="http://schemas.microsoft.com/office/drawing/2014/main" val="10004"/>
-                  </a:ext>
-                </a:extLst>
               </a:tr>
               <a:tr h="155055">
                 <a:tc>
@@ -16152,6 +16332,12 @@
                         </a:rPr>
                         <a:t> </a:t>
                       </a:r>
+                      <a:endParaRPr lang="en-US" sz="800">
+                        <a:effectLst/>
+                        <a:latin typeface="Calibri" panose="020F0502020204030204" pitchFamily="34" charset="0"/>
+                        <a:ea typeface="Calibri" panose="020F0502020204030204" pitchFamily="34" charset="0"/>
+                        <a:cs typeface="Times New Roman" panose="02020603050405020304" pitchFamily="18" charset="0"/>
+                      </a:endParaRPr>
                     </a:p>
                   </a:txBody>
                   <a:tcPr marL="51435" marR="51435" marT="0" marB="0">
@@ -16218,6 +16404,12 @@
                         </a:rPr>
                         <a:t> </a:t>
                       </a:r>
+                      <a:endParaRPr lang="en-US" sz="800">
+                        <a:effectLst/>
+                        <a:latin typeface="Calibri" panose="020F0502020204030204" pitchFamily="34" charset="0"/>
+                        <a:ea typeface="Calibri" panose="020F0502020204030204" pitchFamily="34" charset="0"/>
+                        <a:cs typeface="Times New Roman" panose="02020603050405020304" pitchFamily="18" charset="0"/>
+                      </a:endParaRPr>
                     </a:p>
                   </a:txBody>
                   <a:tcPr marL="51435" marR="51435" marT="0" marB="0">
@@ -16284,6 +16476,12 @@
                         </a:rPr>
                         <a:t> </a:t>
                       </a:r>
+                      <a:endParaRPr lang="en-US" sz="800">
+                        <a:effectLst/>
+                        <a:latin typeface="Calibri" panose="020F0502020204030204" pitchFamily="34" charset="0"/>
+                        <a:ea typeface="Calibri" panose="020F0502020204030204" pitchFamily="34" charset="0"/>
+                        <a:cs typeface="Times New Roman" panose="02020603050405020304" pitchFamily="18" charset="0"/>
+                      </a:endParaRPr>
                     </a:p>
                   </a:txBody>
                   <a:tcPr marL="51435" marR="51435" marT="0" marB="0">
@@ -16350,6 +16548,12 @@
                         </a:rPr>
                         <a:t> </a:t>
                       </a:r>
+                      <a:endParaRPr lang="en-US" sz="800">
+                        <a:effectLst/>
+                        <a:latin typeface="Calibri" panose="020F0502020204030204" pitchFamily="34" charset="0"/>
+                        <a:ea typeface="Calibri" panose="020F0502020204030204" pitchFamily="34" charset="0"/>
+                        <a:cs typeface="Times New Roman" panose="02020603050405020304" pitchFamily="18" charset="0"/>
+                      </a:endParaRPr>
                     </a:p>
                   </a:txBody>
                   <a:tcPr marL="51435" marR="51435" marT="0" marB="0">
@@ -16416,6 +16620,12 @@
                         </a:rPr>
                         <a:t> </a:t>
                       </a:r>
+                      <a:endParaRPr lang="en-US" sz="800">
+                        <a:effectLst/>
+                        <a:latin typeface="Calibri" panose="020F0502020204030204" pitchFamily="34" charset="0"/>
+                        <a:ea typeface="Calibri" panose="020F0502020204030204" pitchFamily="34" charset="0"/>
+                        <a:cs typeface="Times New Roman" panose="02020603050405020304" pitchFamily="18" charset="0"/>
+                      </a:endParaRPr>
                     </a:p>
                   </a:txBody>
                   <a:tcPr marL="51435" marR="51435" marT="0" marB="0">
@@ -16482,6 +16692,12 @@
                         </a:rPr>
                         <a:t> </a:t>
                       </a:r>
+                      <a:endParaRPr lang="en-US" sz="800">
+                        <a:effectLst/>
+                        <a:latin typeface="Calibri" panose="020F0502020204030204" pitchFamily="34" charset="0"/>
+                        <a:ea typeface="Calibri" panose="020F0502020204030204" pitchFamily="34" charset="0"/>
+                        <a:cs typeface="Times New Roman" panose="02020603050405020304" pitchFamily="18" charset="0"/>
+                      </a:endParaRPr>
                     </a:p>
                   </a:txBody>
                   <a:tcPr marL="51435" marR="51435" marT="0" marB="0">
@@ -16548,6 +16764,12 @@
                         </a:rPr>
                         <a:t> </a:t>
                       </a:r>
+                      <a:endParaRPr lang="en-US" sz="800">
+                        <a:effectLst/>
+                        <a:latin typeface="Calibri" panose="020F0502020204030204" pitchFamily="34" charset="0"/>
+                        <a:ea typeface="Calibri" panose="020F0502020204030204" pitchFamily="34" charset="0"/>
+                        <a:cs typeface="Times New Roman" panose="02020603050405020304" pitchFamily="18" charset="0"/>
+                      </a:endParaRPr>
                     </a:p>
                   </a:txBody>
                   <a:tcPr marL="51435" marR="51435" marT="0" marB="0">
@@ -16614,6 +16836,12 @@
                         </a:rPr>
                         <a:t> </a:t>
                       </a:r>
+                      <a:endParaRPr lang="en-US" sz="800">
+                        <a:effectLst/>
+                        <a:latin typeface="Calibri" panose="020F0502020204030204" pitchFamily="34" charset="0"/>
+                        <a:ea typeface="Calibri" panose="020F0502020204030204" pitchFamily="34" charset="0"/>
+                        <a:cs typeface="Times New Roman" panose="02020603050405020304" pitchFamily="18" charset="0"/>
+                      </a:endParaRPr>
                     </a:p>
                   </a:txBody>
                   <a:tcPr marL="51435" marR="51435" marT="0" marB="0">
@@ -16680,6 +16908,12 @@
                         </a:rPr>
                         <a:t> </a:t>
                       </a:r>
+                      <a:endParaRPr lang="en-US" sz="800">
+                        <a:effectLst/>
+                        <a:latin typeface="Calibri" panose="020F0502020204030204" pitchFamily="34" charset="0"/>
+                        <a:ea typeface="Calibri" panose="020F0502020204030204" pitchFamily="34" charset="0"/>
+                        <a:cs typeface="Times New Roman" panose="02020603050405020304" pitchFamily="18" charset="0"/>
+                      </a:endParaRPr>
                     </a:p>
                   </a:txBody>
                   <a:tcPr marL="51435" marR="51435" marT="0" marB="0">
@@ -16746,6 +16980,12 @@
                         </a:rPr>
                         <a:t> </a:t>
                       </a:r>
+                      <a:endParaRPr lang="en-US" sz="800">
+                        <a:effectLst/>
+                        <a:latin typeface="Calibri" panose="020F0502020204030204" pitchFamily="34" charset="0"/>
+                        <a:ea typeface="Calibri" panose="020F0502020204030204" pitchFamily="34" charset="0"/>
+                        <a:cs typeface="Times New Roman" panose="02020603050405020304" pitchFamily="18" charset="0"/>
+                      </a:endParaRPr>
                     </a:p>
                   </a:txBody>
                   <a:tcPr marL="51435" marR="51435" marT="0" marB="0">
@@ -16812,6 +17052,12 @@
                         </a:rPr>
                         <a:t> </a:t>
                       </a:r>
+                      <a:endParaRPr lang="en-US" sz="800">
+                        <a:effectLst/>
+                        <a:latin typeface="Calibri" panose="020F0502020204030204" pitchFamily="34" charset="0"/>
+                        <a:ea typeface="Calibri" panose="020F0502020204030204" pitchFamily="34" charset="0"/>
+                        <a:cs typeface="Times New Roman" panose="02020603050405020304" pitchFamily="18" charset="0"/>
+                      </a:endParaRPr>
                     </a:p>
                   </a:txBody>
                   <a:tcPr marL="51435" marR="51435" marT="0" marB="0">
@@ -16881,6 +17127,12 @@
                         </a:rPr>
                         <a:t> </a:t>
                       </a:r>
+                      <a:endParaRPr lang="en-US" sz="800">
+                        <a:effectLst/>
+                        <a:latin typeface="Calibri" panose="020F0502020204030204" pitchFamily="34" charset="0"/>
+                        <a:ea typeface="Calibri" panose="020F0502020204030204" pitchFamily="34" charset="0"/>
+                        <a:cs typeface="Times New Roman" panose="02020603050405020304" pitchFamily="18" charset="0"/>
+                      </a:endParaRPr>
                     </a:p>
                   </a:txBody>
                   <a:tcPr marL="51435" marR="51435" marT="0" marB="0">
@@ -16950,6 +17202,12 @@
                         </a:rPr>
                         <a:t> </a:t>
                       </a:r>
+                      <a:endParaRPr lang="en-US" sz="800">
+                        <a:effectLst/>
+                        <a:latin typeface="Calibri" panose="020F0502020204030204" pitchFamily="34" charset="0"/>
+                        <a:ea typeface="Calibri" panose="020F0502020204030204" pitchFamily="34" charset="0"/>
+                        <a:cs typeface="Times New Roman" panose="02020603050405020304" pitchFamily="18" charset="0"/>
+                      </a:endParaRPr>
                     </a:p>
                   </a:txBody>
                   <a:tcPr marL="51435" marR="51435" marT="0" marB="0">
@@ -17019,6 +17277,12 @@
                         </a:rPr>
                         <a:t> </a:t>
                       </a:r>
+                      <a:endParaRPr lang="en-US" sz="800">
+                        <a:effectLst/>
+                        <a:latin typeface="Calibri" panose="020F0502020204030204" pitchFamily="34" charset="0"/>
+                        <a:ea typeface="Calibri" panose="020F0502020204030204" pitchFamily="34" charset="0"/>
+                        <a:cs typeface="Times New Roman" panose="02020603050405020304" pitchFamily="18" charset="0"/>
+                      </a:endParaRPr>
                     </a:p>
                   </a:txBody>
                   <a:tcPr marL="51435" marR="51435" marT="0" marB="0">
@@ -17085,6 +17349,12 @@
                         </a:rPr>
                         <a:t> </a:t>
                       </a:r>
+                      <a:endParaRPr lang="en-US" sz="800">
+                        <a:effectLst/>
+                        <a:latin typeface="Calibri" panose="020F0502020204030204" pitchFamily="34" charset="0"/>
+                        <a:ea typeface="Calibri" panose="020F0502020204030204" pitchFamily="34" charset="0"/>
+                        <a:cs typeface="Times New Roman" panose="02020603050405020304" pitchFamily="18" charset="0"/>
+                      </a:endParaRPr>
                     </a:p>
                   </a:txBody>
                   <a:tcPr marL="51435" marR="51435" marT="0" marB="0">
@@ -17151,6 +17421,12 @@
                         </a:rPr>
                         <a:t> </a:t>
                       </a:r>
+                      <a:endParaRPr lang="en-US" sz="800">
+                        <a:effectLst/>
+                        <a:latin typeface="Calibri" panose="020F0502020204030204" pitchFamily="34" charset="0"/>
+                        <a:ea typeface="Calibri" panose="020F0502020204030204" pitchFamily="34" charset="0"/>
+                        <a:cs typeface="Times New Roman" panose="02020603050405020304" pitchFamily="18" charset="0"/>
+                      </a:endParaRPr>
                     </a:p>
                   </a:txBody>
                   <a:tcPr marL="51435" marR="51435" marT="0" marB="0">
@@ -17217,6 +17493,12 @@
                         </a:rPr>
                         <a:t> </a:t>
                       </a:r>
+                      <a:endParaRPr lang="en-US" sz="800">
+                        <a:effectLst/>
+                        <a:latin typeface="Calibri" panose="020F0502020204030204" pitchFamily="34" charset="0"/>
+                        <a:ea typeface="Calibri" panose="020F0502020204030204" pitchFamily="34" charset="0"/>
+                        <a:cs typeface="Times New Roman" panose="02020603050405020304" pitchFamily="18" charset="0"/>
+                      </a:endParaRPr>
                     </a:p>
                   </a:txBody>
                   <a:tcPr marL="51435" marR="51435" marT="0" marB="0">
@@ -17283,6 +17565,12 @@
                         </a:rPr>
                         <a:t> </a:t>
                       </a:r>
+                      <a:endParaRPr lang="en-US" sz="800">
+                        <a:effectLst/>
+                        <a:latin typeface="Calibri" panose="020F0502020204030204" pitchFamily="34" charset="0"/>
+                        <a:ea typeface="Calibri" panose="020F0502020204030204" pitchFamily="34" charset="0"/>
+                        <a:cs typeface="Times New Roman" panose="02020603050405020304" pitchFamily="18" charset="0"/>
+                      </a:endParaRPr>
                     </a:p>
                   </a:txBody>
                   <a:tcPr marL="51435" marR="51435" marT="0" marB="0">
@@ -17324,11 +17612,6 @@
                     </a:lnB>
                   </a:tcPr>
                 </a:tc>
-                <a:extLst>
-                  <a:ext uri="{0D108BD9-81ED-4DB2-BD59-A6C34878D82A}">
-                    <a16:rowId xmlns:a16="http://schemas.microsoft.com/office/drawing/2014/main" val="10005"/>
-                  </a:ext>
-                </a:extLst>
               </a:tr>
               <a:tr h="155055">
                 <a:tc>
@@ -17356,6 +17639,12 @@
                         </a:rPr>
                         <a:t> </a:t>
                       </a:r>
+                      <a:endParaRPr lang="en-US" sz="800">
+                        <a:effectLst/>
+                        <a:latin typeface="Calibri" panose="020F0502020204030204" pitchFamily="34" charset="0"/>
+                        <a:ea typeface="Calibri" panose="020F0502020204030204" pitchFamily="34" charset="0"/>
+                        <a:cs typeface="Times New Roman" panose="02020603050405020304" pitchFamily="18" charset="0"/>
+                      </a:endParaRPr>
                     </a:p>
                   </a:txBody>
                   <a:tcPr marL="51435" marR="51435" marT="0" marB="0">
@@ -17422,6 +17711,12 @@
                         </a:rPr>
                         <a:t> </a:t>
                       </a:r>
+                      <a:endParaRPr lang="en-US" sz="800">
+                        <a:effectLst/>
+                        <a:latin typeface="Calibri" panose="020F0502020204030204" pitchFamily="34" charset="0"/>
+                        <a:ea typeface="Calibri" panose="020F0502020204030204" pitchFamily="34" charset="0"/>
+                        <a:cs typeface="Times New Roman" panose="02020603050405020304" pitchFamily="18" charset="0"/>
+                      </a:endParaRPr>
                     </a:p>
                   </a:txBody>
                   <a:tcPr marL="51435" marR="51435" marT="0" marB="0">
@@ -17488,6 +17783,12 @@
                         </a:rPr>
                         <a:t> </a:t>
                       </a:r>
+                      <a:endParaRPr lang="en-US" sz="800">
+                        <a:effectLst/>
+                        <a:latin typeface="Calibri" panose="020F0502020204030204" pitchFamily="34" charset="0"/>
+                        <a:ea typeface="Calibri" panose="020F0502020204030204" pitchFamily="34" charset="0"/>
+                        <a:cs typeface="Times New Roman" panose="02020603050405020304" pitchFamily="18" charset="0"/>
+                      </a:endParaRPr>
                     </a:p>
                   </a:txBody>
                   <a:tcPr marL="51435" marR="51435" marT="0" marB="0">
@@ -17554,6 +17855,12 @@
                         </a:rPr>
                         <a:t> </a:t>
                       </a:r>
+                      <a:endParaRPr lang="en-US" sz="800">
+                        <a:effectLst/>
+                        <a:latin typeface="Calibri" panose="020F0502020204030204" pitchFamily="34" charset="0"/>
+                        <a:ea typeface="Calibri" panose="020F0502020204030204" pitchFamily="34" charset="0"/>
+                        <a:cs typeface="Times New Roman" panose="02020603050405020304" pitchFamily="18" charset="0"/>
+                      </a:endParaRPr>
                     </a:p>
                   </a:txBody>
                   <a:tcPr marL="51435" marR="51435" marT="0" marB="0">
@@ -17620,6 +17927,12 @@
                         </a:rPr>
                         <a:t> </a:t>
                       </a:r>
+                      <a:endParaRPr lang="en-US" sz="800">
+                        <a:effectLst/>
+                        <a:latin typeface="Calibri" panose="020F0502020204030204" pitchFamily="34" charset="0"/>
+                        <a:ea typeface="Calibri" panose="020F0502020204030204" pitchFamily="34" charset="0"/>
+                        <a:cs typeface="Times New Roman" panose="02020603050405020304" pitchFamily="18" charset="0"/>
+                      </a:endParaRPr>
                     </a:p>
                   </a:txBody>
                   <a:tcPr marL="51435" marR="51435" marT="0" marB="0">
@@ -17686,6 +17999,12 @@
                         </a:rPr>
                         <a:t> </a:t>
                       </a:r>
+                      <a:endParaRPr lang="en-US" sz="800">
+                        <a:effectLst/>
+                        <a:latin typeface="Calibri" panose="020F0502020204030204" pitchFamily="34" charset="0"/>
+                        <a:ea typeface="Calibri" panose="020F0502020204030204" pitchFamily="34" charset="0"/>
+                        <a:cs typeface="Times New Roman" panose="02020603050405020304" pitchFamily="18" charset="0"/>
+                      </a:endParaRPr>
                     </a:p>
                   </a:txBody>
                   <a:tcPr marL="51435" marR="51435" marT="0" marB="0">
@@ -17752,6 +18071,12 @@
                         </a:rPr>
                         <a:t> </a:t>
                       </a:r>
+                      <a:endParaRPr lang="en-US" sz="800">
+                        <a:effectLst/>
+                        <a:latin typeface="Calibri" panose="020F0502020204030204" pitchFamily="34" charset="0"/>
+                        <a:ea typeface="Calibri" panose="020F0502020204030204" pitchFamily="34" charset="0"/>
+                        <a:cs typeface="Times New Roman" panose="02020603050405020304" pitchFamily="18" charset="0"/>
+                      </a:endParaRPr>
                     </a:p>
                   </a:txBody>
                   <a:tcPr marL="51435" marR="51435" marT="0" marB="0">
@@ -17818,6 +18143,12 @@
                         </a:rPr>
                         <a:t> </a:t>
                       </a:r>
+                      <a:endParaRPr lang="en-US" sz="800">
+                        <a:effectLst/>
+                        <a:latin typeface="Calibri" panose="020F0502020204030204" pitchFamily="34" charset="0"/>
+                        <a:ea typeface="Calibri" panose="020F0502020204030204" pitchFamily="34" charset="0"/>
+                        <a:cs typeface="Times New Roman" panose="02020603050405020304" pitchFamily="18" charset="0"/>
+                      </a:endParaRPr>
                     </a:p>
                   </a:txBody>
                   <a:tcPr marL="51435" marR="51435" marT="0" marB="0">
@@ -17884,6 +18215,12 @@
                         </a:rPr>
                         <a:t> </a:t>
                       </a:r>
+                      <a:endParaRPr lang="en-US" sz="800">
+                        <a:effectLst/>
+                        <a:latin typeface="Calibri" panose="020F0502020204030204" pitchFamily="34" charset="0"/>
+                        <a:ea typeface="Calibri" panose="020F0502020204030204" pitchFamily="34" charset="0"/>
+                        <a:cs typeface="Times New Roman" panose="02020603050405020304" pitchFamily="18" charset="0"/>
+                      </a:endParaRPr>
                     </a:p>
                   </a:txBody>
                   <a:tcPr marL="51435" marR="51435" marT="0" marB="0">
@@ -17950,6 +18287,12 @@
                         </a:rPr>
                         <a:t> </a:t>
                       </a:r>
+                      <a:endParaRPr lang="en-US" sz="800">
+                        <a:effectLst/>
+                        <a:latin typeface="Calibri" panose="020F0502020204030204" pitchFamily="34" charset="0"/>
+                        <a:ea typeface="Calibri" panose="020F0502020204030204" pitchFamily="34" charset="0"/>
+                        <a:cs typeface="Times New Roman" panose="02020603050405020304" pitchFamily="18" charset="0"/>
+                      </a:endParaRPr>
                     </a:p>
                   </a:txBody>
                   <a:tcPr marL="51435" marR="51435" marT="0" marB="0">
@@ -18016,6 +18359,12 @@
                         </a:rPr>
                         <a:t> </a:t>
                       </a:r>
+                      <a:endParaRPr lang="en-US" sz="800">
+                        <a:effectLst/>
+                        <a:latin typeface="Calibri" panose="020F0502020204030204" pitchFamily="34" charset="0"/>
+                        <a:ea typeface="Calibri" panose="020F0502020204030204" pitchFamily="34" charset="0"/>
+                        <a:cs typeface="Times New Roman" panose="02020603050405020304" pitchFamily="18" charset="0"/>
+                      </a:endParaRPr>
                     </a:p>
                   </a:txBody>
                   <a:tcPr marL="51435" marR="51435" marT="0" marB="0">
@@ -18082,6 +18431,12 @@
                         </a:rPr>
                         <a:t> </a:t>
                       </a:r>
+                      <a:endParaRPr lang="en-US" sz="800">
+                        <a:effectLst/>
+                        <a:latin typeface="Calibri" panose="020F0502020204030204" pitchFamily="34" charset="0"/>
+                        <a:ea typeface="Calibri" panose="020F0502020204030204" pitchFamily="34" charset="0"/>
+                        <a:cs typeface="Times New Roman" panose="02020603050405020304" pitchFamily="18" charset="0"/>
+                      </a:endParaRPr>
                     </a:p>
                   </a:txBody>
                   <a:tcPr marL="51435" marR="51435" marT="0" marB="0">
@@ -18148,6 +18503,12 @@
                         </a:rPr>
                         <a:t> </a:t>
                       </a:r>
+                      <a:endParaRPr lang="en-US" sz="800">
+                        <a:effectLst/>
+                        <a:latin typeface="Calibri" panose="020F0502020204030204" pitchFamily="34" charset="0"/>
+                        <a:ea typeface="Calibri" panose="020F0502020204030204" pitchFamily="34" charset="0"/>
+                        <a:cs typeface="Times New Roman" panose="02020603050405020304" pitchFamily="18" charset="0"/>
+                      </a:endParaRPr>
                     </a:p>
                   </a:txBody>
                   <a:tcPr marL="51435" marR="51435" marT="0" marB="0">
@@ -18214,6 +18575,12 @@
                         </a:rPr>
                         <a:t> </a:t>
                       </a:r>
+                      <a:endParaRPr lang="en-US" sz="800">
+                        <a:effectLst/>
+                        <a:latin typeface="Calibri" panose="020F0502020204030204" pitchFamily="34" charset="0"/>
+                        <a:ea typeface="Calibri" panose="020F0502020204030204" pitchFamily="34" charset="0"/>
+                        <a:cs typeface="Times New Roman" panose="02020603050405020304" pitchFamily="18" charset="0"/>
+                      </a:endParaRPr>
                     </a:p>
                   </a:txBody>
                   <a:tcPr marL="51435" marR="51435" marT="0" marB="0">
@@ -18283,6 +18650,12 @@
                         </a:rPr>
                         <a:t> </a:t>
                       </a:r>
+                      <a:endParaRPr lang="en-US" sz="800">
+                        <a:effectLst/>
+                        <a:latin typeface="Calibri" panose="020F0502020204030204" pitchFamily="34" charset="0"/>
+                        <a:ea typeface="Calibri" panose="020F0502020204030204" pitchFamily="34" charset="0"/>
+                        <a:cs typeface="Times New Roman" panose="02020603050405020304" pitchFamily="18" charset="0"/>
+                      </a:endParaRPr>
                     </a:p>
                   </a:txBody>
                   <a:tcPr marL="51435" marR="51435" marT="0" marB="0">
@@ -18352,6 +18725,12 @@
                         </a:rPr>
                         <a:t> </a:t>
                       </a:r>
+                      <a:endParaRPr lang="en-US" sz="800">
+                        <a:effectLst/>
+                        <a:latin typeface="Calibri" panose="020F0502020204030204" pitchFamily="34" charset="0"/>
+                        <a:ea typeface="Calibri" panose="020F0502020204030204" pitchFamily="34" charset="0"/>
+                        <a:cs typeface="Times New Roman" panose="02020603050405020304" pitchFamily="18" charset="0"/>
+                      </a:endParaRPr>
                     </a:p>
                   </a:txBody>
                   <a:tcPr marL="51435" marR="51435" marT="0" marB="0">
@@ -18421,6 +18800,12 @@
                         </a:rPr>
                         <a:t> </a:t>
                       </a:r>
+                      <a:endParaRPr lang="en-US" sz="800">
+                        <a:effectLst/>
+                        <a:latin typeface="Calibri" panose="020F0502020204030204" pitchFamily="34" charset="0"/>
+                        <a:ea typeface="Calibri" panose="020F0502020204030204" pitchFamily="34" charset="0"/>
+                        <a:cs typeface="Times New Roman" panose="02020603050405020304" pitchFamily="18" charset="0"/>
+                      </a:endParaRPr>
                     </a:p>
                   </a:txBody>
                   <a:tcPr marL="51435" marR="51435" marT="0" marB="0">
@@ -18490,6 +18875,12 @@
                         </a:rPr>
                         <a:t> </a:t>
                       </a:r>
+                      <a:endParaRPr lang="en-US" sz="800">
+                        <a:effectLst/>
+                        <a:latin typeface="Calibri" panose="020F0502020204030204" pitchFamily="34" charset="0"/>
+                        <a:ea typeface="Calibri" panose="020F0502020204030204" pitchFamily="34" charset="0"/>
+                        <a:cs typeface="Times New Roman" panose="02020603050405020304" pitchFamily="18" charset="0"/>
+                      </a:endParaRPr>
                     </a:p>
                   </a:txBody>
                   <a:tcPr marL="51435" marR="51435" marT="0" marB="0">
@@ -18531,11 +18922,6 @@
                     </a:lnB>
                   </a:tcPr>
                 </a:tc>
-                <a:extLst>
-                  <a:ext uri="{0D108BD9-81ED-4DB2-BD59-A6C34878D82A}">
-                    <a16:rowId xmlns:a16="http://schemas.microsoft.com/office/drawing/2014/main" val="10006"/>
-                  </a:ext>
-                </a:extLst>
               </a:tr>
               <a:tr h="155055">
                 <a:tc>
@@ -18563,6 +18949,12 @@
                         </a:rPr>
                         <a:t> </a:t>
                       </a:r>
+                      <a:endParaRPr lang="en-US" sz="800">
+                        <a:effectLst/>
+                        <a:latin typeface="Calibri" panose="020F0502020204030204" pitchFamily="34" charset="0"/>
+                        <a:ea typeface="Calibri" panose="020F0502020204030204" pitchFamily="34" charset="0"/>
+                        <a:cs typeface="Times New Roman" panose="02020603050405020304" pitchFamily="18" charset="0"/>
+                      </a:endParaRPr>
                     </a:p>
                   </a:txBody>
                   <a:tcPr marL="51435" marR="51435" marT="0" marB="0">
@@ -18629,6 +19021,12 @@
                         </a:rPr>
                         <a:t> </a:t>
                       </a:r>
+                      <a:endParaRPr lang="en-US" sz="800">
+                        <a:effectLst/>
+                        <a:latin typeface="Calibri" panose="020F0502020204030204" pitchFamily="34" charset="0"/>
+                        <a:ea typeface="Calibri" panose="020F0502020204030204" pitchFamily="34" charset="0"/>
+                        <a:cs typeface="Times New Roman" panose="02020603050405020304" pitchFamily="18" charset="0"/>
+                      </a:endParaRPr>
                     </a:p>
                   </a:txBody>
                   <a:tcPr marL="51435" marR="51435" marT="0" marB="0">
@@ -18695,6 +19093,12 @@
                         </a:rPr>
                         <a:t> </a:t>
                       </a:r>
+                      <a:endParaRPr lang="en-US" sz="800">
+                        <a:effectLst/>
+                        <a:latin typeface="Calibri" panose="020F0502020204030204" pitchFamily="34" charset="0"/>
+                        <a:ea typeface="Calibri" panose="020F0502020204030204" pitchFamily="34" charset="0"/>
+                        <a:cs typeface="Times New Roman" panose="02020603050405020304" pitchFamily="18" charset="0"/>
+                      </a:endParaRPr>
                     </a:p>
                   </a:txBody>
                   <a:tcPr marL="51435" marR="51435" marT="0" marB="0">
@@ -18761,6 +19165,12 @@
                         </a:rPr>
                         <a:t> </a:t>
                       </a:r>
+                      <a:endParaRPr lang="en-US" sz="800">
+                        <a:effectLst/>
+                        <a:latin typeface="Calibri" panose="020F0502020204030204" pitchFamily="34" charset="0"/>
+                        <a:ea typeface="Calibri" panose="020F0502020204030204" pitchFamily="34" charset="0"/>
+                        <a:cs typeface="Times New Roman" panose="02020603050405020304" pitchFamily="18" charset="0"/>
+                      </a:endParaRPr>
                     </a:p>
                   </a:txBody>
                   <a:tcPr marL="51435" marR="51435" marT="0" marB="0">
@@ -18827,6 +19237,12 @@
                         </a:rPr>
                         <a:t> </a:t>
                       </a:r>
+                      <a:endParaRPr lang="en-US" sz="800">
+                        <a:effectLst/>
+                        <a:latin typeface="Calibri" panose="020F0502020204030204" pitchFamily="34" charset="0"/>
+                        <a:ea typeface="Calibri" panose="020F0502020204030204" pitchFamily="34" charset="0"/>
+                        <a:cs typeface="Times New Roman" panose="02020603050405020304" pitchFamily="18" charset="0"/>
+                      </a:endParaRPr>
                     </a:p>
                   </a:txBody>
                   <a:tcPr marL="51435" marR="51435" marT="0" marB="0">
@@ -18893,6 +19309,12 @@
                         </a:rPr>
                         <a:t> </a:t>
                       </a:r>
+                      <a:endParaRPr lang="en-US" sz="800">
+                        <a:effectLst/>
+                        <a:latin typeface="Calibri" panose="020F0502020204030204" pitchFamily="34" charset="0"/>
+                        <a:ea typeface="Calibri" panose="020F0502020204030204" pitchFamily="34" charset="0"/>
+                        <a:cs typeface="Times New Roman" panose="02020603050405020304" pitchFamily="18" charset="0"/>
+                      </a:endParaRPr>
                     </a:p>
                   </a:txBody>
                   <a:tcPr marL="51435" marR="51435" marT="0" marB="0">
@@ -18959,6 +19381,12 @@
                         </a:rPr>
                         <a:t> </a:t>
                       </a:r>
+                      <a:endParaRPr lang="en-US" sz="800">
+                        <a:effectLst/>
+                        <a:latin typeface="Calibri" panose="020F0502020204030204" pitchFamily="34" charset="0"/>
+                        <a:ea typeface="Calibri" panose="020F0502020204030204" pitchFamily="34" charset="0"/>
+                        <a:cs typeface="Times New Roman" panose="02020603050405020304" pitchFamily="18" charset="0"/>
+                      </a:endParaRPr>
                     </a:p>
                   </a:txBody>
                   <a:tcPr marL="51435" marR="51435" marT="0" marB="0">
@@ -19025,6 +19453,12 @@
                         </a:rPr>
                         <a:t> </a:t>
                       </a:r>
+                      <a:endParaRPr lang="en-US" sz="800">
+                        <a:effectLst/>
+                        <a:latin typeface="Calibri" panose="020F0502020204030204" pitchFamily="34" charset="0"/>
+                        <a:ea typeface="Calibri" panose="020F0502020204030204" pitchFamily="34" charset="0"/>
+                        <a:cs typeface="Times New Roman" panose="02020603050405020304" pitchFamily="18" charset="0"/>
+                      </a:endParaRPr>
                     </a:p>
                   </a:txBody>
                   <a:tcPr marL="51435" marR="51435" marT="0" marB="0">
@@ -19091,6 +19525,12 @@
                         </a:rPr>
                         <a:t> </a:t>
                       </a:r>
+                      <a:endParaRPr lang="en-US" sz="800">
+                        <a:effectLst/>
+                        <a:latin typeface="Calibri" panose="020F0502020204030204" pitchFamily="34" charset="0"/>
+                        <a:ea typeface="Calibri" panose="020F0502020204030204" pitchFamily="34" charset="0"/>
+                        <a:cs typeface="Times New Roman" panose="02020603050405020304" pitchFamily="18" charset="0"/>
+                      </a:endParaRPr>
                     </a:p>
                   </a:txBody>
                   <a:tcPr marL="51435" marR="51435" marT="0" marB="0">
@@ -19157,6 +19597,12 @@
                         </a:rPr>
                         <a:t> </a:t>
                       </a:r>
+                      <a:endParaRPr lang="en-US" sz="800">
+                        <a:effectLst/>
+                        <a:latin typeface="Calibri" panose="020F0502020204030204" pitchFamily="34" charset="0"/>
+                        <a:ea typeface="Calibri" panose="020F0502020204030204" pitchFamily="34" charset="0"/>
+                        <a:cs typeface="Times New Roman" panose="02020603050405020304" pitchFamily="18" charset="0"/>
+                      </a:endParaRPr>
                     </a:p>
                   </a:txBody>
                   <a:tcPr marL="51435" marR="51435" marT="0" marB="0">
@@ -19223,6 +19669,12 @@
                         </a:rPr>
                         <a:t> </a:t>
                       </a:r>
+                      <a:endParaRPr lang="en-US" sz="800">
+                        <a:effectLst/>
+                        <a:latin typeface="Calibri" panose="020F0502020204030204" pitchFamily="34" charset="0"/>
+                        <a:ea typeface="Calibri" panose="020F0502020204030204" pitchFamily="34" charset="0"/>
+                        <a:cs typeface="Times New Roman" panose="02020603050405020304" pitchFamily="18" charset="0"/>
+                      </a:endParaRPr>
                     </a:p>
                   </a:txBody>
                   <a:tcPr marL="51435" marR="51435" marT="0" marB="0">
@@ -19289,6 +19741,12 @@
                         </a:rPr>
                         <a:t> </a:t>
                       </a:r>
+                      <a:endParaRPr lang="en-US" sz="800">
+                        <a:effectLst/>
+                        <a:latin typeface="Calibri" panose="020F0502020204030204" pitchFamily="34" charset="0"/>
+                        <a:ea typeface="Calibri" panose="020F0502020204030204" pitchFamily="34" charset="0"/>
+                        <a:cs typeface="Times New Roman" panose="02020603050405020304" pitchFamily="18" charset="0"/>
+                      </a:endParaRPr>
                     </a:p>
                   </a:txBody>
                   <a:tcPr marL="51435" marR="51435" marT="0" marB="0">
@@ -19355,6 +19813,12 @@
                         </a:rPr>
                         <a:t> </a:t>
                       </a:r>
+                      <a:endParaRPr lang="en-US" sz="800">
+                        <a:effectLst/>
+                        <a:latin typeface="Calibri" panose="020F0502020204030204" pitchFamily="34" charset="0"/>
+                        <a:ea typeface="Calibri" panose="020F0502020204030204" pitchFamily="34" charset="0"/>
+                        <a:cs typeface="Times New Roman" panose="02020603050405020304" pitchFamily="18" charset="0"/>
+                      </a:endParaRPr>
                     </a:p>
                   </a:txBody>
                   <a:tcPr marL="51435" marR="51435" marT="0" marB="0">
@@ -19421,6 +19885,12 @@
                         </a:rPr>
                         <a:t> </a:t>
                       </a:r>
+                      <a:endParaRPr lang="en-US" sz="800">
+                        <a:effectLst/>
+                        <a:latin typeface="Calibri" panose="020F0502020204030204" pitchFamily="34" charset="0"/>
+                        <a:ea typeface="Calibri" panose="020F0502020204030204" pitchFamily="34" charset="0"/>
+                        <a:cs typeface="Times New Roman" panose="02020603050405020304" pitchFamily="18" charset="0"/>
+                      </a:endParaRPr>
                     </a:p>
                   </a:txBody>
                   <a:tcPr marL="51435" marR="51435" marT="0" marB="0">
@@ -19487,6 +19957,12 @@
                         </a:rPr>
                         <a:t> </a:t>
                       </a:r>
+                      <a:endParaRPr lang="en-US" sz="800">
+                        <a:effectLst/>
+                        <a:latin typeface="Calibri" panose="020F0502020204030204" pitchFamily="34" charset="0"/>
+                        <a:ea typeface="Calibri" panose="020F0502020204030204" pitchFamily="34" charset="0"/>
+                        <a:cs typeface="Times New Roman" panose="02020603050405020304" pitchFamily="18" charset="0"/>
+                      </a:endParaRPr>
                     </a:p>
                   </a:txBody>
                   <a:tcPr marL="51435" marR="51435" marT="0" marB="0">
@@ -19556,6 +20032,12 @@
                         </a:rPr>
                         <a:t> </a:t>
                       </a:r>
+                      <a:endParaRPr lang="en-US" sz="800">
+                        <a:effectLst/>
+                        <a:latin typeface="Calibri" panose="020F0502020204030204" pitchFamily="34" charset="0"/>
+                        <a:ea typeface="Calibri" panose="020F0502020204030204" pitchFamily="34" charset="0"/>
+                        <a:cs typeface="Times New Roman" panose="02020603050405020304" pitchFamily="18" charset="0"/>
+                      </a:endParaRPr>
                     </a:p>
                   </a:txBody>
                   <a:tcPr marL="51435" marR="51435" marT="0" marB="0">
@@ -19625,6 +20107,12 @@
                         </a:rPr>
                         <a:t> </a:t>
                       </a:r>
+                      <a:endParaRPr lang="en-US" sz="800">
+                        <a:effectLst/>
+                        <a:latin typeface="Calibri" panose="020F0502020204030204" pitchFamily="34" charset="0"/>
+                        <a:ea typeface="Calibri" panose="020F0502020204030204" pitchFamily="34" charset="0"/>
+                        <a:cs typeface="Times New Roman" panose="02020603050405020304" pitchFamily="18" charset="0"/>
+                      </a:endParaRPr>
                     </a:p>
                   </a:txBody>
                   <a:tcPr marL="51435" marR="51435" marT="0" marB="0">
@@ -19694,6 +20182,12 @@
                         </a:rPr>
                         <a:t> </a:t>
                       </a:r>
+                      <a:endParaRPr lang="en-US" sz="800">
+                        <a:effectLst/>
+                        <a:latin typeface="Calibri" panose="020F0502020204030204" pitchFamily="34" charset="0"/>
+                        <a:ea typeface="Calibri" panose="020F0502020204030204" pitchFamily="34" charset="0"/>
+                        <a:cs typeface="Times New Roman" panose="02020603050405020304" pitchFamily="18" charset="0"/>
+                      </a:endParaRPr>
                     </a:p>
                   </a:txBody>
                   <a:tcPr marL="51435" marR="51435" marT="0" marB="0">
@@ -19735,11 +20229,6 @@
                     </a:lnB>
                   </a:tcPr>
                 </a:tc>
-                <a:extLst>
-                  <a:ext uri="{0D108BD9-81ED-4DB2-BD59-A6C34878D82A}">
-                    <a16:rowId xmlns:a16="http://schemas.microsoft.com/office/drawing/2014/main" val="10007"/>
-                  </a:ext>
-                </a:extLst>
               </a:tr>
               <a:tr h="155055">
                 <a:tc>
@@ -19767,6 +20256,12 @@
                         </a:rPr>
                         <a:t> </a:t>
                       </a:r>
+                      <a:endParaRPr lang="en-US" sz="800">
+                        <a:effectLst/>
+                        <a:latin typeface="Calibri" panose="020F0502020204030204" pitchFamily="34" charset="0"/>
+                        <a:ea typeface="Calibri" panose="020F0502020204030204" pitchFamily="34" charset="0"/>
+                        <a:cs typeface="Times New Roman" panose="02020603050405020304" pitchFamily="18" charset="0"/>
+                      </a:endParaRPr>
                     </a:p>
                   </a:txBody>
                   <a:tcPr marL="51435" marR="51435" marT="0" marB="0">
@@ -19833,6 +20328,12 @@
                         </a:rPr>
                         <a:t> </a:t>
                       </a:r>
+                      <a:endParaRPr lang="en-US" sz="800">
+                        <a:effectLst/>
+                        <a:latin typeface="Calibri" panose="020F0502020204030204" pitchFamily="34" charset="0"/>
+                        <a:ea typeface="Calibri" panose="020F0502020204030204" pitchFamily="34" charset="0"/>
+                        <a:cs typeface="Times New Roman" panose="02020603050405020304" pitchFamily="18" charset="0"/>
+                      </a:endParaRPr>
                     </a:p>
                   </a:txBody>
                   <a:tcPr marL="51435" marR="51435" marT="0" marB="0">
@@ -19899,6 +20400,12 @@
                         </a:rPr>
                         <a:t> </a:t>
                       </a:r>
+                      <a:endParaRPr lang="en-US" sz="800">
+                        <a:effectLst/>
+                        <a:latin typeface="Calibri" panose="020F0502020204030204" pitchFamily="34" charset="0"/>
+                        <a:ea typeface="Calibri" panose="020F0502020204030204" pitchFamily="34" charset="0"/>
+                        <a:cs typeface="Times New Roman" panose="02020603050405020304" pitchFamily="18" charset="0"/>
+                      </a:endParaRPr>
                     </a:p>
                   </a:txBody>
                   <a:tcPr marL="51435" marR="51435" marT="0" marB="0">
@@ -19965,6 +20472,12 @@
                         </a:rPr>
                         <a:t> </a:t>
                       </a:r>
+                      <a:endParaRPr lang="en-US" sz="800">
+                        <a:effectLst/>
+                        <a:latin typeface="Calibri" panose="020F0502020204030204" pitchFamily="34" charset="0"/>
+                        <a:ea typeface="Calibri" panose="020F0502020204030204" pitchFamily="34" charset="0"/>
+                        <a:cs typeface="Times New Roman" panose="02020603050405020304" pitchFamily="18" charset="0"/>
+                      </a:endParaRPr>
                     </a:p>
                   </a:txBody>
                   <a:tcPr marL="51435" marR="51435" marT="0" marB="0">
@@ -20031,6 +20544,12 @@
                         </a:rPr>
                         <a:t> </a:t>
                       </a:r>
+                      <a:endParaRPr lang="en-US" sz="800">
+                        <a:effectLst/>
+                        <a:latin typeface="Calibri" panose="020F0502020204030204" pitchFamily="34" charset="0"/>
+                        <a:ea typeface="Calibri" panose="020F0502020204030204" pitchFamily="34" charset="0"/>
+                        <a:cs typeface="Times New Roman" panose="02020603050405020304" pitchFamily="18" charset="0"/>
+                      </a:endParaRPr>
                     </a:p>
                   </a:txBody>
                   <a:tcPr marL="51435" marR="51435" marT="0" marB="0">
@@ -20097,6 +20616,12 @@
                         </a:rPr>
                         <a:t> </a:t>
                       </a:r>
+                      <a:endParaRPr lang="en-US" sz="800">
+                        <a:effectLst/>
+                        <a:latin typeface="Calibri" panose="020F0502020204030204" pitchFamily="34" charset="0"/>
+                        <a:ea typeface="Calibri" panose="020F0502020204030204" pitchFamily="34" charset="0"/>
+                        <a:cs typeface="Times New Roman" panose="02020603050405020304" pitchFamily="18" charset="0"/>
+                      </a:endParaRPr>
                     </a:p>
                   </a:txBody>
                   <a:tcPr marL="51435" marR="51435" marT="0" marB="0">
@@ -20163,6 +20688,12 @@
                         </a:rPr>
                         <a:t> </a:t>
                       </a:r>
+                      <a:endParaRPr lang="en-US" sz="800">
+                        <a:effectLst/>
+                        <a:latin typeface="Calibri" panose="020F0502020204030204" pitchFamily="34" charset="0"/>
+                        <a:ea typeface="Calibri" panose="020F0502020204030204" pitchFamily="34" charset="0"/>
+                        <a:cs typeface="Times New Roman" panose="02020603050405020304" pitchFamily="18" charset="0"/>
+                      </a:endParaRPr>
                     </a:p>
                   </a:txBody>
                   <a:tcPr marL="51435" marR="51435" marT="0" marB="0">
@@ -20229,6 +20760,12 @@
                         </a:rPr>
                         <a:t> </a:t>
                       </a:r>
+                      <a:endParaRPr lang="en-US" sz="800">
+                        <a:effectLst/>
+                        <a:latin typeface="Calibri" panose="020F0502020204030204" pitchFamily="34" charset="0"/>
+                        <a:ea typeface="Calibri" panose="020F0502020204030204" pitchFamily="34" charset="0"/>
+                        <a:cs typeface="Times New Roman" panose="02020603050405020304" pitchFamily="18" charset="0"/>
+                      </a:endParaRPr>
                     </a:p>
                   </a:txBody>
                   <a:tcPr marL="51435" marR="51435" marT="0" marB="0">
@@ -20295,6 +20832,12 @@
                         </a:rPr>
                         <a:t> </a:t>
                       </a:r>
+                      <a:endParaRPr lang="en-US" sz="800">
+                        <a:effectLst/>
+                        <a:latin typeface="Calibri" panose="020F0502020204030204" pitchFamily="34" charset="0"/>
+                        <a:ea typeface="Calibri" panose="020F0502020204030204" pitchFamily="34" charset="0"/>
+                        <a:cs typeface="Times New Roman" panose="02020603050405020304" pitchFamily="18" charset="0"/>
+                      </a:endParaRPr>
                     </a:p>
                   </a:txBody>
                   <a:tcPr marL="51435" marR="51435" marT="0" marB="0">
@@ -20361,6 +20904,12 @@
                         </a:rPr>
                         <a:t> </a:t>
                       </a:r>
+                      <a:endParaRPr lang="en-US" sz="800" dirty="0">
+                        <a:effectLst/>
+                        <a:latin typeface="Calibri" panose="020F0502020204030204" pitchFamily="34" charset="0"/>
+                        <a:ea typeface="Calibri" panose="020F0502020204030204" pitchFamily="34" charset="0"/>
+                        <a:cs typeface="Times New Roman" panose="02020603050405020304" pitchFamily="18" charset="0"/>
+                      </a:endParaRPr>
                     </a:p>
                   </a:txBody>
                   <a:tcPr marL="51435" marR="51435" marT="0" marB="0">
@@ -20427,6 +20976,12 @@
                         </a:rPr>
                         <a:t> </a:t>
                       </a:r>
+                      <a:endParaRPr lang="en-US" sz="800">
+                        <a:effectLst/>
+                        <a:latin typeface="Calibri" panose="020F0502020204030204" pitchFamily="34" charset="0"/>
+                        <a:ea typeface="Calibri" panose="020F0502020204030204" pitchFamily="34" charset="0"/>
+                        <a:cs typeface="Times New Roman" panose="02020603050405020304" pitchFamily="18" charset="0"/>
+                      </a:endParaRPr>
                     </a:p>
                   </a:txBody>
                   <a:tcPr marL="51435" marR="51435" marT="0" marB="0">
@@ -20493,6 +21048,12 @@
                         </a:rPr>
                         <a:t> </a:t>
                       </a:r>
+                      <a:endParaRPr lang="en-US" sz="800">
+                        <a:effectLst/>
+                        <a:latin typeface="Calibri" panose="020F0502020204030204" pitchFamily="34" charset="0"/>
+                        <a:ea typeface="Calibri" panose="020F0502020204030204" pitchFamily="34" charset="0"/>
+                        <a:cs typeface="Times New Roman" panose="02020603050405020304" pitchFamily="18" charset="0"/>
+                      </a:endParaRPr>
                     </a:p>
                   </a:txBody>
                   <a:tcPr marL="51435" marR="51435" marT="0" marB="0">
@@ -20559,6 +21120,12 @@
                         </a:rPr>
                         <a:t> </a:t>
                       </a:r>
+                      <a:endParaRPr lang="en-US" sz="800">
+                        <a:effectLst/>
+                        <a:latin typeface="Calibri" panose="020F0502020204030204" pitchFamily="34" charset="0"/>
+                        <a:ea typeface="Calibri" panose="020F0502020204030204" pitchFamily="34" charset="0"/>
+                        <a:cs typeface="Times New Roman" panose="02020603050405020304" pitchFamily="18" charset="0"/>
+                      </a:endParaRPr>
                     </a:p>
                   </a:txBody>
                   <a:tcPr marL="51435" marR="51435" marT="0" marB="0">
@@ -20625,6 +21192,12 @@
                         </a:rPr>
                         <a:t> </a:t>
                       </a:r>
+                      <a:endParaRPr lang="en-US" sz="800">
+                        <a:effectLst/>
+                        <a:latin typeface="Calibri" panose="020F0502020204030204" pitchFamily="34" charset="0"/>
+                        <a:ea typeface="Calibri" panose="020F0502020204030204" pitchFamily="34" charset="0"/>
+                        <a:cs typeface="Times New Roman" panose="02020603050405020304" pitchFamily="18" charset="0"/>
+                      </a:endParaRPr>
                     </a:p>
                   </a:txBody>
                   <a:tcPr marL="51435" marR="51435" marT="0" marB="0">
@@ -20691,6 +21264,12 @@
                         </a:rPr>
                         <a:t> </a:t>
                       </a:r>
+                      <a:endParaRPr lang="en-US" sz="800">
+                        <a:effectLst/>
+                        <a:latin typeface="Calibri" panose="020F0502020204030204" pitchFamily="34" charset="0"/>
+                        <a:ea typeface="Calibri" panose="020F0502020204030204" pitchFamily="34" charset="0"/>
+                        <a:cs typeface="Times New Roman" panose="02020603050405020304" pitchFamily="18" charset="0"/>
+                      </a:endParaRPr>
                     </a:p>
                   </a:txBody>
                   <a:tcPr marL="51435" marR="51435" marT="0" marB="0">
@@ -20757,6 +21336,12 @@
                         </a:rPr>
                         <a:t> </a:t>
                       </a:r>
+                      <a:endParaRPr lang="en-US" sz="800">
+                        <a:effectLst/>
+                        <a:latin typeface="Calibri" panose="020F0502020204030204" pitchFamily="34" charset="0"/>
+                        <a:ea typeface="Calibri" panose="020F0502020204030204" pitchFamily="34" charset="0"/>
+                        <a:cs typeface="Times New Roman" panose="02020603050405020304" pitchFamily="18" charset="0"/>
+                      </a:endParaRPr>
                     </a:p>
                   </a:txBody>
                   <a:tcPr marL="51435" marR="51435" marT="0" marB="0">
@@ -20823,6 +21408,12 @@
                         </a:rPr>
                         <a:t> </a:t>
                       </a:r>
+                      <a:endParaRPr lang="en-US" sz="800">
+                        <a:effectLst/>
+                        <a:latin typeface="Calibri" panose="020F0502020204030204" pitchFamily="34" charset="0"/>
+                        <a:ea typeface="Calibri" panose="020F0502020204030204" pitchFamily="34" charset="0"/>
+                        <a:cs typeface="Times New Roman" panose="02020603050405020304" pitchFamily="18" charset="0"/>
+                      </a:endParaRPr>
                     </a:p>
                   </a:txBody>
                   <a:tcPr marL="51435" marR="51435" marT="0" marB="0">
@@ -20889,6 +21480,12 @@
                         </a:rPr>
                         <a:t> </a:t>
                       </a:r>
+                      <a:endParaRPr lang="en-US" sz="800" dirty="0">
+                        <a:effectLst/>
+                        <a:latin typeface="Calibri" panose="020F0502020204030204" pitchFamily="34" charset="0"/>
+                        <a:ea typeface="Calibri" panose="020F0502020204030204" pitchFamily="34" charset="0"/>
+                        <a:cs typeface="Times New Roman" panose="02020603050405020304" pitchFamily="18" charset="0"/>
+                      </a:endParaRPr>
                     </a:p>
                   </a:txBody>
                   <a:tcPr marL="51435" marR="51435" marT="0" marB="0">
@@ -20933,11 +21530,6 @@
                     </a:solidFill>
                   </a:tcPr>
                 </a:tc>
-                <a:extLst>
-                  <a:ext uri="{0D108BD9-81ED-4DB2-BD59-A6C34878D82A}">
-                    <a16:rowId xmlns:a16="http://schemas.microsoft.com/office/drawing/2014/main" val="10008"/>
-                  </a:ext>
-                </a:extLst>
               </a:tr>
             </a:tbl>
           </a:graphicData>
@@ -20945,13 +21537,7 @@
       </p:graphicFrame>
       <p:sp>
         <p:nvSpPr>
-          <p:cNvPr id="2" name="TextBox 1">
-            <a:extLst>
-              <a:ext uri="{FF2B5EF4-FFF2-40B4-BE49-F238E27FC236}">
-                <a16:creationId xmlns:a16="http://schemas.microsoft.com/office/drawing/2014/main" id="{AD87718F-AF65-4A93-BB0C-AFDCF9925861}"/>
-              </a:ext>
-            </a:extLst>
-          </p:cNvPr>
+          <p:cNvPr id="2" name="TextBox 1"/>
           <p:cNvSpPr txBox="1"/>
           <p:nvPr/>
         </p:nvSpPr>
@@ -21010,20 +21596,14 @@
       </p:sp>
       <p:pic>
         <p:nvPicPr>
-          <p:cNvPr id="3" name="Picture 2">
-            <a:extLst>
-              <a:ext uri="{FF2B5EF4-FFF2-40B4-BE49-F238E27FC236}">
-                <a16:creationId xmlns:a16="http://schemas.microsoft.com/office/drawing/2014/main" id="{EA213125-7935-4BA7-B1BC-5F9D0715B33F}"/>
-              </a:ext>
-            </a:extLst>
-          </p:cNvPr>
+          <p:cNvPr id="3" name="Picture 2"/>
           <p:cNvPicPr>
             <a:picLocks noChangeAspect="1"/>
           </p:cNvPicPr>
           <p:nvPr/>
         </p:nvPicPr>
         <p:blipFill>
-          <a:blip r:embed="rId2"/>
+          <a:blip r:embed="rId1"/>
           <a:stretch>
             <a:fillRect/>
           </a:stretch>
@@ -21040,20 +21620,14 @@
       </p:pic>
       <p:pic>
         <p:nvPicPr>
-          <p:cNvPr id="41" name="Picture 40">
-            <a:extLst>
-              <a:ext uri="{FF2B5EF4-FFF2-40B4-BE49-F238E27FC236}">
-                <a16:creationId xmlns:a16="http://schemas.microsoft.com/office/drawing/2014/main" id="{6914678D-1CB1-4F9D-9256-EE4D548DC93E}"/>
-              </a:ext>
-            </a:extLst>
-          </p:cNvPr>
+          <p:cNvPr id="41" name="Picture 40"/>
           <p:cNvPicPr>
             <a:picLocks noChangeAspect="1"/>
           </p:cNvPicPr>
           <p:nvPr/>
         </p:nvPicPr>
         <p:blipFill>
-          <a:blip r:embed="rId3"/>
+          <a:blip r:embed="rId2"/>
           <a:stretch>
             <a:fillRect/>
           </a:stretch>
@@ -21069,15 +21643,13 @@
         </p:spPr>
       </p:pic>
     </p:spTree>
-    <p:extLst>
-      <p:ext uri="{BB962C8B-B14F-4D97-AF65-F5344CB8AC3E}">
-        <p14:creationId xmlns:p14="http://schemas.microsoft.com/office/powerpoint/2010/main" val="3584776541"/>
-      </p:ext>
-    </p:extLst>
   </p:cSld>
   <p:clrMapOvr>
     <a:masterClrMapping/>
   </p:clrMapOvr>
+  <p:transition>
+    <p:fade thruBlk="1"/>
+  </p:transition>
 </p:sld>
 </file>
 
@@ -21331,23 +21903,20 @@
               <a:buNone/>
             </a:pPr>
             <a:fld id="{00000000-1234-1234-1234-123412341234}" type="slidenum">
-              <a:rPr lang="en"/>
-              <a:t>13</a:t>
+              <a:rPr lang="en-GB"/>
             </a:fld>
             <a:endParaRPr dirty="0"/>
           </a:p>
         </p:txBody>
       </p:sp>
     </p:spTree>
-    <p:extLst>
-      <p:ext uri="{BB962C8B-B14F-4D97-AF65-F5344CB8AC3E}">
-        <p14:creationId xmlns:p14="http://schemas.microsoft.com/office/powerpoint/2010/main" val="2230400843"/>
-      </p:ext>
-    </p:extLst>
   </p:cSld>
   <p:clrMapOvr>
     <a:masterClrMapping/>
   </p:clrMapOvr>
+  <p:transition>
+    <p:fade thruBlk="1"/>
+  </p:transition>
 </p:sld>
 </file>
 
@@ -21370,13 +21939,7 @@
       </p:grpSpPr>
       <p:sp>
         <p:nvSpPr>
-          <p:cNvPr id="6146" name="Title 2">
-            <a:extLst>
-              <a:ext uri="{FF2B5EF4-FFF2-40B4-BE49-F238E27FC236}">
-                <a16:creationId xmlns:a16="http://schemas.microsoft.com/office/drawing/2014/main" id="{26B8BF4F-9C98-42A6-A405-0CBF76317443}"/>
-              </a:ext>
-            </a:extLst>
-          </p:cNvPr>
+          <p:cNvPr id="6146" name="Title 2"/>
           <p:cNvSpPr>
             <a:spLocks noGrp="1" noChangeArrowheads="1"/>
           </p:cNvSpPr>
@@ -21425,13 +21988,7 @@
       </p:sp>
       <p:sp>
         <p:nvSpPr>
-          <p:cNvPr id="6147" name="Text Placeholder 4">
-            <a:extLst>
-              <a:ext uri="{FF2B5EF4-FFF2-40B4-BE49-F238E27FC236}">
-                <a16:creationId xmlns:a16="http://schemas.microsoft.com/office/drawing/2014/main" id="{2F86EC69-FBF0-4C16-A27C-98DE1150CBCE}"/>
-              </a:ext>
-            </a:extLst>
-          </p:cNvPr>
+          <p:cNvPr id="6147" name="Text Placeholder 4"/>
           <p:cNvSpPr>
             <a:spLocks noGrp="1" noChangeArrowheads="1"/>
           </p:cNvSpPr>
@@ -21455,7 +22012,7 @@
             </a:pPr>
             <a:r>
               <a:rPr lang="en-US" altLang="en-US" sz="2100" dirty="0">
-                <a:hlinkClick r:id="rId2"/>
+                <a:hlinkClick r:id="rId1"/>
               </a:rPr>
               <a:t>https://play.google.com/store/apps/details?id=com.grab.food.pax&amp;hl=vi</a:t>
             </a:r>
@@ -21468,7 +22025,7 @@
             </a:pPr>
             <a:r>
               <a:rPr lang="en-US" altLang="en-US" sz="2100" dirty="0">
-                <a:hlinkClick r:id="rId3"/>
+                <a:hlinkClick r:id="rId2"/>
               </a:rPr>
               <a:t>https://www.oracle.com/technetwork/java/api-141528.html</a:t>
             </a:r>
@@ -21485,6 +22042,7 @@
               </a:rPr>
               <a:t>https://www.youtube.com/watch?v=k7x7Q3</a:t>
             </a:r>
+            <a:endParaRPr lang="en-US" altLang="en-US" sz="2100" dirty="0"/>
           </a:p>
           <a:p>
             <a:pPr marL="257175" indent="-257175">
@@ -21513,6 +22071,9 @@
   <p:clrMapOvr>
     <a:masterClrMapping/>
   </p:clrMapOvr>
+  <p:transition>
+    <p:fade thruBlk="1"/>
+  </p:transition>
 </p:sld>
 </file>
 
@@ -21564,8 +22125,7 @@
               <a:buNone/>
             </a:pPr>
             <a:fld id="{00000000-1234-1234-1234-123412341234}" type="slidenum">
-              <a:rPr lang="en"/>
-              <a:t>2</a:t>
+              <a:rPr lang="en-GB"/>
             </a:fld>
             <a:endParaRPr dirty="0"/>
           </a:p>
@@ -23560,13 +24120,7 @@
       </p:sp>
       <p:grpSp>
         <p:nvGrpSpPr>
-          <p:cNvPr id="19" name="Google Shape;557;p39">
-            <a:extLst>
-              <a:ext uri="{FF2B5EF4-FFF2-40B4-BE49-F238E27FC236}">
-                <a16:creationId xmlns:a16="http://schemas.microsoft.com/office/drawing/2014/main" id="{0BD7CF8D-378B-418D-88E1-1064D75C5501}"/>
-              </a:ext>
-            </a:extLst>
-          </p:cNvPr>
+          <p:cNvPr id="19" name="Google Shape;557;p39"/>
           <p:cNvGrpSpPr/>
           <p:nvPr/>
         </p:nvGrpSpPr>
@@ -23580,13 +24134,7 @@
         </p:grpSpPr>
         <p:sp>
           <p:nvSpPr>
-            <p:cNvPr id="20" name="Google Shape;558;p39">
-              <a:extLst>
-                <a:ext uri="{FF2B5EF4-FFF2-40B4-BE49-F238E27FC236}">
-                  <a16:creationId xmlns:a16="http://schemas.microsoft.com/office/drawing/2014/main" id="{6611EE6D-FD47-41D3-8F76-9353B843D629}"/>
-                </a:ext>
-              </a:extLst>
-            </p:cNvPr>
+            <p:cNvPr id="20" name="Google Shape;558;p39"/>
             <p:cNvSpPr/>
             <p:nvPr/>
           </p:nvSpPr>
@@ -24134,13 +24682,7 @@
         </p:sp>
         <p:sp>
           <p:nvSpPr>
-            <p:cNvPr id="21" name="Google Shape;559;p39">
-              <a:extLst>
-                <a:ext uri="{FF2B5EF4-FFF2-40B4-BE49-F238E27FC236}">
-                  <a16:creationId xmlns:a16="http://schemas.microsoft.com/office/drawing/2014/main" id="{BF42F5C5-0E6F-4D50-A546-E29C6C27858F}"/>
-                </a:ext>
-              </a:extLst>
-            </p:cNvPr>
+            <p:cNvPr id="21" name="Google Shape;559;p39"/>
             <p:cNvSpPr/>
             <p:nvPr/>
           </p:nvSpPr>
@@ -24275,13 +24817,7 @@
         </p:sp>
         <p:sp>
           <p:nvSpPr>
-            <p:cNvPr id="22" name="Google Shape;560;p39">
-              <a:extLst>
-                <a:ext uri="{FF2B5EF4-FFF2-40B4-BE49-F238E27FC236}">
-                  <a16:creationId xmlns:a16="http://schemas.microsoft.com/office/drawing/2014/main" id="{FB3EF7CC-BDBE-4F5F-ADD2-FAC10E667110}"/>
-                </a:ext>
-              </a:extLst>
-            </p:cNvPr>
+            <p:cNvPr id="22" name="Google Shape;560;p39"/>
             <p:cNvSpPr/>
             <p:nvPr/>
           </p:nvSpPr>
@@ -24422,13 +24958,7 @@
         </p:sp>
         <p:sp>
           <p:nvSpPr>
-            <p:cNvPr id="23" name="Google Shape;561;p39">
-              <a:extLst>
-                <a:ext uri="{FF2B5EF4-FFF2-40B4-BE49-F238E27FC236}">
-                  <a16:creationId xmlns:a16="http://schemas.microsoft.com/office/drawing/2014/main" id="{A3B3AA39-50BF-404A-8849-C5F85FBE590F}"/>
-                </a:ext>
-              </a:extLst>
-            </p:cNvPr>
+            <p:cNvPr id="23" name="Google Shape;561;p39"/>
             <p:cNvSpPr/>
             <p:nvPr/>
           </p:nvSpPr>
@@ -24561,13 +25091,7 @@
       </p:grpSp>
       <p:grpSp>
         <p:nvGrpSpPr>
-          <p:cNvPr id="24" name="Google Shape;402;p39">
-            <a:extLst>
-              <a:ext uri="{FF2B5EF4-FFF2-40B4-BE49-F238E27FC236}">
-                <a16:creationId xmlns:a16="http://schemas.microsoft.com/office/drawing/2014/main" id="{380F8EB8-E210-48EA-9CD3-E81367F6444A}"/>
-              </a:ext>
-            </a:extLst>
-          </p:cNvPr>
+          <p:cNvPr id="24" name="Google Shape;402;p39"/>
           <p:cNvGrpSpPr/>
           <p:nvPr/>
         </p:nvGrpSpPr>
@@ -24581,13 +25105,7 @@
         </p:grpSpPr>
         <p:sp>
           <p:nvSpPr>
-            <p:cNvPr id="25" name="Google Shape;403;p39">
-              <a:extLst>
-                <a:ext uri="{FF2B5EF4-FFF2-40B4-BE49-F238E27FC236}">
-                  <a16:creationId xmlns:a16="http://schemas.microsoft.com/office/drawing/2014/main" id="{321802FF-5E15-4B06-88F7-D9FC0E38FE47}"/>
-                </a:ext>
-              </a:extLst>
-            </p:cNvPr>
+            <p:cNvPr id="25" name="Google Shape;403;p39"/>
             <p:cNvSpPr/>
             <p:nvPr/>
           </p:nvSpPr>
@@ -25395,13 +25913,7 @@
         </p:sp>
         <p:sp>
           <p:nvSpPr>
-            <p:cNvPr id="26" name="Google Shape;404;p39">
-              <a:extLst>
-                <a:ext uri="{FF2B5EF4-FFF2-40B4-BE49-F238E27FC236}">
-                  <a16:creationId xmlns:a16="http://schemas.microsoft.com/office/drawing/2014/main" id="{8D7EEFBE-3918-4386-A9E2-D181AC1A1138}"/>
-                </a:ext>
-              </a:extLst>
-            </p:cNvPr>
+            <p:cNvPr id="26" name="Google Shape;404;p39"/>
             <p:cNvSpPr/>
             <p:nvPr/>
           </p:nvSpPr>
@@ -26204,13 +26716,7 @@
       </p:grpSp>
       <p:sp>
         <p:nvSpPr>
-          <p:cNvPr id="27" name="Google Shape;301;p32">
-            <a:extLst>
-              <a:ext uri="{FF2B5EF4-FFF2-40B4-BE49-F238E27FC236}">
-                <a16:creationId xmlns:a16="http://schemas.microsoft.com/office/drawing/2014/main" id="{D4792316-3235-45A2-8BEC-3E45AFD1BFE3}"/>
-              </a:ext>
-            </a:extLst>
-          </p:cNvPr>
+          <p:cNvPr id="27" name="Google Shape;301;p32"/>
           <p:cNvSpPr/>
           <p:nvPr/>
         </p:nvSpPr>
@@ -26899,6 +27405,9 @@
   <p:clrMapOvr>
     <a:masterClrMapping/>
   </p:clrMapOvr>
+  <p:transition>
+    <p:fade thruBlk="1"/>
+  </p:transition>
 </p:sld>
 </file>
 
@@ -26950,8 +27459,7 @@
               <a:buNone/>
             </a:pPr>
             <a:fld id="{00000000-1234-1234-1234-123412341234}" type="slidenum">
-              <a:rPr lang="en"/>
-              <a:t>3</a:t>
+              <a:rPr lang="en-GB"/>
             </a:fld>
             <a:endParaRPr dirty="0"/>
           </a:p>
@@ -27075,20 +27583,14 @@
       </p:sp>
       <p:pic>
         <p:nvPicPr>
-          <p:cNvPr id="4" name="Picture 3">
-            <a:extLst>
-              <a:ext uri="{FF2B5EF4-FFF2-40B4-BE49-F238E27FC236}">
-                <a16:creationId xmlns:a16="http://schemas.microsoft.com/office/drawing/2014/main" id="{4B55AEB1-EBCE-4E45-B54D-7A3A687F488D}"/>
-              </a:ext>
-            </a:extLst>
-          </p:cNvPr>
+          <p:cNvPr id="4" name="Picture 3"/>
           <p:cNvPicPr>
             <a:picLocks noChangeAspect="1"/>
           </p:cNvPicPr>
           <p:nvPr/>
         </p:nvPicPr>
         <p:blipFill>
-          <a:blip r:embed="rId3"/>
+          <a:blip r:embed="rId1"/>
           <a:stretch>
             <a:fillRect/>
           </a:stretch>
@@ -27105,20 +27607,14 @@
       </p:pic>
       <p:pic>
         <p:nvPicPr>
-          <p:cNvPr id="5" name="Picture 4">
-            <a:extLst>
-              <a:ext uri="{FF2B5EF4-FFF2-40B4-BE49-F238E27FC236}">
-                <a16:creationId xmlns:a16="http://schemas.microsoft.com/office/drawing/2014/main" id="{51CE34A4-3AE2-4CB3-824C-A8BD86DDCF02}"/>
-              </a:ext>
-            </a:extLst>
-          </p:cNvPr>
+          <p:cNvPr id="5" name="Picture 4"/>
           <p:cNvPicPr>
             <a:picLocks noChangeAspect="1"/>
           </p:cNvPicPr>
           <p:nvPr/>
         </p:nvPicPr>
         <p:blipFill>
-          <a:blip r:embed="rId4"/>
+          <a:blip r:embed="rId2"/>
           <a:stretch>
             <a:fillRect/>
           </a:stretch>
@@ -27138,6 +27634,9 @@
   <p:clrMapOvr>
     <a:masterClrMapping/>
   </p:clrMapOvr>
+  <p:transition>
+    <p:fade thruBlk="1"/>
+  </p:transition>
 </p:sld>
 </file>
 
@@ -27349,6 +27848,7 @@
               <a:rPr lang="en-SG" sz="2000" dirty="0"/>
               <a:t>.</a:t>
             </a:r>
+            <a:endParaRPr lang="en-SG" sz="2000" dirty="0"/>
           </a:p>
           <a:p>
             <a:r>
@@ -27626,8 +28126,7 @@
               <a:buNone/>
             </a:pPr>
             <a:fld id="{00000000-1234-1234-1234-123412341234}" type="slidenum">
-              <a:rPr lang="en"/>
-              <a:t>4</a:t>
+              <a:rPr lang="en-GB"/>
             </a:fld>
             <a:endParaRPr dirty="0"/>
           </a:p>
@@ -27635,13 +28134,7 @@
       </p:sp>
       <p:sp>
         <p:nvSpPr>
-          <p:cNvPr id="2" name="Rectangle 1">
-            <a:extLst>
-              <a:ext uri="{FF2B5EF4-FFF2-40B4-BE49-F238E27FC236}">
-                <a16:creationId xmlns:a16="http://schemas.microsoft.com/office/drawing/2014/main" id="{F9178D47-7F39-4DE5-A03F-4220E9D00E61}"/>
-              </a:ext>
-            </a:extLst>
-          </p:cNvPr>
+          <p:cNvPr id="2" name="Rectangle 1"/>
           <p:cNvSpPr/>
           <p:nvPr/>
         </p:nvSpPr>
@@ -28011,20 +28504,14 @@
       </p:sp>
       <p:pic>
         <p:nvPicPr>
-          <p:cNvPr id="3" name="Picture 2">
-            <a:extLst>
-              <a:ext uri="{FF2B5EF4-FFF2-40B4-BE49-F238E27FC236}">
-                <a16:creationId xmlns:a16="http://schemas.microsoft.com/office/drawing/2014/main" id="{9EE6FE6E-7A68-4D28-8C1A-254B81832C84}"/>
-              </a:ext>
-            </a:extLst>
-          </p:cNvPr>
+          <p:cNvPr id="3" name="Picture 2"/>
           <p:cNvPicPr>
             <a:picLocks noChangeAspect="1"/>
           </p:cNvPicPr>
           <p:nvPr/>
         </p:nvPicPr>
         <p:blipFill>
-          <a:blip r:embed="rId3"/>
+          <a:blip r:embed="rId1"/>
           <a:stretch>
             <a:fillRect/>
           </a:stretch>
@@ -28044,6 +28531,9 @@
   <p:clrMapOvr>
     <a:masterClrMapping/>
   </p:clrMapOvr>
+  <p:transition>
+    <p:fade thruBlk="1"/>
+  </p:transition>
 </p:sld>
 </file>
 
@@ -28315,6 +28805,7 @@
               <a:rPr lang="en-SG" sz="2000" dirty="0"/>
               <a:t>.</a:t>
             </a:r>
+            <a:endParaRPr lang="en-SG" sz="2000" dirty="0"/>
           </a:p>
           <a:p>
             <a:r>
@@ -28428,8 +28919,7 @@
               <a:buNone/>
             </a:pPr>
             <a:fld id="{00000000-1234-1234-1234-123412341234}" type="slidenum">
-              <a:rPr lang="en"/>
-              <a:t>5</a:t>
+              <a:rPr lang="en-GB"/>
             </a:fld>
             <a:endParaRPr dirty="0"/>
           </a:p>
@@ -28437,13 +28927,7 @@
       </p:sp>
       <p:sp>
         <p:nvSpPr>
-          <p:cNvPr id="2" name="Rectangle 1">
-            <a:extLst>
-              <a:ext uri="{FF2B5EF4-FFF2-40B4-BE49-F238E27FC236}">
-                <a16:creationId xmlns:a16="http://schemas.microsoft.com/office/drawing/2014/main" id="{F9178D47-7F39-4DE5-A03F-4220E9D00E61}"/>
-              </a:ext>
-            </a:extLst>
-          </p:cNvPr>
+          <p:cNvPr id="2" name="Rectangle 1"/>
           <p:cNvSpPr/>
           <p:nvPr/>
         </p:nvSpPr>
@@ -28588,6 +29072,7 @@
               <a:rPr lang="en-SG" sz="2000" b="1" dirty="0"/>
               <a:t>.</a:t>
             </a:r>
+            <a:endParaRPr lang="en-SG" sz="2000" b="1" dirty="0"/>
           </a:p>
           <a:p>
             <a:pPr marL="0" indent="0">
@@ -28598,15 +29083,13 @@
         </p:txBody>
       </p:sp>
     </p:spTree>
-    <p:extLst>
-      <p:ext uri="{BB962C8B-B14F-4D97-AF65-F5344CB8AC3E}">
-        <p14:creationId xmlns:p14="http://schemas.microsoft.com/office/powerpoint/2010/main" val="3576444269"/>
-      </p:ext>
-    </p:extLst>
   </p:cSld>
   <p:clrMapOvr>
     <a:masterClrMapping/>
   </p:clrMapOvr>
+  <p:transition>
+    <p:fade thruBlk="1"/>
+  </p:transition>
 </p:sld>
 </file>
 
@@ -29008,8 +29491,7 @@
               <a:buNone/>
             </a:pPr>
             <a:fld id="{00000000-1234-1234-1234-123412341234}" type="slidenum">
-              <a:rPr lang="en"/>
-              <a:t>6</a:t>
+              <a:rPr lang="en-GB"/>
             </a:fld>
             <a:endParaRPr dirty="0"/>
           </a:p>
@@ -29017,13 +29499,7 @@
       </p:sp>
       <p:sp>
         <p:nvSpPr>
-          <p:cNvPr id="2" name="Rectangle 1">
-            <a:extLst>
-              <a:ext uri="{FF2B5EF4-FFF2-40B4-BE49-F238E27FC236}">
-                <a16:creationId xmlns:a16="http://schemas.microsoft.com/office/drawing/2014/main" id="{F9178D47-7F39-4DE5-A03F-4220E9D00E61}"/>
-              </a:ext>
-            </a:extLst>
-          </p:cNvPr>
+          <p:cNvPr id="2" name="Rectangle 1"/>
           <p:cNvSpPr/>
           <p:nvPr/>
         </p:nvSpPr>
@@ -29222,6 +29698,7 @@
               <a:rPr lang="en-SG" sz="2000" b="1" dirty="0"/>
               <a:t> .</a:t>
             </a:r>
+            <a:endParaRPr lang="en-SG" sz="2000" b="1" dirty="0"/>
           </a:p>
           <a:p>
             <a:pPr marL="0" indent="0">
@@ -29232,15 +29709,13 @@
         </p:txBody>
       </p:sp>
     </p:spTree>
-    <p:extLst>
-      <p:ext uri="{BB962C8B-B14F-4D97-AF65-F5344CB8AC3E}">
-        <p14:creationId xmlns:p14="http://schemas.microsoft.com/office/powerpoint/2010/main" val="606390470"/>
-      </p:ext>
-    </p:extLst>
   </p:cSld>
   <p:clrMapOvr>
     <a:masterClrMapping/>
   </p:clrMapOvr>
+  <p:transition>
+    <p:fade thruBlk="1"/>
+  </p:transition>
 </p:sld>
 </file>
 
@@ -29467,66 +29942,12 @@
               <a:rPr lang="en-US" sz="2000" dirty="0"/>
               <a:t> user</a:t>
             </a:r>
-          </a:p>
-          <a:p>
-            <a:r>
-              <a:rPr lang="en-US" sz="2000" dirty="0" err="1"/>
-              <a:t>Cập</a:t>
-            </a:r>
-            <a:r>
-              <a:rPr lang="en-US" sz="2000" dirty="0"/>
-              <a:t> </a:t>
-            </a:r>
-            <a:r>
-              <a:rPr lang="en-US" sz="2000" dirty="0" err="1"/>
-              <a:t>nhật</a:t>
-            </a:r>
-            <a:r>
-              <a:rPr lang="en-US" sz="2000" dirty="0"/>
-              <a:t> </a:t>
-            </a:r>
-            <a:r>
-              <a:rPr lang="en-US" sz="2000" dirty="0" err="1"/>
-              <a:t>dữ</a:t>
-            </a:r>
-            <a:r>
-              <a:rPr lang="en-US" sz="2000" dirty="0"/>
-              <a:t> </a:t>
-            </a:r>
-            <a:r>
-              <a:rPr lang="en-US" sz="2000" dirty="0" err="1"/>
-              <a:t>liệu</a:t>
-            </a:r>
-            <a:r>
-              <a:rPr lang="en-US" sz="2000" dirty="0"/>
-              <a:t> </a:t>
-            </a:r>
-            <a:r>
-              <a:rPr lang="en-US" sz="2000" dirty="0" err="1"/>
-              <a:t>th</a:t>
-            </a:r>
-            <a:r>
-              <a:rPr lang="vi-VN" sz="2000" dirty="0"/>
-              <a:t>ư</a:t>
-            </a:r>
-            <a:r>
-              <a:rPr lang="en-US" sz="2000" dirty="0" err="1"/>
-              <a:t>ờng</a:t>
-            </a:r>
-            <a:r>
-              <a:rPr lang="en-US" sz="2000" dirty="0"/>
-              <a:t> </a:t>
-            </a:r>
-            <a:r>
-              <a:rPr lang="en-US" sz="2000" dirty="0" err="1"/>
-              <a:t>xuyên</a:t>
-            </a:r>
             <a:endParaRPr lang="en-US" sz="2000" dirty="0"/>
           </a:p>
           <a:p>
             <a:r>
               <a:rPr lang="en-US" sz="2000" dirty="0" err="1"/>
-              <a:t>Xử</a:t>
+              <a:t>Cập</a:t>
             </a:r>
             <a:r>
               <a:rPr lang="en-US" sz="2000" dirty="0"/>
@@ -29534,7 +29955,7 @@
             </a:r>
             <a:r>
               <a:rPr lang="en-US" sz="2000" dirty="0" err="1"/>
-              <a:t>lý</a:t>
+              <a:t>nhật</a:t>
             </a:r>
             <a:r>
               <a:rPr lang="en-US" sz="2000" dirty="0"/>
@@ -29542,6 +29963,61 @@
             </a:r>
             <a:r>
               <a:rPr lang="en-US" sz="2000" dirty="0" err="1"/>
+              <a:t>dữ</a:t>
+            </a:r>
+            <a:r>
+              <a:rPr lang="en-US" sz="2000" dirty="0"/>
+              <a:t> </a:t>
+            </a:r>
+            <a:r>
+              <a:rPr lang="en-US" sz="2000" dirty="0" err="1"/>
+              <a:t>liệu</a:t>
+            </a:r>
+            <a:r>
+              <a:rPr lang="en-US" sz="2000" dirty="0"/>
+              <a:t> </a:t>
+            </a:r>
+            <a:r>
+              <a:rPr lang="en-US" sz="2000" dirty="0" err="1"/>
+              <a:t>th</a:t>
+            </a:r>
+            <a:r>
+              <a:rPr lang="vi-VN" sz="2000" dirty="0"/>
+              <a:t>ư</a:t>
+            </a:r>
+            <a:r>
+              <a:rPr lang="en-US" sz="2000" dirty="0" err="1"/>
+              <a:t>ờng</a:t>
+            </a:r>
+            <a:r>
+              <a:rPr lang="en-US" sz="2000" dirty="0"/>
+              <a:t> </a:t>
+            </a:r>
+            <a:r>
+              <a:rPr lang="en-US" sz="2000" dirty="0" err="1"/>
+              <a:t>xuyên</a:t>
+            </a:r>
+            <a:endParaRPr lang="en-US" sz="2000" dirty="0"/>
+          </a:p>
+          <a:p>
+            <a:r>
+              <a:rPr lang="en-US" sz="2000" dirty="0" err="1"/>
+              <a:t>Xử</a:t>
+            </a:r>
+            <a:r>
+              <a:rPr lang="en-US" sz="2000" dirty="0"/>
+              <a:t> </a:t>
+            </a:r>
+            <a:r>
+              <a:rPr lang="en-US" sz="2000" dirty="0" err="1"/>
+              <a:t>lý</a:t>
+            </a:r>
+            <a:r>
+              <a:rPr lang="en-US" sz="2000" dirty="0"/>
+              <a:t> </a:t>
+            </a:r>
+            <a:r>
+              <a:rPr lang="en-US" sz="2000" dirty="0" err="1"/>
               <a:t>các</a:t>
             </a:r>
             <a:r>
@@ -29648,6 +30124,21 @@
               <a:rPr lang="en-US" sz="2000" dirty="0"/>
               <a:t> Exception)</a:t>
             </a:r>
+            <a:endParaRPr lang="en-US" sz="2000" dirty="0"/>
+          </a:p>
+          <a:p>
+            <a:r>
+              <a:rPr lang="en-US" sz="2000" dirty="0"/>
+              <a:t>Cách thức bán hàng của cửa hàng circleK</a:t>
+            </a:r>
+            <a:endParaRPr lang="en-US" sz="2000" dirty="0"/>
+          </a:p>
+          <a:p>
+            <a:r>
+              <a:rPr lang="en-US" sz="2000" dirty="0"/>
+              <a:t>Thói quen ăn uống, đặt hàng của sinh viên</a:t>
+            </a:r>
+            <a:endParaRPr lang="en-US" sz="2000" dirty="0"/>
           </a:p>
         </p:txBody>
       </p:sp>
@@ -29682,23 +30173,20 @@
               <a:buNone/>
             </a:pPr>
             <a:fld id="{00000000-1234-1234-1234-123412341234}" type="slidenum">
-              <a:rPr lang="en"/>
-              <a:t>7</a:t>
+              <a:rPr lang="en-GB"/>
             </a:fld>
             <a:endParaRPr dirty="0"/>
           </a:p>
         </p:txBody>
       </p:sp>
     </p:spTree>
-    <p:extLst>
-      <p:ext uri="{BB962C8B-B14F-4D97-AF65-F5344CB8AC3E}">
-        <p14:creationId xmlns:p14="http://schemas.microsoft.com/office/powerpoint/2010/main" val="1797796978"/>
-      </p:ext>
-    </p:extLst>
   </p:cSld>
   <p:clrMapOvr>
     <a:masterClrMapping/>
   </p:clrMapOvr>
+  <p:transition>
+    <p:fade thruBlk="1"/>
+  </p:transition>
 </p:sld>
 </file>
 
@@ -29721,21 +30209,9 @@
       </p:grpSpPr>
       <p:graphicFrame>
         <p:nvGraphicFramePr>
-          <p:cNvPr id="3" name="Diagram 2">
-            <a:extLst>
-              <a:ext uri="{FF2B5EF4-FFF2-40B4-BE49-F238E27FC236}">
-                <a16:creationId xmlns:a16="http://schemas.microsoft.com/office/drawing/2014/main" id="{34B2882F-DB56-4B07-8E3F-4097EEBA3E3E}"/>
-              </a:ext>
-            </a:extLst>
-          </p:cNvPr>
+          <p:cNvPr id="3" name="Diagram 2"/>
           <p:cNvGraphicFramePr/>
-          <p:nvPr>
-            <p:extLst>
-              <p:ext uri="{D42A27DB-BD31-4B8C-83A1-F6EECF244321}">
-                <p14:modId xmlns:p14="http://schemas.microsoft.com/office/powerpoint/2010/main" val="202512333"/>
-              </p:ext>
-            </p:extLst>
-          </p:nvPr>
+          <p:nvPr/>
         </p:nvGraphicFramePr>
         <p:xfrm>
           <a:off x="307086" y="1064800"/>
@@ -29743,7 +30219,7 @@
         </p:xfrm>
         <a:graphic>
           <a:graphicData uri="http://schemas.openxmlformats.org/drawingml/2006/diagram">
-            <dgm:relIds xmlns:dgm="http://schemas.openxmlformats.org/drawingml/2006/diagram" xmlns:r="http://schemas.openxmlformats.org/officeDocument/2006/relationships" r:dm="rId2" r:lo="rId3" r:qs="rId4" r:cs="rId5"/>
+            <dgm:relIds xmlns:dgm="http://schemas.openxmlformats.org/drawingml/2006/diagram" xmlns:r="http://schemas.openxmlformats.org/officeDocument/2006/relationships" r:dm="rId1" r:lo="rId2" r:qs="rId3" r:cs="rId4"/>
           </a:graphicData>
         </a:graphic>
       </p:graphicFrame>
@@ -29752,6 +30228,9 @@
   <p:clrMapOvr>
     <a:masterClrMapping/>
   </p:clrMapOvr>
+  <p:transition>
+    <p:fade thruBlk="1"/>
+  </p:transition>
 </p:sld>
 </file>
 
@@ -29774,13 +30253,7 @@
       </p:grpSpPr>
       <p:sp>
         <p:nvSpPr>
-          <p:cNvPr id="4098" name="Title 1">
-            <a:extLst>
-              <a:ext uri="{FF2B5EF4-FFF2-40B4-BE49-F238E27FC236}">
-                <a16:creationId xmlns:a16="http://schemas.microsoft.com/office/drawing/2014/main" id="{67DA14D2-4366-4F03-A25D-08A87441B679}"/>
-              </a:ext>
-            </a:extLst>
-          </p:cNvPr>
+          <p:cNvPr id="4098" name="Title 1"/>
           <p:cNvSpPr>
             <a:spLocks noGrp="1" noChangeArrowheads="1"/>
           </p:cNvSpPr>
@@ -29874,6 +30347,7 @@
               <a:rPr lang="en-US" altLang="en-US" b="1" dirty="0"/>
               <a:t>Java ,SQL Server</a:t>
             </a:r>
+            <a:endParaRPr lang="en-US" altLang="en-US" b="1" dirty="0"/>
           </a:p>
         </p:txBody>
       </p:sp>
@@ -29882,6 +30356,9 @@
   <p:clrMapOvr>
     <a:masterClrMapping/>
   </p:clrMapOvr>
+  <p:transition>
+    <p:fade thruBlk="1"/>
+  </p:transition>
 </p:sld>
 </file>
 
@@ -30161,8 +30638,11 @@
       </a:bgFillStyleLst>
     </a:fmtScheme>
   </a:themeElements>
-  <a:objectDefaults/>
-  <a:extraClrSchemeLst/>
+  <a:extLst>
+    <a:ext uri="{05A4C25C-085E-4340-85A3-A5531E510DB2}">
+      <thm15:themeFamily xmlns:thm15="http://schemas.microsoft.com/office/thememl/2012/main" name="Office Theme" id="{62F939B6-93AF-4DB8-9C6B-D6C7DFDC589F}" vid="{4A3C46E8-61CC-4603-A589-7422A47A8E4A}"/>
+    </a:ext>
+  </a:extLst>
 </a:theme>
 </file>
 
@@ -30442,7 +30922,10 @@
       </a:bgFillStyleLst>
     </a:fmtScheme>
   </a:themeElements>
-  <a:objectDefaults/>
-  <a:extraClrSchemeLst/>
+  <a:extLst>
+    <a:ext uri="{05A4C25C-085E-4340-85A3-A5531E510DB2}">
+      <thm15:themeFamily xmlns:thm15="http://schemas.microsoft.com/office/thememl/2012/main" name="Office Theme" id="{62F939B6-93AF-4DB8-9C6B-D6C7DFDC589F}" vid="{4A3C46E8-61CC-4603-A589-7422A47A8E4A}"/>
+    </a:ext>
+  </a:extLst>
 </a:theme>
 </file>